--- a/GCA_Customer_Insights_Month-Year.pptx
+++ b/GCA_Customer_Insights_Month-Year.pptx
@@ -5,10 +5,10 @@
     <p:sldMasterId id="2147483648" r:id="rId1"/>
   </p:sldMasterIdLst>
   <p:notesMasterIdLst>
-    <p:notesMasterId r:id="rId15"/>
+    <p:notesMasterId r:id="rId16"/>
   </p:notesMasterIdLst>
   <p:handoutMasterIdLst>
-    <p:handoutMasterId r:id="rId16"/>
+    <p:handoutMasterId r:id="rId17"/>
   </p:handoutMasterIdLst>
   <p:sldIdLst>
     <p:sldId id="276" r:id="rId2"/>
@@ -24,11 +24,12 @@
     <p:sldId id="288" r:id="rId12"/>
     <p:sldId id="264" r:id="rId13"/>
     <p:sldId id="289" r:id="rId14"/>
+    <p:sldId id="295" r:id="rId15"/>
   </p:sldIdLst>
   <p:sldSz cx="12192000" cy="6858000"/>
   <p:notesSz cx="7010400" cy="9296400"/>
   <p:custDataLst>
-    <p:tags r:id="rId17"/>
+    <p:tags r:id="rId18"/>
   </p:custDataLst>
   <p:defaultTextStyle>
     <a:defPPr>
@@ -272,7 +273,7 @@
           <a:p>
             <a:fld id="{3CA61830-C416-483F-955E-54203C65B711}" type="datetimeFigureOut">
               <a:rPr lang="en-US"/>
-              <a:t>3/15/2018</a:t>
+              <a:t>9/6/2018</a:t>
             </a:fld>
             <a:endParaRPr dirty="0"/>
           </a:p>
@@ -1127,6 +1128,91 @@
     <p:extLst>
       <p:ext uri="{BB962C8B-B14F-4D97-AF65-F5344CB8AC3E}">
         <p14:creationId xmlns:p14="http://schemas.microsoft.com/office/powerpoint/2010/main" val="2496052183"/>
+      </p:ext>
+    </p:extLst>
+  </p:cSld>
+  <p:clrMapOvr>
+    <a:masterClrMapping/>
+  </p:clrMapOvr>
+</p:notes>
+</file>
+
+<file path=ppt/notesSlides/notesSlide14.xml><?xml version="1.0" encoding="utf-8"?>
+<p:notes xmlns:a="http://schemas.openxmlformats.org/drawingml/2006/main" xmlns:r="http://schemas.openxmlformats.org/officeDocument/2006/relationships" xmlns:p="http://schemas.openxmlformats.org/presentationml/2006/main">
+  <p:cSld>
+    <p:spTree>
+      <p:nvGrpSpPr>
+        <p:cNvPr id="1" name=""/>
+        <p:cNvGrpSpPr/>
+        <p:nvPr/>
+      </p:nvGrpSpPr>
+      <p:grpSpPr>
+        <a:xfrm>
+          <a:off x="0" y="0"/>
+          <a:ext cx="0" cy="0"/>
+          <a:chOff x="0" y="0"/>
+          <a:chExt cx="0" cy="0"/>
+        </a:xfrm>
+      </p:grpSpPr>
+      <p:sp>
+        <p:nvSpPr>
+          <p:cNvPr id="2" name="Slide Image Placeholder 1"/>
+          <p:cNvSpPr>
+            <a:spLocks noGrp="1" noRot="1" noChangeAspect="1"/>
+          </p:cNvSpPr>
+          <p:nvPr>
+            <p:ph type="sldImg"/>
+          </p:nvPr>
+        </p:nvSpPr>
+        <p:spPr/>
+      </p:sp>
+      <p:sp>
+        <p:nvSpPr>
+          <p:cNvPr id="3" name="Notes Placeholder 2"/>
+          <p:cNvSpPr>
+            <a:spLocks noGrp="1"/>
+          </p:cNvSpPr>
+          <p:nvPr>
+            <p:ph type="body" idx="1"/>
+          </p:nvPr>
+        </p:nvSpPr>
+        <p:spPr/>
+        <p:txBody>
+          <a:bodyPr/>
+          <a:lstStyle/>
+          <a:p>
+            <a:endParaRPr lang="en-US" dirty="0"/>
+          </a:p>
+        </p:txBody>
+      </p:sp>
+      <p:sp>
+        <p:nvSpPr>
+          <p:cNvPr id="4" name="Slide Number Placeholder 3"/>
+          <p:cNvSpPr>
+            <a:spLocks noGrp="1"/>
+          </p:cNvSpPr>
+          <p:nvPr>
+            <p:ph type="sldNum" sz="quarter" idx="10"/>
+          </p:nvPr>
+        </p:nvSpPr>
+        <p:spPr/>
+        <p:txBody>
+          <a:bodyPr/>
+          <a:lstStyle/>
+          <a:p>
+            <a:fld id="{5BFEAE42-E3FE-4405-B7FC-4425D05B92A0}" type="slidenum">
+              <a:rPr lang="en-US" smtClean="0"/>
+              <a:pPr/>
+              <a:t>14</a:t>
+            </a:fld>
+            <a:endParaRPr lang="en-US"/>
+          </a:p>
+        </p:txBody>
+      </p:sp>
+    </p:spTree>
+    <p:extLst>
+      <p:ext uri="{BB962C8B-B14F-4D97-AF65-F5344CB8AC3E}">
+        <p14:creationId xmlns:p14="http://schemas.microsoft.com/office/powerpoint/2010/main" val="2480284675"/>
       </p:ext>
     </p:extLst>
   </p:cSld>
@@ -9347,7 +9433,7 @@
           <a:p>
             <a:fld id="{C07C5E14-300D-4720-B5FE-54C7D96D4160}" type="datetime4">
               <a:rPr lang="en-US" smtClean="0"/>
-              <a:t>March 15, 2018</a:t>
+              <a:t>September 6, 2018</a:t>
             </a:fld>
             <a:endParaRPr/>
           </a:p>
@@ -9683,7 +9769,7 @@
           <a:p>
             <a:fld id="{26B45FFC-9EEF-4E69-85F5-C8F54747804D}" type="datetime4">
               <a:rPr lang="en-US" smtClean="0"/>
-              <a:t>March 15, 2018</a:t>
+              <a:t>September 6, 2018</a:t>
             </a:fld>
             <a:endParaRPr/>
           </a:p>
@@ -9917,7 +10003,7 @@
           <a:p>
             <a:fld id="{684E3265-88A3-4C30-AE11-BFDF645909E9}" type="datetime4">
               <a:rPr lang="en-US" smtClean="0"/>
-              <a:t>March 15, 2018</a:t>
+              <a:t>September 6, 2018</a:t>
             </a:fld>
             <a:endParaRPr/>
           </a:p>
@@ -10028,7 +10114,7 @@
           <a:p>
             <a:fld id="{E9F763D2-AF56-4C60-80C7-7D8FC051005C}" type="datetime4">
               <a:rPr lang="en-US" smtClean="0"/>
-              <a:t>March 15, 2018</a:t>
+              <a:t>September 6, 2018</a:t>
             </a:fld>
             <a:endParaRPr/>
           </a:p>
@@ -10306,7 +10392,7 @@
           <a:p>
             <a:fld id="{65FD8143-BFA3-46F8-9B90-B0E5CFAF7F7C}" type="datetime4">
               <a:rPr lang="en-US" smtClean="0"/>
-              <a:t>March 15, 2018</a:t>
+              <a:t>September 6, 2018</a:t>
             </a:fld>
             <a:endParaRPr/>
           </a:p>
@@ -22316,6 +22402,1008 @@
 </p:sld>
 </file>
 
+<file path=ppt/slides/slide14.xml><?xml version="1.0" encoding="utf-8"?>
+<p:sld xmlns:a="http://schemas.openxmlformats.org/drawingml/2006/main" xmlns:r="http://schemas.openxmlformats.org/officeDocument/2006/relationships" xmlns:p="http://schemas.openxmlformats.org/presentationml/2006/main">
+  <p:cSld>
+    <p:spTree>
+      <p:nvGrpSpPr>
+        <p:cNvPr id="1" name=""/>
+        <p:cNvGrpSpPr/>
+        <p:nvPr/>
+      </p:nvGrpSpPr>
+      <p:grpSpPr>
+        <a:xfrm>
+          <a:off x="0" y="0"/>
+          <a:ext cx="0" cy="0"/>
+          <a:chOff x="0" y="0"/>
+          <a:chExt cx="0" cy="0"/>
+        </a:xfrm>
+      </p:grpSpPr>
+      <p:grpSp>
+        <p:nvGrpSpPr>
+          <p:cNvPr id="23" name="Group 22"/>
+          <p:cNvGrpSpPr/>
+          <p:nvPr/>
+        </p:nvGrpSpPr>
+        <p:grpSpPr>
+          <a:xfrm>
+            <a:off x="1828800" y="4531800"/>
+            <a:ext cx="8495561" cy="1545336"/>
+            <a:chOff x="2110420" y="2819992"/>
+            <a:chExt cx="7847802" cy="1545336"/>
+          </a:xfrm>
+          <a:noFill/>
+        </p:grpSpPr>
+        <p:sp>
+          <p:nvSpPr>
+            <p:cNvPr id="15" name="Content Placeholder 1"/>
+            <p:cNvSpPr txBox="1">
+              <a:spLocks/>
+            </p:cNvSpPr>
+            <p:nvPr/>
+          </p:nvSpPr>
+          <p:spPr>
+            <a:xfrm>
+              <a:off x="2110420" y="2819992"/>
+              <a:ext cx="7847802" cy="1545336"/>
+            </a:xfrm>
+            <a:prstGeom prst="rect">
+              <a:avLst/>
+            </a:prstGeom>
+            <a:grpFill/>
+            <a:ln w="38100">
+              <a:solidFill>
+                <a:schemeClr val="accent2"/>
+              </a:solidFill>
+            </a:ln>
+          </p:spPr>
+          <p:txBody>
+            <a:bodyPr vert="horz" lIns="274320" tIns="274320" rIns="1645920" bIns="274320" rtlCol="0" anchor="ctr">
+              <a:noAutofit/>
+            </a:bodyPr>
+            <a:lstStyle>
+              <a:lvl1pPr marL="182880" indent="-182880" algn="l" defTabSz="914400" rtl="0" eaLnBrk="1" latinLnBrk="0" hangingPunct="1">
+                <a:lnSpc>
+                  <a:spcPct val="90000"/>
+                </a:lnSpc>
+                <a:spcBef>
+                  <a:spcPts val="1200"/>
+                </a:spcBef>
+                <a:buClr>
+                  <a:schemeClr val="tx1"/>
+                </a:buClr>
+                <a:buFont typeface="Arial" panose="020B0604020202020204" pitchFamily="34" charset="0"/>
+                <a:buChar char="–"/>
+                <a:defRPr sz="1800" kern="1200">
+                  <a:solidFill>
+                    <a:schemeClr val="tx1"/>
+                  </a:solidFill>
+                  <a:latin typeface="+mn-lt"/>
+                  <a:ea typeface="+mn-ea"/>
+                  <a:cs typeface="+mn-cs"/>
+                </a:defRPr>
+              </a:lvl1pPr>
+              <a:lvl2pPr marL="411480" indent="-182880" algn="l" defTabSz="914400" rtl="0" eaLnBrk="1" latinLnBrk="0" hangingPunct="1">
+                <a:lnSpc>
+                  <a:spcPct val="90000"/>
+                </a:lnSpc>
+                <a:spcBef>
+                  <a:spcPts val="800"/>
+                </a:spcBef>
+                <a:buClr>
+                  <a:schemeClr val="tx1"/>
+                </a:buClr>
+                <a:buFont typeface="Arial" panose="020B0604020202020204" pitchFamily="34" charset="0"/>
+                <a:buChar char="–"/>
+                <a:defRPr sz="1600" kern="1200">
+                  <a:solidFill>
+                    <a:schemeClr val="tx1"/>
+                  </a:solidFill>
+                  <a:latin typeface="+mn-lt"/>
+                  <a:ea typeface="+mn-ea"/>
+                  <a:cs typeface="+mn-cs"/>
+                </a:defRPr>
+              </a:lvl2pPr>
+              <a:lvl3pPr marL="548640" indent="-137160" algn="l" defTabSz="914400" rtl="0" eaLnBrk="1" latinLnBrk="0" hangingPunct="1">
+                <a:lnSpc>
+                  <a:spcPct val="90000"/>
+                </a:lnSpc>
+                <a:spcBef>
+                  <a:spcPts val="600"/>
+                </a:spcBef>
+                <a:buClr>
+                  <a:schemeClr val="tx1"/>
+                </a:buClr>
+                <a:buFont typeface="Arial" panose="020B0604020202020204" pitchFamily="34" charset="0"/>
+                <a:buChar char="–"/>
+                <a:defRPr sz="1400" kern="1200">
+                  <a:solidFill>
+                    <a:schemeClr val="tx1"/>
+                  </a:solidFill>
+                  <a:latin typeface="+mn-lt"/>
+                  <a:ea typeface="+mn-ea"/>
+                  <a:cs typeface="+mn-cs"/>
+                </a:defRPr>
+              </a:lvl3pPr>
+              <a:lvl4pPr marL="731520" indent="-137160" algn="l" defTabSz="914400" rtl="0" eaLnBrk="1" latinLnBrk="0" hangingPunct="1">
+                <a:lnSpc>
+                  <a:spcPct val="90000"/>
+                </a:lnSpc>
+                <a:spcBef>
+                  <a:spcPts val="600"/>
+                </a:spcBef>
+                <a:buClr>
+                  <a:schemeClr val="tx1"/>
+                </a:buClr>
+                <a:buFont typeface="Arial" panose="020B0604020202020204" pitchFamily="34" charset="0"/>
+                <a:buChar char="–"/>
+                <a:defRPr sz="1200" kern="1200">
+                  <a:solidFill>
+                    <a:schemeClr val="tx1"/>
+                  </a:solidFill>
+                  <a:latin typeface="+mn-lt"/>
+                  <a:ea typeface="+mn-ea"/>
+                  <a:cs typeface="+mn-cs"/>
+                </a:defRPr>
+              </a:lvl4pPr>
+              <a:lvl5pPr marL="868680" indent="-137160" algn="l" defTabSz="914400" rtl="0" eaLnBrk="1" latinLnBrk="0" hangingPunct="1">
+                <a:lnSpc>
+                  <a:spcPct val="90000"/>
+                </a:lnSpc>
+                <a:spcBef>
+                  <a:spcPts val="600"/>
+                </a:spcBef>
+                <a:buClr>
+                  <a:schemeClr val="tx1"/>
+                </a:buClr>
+                <a:buFont typeface="Arial" panose="020B0604020202020204" pitchFamily="34" charset="0"/>
+                <a:buChar char="–"/>
+                <a:defRPr sz="1200" kern="1200">
+                  <a:solidFill>
+                    <a:schemeClr val="tx1"/>
+                  </a:solidFill>
+                  <a:latin typeface="+mn-lt"/>
+                  <a:ea typeface="+mn-ea"/>
+                  <a:cs typeface="+mn-cs"/>
+                </a:defRPr>
+              </a:lvl5pPr>
+              <a:lvl6pPr marL="1051560" indent="-137160" algn="l" defTabSz="914400" rtl="0" eaLnBrk="1" latinLnBrk="0" hangingPunct="1">
+                <a:lnSpc>
+                  <a:spcPct val="90000"/>
+                </a:lnSpc>
+                <a:spcBef>
+                  <a:spcPts val="600"/>
+                </a:spcBef>
+                <a:buClr>
+                  <a:schemeClr val="tx1"/>
+                </a:buClr>
+                <a:buFont typeface="Arial" panose="020B0604020202020204" pitchFamily="34" charset="0"/>
+                <a:buChar char="–"/>
+                <a:defRPr sz="1200" kern="1200">
+                  <a:solidFill>
+                    <a:schemeClr val="tx1"/>
+                  </a:solidFill>
+                  <a:latin typeface="+mn-lt"/>
+                  <a:ea typeface="+mn-ea"/>
+                  <a:cs typeface="+mn-cs"/>
+                </a:defRPr>
+              </a:lvl6pPr>
+              <a:lvl7pPr marL="1188720" indent="-137160" algn="l" defTabSz="914400" rtl="0" eaLnBrk="1" latinLnBrk="0" hangingPunct="1">
+                <a:lnSpc>
+                  <a:spcPct val="90000"/>
+                </a:lnSpc>
+                <a:spcBef>
+                  <a:spcPts val="600"/>
+                </a:spcBef>
+                <a:buClr>
+                  <a:schemeClr val="tx1"/>
+                </a:buClr>
+                <a:buFont typeface="Arial" panose="020B0604020202020204" pitchFamily="34" charset="0"/>
+                <a:buChar char="–"/>
+                <a:defRPr sz="1200" kern="1200">
+                  <a:solidFill>
+                    <a:schemeClr val="tx1"/>
+                  </a:solidFill>
+                  <a:latin typeface="+mn-lt"/>
+                  <a:ea typeface="+mn-ea"/>
+                  <a:cs typeface="+mn-cs"/>
+                </a:defRPr>
+              </a:lvl7pPr>
+              <a:lvl8pPr marL="1371600" indent="-137160" algn="l" defTabSz="914400" rtl="0" eaLnBrk="1" latinLnBrk="0" hangingPunct="1">
+                <a:lnSpc>
+                  <a:spcPct val="90000"/>
+                </a:lnSpc>
+                <a:spcBef>
+                  <a:spcPts val="600"/>
+                </a:spcBef>
+                <a:buClr>
+                  <a:schemeClr val="tx1"/>
+                </a:buClr>
+                <a:buFont typeface="Arial" panose="020B0604020202020204" pitchFamily="34" charset="0"/>
+                <a:buChar char="–"/>
+                <a:defRPr sz="1200" kern="1200">
+                  <a:solidFill>
+                    <a:schemeClr val="tx1"/>
+                  </a:solidFill>
+                  <a:latin typeface="+mn-lt"/>
+                  <a:ea typeface="+mn-ea"/>
+                  <a:cs typeface="+mn-cs"/>
+                </a:defRPr>
+              </a:lvl8pPr>
+              <a:lvl9pPr marL="1554480" indent="-137160" algn="l" defTabSz="914400" rtl="0" eaLnBrk="1" latinLnBrk="0" hangingPunct="1">
+                <a:lnSpc>
+                  <a:spcPct val="90000"/>
+                </a:lnSpc>
+                <a:spcBef>
+                  <a:spcPts val="600"/>
+                </a:spcBef>
+                <a:buClr>
+                  <a:schemeClr val="tx1"/>
+                </a:buClr>
+                <a:buFont typeface="Arial" panose="020B0604020202020204" pitchFamily="34" charset="0"/>
+                <a:buChar char="–"/>
+                <a:defRPr sz="1200" kern="1200">
+                  <a:solidFill>
+                    <a:schemeClr val="tx1"/>
+                  </a:solidFill>
+                  <a:latin typeface="+mn-lt"/>
+                  <a:ea typeface="+mn-ea"/>
+                  <a:cs typeface="+mn-cs"/>
+                </a:defRPr>
+              </a:lvl9pPr>
+            </a:lstStyle>
+            <a:p>
+              <a:pPr marL="0" indent="0">
+                <a:lnSpc>
+                  <a:spcPct val="100000"/>
+                </a:lnSpc>
+                <a:spcBef>
+                  <a:spcPts val="1000"/>
+                </a:spcBef>
+                <a:buFont typeface="Arial" panose="020B0604020202020204" pitchFamily="34" charset="0"/>
+                <a:buNone/>
+              </a:pPr>
+              <a:endParaRPr lang="en-US" b="1" dirty="0"/>
+            </a:p>
+          </p:txBody>
+        </p:sp>
+        <p:cxnSp>
+          <p:nvCxnSpPr>
+            <p:cNvPr id="17" name="Straight Connector 16"/>
+            <p:cNvCxnSpPr/>
+            <p:nvPr/>
+          </p:nvCxnSpPr>
+          <p:spPr>
+            <a:xfrm>
+              <a:off x="3328827" y="3031282"/>
+              <a:ext cx="0" cy="1122755"/>
+            </a:xfrm>
+            <a:prstGeom prst="line">
+              <a:avLst/>
+            </a:prstGeom>
+            <a:grpFill/>
+            <a:ln w="38100">
+              <a:solidFill>
+                <a:schemeClr val="bg2"/>
+              </a:solidFill>
+            </a:ln>
+          </p:spPr>
+        </p:cxnSp>
+      </p:grpSp>
+      <p:grpSp>
+        <p:nvGrpSpPr>
+          <p:cNvPr id="22" name="Group 21"/>
+          <p:cNvGrpSpPr/>
+          <p:nvPr/>
+        </p:nvGrpSpPr>
+        <p:grpSpPr>
+          <a:xfrm>
+            <a:off x="1828800" y="1198880"/>
+            <a:ext cx="8495561" cy="1545336"/>
+            <a:chOff x="2110420" y="4468336"/>
+            <a:chExt cx="7847802" cy="1545336"/>
+          </a:xfrm>
+        </p:grpSpPr>
+        <p:sp>
+          <p:nvSpPr>
+            <p:cNvPr id="16" name="Content Placeholder 1"/>
+            <p:cNvSpPr txBox="1">
+              <a:spLocks/>
+            </p:cNvSpPr>
+            <p:nvPr/>
+          </p:nvSpPr>
+          <p:spPr>
+            <a:xfrm>
+              <a:off x="2110420" y="4468336"/>
+              <a:ext cx="7847802" cy="1545336"/>
+            </a:xfrm>
+            <a:prstGeom prst="rect">
+              <a:avLst/>
+            </a:prstGeom>
+            <a:solidFill>
+              <a:schemeClr val="bg1"/>
+            </a:solidFill>
+            <a:ln w="38100">
+              <a:solidFill>
+                <a:schemeClr val="accent3"/>
+              </a:solidFill>
+            </a:ln>
+          </p:spPr>
+          <p:txBody>
+            <a:bodyPr vert="horz" lIns="274320" tIns="274320" rIns="1645920" bIns="274320" rtlCol="0" anchor="ctr">
+              <a:noAutofit/>
+            </a:bodyPr>
+            <a:lstStyle>
+              <a:lvl1pPr marL="182880" indent="-182880" algn="l" defTabSz="914400" rtl="0" eaLnBrk="1" latinLnBrk="0" hangingPunct="1">
+                <a:lnSpc>
+                  <a:spcPct val="90000"/>
+                </a:lnSpc>
+                <a:spcBef>
+                  <a:spcPts val="1200"/>
+                </a:spcBef>
+                <a:buClr>
+                  <a:schemeClr val="tx1"/>
+                </a:buClr>
+                <a:buFont typeface="Arial" panose="020B0604020202020204" pitchFamily="34" charset="0"/>
+                <a:buChar char="–"/>
+                <a:defRPr sz="1800" kern="1200">
+                  <a:solidFill>
+                    <a:schemeClr val="tx1"/>
+                  </a:solidFill>
+                  <a:latin typeface="+mn-lt"/>
+                  <a:ea typeface="+mn-ea"/>
+                  <a:cs typeface="+mn-cs"/>
+                </a:defRPr>
+              </a:lvl1pPr>
+              <a:lvl2pPr marL="411480" indent="-182880" algn="l" defTabSz="914400" rtl="0" eaLnBrk="1" latinLnBrk="0" hangingPunct="1">
+                <a:lnSpc>
+                  <a:spcPct val="90000"/>
+                </a:lnSpc>
+                <a:spcBef>
+                  <a:spcPts val="800"/>
+                </a:spcBef>
+                <a:buClr>
+                  <a:schemeClr val="tx1"/>
+                </a:buClr>
+                <a:buFont typeface="Arial" panose="020B0604020202020204" pitchFamily="34" charset="0"/>
+                <a:buChar char="–"/>
+                <a:defRPr sz="1600" kern="1200">
+                  <a:solidFill>
+                    <a:schemeClr val="tx1"/>
+                  </a:solidFill>
+                  <a:latin typeface="+mn-lt"/>
+                  <a:ea typeface="+mn-ea"/>
+                  <a:cs typeface="+mn-cs"/>
+                </a:defRPr>
+              </a:lvl2pPr>
+              <a:lvl3pPr marL="548640" indent="-137160" algn="l" defTabSz="914400" rtl="0" eaLnBrk="1" latinLnBrk="0" hangingPunct="1">
+                <a:lnSpc>
+                  <a:spcPct val="90000"/>
+                </a:lnSpc>
+                <a:spcBef>
+                  <a:spcPts val="600"/>
+                </a:spcBef>
+                <a:buClr>
+                  <a:schemeClr val="tx1"/>
+                </a:buClr>
+                <a:buFont typeface="Arial" panose="020B0604020202020204" pitchFamily="34" charset="0"/>
+                <a:buChar char="–"/>
+                <a:defRPr sz="1400" kern="1200">
+                  <a:solidFill>
+                    <a:schemeClr val="tx1"/>
+                  </a:solidFill>
+                  <a:latin typeface="+mn-lt"/>
+                  <a:ea typeface="+mn-ea"/>
+                  <a:cs typeface="+mn-cs"/>
+                </a:defRPr>
+              </a:lvl3pPr>
+              <a:lvl4pPr marL="731520" indent="-137160" algn="l" defTabSz="914400" rtl="0" eaLnBrk="1" latinLnBrk="0" hangingPunct="1">
+                <a:lnSpc>
+                  <a:spcPct val="90000"/>
+                </a:lnSpc>
+                <a:spcBef>
+                  <a:spcPts val="600"/>
+                </a:spcBef>
+                <a:buClr>
+                  <a:schemeClr val="tx1"/>
+                </a:buClr>
+                <a:buFont typeface="Arial" panose="020B0604020202020204" pitchFamily="34" charset="0"/>
+                <a:buChar char="–"/>
+                <a:defRPr sz="1200" kern="1200">
+                  <a:solidFill>
+                    <a:schemeClr val="tx1"/>
+                  </a:solidFill>
+                  <a:latin typeface="+mn-lt"/>
+                  <a:ea typeface="+mn-ea"/>
+                  <a:cs typeface="+mn-cs"/>
+                </a:defRPr>
+              </a:lvl4pPr>
+              <a:lvl5pPr marL="868680" indent="-137160" algn="l" defTabSz="914400" rtl="0" eaLnBrk="1" latinLnBrk="0" hangingPunct="1">
+                <a:lnSpc>
+                  <a:spcPct val="90000"/>
+                </a:lnSpc>
+                <a:spcBef>
+                  <a:spcPts val="600"/>
+                </a:spcBef>
+                <a:buClr>
+                  <a:schemeClr val="tx1"/>
+                </a:buClr>
+                <a:buFont typeface="Arial" panose="020B0604020202020204" pitchFamily="34" charset="0"/>
+                <a:buChar char="–"/>
+                <a:defRPr sz="1200" kern="1200">
+                  <a:solidFill>
+                    <a:schemeClr val="tx1"/>
+                  </a:solidFill>
+                  <a:latin typeface="+mn-lt"/>
+                  <a:ea typeface="+mn-ea"/>
+                  <a:cs typeface="+mn-cs"/>
+                </a:defRPr>
+              </a:lvl5pPr>
+              <a:lvl6pPr marL="1051560" indent="-137160" algn="l" defTabSz="914400" rtl="0" eaLnBrk="1" latinLnBrk="0" hangingPunct="1">
+                <a:lnSpc>
+                  <a:spcPct val="90000"/>
+                </a:lnSpc>
+                <a:spcBef>
+                  <a:spcPts val="600"/>
+                </a:spcBef>
+                <a:buClr>
+                  <a:schemeClr val="tx1"/>
+                </a:buClr>
+                <a:buFont typeface="Arial" panose="020B0604020202020204" pitchFamily="34" charset="0"/>
+                <a:buChar char="–"/>
+                <a:defRPr sz="1200" kern="1200">
+                  <a:solidFill>
+                    <a:schemeClr val="tx1"/>
+                  </a:solidFill>
+                  <a:latin typeface="+mn-lt"/>
+                  <a:ea typeface="+mn-ea"/>
+                  <a:cs typeface="+mn-cs"/>
+                </a:defRPr>
+              </a:lvl6pPr>
+              <a:lvl7pPr marL="1188720" indent="-137160" algn="l" defTabSz="914400" rtl="0" eaLnBrk="1" latinLnBrk="0" hangingPunct="1">
+                <a:lnSpc>
+                  <a:spcPct val="90000"/>
+                </a:lnSpc>
+                <a:spcBef>
+                  <a:spcPts val="600"/>
+                </a:spcBef>
+                <a:buClr>
+                  <a:schemeClr val="tx1"/>
+                </a:buClr>
+                <a:buFont typeface="Arial" panose="020B0604020202020204" pitchFamily="34" charset="0"/>
+                <a:buChar char="–"/>
+                <a:defRPr sz="1200" kern="1200">
+                  <a:solidFill>
+                    <a:schemeClr val="tx1"/>
+                  </a:solidFill>
+                  <a:latin typeface="+mn-lt"/>
+                  <a:ea typeface="+mn-ea"/>
+                  <a:cs typeface="+mn-cs"/>
+                </a:defRPr>
+              </a:lvl7pPr>
+              <a:lvl8pPr marL="1371600" indent="-137160" algn="l" defTabSz="914400" rtl="0" eaLnBrk="1" latinLnBrk="0" hangingPunct="1">
+                <a:lnSpc>
+                  <a:spcPct val="90000"/>
+                </a:lnSpc>
+                <a:spcBef>
+                  <a:spcPts val="600"/>
+                </a:spcBef>
+                <a:buClr>
+                  <a:schemeClr val="tx1"/>
+                </a:buClr>
+                <a:buFont typeface="Arial" panose="020B0604020202020204" pitchFamily="34" charset="0"/>
+                <a:buChar char="–"/>
+                <a:defRPr sz="1200" kern="1200">
+                  <a:solidFill>
+                    <a:schemeClr val="tx1"/>
+                  </a:solidFill>
+                  <a:latin typeface="+mn-lt"/>
+                  <a:ea typeface="+mn-ea"/>
+                  <a:cs typeface="+mn-cs"/>
+                </a:defRPr>
+              </a:lvl8pPr>
+              <a:lvl9pPr marL="1554480" indent="-137160" algn="l" defTabSz="914400" rtl="0" eaLnBrk="1" latinLnBrk="0" hangingPunct="1">
+                <a:lnSpc>
+                  <a:spcPct val="90000"/>
+                </a:lnSpc>
+                <a:spcBef>
+                  <a:spcPts val="600"/>
+                </a:spcBef>
+                <a:buClr>
+                  <a:schemeClr val="tx1"/>
+                </a:buClr>
+                <a:buFont typeface="Arial" panose="020B0604020202020204" pitchFamily="34" charset="0"/>
+                <a:buChar char="–"/>
+                <a:defRPr sz="1200" kern="1200">
+                  <a:solidFill>
+                    <a:schemeClr val="tx1"/>
+                  </a:solidFill>
+                  <a:latin typeface="+mn-lt"/>
+                  <a:ea typeface="+mn-ea"/>
+                  <a:cs typeface="+mn-cs"/>
+                </a:defRPr>
+              </a:lvl9pPr>
+            </a:lstStyle>
+            <a:p>
+              <a:pPr marL="0" indent="0">
+                <a:lnSpc>
+                  <a:spcPct val="100000"/>
+                </a:lnSpc>
+                <a:spcBef>
+                  <a:spcPts val="1000"/>
+                </a:spcBef>
+                <a:buFont typeface="Arial" panose="020B0604020202020204" pitchFamily="34" charset="0"/>
+                <a:buNone/>
+              </a:pPr>
+              <a:endParaRPr lang="en-US" b="1" dirty="0"/>
+            </a:p>
+          </p:txBody>
+        </p:sp>
+        <p:cxnSp>
+          <p:nvCxnSpPr>
+            <p:cNvPr id="18" name="Straight Connector 17"/>
+            <p:cNvCxnSpPr/>
+            <p:nvPr/>
+          </p:nvCxnSpPr>
+          <p:spPr>
+            <a:xfrm>
+              <a:off x="3328827" y="4679626"/>
+              <a:ext cx="0" cy="1122755"/>
+            </a:xfrm>
+            <a:prstGeom prst="line">
+              <a:avLst/>
+            </a:prstGeom>
+            <a:solidFill>
+              <a:schemeClr val="bg1"/>
+            </a:solidFill>
+            <a:ln w="38100">
+              <a:solidFill>
+                <a:schemeClr val="bg2"/>
+              </a:solidFill>
+            </a:ln>
+          </p:spPr>
+        </p:cxnSp>
+      </p:grpSp>
+      <p:sp>
+        <p:nvSpPr>
+          <p:cNvPr id="4" name="Title 3"/>
+          <p:cNvSpPr>
+            <a:spLocks noGrp="1"/>
+          </p:cNvSpPr>
+          <p:nvPr>
+            <p:ph type="title"/>
+          </p:nvPr>
+        </p:nvSpPr>
+        <p:spPr>
+          <a:xfrm>
+            <a:off x="609441" y="519236"/>
+            <a:ext cx="11508495" cy="852364"/>
+          </a:xfrm>
+        </p:spPr>
+        <p:txBody>
+          <a:bodyPr/>
+          <a:lstStyle/>
+          <a:p>
+            <a:r>
+              <a:rPr lang="en-US" dirty="0"/>
+              <a:t>3 month trend: </a:t>
+            </a:r>
+            <a:r>
+              <a:rPr lang="en-US" dirty="0" smtClean="0"/>
+              <a:t>Account </a:t>
+            </a:r>
+            <a:r>
+              <a:rPr lang="en-US" smtClean="0"/>
+              <a:t>team Objectives</a:t>
+            </a:r>
+            <a:endParaRPr lang="en-US" dirty="0"/>
+          </a:p>
+        </p:txBody>
+      </p:sp>
+      <p:grpSp>
+        <p:nvGrpSpPr>
+          <p:cNvPr id="20" name="Group 19"/>
+          <p:cNvGrpSpPr/>
+          <p:nvPr/>
+        </p:nvGrpSpPr>
+        <p:grpSpPr>
+          <a:xfrm>
+            <a:off x="1828800" y="2857114"/>
+            <a:ext cx="8495561" cy="1545336"/>
+            <a:chOff x="2110420" y="1171648"/>
+            <a:chExt cx="7847802" cy="1545336"/>
+          </a:xfrm>
+        </p:grpSpPr>
+        <p:sp>
+          <p:nvSpPr>
+            <p:cNvPr id="21" name="Content Placeholder 1"/>
+            <p:cNvSpPr txBox="1">
+              <a:spLocks/>
+            </p:cNvSpPr>
+            <p:nvPr/>
+          </p:nvSpPr>
+          <p:spPr>
+            <a:xfrm>
+              <a:off x="2110420" y="1171648"/>
+              <a:ext cx="7847802" cy="1545336"/>
+            </a:xfrm>
+            <a:prstGeom prst="rect">
+              <a:avLst/>
+            </a:prstGeom>
+            <a:solidFill>
+              <a:schemeClr val="bg1"/>
+            </a:solidFill>
+            <a:ln w="38100">
+              <a:solidFill>
+                <a:schemeClr val="accent1"/>
+              </a:solidFill>
+            </a:ln>
+          </p:spPr>
+          <p:txBody>
+            <a:bodyPr vert="horz" lIns="274320" tIns="274320" rIns="1645920" bIns="274320" rtlCol="0" anchor="ctr">
+              <a:noAutofit/>
+            </a:bodyPr>
+            <a:lstStyle>
+              <a:lvl1pPr marL="182880" indent="-182880" algn="l" defTabSz="914400" rtl="0" eaLnBrk="1" latinLnBrk="0" hangingPunct="1">
+                <a:lnSpc>
+                  <a:spcPct val="90000"/>
+                </a:lnSpc>
+                <a:spcBef>
+                  <a:spcPts val="1200"/>
+                </a:spcBef>
+                <a:buClr>
+                  <a:schemeClr val="tx1"/>
+                </a:buClr>
+                <a:buFont typeface="Arial" panose="020B0604020202020204" pitchFamily="34" charset="0"/>
+                <a:buChar char="–"/>
+                <a:defRPr sz="1800" kern="1200">
+                  <a:solidFill>
+                    <a:schemeClr val="tx1"/>
+                  </a:solidFill>
+                  <a:latin typeface="+mn-lt"/>
+                  <a:ea typeface="+mn-ea"/>
+                  <a:cs typeface="+mn-cs"/>
+                </a:defRPr>
+              </a:lvl1pPr>
+              <a:lvl2pPr marL="411480" indent="-182880" algn="l" defTabSz="914400" rtl="0" eaLnBrk="1" latinLnBrk="0" hangingPunct="1">
+                <a:lnSpc>
+                  <a:spcPct val="90000"/>
+                </a:lnSpc>
+                <a:spcBef>
+                  <a:spcPts val="800"/>
+                </a:spcBef>
+                <a:buClr>
+                  <a:schemeClr val="tx1"/>
+                </a:buClr>
+                <a:buFont typeface="Arial" panose="020B0604020202020204" pitchFamily="34" charset="0"/>
+                <a:buChar char="–"/>
+                <a:defRPr sz="1600" kern="1200">
+                  <a:solidFill>
+                    <a:schemeClr val="tx1"/>
+                  </a:solidFill>
+                  <a:latin typeface="+mn-lt"/>
+                  <a:ea typeface="+mn-ea"/>
+                  <a:cs typeface="+mn-cs"/>
+                </a:defRPr>
+              </a:lvl2pPr>
+              <a:lvl3pPr marL="548640" indent="-137160" algn="l" defTabSz="914400" rtl="0" eaLnBrk="1" latinLnBrk="0" hangingPunct="1">
+                <a:lnSpc>
+                  <a:spcPct val="90000"/>
+                </a:lnSpc>
+                <a:spcBef>
+                  <a:spcPts val="600"/>
+                </a:spcBef>
+                <a:buClr>
+                  <a:schemeClr val="tx1"/>
+                </a:buClr>
+                <a:buFont typeface="Arial" panose="020B0604020202020204" pitchFamily="34" charset="0"/>
+                <a:buChar char="–"/>
+                <a:defRPr sz="1400" kern="1200">
+                  <a:solidFill>
+                    <a:schemeClr val="tx1"/>
+                  </a:solidFill>
+                  <a:latin typeface="+mn-lt"/>
+                  <a:ea typeface="+mn-ea"/>
+                  <a:cs typeface="+mn-cs"/>
+                </a:defRPr>
+              </a:lvl3pPr>
+              <a:lvl4pPr marL="731520" indent="-137160" algn="l" defTabSz="914400" rtl="0" eaLnBrk="1" latinLnBrk="0" hangingPunct="1">
+                <a:lnSpc>
+                  <a:spcPct val="90000"/>
+                </a:lnSpc>
+                <a:spcBef>
+                  <a:spcPts val="600"/>
+                </a:spcBef>
+                <a:buClr>
+                  <a:schemeClr val="tx1"/>
+                </a:buClr>
+                <a:buFont typeface="Arial" panose="020B0604020202020204" pitchFamily="34" charset="0"/>
+                <a:buChar char="–"/>
+                <a:defRPr sz="1200" kern="1200">
+                  <a:solidFill>
+                    <a:schemeClr val="tx1"/>
+                  </a:solidFill>
+                  <a:latin typeface="+mn-lt"/>
+                  <a:ea typeface="+mn-ea"/>
+                  <a:cs typeface="+mn-cs"/>
+                </a:defRPr>
+              </a:lvl4pPr>
+              <a:lvl5pPr marL="868680" indent="-137160" algn="l" defTabSz="914400" rtl="0" eaLnBrk="1" latinLnBrk="0" hangingPunct="1">
+                <a:lnSpc>
+                  <a:spcPct val="90000"/>
+                </a:lnSpc>
+                <a:spcBef>
+                  <a:spcPts val="600"/>
+                </a:spcBef>
+                <a:buClr>
+                  <a:schemeClr val="tx1"/>
+                </a:buClr>
+                <a:buFont typeface="Arial" panose="020B0604020202020204" pitchFamily="34" charset="0"/>
+                <a:buChar char="–"/>
+                <a:defRPr sz="1200" kern="1200">
+                  <a:solidFill>
+                    <a:schemeClr val="tx1"/>
+                  </a:solidFill>
+                  <a:latin typeface="+mn-lt"/>
+                  <a:ea typeface="+mn-ea"/>
+                  <a:cs typeface="+mn-cs"/>
+                </a:defRPr>
+              </a:lvl5pPr>
+              <a:lvl6pPr marL="1051560" indent="-137160" algn="l" defTabSz="914400" rtl="0" eaLnBrk="1" latinLnBrk="0" hangingPunct="1">
+                <a:lnSpc>
+                  <a:spcPct val="90000"/>
+                </a:lnSpc>
+                <a:spcBef>
+                  <a:spcPts val="600"/>
+                </a:spcBef>
+                <a:buClr>
+                  <a:schemeClr val="tx1"/>
+                </a:buClr>
+                <a:buFont typeface="Arial" panose="020B0604020202020204" pitchFamily="34" charset="0"/>
+                <a:buChar char="–"/>
+                <a:defRPr sz="1200" kern="1200">
+                  <a:solidFill>
+                    <a:schemeClr val="tx1"/>
+                  </a:solidFill>
+                  <a:latin typeface="+mn-lt"/>
+                  <a:ea typeface="+mn-ea"/>
+                  <a:cs typeface="+mn-cs"/>
+                </a:defRPr>
+              </a:lvl6pPr>
+              <a:lvl7pPr marL="1188720" indent="-137160" algn="l" defTabSz="914400" rtl="0" eaLnBrk="1" latinLnBrk="0" hangingPunct="1">
+                <a:lnSpc>
+                  <a:spcPct val="90000"/>
+                </a:lnSpc>
+                <a:spcBef>
+                  <a:spcPts val="600"/>
+                </a:spcBef>
+                <a:buClr>
+                  <a:schemeClr val="tx1"/>
+                </a:buClr>
+                <a:buFont typeface="Arial" panose="020B0604020202020204" pitchFamily="34" charset="0"/>
+                <a:buChar char="–"/>
+                <a:defRPr sz="1200" kern="1200">
+                  <a:solidFill>
+                    <a:schemeClr val="tx1"/>
+                  </a:solidFill>
+                  <a:latin typeface="+mn-lt"/>
+                  <a:ea typeface="+mn-ea"/>
+                  <a:cs typeface="+mn-cs"/>
+                </a:defRPr>
+              </a:lvl7pPr>
+              <a:lvl8pPr marL="1371600" indent="-137160" algn="l" defTabSz="914400" rtl="0" eaLnBrk="1" latinLnBrk="0" hangingPunct="1">
+                <a:lnSpc>
+                  <a:spcPct val="90000"/>
+                </a:lnSpc>
+                <a:spcBef>
+                  <a:spcPts val="600"/>
+                </a:spcBef>
+                <a:buClr>
+                  <a:schemeClr val="tx1"/>
+                </a:buClr>
+                <a:buFont typeface="Arial" panose="020B0604020202020204" pitchFamily="34" charset="0"/>
+                <a:buChar char="–"/>
+                <a:defRPr sz="1200" kern="1200">
+                  <a:solidFill>
+                    <a:schemeClr val="tx1"/>
+                  </a:solidFill>
+                  <a:latin typeface="+mn-lt"/>
+                  <a:ea typeface="+mn-ea"/>
+                  <a:cs typeface="+mn-cs"/>
+                </a:defRPr>
+              </a:lvl8pPr>
+              <a:lvl9pPr marL="1554480" indent="-137160" algn="l" defTabSz="914400" rtl="0" eaLnBrk="1" latinLnBrk="0" hangingPunct="1">
+                <a:lnSpc>
+                  <a:spcPct val="90000"/>
+                </a:lnSpc>
+                <a:spcBef>
+                  <a:spcPts val="600"/>
+                </a:spcBef>
+                <a:buClr>
+                  <a:schemeClr val="tx1"/>
+                </a:buClr>
+                <a:buFont typeface="Arial" panose="020B0604020202020204" pitchFamily="34" charset="0"/>
+                <a:buChar char="–"/>
+                <a:defRPr sz="1200" kern="1200">
+                  <a:solidFill>
+                    <a:schemeClr val="tx1"/>
+                  </a:solidFill>
+                  <a:latin typeface="+mn-lt"/>
+                  <a:ea typeface="+mn-ea"/>
+                  <a:cs typeface="+mn-cs"/>
+                </a:defRPr>
+              </a:lvl9pPr>
+            </a:lstStyle>
+            <a:p>
+              <a:pPr marL="0" indent="0">
+                <a:lnSpc>
+                  <a:spcPct val="100000"/>
+                </a:lnSpc>
+                <a:spcBef>
+                  <a:spcPts val="1000"/>
+                </a:spcBef>
+                <a:buFont typeface="Arial" panose="020B0604020202020204" pitchFamily="34" charset="0"/>
+                <a:buNone/>
+              </a:pPr>
+              <a:endParaRPr lang="en-US" b="1" dirty="0"/>
+            </a:p>
+          </p:txBody>
+        </p:sp>
+        <p:cxnSp>
+          <p:nvCxnSpPr>
+            <p:cNvPr id="25" name="Straight Connector 24"/>
+            <p:cNvCxnSpPr/>
+            <p:nvPr/>
+          </p:nvCxnSpPr>
+          <p:spPr>
+            <a:xfrm>
+              <a:off x="3328827" y="1382938"/>
+              <a:ext cx="0" cy="1122755"/>
+            </a:xfrm>
+            <a:prstGeom prst="line">
+              <a:avLst/>
+            </a:prstGeom>
+            <a:solidFill>
+              <a:schemeClr val="bg1"/>
+            </a:solidFill>
+            <a:ln w="38100">
+              <a:solidFill>
+                <a:schemeClr val="bg2"/>
+              </a:solidFill>
+            </a:ln>
+          </p:spPr>
+        </p:cxnSp>
+      </p:grpSp>
+      <p:sp>
+        <p:nvSpPr>
+          <p:cNvPr id="2" name="TextBox 1"/>
+          <p:cNvSpPr txBox="1"/>
+          <p:nvPr/>
+        </p:nvSpPr>
+        <p:spPr>
+          <a:xfrm>
+            <a:off x="1948543" y="1861457"/>
+            <a:ext cx="1066800" cy="348343"/>
+          </a:xfrm>
+          <a:prstGeom prst="rect">
+            <a:avLst/>
+          </a:prstGeom>
+          <a:noFill/>
+        </p:spPr>
+        <p:txBody>
+          <a:bodyPr wrap="square" lIns="0" tIns="0" rIns="0" bIns="0" rtlCol="0">
+            <a:noAutofit/>
+          </a:bodyPr>
+          <a:lstStyle/>
+          <a:p>
+            <a:pPr algn="ctr">
+              <a:lnSpc>
+                <a:spcPct val="90000"/>
+              </a:lnSpc>
+            </a:pPr>
+            <a:r>
+              <a:rPr lang="en-US" dirty="0" smtClean="0"/>
+              <a:t>Month-2</a:t>
+            </a:r>
+            <a:endParaRPr lang="en-GB" dirty="0"/>
+          </a:p>
+        </p:txBody>
+      </p:sp>
+      <p:sp>
+        <p:nvSpPr>
+          <p:cNvPr id="13" name="TextBox 12"/>
+          <p:cNvSpPr txBox="1"/>
+          <p:nvPr/>
+        </p:nvSpPr>
+        <p:spPr>
+          <a:xfrm>
+            <a:off x="1948543" y="3455609"/>
+            <a:ext cx="1066800" cy="348343"/>
+          </a:xfrm>
+          <a:prstGeom prst="rect">
+            <a:avLst/>
+          </a:prstGeom>
+          <a:noFill/>
+        </p:spPr>
+        <p:txBody>
+          <a:bodyPr wrap="square" lIns="0" tIns="0" rIns="0" bIns="0" rtlCol="0">
+            <a:noAutofit/>
+          </a:bodyPr>
+          <a:lstStyle/>
+          <a:p>
+            <a:pPr algn="ctr">
+              <a:lnSpc>
+                <a:spcPct val="90000"/>
+              </a:lnSpc>
+            </a:pPr>
+            <a:r>
+              <a:rPr lang="en-US" dirty="0" smtClean="0"/>
+              <a:t>Month-1</a:t>
+            </a:r>
+            <a:endParaRPr lang="en-GB" dirty="0"/>
+          </a:p>
+        </p:txBody>
+      </p:sp>
+      <p:sp>
+        <p:nvSpPr>
+          <p:cNvPr id="26" name="TextBox 25"/>
+          <p:cNvSpPr txBox="1"/>
+          <p:nvPr/>
+        </p:nvSpPr>
+        <p:spPr>
+          <a:xfrm>
+            <a:off x="1948543" y="5130295"/>
+            <a:ext cx="1066800" cy="348343"/>
+          </a:xfrm>
+          <a:prstGeom prst="rect">
+            <a:avLst/>
+          </a:prstGeom>
+          <a:noFill/>
+        </p:spPr>
+        <p:txBody>
+          <a:bodyPr wrap="square" lIns="0" tIns="0" rIns="0" bIns="0" rtlCol="0">
+            <a:noAutofit/>
+          </a:bodyPr>
+          <a:lstStyle/>
+          <a:p>
+            <a:pPr algn="ctr">
+              <a:lnSpc>
+                <a:spcPct val="90000"/>
+              </a:lnSpc>
+            </a:pPr>
+            <a:r>
+              <a:rPr lang="en-US" dirty="0" smtClean="0"/>
+              <a:t>Month-0</a:t>
+            </a:r>
+            <a:endParaRPr lang="en-GB" dirty="0"/>
+          </a:p>
+        </p:txBody>
+      </p:sp>
+    </p:spTree>
+    <p:extLst>
+      <p:ext uri="{BB962C8B-B14F-4D97-AF65-F5344CB8AC3E}">
+        <p14:creationId xmlns:p14="http://schemas.microsoft.com/office/powerpoint/2010/main" val="4133819905"/>
+      </p:ext>
+    </p:extLst>
+  </p:cSld>
+  <p:clrMapOvr>
+    <a:masterClrMapping/>
+  </p:clrMapOvr>
+  <mc:AlternateContent xmlns:mc="http://schemas.openxmlformats.org/markup-compatibility/2006" xmlns:p14="http://schemas.microsoft.com/office/powerpoint/2010/main">
+    <mc:Choice Requires="p14">
+      <p:transition spd="med" p14:dur="700">
+        <p:fade/>
+      </p:transition>
+    </mc:Choice>
+    <mc:Fallback xmlns="">
+      <p:transition spd="med">
+        <p:fade/>
+      </p:transition>
+    </mc:Fallback>
+  </mc:AlternateContent>
+</p:sld>
+</file>
+
 <file path=ppt/slides/slide2.xml><?xml version="1.0" encoding="utf-8"?>
 <p:sld xmlns:a="http://schemas.openxmlformats.org/drawingml/2006/main" xmlns:r="http://schemas.openxmlformats.org/officeDocument/2006/relationships" xmlns:p="http://schemas.openxmlformats.org/presentationml/2006/main">
   <p:cSld>

--- a/GCA_Customer_Insights_Month-Year.pptx
+++ b/GCA_Customer_Insights_Month-Year.pptx
@@ -20,7 +20,7 @@
     <p:sldId id="292" r:id="rId8"/>
     <p:sldId id="293" r:id="rId9"/>
     <p:sldId id="286" r:id="rId10"/>
-    <p:sldId id="294" r:id="rId11"/>
+    <p:sldId id="296" r:id="rId11"/>
     <p:sldId id="288" r:id="rId12"/>
     <p:sldId id="264" r:id="rId13"/>
     <p:sldId id="289" r:id="rId14"/>
@@ -273,7 +273,7 @@
           <a:p>
             <a:fld id="{3CA61830-C416-483F-955E-54203C65B711}" type="datetimeFigureOut">
               <a:rPr lang="en-US"/>
-              <a:t>9/6/2018</a:t>
+              <a:t>9/19/2018</a:t>
             </a:fld>
             <a:endParaRPr dirty="0"/>
           </a:p>
@@ -845,7 +845,7 @@
     </p:spTree>
     <p:extLst>
       <p:ext uri="{BB962C8B-B14F-4D97-AF65-F5344CB8AC3E}">
-        <p14:creationId xmlns:p14="http://schemas.microsoft.com/office/powerpoint/2010/main" val="2627961015"/>
+        <p14:creationId xmlns:p14="http://schemas.microsoft.com/office/powerpoint/2010/main" val="983811081"/>
       </p:ext>
     </p:extLst>
   </p:cSld>
@@ -9433,7 +9433,7 @@
           <a:p>
             <a:fld id="{C07C5E14-300D-4720-B5FE-54C7D96D4160}" type="datetime4">
               <a:rPr lang="en-US" smtClean="0"/>
-              <a:t>September 6, 2018</a:t>
+              <a:t>September 19, 2018</a:t>
             </a:fld>
             <a:endParaRPr/>
           </a:p>
@@ -9769,7 +9769,7 @@
           <a:p>
             <a:fld id="{26B45FFC-9EEF-4E69-85F5-C8F54747804D}" type="datetime4">
               <a:rPr lang="en-US" smtClean="0"/>
-              <a:t>September 6, 2018</a:t>
+              <a:t>September 19, 2018</a:t>
             </a:fld>
             <a:endParaRPr/>
           </a:p>
@@ -10003,7 +10003,7 @@
           <a:p>
             <a:fld id="{684E3265-88A3-4C30-AE11-BFDF645909E9}" type="datetime4">
               <a:rPr lang="en-US" smtClean="0"/>
-              <a:t>September 6, 2018</a:t>
+              <a:t>September 19, 2018</a:t>
             </a:fld>
             <a:endParaRPr/>
           </a:p>
@@ -10114,7 +10114,7 @@
           <a:p>
             <a:fld id="{E9F763D2-AF56-4C60-80C7-7D8FC051005C}" type="datetime4">
               <a:rPr lang="en-US" smtClean="0"/>
-              <a:t>September 6, 2018</a:t>
+              <a:t>September 19, 2018</a:t>
             </a:fld>
             <a:endParaRPr/>
           </a:p>
@@ -10392,7 +10392,7 @@
           <a:p>
             <a:fld id="{65FD8143-BFA3-46F8-9B90-B0E5CFAF7F7C}" type="datetime4">
               <a:rPr lang="en-US" smtClean="0"/>
-              <a:t>September 6, 2018</a:t>
+              <a:t>September 19, 2018</a:t>
             </a:fld>
             <a:endParaRPr/>
           </a:p>
@@ -13595,13 +13595,26 @@
               </a:lnSpc>
             </a:pPr>
             <a:r>
-              <a:rPr lang="en-US" sz="1600" b="1" dirty="0">
+              <a:rPr lang="en-US" sz="1600" b="1" dirty="0" smtClean="0">
                 <a:solidFill>
                   <a:schemeClr val="tx1"/>
                 </a:solidFill>
               </a:rPr>
-              <a:t>Partner engagement volume by Center</a:t>
+              <a:t>Partner Utilization of Engagement </a:t>
             </a:r>
+            <a:r>
+              <a:rPr lang="en-US" sz="1600" b="1" dirty="0" err="1" smtClean="0">
+                <a:solidFill>
+                  <a:schemeClr val="tx1"/>
+                </a:solidFill>
+              </a:rPr>
+              <a:t>Centres</a:t>
+            </a:r>
+            <a:endParaRPr lang="en-US" sz="1600" b="1" dirty="0">
+              <a:solidFill>
+                <a:schemeClr val="tx1"/>
+              </a:solidFill>
+            </a:endParaRPr>
           </a:p>
           <a:p>
             <a:pPr>
@@ -13626,7 +13639,7 @@
         <p:spPr bwMode="ltGray">
           <a:xfrm>
             <a:off x="6282813" y="1520917"/>
-            <a:ext cx="5296571" cy="4527400"/>
+            <a:ext cx="5296571" cy="2265271"/>
           </a:xfrm>
           <a:prstGeom prst="rect">
             <a:avLst/>
@@ -13801,191 +13814,6 @@
             <a:endParaRPr lang="en-US" sz="1100" b="1" i="1" dirty="0">
               <a:solidFill>
                 <a:prstClr val="black"/>
-              </a:solidFill>
-            </a:endParaRPr>
-          </a:p>
-          <a:p>
-            <a:pPr marL="60325" lvl="0" indent="-60325">
-              <a:spcBef>
-                <a:spcPts val="1000"/>
-              </a:spcBef>
-              <a:spcAft>
-                <a:spcPts val="300"/>
-              </a:spcAft>
-              <a:buClr>
-                <a:prstClr val="black"/>
-              </a:buClr>
-            </a:pPr>
-            <a:r>
-              <a:rPr lang="en-US" sz="1200" i="1" dirty="0">
-                <a:solidFill>
-                  <a:prstClr val="black"/>
-                </a:solidFill>
-              </a:rPr>
-              <a:t>“xxx.”</a:t>
-            </a:r>
-          </a:p>
-          <a:p>
-            <a:pPr marL="274320" lvl="0" indent="-171450">
-              <a:buClr>
-                <a:prstClr val="black"/>
-              </a:buClr>
-              <a:buFont typeface="MetricHPE" panose="020B0503030202060203" pitchFamily="34" charset="0"/>
-              <a:buChar char="−"/>
-            </a:pPr>
-            <a:r>
-              <a:rPr lang="en-US" sz="1100" b="1" dirty="0">
-                <a:solidFill>
-                  <a:prstClr val="black"/>
-                </a:solidFill>
-              </a:rPr>
-              <a:t>Name, Company Role</a:t>
-            </a:r>
-            <a:endParaRPr lang="en-US" sz="1100" i="1" dirty="0">
-              <a:solidFill>
-                <a:schemeClr val="tx1"/>
-              </a:solidFill>
-            </a:endParaRPr>
-          </a:p>
-          <a:p>
-            <a:pPr marL="102870" lvl="0">
-              <a:buClr>
-                <a:prstClr val="black"/>
-              </a:buClr>
-            </a:pPr>
-            <a:endParaRPr lang="en-US" sz="1100" b="1" i="1" dirty="0" smtClean="0">
-              <a:solidFill>
-                <a:prstClr val="black"/>
-              </a:solidFill>
-            </a:endParaRPr>
-          </a:p>
-          <a:p>
-            <a:pPr marL="102870" lvl="0">
-              <a:buClr>
-                <a:prstClr val="black"/>
-              </a:buClr>
-            </a:pPr>
-            <a:endParaRPr lang="en-US" sz="1100" b="1" i="1" dirty="0">
-              <a:solidFill>
-                <a:prstClr val="black"/>
-              </a:solidFill>
-            </a:endParaRPr>
-          </a:p>
-          <a:p>
-            <a:pPr marL="60325" lvl="0" indent="-60325">
-              <a:spcBef>
-                <a:spcPts val="1000"/>
-              </a:spcBef>
-              <a:spcAft>
-                <a:spcPts val="300"/>
-              </a:spcAft>
-              <a:buClr>
-                <a:prstClr val="black"/>
-              </a:buClr>
-            </a:pPr>
-            <a:r>
-              <a:rPr lang="en-US" sz="1200" i="1" dirty="0">
-                <a:solidFill>
-                  <a:prstClr val="black"/>
-                </a:solidFill>
-              </a:rPr>
-              <a:t>“xxx.”</a:t>
-            </a:r>
-          </a:p>
-          <a:p>
-            <a:pPr marL="274320" lvl="0" indent="-171450">
-              <a:buClr>
-                <a:prstClr val="black"/>
-              </a:buClr>
-              <a:buFont typeface="MetricHPE" panose="020B0503030202060203" pitchFamily="34" charset="0"/>
-              <a:buChar char="−"/>
-            </a:pPr>
-            <a:r>
-              <a:rPr lang="en-US" sz="1100" b="1" dirty="0">
-                <a:solidFill>
-                  <a:prstClr val="black"/>
-                </a:solidFill>
-              </a:rPr>
-              <a:t>Name, Company Role</a:t>
-            </a:r>
-            <a:endParaRPr lang="en-US" sz="1100" i="1" dirty="0">
-              <a:solidFill>
-                <a:schemeClr val="tx1"/>
-              </a:solidFill>
-            </a:endParaRPr>
-          </a:p>
-          <a:p>
-            <a:pPr marL="102870" lvl="0">
-              <a:buClr>
-                <a:prstClr val="black"/>
-              </a:buClr>
-            </a:pPr>
-            <a:endParaRPr lang="en-US" sz="1100" b="1" i="1" dirty="0" smtClean="0">
-              <a:solidFill>
-                <a:prstClr val="black"/>
-              </a:solidFill>
-            </a:endParaRPr>
-          </a:p>
-          <a:p>
-            <a:pPr marL="102870" lvl="0">
-              <a:buClr>
-                <a:prstClr val="black"/>
-              </a:buClr>
-            </a:pPr>
-            <a:endParaRPr lang="en-US" sz="1100" b="1" i="1" dirty="0">
-              <a:solidFill>
-                <a:prstClr val="black"/>
-              </a:solidFill>
-            </a:endParaRPr>
-          </a:p>
-          <a:p>
-            <a:pPr marL="60325" lvl="0" indent="-60325">
-              <a:spcBef>
-                <a:spcPts val="1000"/>
-              </a:spcBef>
-              <a:spcAft>
-                <a:spcPts val="300"/>
-              </a:spcAft>
-              <a:buClr>
-                <a:prstClr val="black"/>
-              </a:buClr>
-            </a:pPr>
-            <a:r>
-              <a:rPr lang="en-US" sz="1200" i="1" dirty="0">
-                <a:solidFill>
-                  <a:prstClr val="black"/>
-                </a:solidFill>
-              </a:rPr>
-              <a:t>“xxx.”</a:t>
-            </a:r>
-          </a:p>
-          <a:p>
-            <a:pPr marL="274320" lvl="0" indent="-171450">
-              <a:buClr>
-                <a:prstClr val="black"/>
-              </a:buClr>
-              <a:buFont typeface="MetricHPE" panose="020B0503030202060203" pitchFamily="34" charset="0"/>
-              <a:buChar char="−"/>
-            </a:pPr>
-            <a:r>
-              <a:rPr lang="en-US" sz="1100" b="1" dirty="0">
-                <a:solidFill>
-                  <a:prstClr val="black"/>
-                </a:solidFill>
-              </a:rPr>
-              <a:t>Name, Company </a:t>
-            </a:r>
-            <a:r>
-              <a:rPr lang="en-US" sz="1100" b="1" dirty="0" smtClean="0">
-                <a:solidFill>
-                  <a:prstClr val="black"/>
-                </a:solidFill>
-              </a:rPr>
-              <a:t>Role</a:t>
-            </a:r>
-            <a:endParaRPr lang="en-US" i="1" dirty="0" smtClean="0">
-              <a:solidFill>
-                <a:schemeClr val="tx1"/>
               </a:solidFill>
             </a:endParaRPr>
           </a:p>
@@ -14473,10 +14301,428 @@
           </a:p>
         </p:txBody>
       </p:sp>
+      <p:sp>
+        <p:nvSpPr>
+          <p:cNvPr id="21" name="Content Placeholder 1"/>
+          <p:cNvSpPr txBox="1">
+            <a:spLocks/>
+          </p:cNvSpPr>
+          <p:nvPr/>
+        </p:nvSpPr>
+        <p:spPr>
+          <a:xfrm>
+            <a:off x="6282813" y="3991865"/>
+            <a:ext cx="5296570" cy="2056451"/>
+          </a:xfrm>
+          <a:prstGeom prst="rect">
+            <a:avLst/>
+          </a:prstGeom>
+          <a:solidFill>
+            <a:schemeClr val="bg1"/>
+          </a:solidFill>
+          <a:ln w="38100">
+            <a:solidFill>
+              <a:schemeClr val="accent1"/>
+            </a:solidFill>
+          </a:ln>
+        </p:spPr>
+        <p:txBody>
+          <a:bodyPr vert="horz" lIns="155448" tIns="137160" rIns="1645920" bIns="274320" rtlCol="0" anchor="t">
+            <a:noAutofit/>
+          </a:bodyPr>
+          <a:lstStyle>
+            <a:lvl1pPr marL="182880" indent="-182880" algn="l" defTabSz="914400" rtl="0" eaLnBrk="1" latinLnBrk="0" hangingPunct="1">
+              <a:lnSpc>
+                <a:spcPct val="90000"/>
+              </a:lnSpc>
+              <a:spcBef>
+                <a:spcPts val="1200"/>
+              </a:spcBef>
+              <a:buClr>
+                <a:schemeClr val="tx1"/>
+              </a:buClr>
+              <a:buFont typeface="Arial" panose="020B0604020202020204" pitchFamily="34" charset="0"/>
+              <a:buChar char="–"/>
+              <a:defRPr sz="1800" kern="1200">
+                <a:solidFill>
+                  <a:schemeClr val="tx1"/>
+                </a:solidFill>
+                <a:latin typeface="+mn-lt"/>
+                <a:ea typeface="+mn-ea"/>
+                <a:cs typeface="+mn-cs"/>
+              </a:defRPr>
+            </a:lvl1pPr>
+            <a:lvl2pPr marL="411480" indent="-182880" algn="l" defTabSz="914400" rtl="0" eaLnBrk="1" latinLnBrk="0" hangingPunct="1">
+              <a:lnSpc>
+                <a:spcPct val="90000"/>
+              </a:lnSpc>
+              <a:spcBef>
+                <a:spcPts val="800"/>
+              </a:spcBef>
+              <a:buClr>
+                <a:schemeClr val="tx1"/>
+              </a:buClr>
+              <a:buFont typeface="Arial" panose="020B0604020202020204" pitchFamily="34" charset="0"/>
+              <a:buChar char="–"/>
+              <a:defRPr sz="1600" kern="1200">
+                <a:solidFill>
+                  <a:schemeClr val="tx1"/>
+                </a:solidFill>
+                <a:latin typeface="+mn-lt"/>
+                <a:ea typeface="+mn-ea"/>
+                <a:cs typeface="+mn-cs"/>
+              </a:defRPr>
+            </a:lvl2pPr>
+            <a:lvl3pPr marL="548640" indent="-137160" algn="l" defTabSz="914400" rtl="0" eaLnBrk="1" latinLnBrk="0" hangingPunct="1">
+              <a:lnSpc>
+                <a:spcPct val="90000"/>
+              </a:lnSpc>
+              <a:spcBef>
+                <a:spcPts val="600"/>
+              </a:spcBef>
+              <a:buClr>
+                <a:schemeClr val="tx1"/>
+              </a:buClr>
+              <a:buFont typeface="Arial" panose="020B0604020202020204" pitchFamily="34" charset="0"/>
+              <a:buChar char="–"/>
+              <a:defRPr sz="1400" kern="1200">
+                <a:solidFill>
+                  <a:schemeClr val="tx1"/>
+                </a:solidFill>
+                <a:latin typeface="+mn-lt"/>
+                <a:ea typeface="+mn-ea"/>
+                <a:cs typeface="+mn-cs"/>
+              </a:defRPr>
+            </a:lvl3pPr>
+            <a:lvl4pPr marL="731520" indent="-137160" algn="l" defTabSz="914400" rtl="0" eaLnBrk="1" latinLnBrk="0" hangingPunct="1">
+              <a:lnSpc>
+                <a:spcPct val="90000"/>
+              </a:lnSpc>
+              <a:spcBef>
+                <a:spcPts val="600"/>
+              </a:spcBef>
+              <a:buClr>
+                <a:schemeClr val="tx1"/>
+              </a:buClr>
+              <a:buFont typeface="Arial" panose="020B0604020202020204" pitchFamily="34" charset="0"/>
+              <a:buChar char="–"/>
+              <a:defRPr sz="1200" kern="1200">
+                <a:solidFill>
+                  <a:schemeClr val="tx1"/>
+                </a:solidFill>
+                <a:latin typeface="+mn-lt"/>
+                <a:ea typeface="+mn-ea"/>
+                <a:cs typeface="+mn-cs"/>
+              </a:defRPr>
+            </a:lvl4pPr>
+            <a:lvl5pPr marL="868680" indent="-137160" algn="l" defTabSz="914400" rtl="0" eaLnBrk="1" latinLnBrk="0" hangingPunct="1">
+              <a:lnSpc>
+                <a:spcPct val="90000"/>
+              </a:lnSpc>
+              <a:spcBef>
+                <a:spcPts val="600"/>
+              </a:spcBef>
+              <a:buClr>
+                <a:schemeClr val="tx1"/>
+              </a:buClr>
+              <a:buFont typeface="Arial" panose="020B0604020202020204" pitchFamily="34" charset="0"/>
+              <a:buChar char="–"/>
+              <a:defRPr sz="1200" kern="1200">
+                <a:solidFill>
+                  <a:schemeClr val="tx1"/>
+                </a:solidFill>
+                <a:latin typeface="+mn-lt"/>
+                <a:ea typeface="+mn-ea"/>
+                <a:cs typeface="+mn-cs"/>
+              </a:defRPr>
+            </a:lvl5pPr>
+            <a:lvl6pPr marL="1051560" indent="-137160" algn="l" defTabSz="914400" rtl="0" eaLnBrk="1" latinLnBrk="0" hangingPunct="1">
+              <a:lnSpc>
+                <a:spcPct val="90000"/>
+              </a:lnSpc>
+              <a:spcBef>
+                <a:spcPts val="600"/>
+              </a:spcBef>
+              <a:buClr>
+                <a:schemeClr val="tx1"/>
+              </a:buClr>
+              <a:buFont typeface="Arial" panose="020B0604020202020204" pitchFamily="34" charset="0"/>
+              <a:buChar char="–"/>
+              <a:defRPr sz="1200" kern="1200">
+                <a:solidFill>
+                  <a:schemeClr val="tx1"/>
+                </a:solidFill>
+                <a:latin typeface="+mn-lt"/>
+                <a:ea typeface="+mn-ea"/>
+                <a:cs typeface="+mn-cs"/>
+              </a:defRPr>
+            </a:lvl6pPr>
+            <a:lvl7pPr marL="1188720" indent="-137160" algn="l" defTabSz="914400" rtl="0" eaLnBrk="1" latinLnBrk="0" hangingPunct="1">
+              <a:lnSpc>
+                <a:spcPct val="90000"/>
+              </a:lnSpc>
+              <a:spcBef>
+                <a:spcPts val="600"/>
+              </a:spcBef>
+              <a:buClr>
+                <a:schemeClr val="tx1"/>
+              </a:buClr>
+              <a:buFont typeface="Arial" panose="020B0604020202020204" pitchFamily="34" charset="0"/>
+              <a:buChar char="–"/>
+              <a:defRPr sz="1200" kern="1200">
+                <a:solidFill>
+                  <a:schemeClr val="tx1"/>
+                </a:solidFill>
+                <a:latin typeface="+mn-lt"/>
+                <a:ea typeface="+mn-ea"/>
+                <a:cs typeface="+mn-cs"/>
+              </a:defRPr>
+            </a:lvl7pPr>
+            <a:lvl8pPr marL="1371600" indent="-137160" algn="l" defTabSz="914400" rtl="0" eaLnBrk="1" latinLnBrk="0" hangingPunct="1">
+              <a:lnSpc>
+                <a:spcPct val="90000"/>
+              </a:lnSpc>
+              <a:spcBef>
+                <a:spcPts val="600"/>
+              </a:spcBef>
+              <a:buClr>
+                <a:schemeClr val="tx1"/>
+              </a:buClr>
+              <a:buFont typeface="Arial" panose="020B0604020202020204" pitchFamily="34" charset="0"/>
+              <a:buChar char="–"/>
+              <a:defRPr sz="1200" kern="1200">
+                <a:solidFill>
+                  <a:schemeClr val="tx1"/>
+                </a:solidFill>
+                <a:latin typeface="+mn-lt"/>
+                <a:ea typeface="+mn-ea"/>
+                <a:cs typeface="+mn-cs"/>
+              </a:defRPr>
+            </a:lvl8pPr>
+            <a:lvl9pPr marL="1554480" indent="-137160" algn="l" defTabSz="914400" rtl="0" eaLnBrk="1" latinLnBrk="0" hangingPunct="1">
+              <a:lnSpc>
+                <a:spcPct val="90000"/>
+              </a:lnSpc>
+              <a:spcBef>
+                <a:spcPts val="600"/>
+              </a:spcBef>
+              <a:buClr>
+                <a:schemeClr val="tx1"/>
+              </a:buClr>
+              <a:buFont typeface="Arial" panose="020B0604020202020204" pitchFamily="34" charset="0"/>
+              <a:buChar char="–"/>
+              <a:defRPr sz="1200" kern="1200">
+                <a:solidFill>
+                  <a:schemeClr val="tx1"/>
+                </a:solidFill>
+                <a:latin typeface="+mn-lt"/>
+                <a:ea typeface="+mn-ea"/>
+                <a:cs typeface="+mn-cs"/>
+              </a:defRPr>
+            </a:lvl9pPr>
+          </a:lstStyle>
+          <a:p>
+            <a:pPr marL="0" indent="0">
+              <a:lnSpc>
+                <a:spcPct val="100000"/>
+              </a:lnSpc>
+              <a:spcBef>
+                <a:spcPts val="1000"/>
+              </a:spcBef>
+              <a:buFont typeface="Arial" panose="020B0604020202020204" pitchFamily="34" charset="0"/>
+              <a:buNone/>
+            </a:pPr>
+            <a:r>
+              <a:rPr lang="en-US" sz="1600" b="1" dirty="0" smtClean="0"/>
+              <a:t>Partner Level </a:t>
+            </a:r>
+            <a:r>
+              <a:rPr lang="en-US" sz="1600" b="1" smtClean="0"/>
+              <a:t>of Activity</a:t>
+            </a:r>
+            <a:endParaRPr lang="en-US" sz="1600" b="1" dirty="0"/>
+          </a:p>
+        </p:txBody>
+      </p:sp>
+      <p:sp>
+        <p:nvSpPr>
+          <p:cNvPr id="4" name="TextBox 3"/>
+          <p:cNvSpPr txBox="1"/>
+          <p:nvPr/>
+        </p:nvSpPr>
+        <p:spPr>
+          <a:xfrm>
+            <a:off x="1066800" y="4159624"/>
+            <a:ext cx="349624" cy="268941"/>
+          </a:xfrm>
+          <a:prstGeom prst="rect">
+            <a:avLst/>
+          </a:prstGeom>
+          <a:noFill/>
+        </p:spPr>
+        <p:txBody>
+          <a:bodyPr wrap="none" lIns="0" tIns="0" rIns="0" bIns="0" rtlCol="0">
+            <a:noAutofit/>
+          </a:bodyPr>
+          <a:lstStyle/>
+          <a:p>
+            <a:pPr algn="ctr">
+              <a:lnSpc>
+                <a:spcPct val="90000"/>
+              </a:lnSpc>
+            </a:pPr>
+            <a:r>
+              <a:rPr lang="en-US" dirty="0"/>
+              <a:t>H</a:t>
+            </a:r>
+            <a:endParaRPr lang="en-GB" dirty="0"/>
+          </a:p>
+        </p:txBody>
+      </p:sp>
+      <p:sp>
+        <p:nvSpPr>
+          <p:cNvPr id="22" name="TextBox 21"/>
+          <p:cNvSpPr txBox="1"/>
+          <p:nvPr/>
+        </p:nvSpPr>
+        <p:spPr>
+          <a:xfrm>
+            <a:off x="2109452" y="4159624"/>
+            <a:ext cx="349624" cy="268941"/>
+          </a:xfrm>
+          <a:prstGeom prst="rect">
+            <a:avLst/>
+          </a:prstGeom>
+          <a:noFill/>
+        </p:spPr>
+        <p:txBody>
+          <a:bodyPr wrap="none" lIns="0" tIns="0" rIns="0" bIns="0" rtlCol="0">
+            <a:noAutofit/>
+          </a:bodyPr>
+          <a:lstStyle/>
+          <a:p>
+            <a:pPr algn="ctr">
+              <a:lnSpc>
+                <a:spcPct val="90000"/>
+              </a:lnSpc>
+            </a:pPr>
+            <a:r>
+              <a:rPr lang="en-US" dirty="0" smtClean="0"/>
+              <a:t>NY</a:t>
+            </a:r>
+            <a:endParaRPr lang="en-GB" dirty="0"/>
+          </a:p>
+        </p:txBody>
+      </p:sp>
+      <p:sp>
+        <p:nvSpPr>
+          <p:cNvPr id="23" name="TextBox 22"/>
+          <p:cNvSpPr txBox="1"/>
+          <p:nvPr/>
+        </p:nvSpPr>
+        <p:spPr>
+          <a:xfrm>
+            <a:off x="3152104" y="4159624"/>
+            <a:ext cx="349624" cy="268941"/>
+          </a:xfrm>
+          <a:prstGeom prst="rect">
+            <a:avLst/>
+          </a:prstGeom>
+          <a:noFill/>
+        </p:spPr>
+        <p:txBody>
+          <a:bodyPr wrap="none" lIns="0" tIns="0" rIns="0" bIns="0" rtlCol="0">
+            <a:noAutofit/>
+          </a:bodyPr>
+          <a:lstStyle/>
+          <a:p>
+            <a:pPr algn="ctr">
+              <a:lnSpc>
+                <a:spcPct val="90000"/>
+              </a:lnSpc>
+            </a:pPr>
+            <a:r>
+              <a:rPr lang="en-US" dirty="0" smtClean="0"/>
+              <a:t>SNG</a:t>
+            </a:r>
+            <a:endParaRPr lang="en-GB" dirty="0"/>
+          </a:p>
+        </p:txBody>
+      </p:sp>
+      <p:sp>
+        <p:nvSpPr>
+          <p:cNvPr id="24" name="TextBox 23"/>
+          <p:cNvSpPr txBox="1"/>
+          <p:nvPr/>
+        </p:nvSpPr>
+        <p:spPr>
+          <a:xfrm>
+            <a:off x="4194756" y="4150659"/>
+            <a:ext cx="349624" cy="268941"/>
+          </a:xfrm>
+          <a:prstGeom prst="rect">
+            <a:avLst/>
+          </a:prstGeom>
+          <a:noFill/>
+        </p:spPr>
+        <p:txBody>
+          <a:bodyPr wrap="none" lIns="0" tIns="0" rIns="0" bIns="0" rtlCol="0">
+            <a:noAutofit/>
+          </a:bodyPr>
+          <a:lstStyle/>
+          <a:p>
+            <a:pPr algn="ctr">
+              <a:lnSpc>
+                <a:spcPct val="90000"/>
+              </a:lnSpc>
+            </a:pPr>
+            <a:r>
+              <a:rPr lang="en-US" dirty="0" smtClean="0"/>
+              <a:t>LON</a:t>
+            </a:r>
+            <a:endParaRPr lang="en-GB" dirty="0"/>
+          </a:p>
+        </p:txBody>
+      </p:sp>
+      <p:sp>
+        <p:nvSpPr>
+          <p:cNvPr id="25" name="TextBox 24"/>
+          <p:cNvSpPr txBox="1"/>
+          <p:nvPr/>
+        </p:nvSpPr>
+        <p:spPr>
+          <a:xfrm>
+            <a:off x="5237408" y="4159624"/>
+            <a:ext cx="349624" cy="268941"/>
+          </a:xfrm>
+          <a:prstGeom prst="rect">
+            <a:avLst/>
+          </a:prstGeom>
+          <a:noFill/>
+        </p:spPr>
+        <p:txBody>
+          <a:bodyPr wrap="none" lIns="0" tIns="0" rIns="0" bIns="0" rtlCol="0">
+            <a:noAutofit/>
+          </a:bodyPr>
+          <a:lstStyle/>
+          <a:p>
+            <a:pPr algn="ctr">
+              <a:lnSpc>
+                <a:spcPct val="90000"/>
+              </a:lnSpc>
+            </a:pPr>
+            <a:r>
+              <a:rPr lang="en-US" dirty="0" smtClean="0"/>
+              <a:t>PA</a:t>
+            </a:r>
+            <a:endParaRPr lang="en-GB" dirty="0"/>
+          </a:p>
+        </p:txBody>
+      </p:sp>
     </p:spTree>
     <p:extLst>
       <p:ext uri="{BB962C8B-B14F-4D97-AF65-F5344CB8AC3E}">
-        <p14:creationId xmlns:p14="http://schemas.microsoft.com/office/powerpoint/2010/main" val="4142931845"/>
+        <p14:creationId xmlns:p14="http://schemas.microsoft.com/office/powerpoint/2010/main" val="2062481091"/>
       </p:ext>
     </p:extLst>
   </p:cSld>
@@ -14550,63 +14796,63 @@
                 <a:gridCol w="255798">
                   <a:extLst>
                     <a:ext uri="{9D8B030D-6E8A-4147-A177-3AD203B41FA5}">
-                      <a16:colId xmlns="" xmlns:a16="http://schemas.microsoft.com/office/drawing/2014/main" val="20000"/>
+                      <a16:colId xmlns:a16="http://schemas.microsoft.com/office/drawing/2014/main" xmlns="" val="20000"/>
                     </a:ext>
                   </a:extLst>
                 </a:gridCol>
                 <a:gridCol w="1137177">
                   <a:extLst>
                     <a:ext uri="{9D8B030D-6E8A-4147-A177-3AD203B41FA5}">
-                      <a16:colId xmlns="" xmlns:a16="http://schemas.microsoft.com/office/drawing/2014/main" val="20001"/>
+                      <a16:colId xmlns:a16="http://schemas.microsoft.com/office/drawing/2014/main" xmlns="" val="20001"/>
                     </a:ext>
                   </a:extLst>
                 </a:gridCol>
                 <a:gridCol w="1072557">
                   <a:extLst>
                     <a:ext uri="{9D8B030D-6E8A-4147-A177-3AD203B41FA5}">
-                      <a16:colId xmlns="" xmlns:a16="http://schemas.microsoft.com/office/drawing/2014/main" val="20002"/>
+                      <a16:colId xmlns:a16="http://schemas.microsoft.com/office/drawing/2014/main" xmlns="" val="20002"/>
                     </a:ext>
                   </a:extLst>
                 </a:gridCol>
                 <a:gridCol w="1072557">
                   <a:extLst>
                     <a:ext uri="{9D8B030D-6E8A-4147-A177-3AD203B41FA5}">
-                      <a16:colId xmlns="" xmlns:a16="http://schemas.microsoft.com/office/drawing/2014/main" val="20003"/>
+                      <a16:colId xmlns:a16="http://schemas.microsoft.com/office/drawing/2014/main" xmlns="" val="20003"/>
                     </a:ext>
                   </a:extLst>
                 </a:gridCol>
                 <a:gridCol w="1072557">
                   <a:extLst>
                     <a:ext uri="{9D8B030D-6E8A-4147-A177-3AD203B41FA5}">
-                      <a16:colId xmlns="" xmlns:a16="http://schemas.microsoft.com/office/drawing/2014/main" val="20004"/>
+                      <a16:colId xmlns:a16="http://schemas.microsoft.com/office/drawing/2014/main" xmlns="" val="20004"/>
                     </a:ext>
                   </a:extLst>
                 </a:gridCol>
                 <a:gridCol w="1072557">
                   <a:extLst>
                     <a:ext uri="{9D8B030D-6E8A-4147-A177-3AD203B41FA5}">
-                      <a16:colId xmlns="" xmlns:a16="http://schemas.microsoft.com/office/drawing/2014/main" val="20005"/>
+                      <a16:colId xmlns:a16="http://schemas.microsoft.com/office/drawing/2014/main" xmlns="" val="20005"/>
                     </a:ext>
                   </a:extLst>
                 </a:gridCol>
                 <a:gridCol w="1762247">
                   <a:extLst>
                     <a:ext uri="{9D8B030D-6E8A-4147-A177-3AD203B41FA5}">
-                      <a16:colId xmlns="" xmlns:a16="http://schemas.microsoft.com/office/drawing/2014/main" val="20006"/>
+                      <a16:colId xmlns:a16="http://schemas.microsoft.com/office/drawing/2014/main" xmlns="" val="20006"/>
                     </a:ext>
                   </a:extLst>
                 </a:gridCol>
                 <a:gridCol w="1762247">
                   <a:extLst>
                     <a:ext uri="{9D8B030D-6E8A-4147-A177-3AD203B41FA5}">
-                      <a16:colId xmlns="" xmlns:a16="http://schemas.microsoft.com/office/drawing/2014/main" val="20007"/>
+                      <a16:colId xmlns:a16="http://schemas.microsoft.com/office/drawing/2014/main" xmlns="" val="20007"/>
                     </a:ext>
                   </a:extLst>
                 </a:gridCol>
                 <a:gridCol w="1762247">
                   <a:extLst>
                     <a:ext uri="{9D8B030D-6E8A-4147-A177-3AD203B41FA5}">
-                      <a16:colId xmlns="" xmlns:a16="http://schemas.microsoft.com/office/drawing/2014/main" val="20008"/>
+                      <a16:colId xmlns:a16="http://schemas.microsoft.com/office/drawing/2014/main" xmlns="" val="20008"/>
                     </a:ext>
                   </a:extLst>
                 </a:gridCol>
@@ -15162,7 +15408,7 @@
                 </a:tc>
                 <a:extLst>
                   <a:ext uri="{0D108BD9-81ED-4DB2-BD59-A6C34878D82A}">
-                    <a16:rowId xmlns="" xmlns:a16="http://schemas.microsoft.com/office/drawing/2014/main" val="10000"/>
+                    <a16:rowId xmlns:a16="http://schemas.microsoft.com/office/drawing/2014/main" xmlns="" val="10000"/>
                   </a:ext>
                 </a:extLst>
               </a:tr>
@@ -15865,7 +16111,7 @@
                 </a:tc>
                 <a:extLst>
                   <a:ext uri="{0D108BD9-81ED-4DB2-BD59-A6C34878D82A}">
-                    <a16:rowId xmlns="" xmlns:a16="http://schemas.microsoft.com/office/drawing/2014/main" val="10001"/>
+                    <a16:rowId xmlns:a16="http://schemas.microsoft.com/office/drawing/2014/main" xmlns="" val="10001"/>
                   </a:ext>
                 </a:extLst>
               </a:tr>
@@ -16579,7 +16825,7 @@
                 </a:tc>
                 <a:extLst>
                   <a:ext uri="{0D108BD9-81ED-4DB2-BD59-A6C34878D82A}">
-                    <a16:rowId xmlns="" xmlns:a16="http://schemas.microsoft.com/office/drawing/2014/main" val="10002"/>
+                    <a16:rowId xmlns:a16="http://schemas.microsoft.com/office/drawing/2014/main" xmlns="" val="10002"/>
                   </a:ext>
                 </a:extLst>
               </a:tr>
@@ -17225,7 +17471,7 @@
                 </a:tc>
                 <a:extLst>
                   <a:ext uri="{0D108BD9-81ED-4DB2-BD59-A6C34878D82A}">
-                    <a16:rowId xmlns="" xmlns:a16="http://schemas.microsoft.com/office/drawing/2014/main" val="10003"/>
+                    <a16:rowId xmlns:a16="http://schemas.microsoft.com/office/drawing/2014/main" xmlns="" val="10003"/>
                   </a:ext>
                 </a:extLst>
               </a:tr>
@@ -17872,7 +18118,7 @@
                 </a:tc>
                 <a:extLst>
                   <a:ext uri="{0D108BD9-81ED-4DB2-BD59-A6C34878D82A}">
-                    <a16:rowId xmlns="" xmlns:a16="http://schemas.microsoft.com/office/drawing/2014/main" val="10004"/>
+                    <a16:rowId xmlns:a16="http://schemas.microsoft.com/office/drawing/2014/main" xmlns="" val="10004"/>
                   </a:ext>
                 </a:extLst>
               </a:tr>
@@ -18493,7 +18739,7 @@
                 </a:tc>
                 <a:extLst>
                   <a:ext uri="{0D108BD9-81ED-4DB2-BD59-A6C34878D82A}">
-                    <a16:rowId xmlns="" xmlns:a16="http://schemas.microsoft.com/office/drawing/2014/main" val="10005"/>
+                    <a16:rowId xmlns:a16="http://schemas.microsoft.com/office/drawing/2014/main" xmlns="" val="10005"/>
                   </a:ext>
                 </a:extLst>
               </a:tr>
@@ -20405,42 +20651,42 @@
                 <a:gridCol w="255798">
                   <a:extLst>
                     <a:ext uri="{9D8B030D-6E8A-4147-A177-3AD203B41FA5}">
-                      <a16:colId xmlns="" xmlns:a16="http://schemas.microsoft.com/office/drawing/2014/main" val="20000"/>
+                      <a16:colId xmlns:a16="http://schemas.microsoft.com/office/drawing/2014/main" xmlns="" val="20000"/>
                     </a:ext>
                   </a:extLst>
                 </a:gridCol>
                 <a:gridCol w="1137177">
                   <a:extLst>
                     <a:ext uri="{9D8B030D-6E8A-4147-A177-3AD203B41FA5}">
-                      <a16:colId xmlns="" xmlns:a16="http://schemas.microsoft.com/office/drawing/2014/main" val="20001"/>
+                      <a16:colId xmlns:a16="http://schemas.microsoft.com/office/drawing/2014/main" xmlns="" val="20001"/>
                     </a:ext>
                   </a:extLst>
                 </a:gridCol>
                 <a:gridCol w="1072557">
                   <a:extLst>
                     <a:ext uri="{9D8B030D-6E8A-4147-A177-3AD203B41FA5}">
-                      <a16:colId xmlns="" xmlns:a16="http://schemas.microsoft.com/office/drawing/2014/main" val="20002"/>
+                      <a16:colId xmlns:a16="http://schemas.microsoft.com/office/drawing/2014/main" xmlns="" val="20002"/>
                     </a:ext>
                   </a:extLst>
                 </a:gridCol>
                 <a:gridCol w="1072557">
                   <a:extLst>
                     <a:ext uri="{9D8B030D-6E8A-4147-A177-3AD203B41FA5}">
-                      <a16:colId xmlns="" xmlns:a16="http://schemas.microsoft.com/office/drawing/2014/main" val="20003"/>
+                      <a16:colId xmlns:a16="http://schemas.microsoft.com/office/drawing/2014/main" xmlns="" val="20003"/>
                     </a:ext>
                   </a:extLst>
                 </a:gridCol>
                 <a:gridCol w="1072557">
                   <a:extLst>
                     <a:ext uri="{9D8B030D-6E8A-4147-A177-3AD203B41FA5}">
-                      <a16:colId xmlns="" xmlns:a16="http://schemas.microsoft.com/office/drawing/2014/main" val="20004"/>
+                      <a16:colId xmlns:a16="http://schemas.microsoft.com/office/drawing/2014/main" xmlns="" val="20004"/>
                     </a:ext>
                   </a:extLst>
                 </a:gridCol>
                 <a:gridCol w="1072557">
                   <a:extLst>
                     <a:ext uri="{9D8B030D-6E8A-4147-A177-3AD203B41FA5}">
-                      <a16:colId xmlns="" xmlns:a16="http://schemas.microsoft.com/office/drawing/2014/main" val="20005"/>
+                      <a16:colId xmlns:a16="http://schemas.microsoft.com/office/drawing/2014/main" xmlns="" val="20005"/>
                     </a:ext>
                   </a:extLst>
                 </a:gridCol>
@@ -20755,7 +21001,7 @@
                 </a:tc>
                 <a:extLst>
                   <a:ext uri="{0D108BD9-81ED-4DB2-BD59-A6C34878D82A}">
-                    <a16:rowId xmlns="" xmlns:a16="http://schemas.microsoft.com/office/drawing/2014/main" val="10000"/>
+                    <a16:rowId xmlns:a16="http://schemas.microsoft.com/office/drawing/2014/main" xmlns="" val="10000"/>
                   </a:ext>
                 </a:extLst>
               </a:tr>
@@ -21222,7 +21468,7 @@
                 </a:tc>
                 <a:extLst>
                   <a:ext uri="{0D108BD9-81ED-4DB2-BD59-A6C34878D82A}">
-                    <a16:rowId xmlns="" xmlns:a16="http://schemas.microsoft.com/office/drawing/2014/main" val="10001"/>
+                    <a16:rowId xmlns:a16="http://schemas.microsoft.com/office/drawing/2014/main" xmlns="" val="10001"/>
                   </a:ext>
                 </a:extLst>
               </a:tr>
@@ -21460,28 +21706,28 @@
                 <a:gridCol w="260733">
                   <a:extLst>
                     <a:ext uri="{9D8B030D-6E8A-4147-A177-3AD203B41FA5}">
-                      <a16:colId xmlns="" xmlns:a16="http://schemas.microsoft.com/office/drawing/2014/main" val="20000"/>
+                      <a16:colId xmlns:a16="http://schemas.microsoft.com/office/drawing/2014/main" xmlns="" val="20000"/>
                     </a:ext>
                   </a:extLst>
                 </a:gridCol>
                 <a:gridCol w="1796244">
                   <a:extLst>
                     <a:ext uri="{9D8B030D-6E8A-4147-A177-3AD203B41FA5}">
-                      <a16:colId xmlns="" xmlns:a16="http://schemas.microsoft.com/office/drawing/2014/main" val="20006"/>
+                      <a16:colId xmlns:a16="http://schemas.microsoft.com/office/drawing/2014/main" xmlns="" val="20006"/>
                     </a:ext>
                   </a:extLst>
                 </a:gridCol>
                 <a:gridCol w="1796244">
                   <a:extLst>
                     <a:ext uri="{9D8B030D-6E8A-4147-A177-3AD203B41FA5}">
-                      <a16:colId xmlns="" xmlns:a16="http://schemas.microsoft.com/office/drawing/2014/main" val="20007"/>
+                      <a16:colId xmlns:a16="http://schemas.microsoft.com/office/drawing/2014/main" xmlns="" val="20007"/>
                     </a:ext>
                   </a:extLst>
                 </a:gridCol>
                 <a:gridCol w="1796244">
                   <a:extLst>
                     <a:ext uri="{9D8B030D-6E8A-4147-A177-3AD203B41FA5}">
-                      <a16:colId xmlns="" xmlns:a16="http://schemas.microsoft.com/office/drawing/2014/main" val="20008"/>
+                      <a16:colId xmlns:a16="http://schemas.microsoft.com/office/drawing/2014/main" xmlns="" val="20008"/>
                     </a:ext>
                   </a:extLst>
                 </a:gridCol>
@@ -21777,7 +22023,7 @@
                 </a:tc>
                 <a:extLst>
                   <a:ext uri="{0D108BD9-81ED-4DB2-BD59-A6C34878D82A}">
-                    <a16:rowId xmlns="" xmlns:a16="http://schemas.microsoft.com/office/drawing/2014/main" val="10000"/>
+                    <a16:rowId xmlns:a16="http://schemas.microsoft.com/office/drawing/2014/main" xmlns="" val="10000"/>
                   </a:ext>
                 </a:extLst>
               </a:tr>
@@ -22125,7 +22371,7 @@
                 </a:tc>
                 <a:extLst>
                   <a:ext uri="{0D108BD9-81ED-4DB2-BD59-A6C34878D82A}">
-                    <a16:rowId xmlns="" xmlns:a16="http://schemas.microsoft.com/office/drawing/2014/main" val="10001"/>
+                    <a16:rowId xmlns:a16="http://schemas.microsoft.com/office/drawing/2014/main" xmlns="" val="10001"/>
                   </a:ext>
                 </a:extLst>
               </a:tr>

--- a/GCA_Customer_Insights_Month-Year.pptx
+++ b/GCA_Customer_Insights_Month-Year.pptx
@@ -20,7 +20,7 @@
     <p:sldId id="292" r:id="rId8"/>
     <p:sldId id="293" r:id="rId9"/>
     <p:sldId id="286" r:id="rId10"/>
-    <p:sldId id="296" r:id="rId11"/>
+    <p:sldId id="297" r:id="rId11"/>
     <p:sldId id="288" r:id="rId12"/>
     <p:sldId id="264" r:id="rId13"/>
     <p:sldId id="289" r:id="rId14"/>
@@ -273,7 +273,7 @@
           <a:p>
             <a:fld id="{3CA61830-C416-483F-955E-54203C65B711}" type="datetimeFigureOut">
               <a:rPr lang="en-US"/>
-              <a:t>9/19/2018</a:t>
+              <a:t>9/21/2018</a:t>
             </a:fld>
             <a:endParaRPr dirty="0"/>
           </a:p>
@@ -845,7 +845,7 @@
     </p:spTree>
     <p:extLst>
       <p:ext uri="{BB962C8B-B14F-4D97-AF65-F5344CB8AC3E}">
-        <p14:creationId xmlns:p14="http://schemas.microsoft.com/office/powerpoint/2010/main" val="983811081"/>
+        <p14:creationId xmlns:p14="http://schemas.microsoft.com/office/powerpoint/2010/main" val="3673147742"/>
       </p:ext>
     </p:extLst>
   </p:cSld>
@@ -9433,7 +9433,7 @@
           <a:p>
             <a:fld id="{C07C5E14-300D-4720-B5FE-54C7D96D4160}" type="datetime4">
               <a:rPr lang="en-US" smtClean="0"/>
-              <a:t>September 19, 2018</a:t>
+              <a:t>September 21, 2018</a:t>
             </a:fld>
             <a:endParaRPr/>
           </a:p>
@@ -9769,7 +9769,7 @@
           <a:p>
             <a:fld id="{26B45FFC-9EEF-4E69-85F5-C8F54747804D}" type="datetime4">
               <a:rPr lang="en-US" smtClean="0"/>
-              <a:t>September 19, 2018</a:t>
+              <a:t>September 21, 2018</a:t>
             </a:fld>
             <a:endParaRPr/>
           </a:p>
@@ -10003,7 +10003,7 @@
           <a:p>
             <a:fld id="{684E3265-88A3-4C30-AE11-BFDF645909E9}" type="datetime4">
               <a:rPr lang="en-US" smtClean="0"/>
-              <a:t>September 19, 2018</a:t>
+              <a:t>September 21, 2018</a:t>
             </a:fld>
             <a:endParaRPr/>
           </a:p>
@@ -10114,7 +10114,7 @@
           <a:p>
             <a:fld id="{E9F763D2-AF56-4C60-80C7-7D8FC051005C}" type="datetime4">
               <a:rPr lang="en-US" smtClean="0"/>
-              <a:t>September 19, 2018</a:t>
+              <a:t>September 21, 2018</a:t>
             </a:fld>
             <a:endParaRPr/>
           </a:p>
@@ -10392,7 +10392,7 @@
           <a:p>
             <a:fld id="{65FD8143-BFA3-46F8-9B90-B0E5CFAF7F7C}" type="datetime4">
               <a:rPr lang="en-US" smtClean="0"/>
-              <a:t>September 19, 2018</a:t>
+              <a:t>September 21, 2018</a:t>
             </a:fld>
             <a:endParaRPr/>
           </a:p>
@@ -13240,7 +13240,84 @@
       </p:grpSpPr>
       <p:sp>
         <p:nvSpPr>
-          <p:cNvPr id="7" name="Content Placeholder 1"/>
+          <p:cNvPr id="2" name="Title 1"/>
+          <p:cNvSpPr>
+            <a:spLocks noGrp="1"/>
+          </p:cNvSpPr>
+          <p:nvPr>
+            <p:ph type="title"/>
+          </p:nvPr>
+        </p:nvSpPr>
+        <p:spPr/>
+        <p:txBody>
+          <a:bodyPr/>
+          <a:lstStyle/>
+          <a:p>
+            <a:r>
+              <a:rPr sz="2800" dirty="0">
+                <a:latin typeface="Arial"/>
+              </a:rPr>
+              <a:t>Partner </a:t>
+            </a:r>
+            <a:r>
+              <a:rPr sz="2800" dirty="0" smtClean="0">
+                <a:latin typeface="Arial"/>
+              </a:rPr>
+              <a:t>Insights</a:t>
+            </a:r>
+            <a:endParaRPr lang="en-US" dirty="0"/>
+          </a:p>
+        </p:txBody>
+      </p:sp>
+      <p:sp>
+        <p:nvSpPr>
+          <p:cNvPr id="43" name="Text Placeholder 42"/>
+          <p:cNvSpPr>
+            <a:spLocks noGrp="1"/>
+          </p:cNvSpPr>
+          <p:nvPr>
+            <p:ph type="body" sz="quarter" idx="13"/>
+          </p:nvPr>
+        </p:nvSpPr>
+        <p:spPr/>
+        <p:txBody>
+          <a:bodyPr/>
+          <a:lstStyle/>
+          <a:p>
+            <a:r>
+              <a:rPr lang="en-US" dirty="0" smtClean="0"/>
+              <a:t>Themes and Feedback from Partner Visits</a:t>
+            </a:r>
+            <a:endParaRPr lang="en-US" dirty="0"/>
+          </a:p>
+        </p:txBody>
+      </p:sp>
+      <p:sp>
+        <p:nvSpPr>
+          <p:cNvPr id="3" name="Slide Number Placeholder 2"/>
+          <p:cNvSpPr>
+            <a:spLocks noGrp="1"/>
+          </p:cNvSpPr>
+          <p:nvPr>
+            <p:ph type="sldNum" sz="quarter" idx="12"/>
+          </p:nvPr>
+        </p:nvSpPr>
+        <p:spPr/>
+        <p:txBody>
+          <a:bodyPr/>
+          <a:lstStyle/>
+          <a:p>
+            <a:fld id="{B016F8AB-BCEA-4347-8BA6-BE776009BC89}" type="slidenum">
+              <a:rPr lang="en-US" smtClean="0"/>
+              <a:t>10</a:t>
+            </a:fld>
+            <a:endParaRPr lang="en-US"/>
+          </a:p>
+        </p:txBody>
+      </p:sp>
+      <p:sp>
+        <p:nvSpPr>
+          <p:cNvPr id="21" name="Content Placeholder 1"/>
           <p:cNvSpPr txBox="1">
             <a:spLocks/>
           </p:cNvSpPr>
@@ -13248,8 +13325,8 @@
         </p:nvSpPr>
         <p:spPr>
           <a:xfrm>
-            <a:off x="612608" y="1520915"/>
-            <a:ext cx="5483392" cy="1881045"/>
+            <a:off x="5013589" y="1739722"/>
+            <a:ext cx="6592570" cy="1627632"/>
           </a:xfrm>
           <a:prstGeom prst="rect">
             <a:avLst/>
@@ -13259,7 +13336,7 @@
           </a:solidFill>
           <a:ln w="38100">
             <a:solidFill>
-              <a:schemeClr val="accent1"/>
+              <a:schemeClr val="tx2"/>
             </a:solidFill>
           </a:ln>
         </p:spPr>
@@ -13469,841 +13546,13 @@
               <a:buFont typeface="Arial" panose="020B0604020202020204" pitchFamily="34" charset="0"/>
               <a:buNone/>
             </a:pPr>
-            <a:r>
-              <a:rPr lang="en-US" sz="1600" b="1" dirty="0"/>
-              <a:t>Top Partner Interests</a:t>
-            </a:r>
+            <a:endParaRPr lang="en-US" sz="1600" b="1" dirty="0"/>
           </a:p>
         </p:txBody>
       </p:sp>
       <p:sp>
         <p:nvSpPr>
-          <p:cNvPr id="2" name="Title 1"/>
-          <p:cNvSpPr>
-            <a:spLocks noGrp="1"/>
-          </p:cNvSpPr>
-          <p:nvPr>
-            <p:ph type="title"/>
-          </p:nvPr>
-        </p:nvSpPr>
-        <p:spPr/>
-        <p:txBody>
-          <a:bodyPr/>
-          <a:lstStyle/>
-          <a:p>
-            <a:r>
-              <a:rPr sz="2800" dirty="0">
-                <a:latin typeface="Arial"/>
-              </a:rPr>
-              <a:t>Partner Insights </a:t>
-            </a:r>
-            <a:endParaRPr lang="en-US" dirty="0"/>
-          </a:p>
-        </p:txBody>
-      </p:sp>
-      <p:sp>
-        <p:nvSpPr>
-          <p:cNvPr id="43" name="Text Placeholder 42"/>
-          <p:cNvSpPr>
-            <a:spLocks noGrp="1"/>
-          </p:cNvSpPr>
-          <p:nvPr>
-            <p:ph type="body" sz="quarter" idx="13"/>
-          </p:nvPr>
-        </p:nvSpPr>
-        <p:spPr/>
-        <p:txBody>
-          <a:bodyPr/>
-          <a:lstStyle/>
-          <a:p>
-            <a:r>
-              <a:rPr lang="en-US" dirty="0"/>
-              <a:t>Insights from Channel/Reseller and System Integrator engagements</a:t>
-            </a:r>
-          </a:p>
-        </p:txBody>
-      </p:sp>
-      <p:sp>
-        <p:nvSpPr>
-          <p:cNvPr id="3" name="Slide Number Placeholder 2"/>
-          <p:cNvSpPr>
-            <a:spLocks noGrp="1"/>
-          </p:cNvSpPr>
-          <p:nvPr>
-            <p:ph type="sldNum" sz="quarter" idx="12"/>
-          </p:nvPr>
-        </p:nvSpPr>
-        <p:spPr/>
-        <p:txBody>
-          <a:bodyPr/>
-          <a:lstStyle/>
-          <a:p>
-            <a:fld id="{B016F8AB-BCEA-4347-8BA6-BE776009BC89}" type="slidenum">
-              <a:rPr lang="en-US" smtClean="0"/>
-              <a:t>10</a:t>
-            </a:fld>
-            <a:endParaRPr lang="en-US"/>
-          </a:p>
-        </p:txBody>
-      </p:sp>
-      <p:sp>
-        <p:nvSpPr>
-          <p:cNvPr id="9" name="Rectangle 8"/>
-          <p:cNvSpPr/>
-          <p:nvPr/>
-        </p:nvSpPr>
-        <p:spPr bwMode="ltGray">
-          <a:xfrm>
-            <a:off x="612608" y="3601529"/>
-            <a:ext cx="5483392" cy="2446788"/>
-          </a:xfrm>
-          <a:prstGeom prst="rect">
-            <a:avLst/>
-          </a:prstGeom>
-          <a:noFill/>
-          <a:ln w="38100">
-            <a:solidFill>
-              <a:schemeClr val="accent3"/>
-            </a:solidFill>
-          </a:ln>
-        </p:spPr>
-        <p:style>
-          <a:lnRef idx="2">
-            <a:schemeClr val="accent1">
-              <a:shade val="50000"/>
-            </a:schemeClr>
-          </a:lnRef>
-          <a:fillRef idx="1">
-            <a:schemeClr val="accent1"/>
-          </a:fillRef>
-          <a:effectRef idx="0">
-            <a:schemeClr val="accent1"/>
-          </a:effectRef>
-          <a:fontRef idx="minor">
-            <a:schemeClr val="lt1"/>
-          </a:fontRef>
-        </p:style>
-        <p:txBody>
-          <a:bodyPr lIns="155448" tIns="137160" rtlCol="0" anchor="t">
-            <a:noAutofit/>
-          </a:bodyPr>
-          <a:lstStyle/>
-          <a:p>
-            <a:pPr>
-              <a:lnSpc>
-                <a:spcPct val="90000"/>
-              </a:lnSpc>
-            </a:pPr>
-            <a:r>
-              <a:rPr lang="en-US" sz="1600" b="1" dirty="0" smtClean="0">
-                <a:solidFill>
-                  <a:schemeClr val="tx1"/>
-                </a:solidFill>
-              </a:rPr>
-              <a:t>Partner Utilization of Engagement </a:t>
-            </a:r>
-            <a:r>
-              <a:rPr lang="en-US" sz="1600" b="1" dirty="0" err="1" smtClean="0">
-                <a:solidFill>
-                  <a:schemeClr val="tx1"/>
-                </a:solidFill>
-              </a:rPr>
-              <a:t>Centres</a:t>
-            </a:r>
-            <a:endParaRPr lang="en-US" sz="1600" b="1" dirty="0">
-              <a:solidFill>
-                <a:schemeClr val="tx1"/>
-              </a:solidFill>
-            </a:endParaRPr>
-          </a:p>
-          <a:p>
-            <a:pPr>
-              <a:lnSpc>
-                <a:spcPct val="90000"/>
-              </a:lnSpc>
-            </a:pPr>
-            <a:endParaRPr lang="en-US" dirty="0">
-              <a:solidFill>
-                <a:schemeClr val="tx1"/>
-              </a:solidFill>
-            </a:endParaRPr>
-          </a:p>
-        </p:txBody>
-      </p:sp>
-      <p:sp>
-        <p:nvSpPr>
-          <p:cNvPr id="31" name="Rectangle 30"/>
-          <p:cNvSpPr/>
-          <p:nvPr/>
-        </p:nvSpPr>
-        <p:spPr bwMode="ltGray">
-          <a:xfrm>
-            <a:off x="6282813" y="1520917"/>
-            <a:ext cx="5296571" cy="2265271"/>
-          </a:xfrm>
-          <a:prstGeom prst="rect">
-            <a:avLst/>
-          </a:prstGeom>
-          <a:noFill/>
-          <a:ln w="38100">
-            <a:solidFill>
-              <a:schemeClr val="accent2"/>
-            </a:solidFill>
-          </a:ln>
-        </p:spPr>
-        <p:style>
-          <a:lnRef idx="2">
-            <a:schemeClr val="accent1">
-              <a:shade val="50000"/>
-            </a:schemeClr>
-          </a:lnRef>
-          <a:fillRef idx="1">
-            <a:schemeClr val="accent1"/>
-          </a:fillRef>
-          <a:effectRef idx="0">
-            <a:schemeClr val="accent1"/>
-          </a:effectRef>
-          <a:fontRef idx="minor">
-            <a:schemeClr val="lt1"/>
-          </a:fontRef>
-        </p:style>
-        <p:txBody>
-          <a:bodyPr wrap="square" lIns="155448" tIns="137160" rIns="274320" rtlCol="0" anchor="t">
-            <a:noAutofit/>
-          </a:bodyPr>
-          <a:lstStyle/>
-          <a:p>
-            <a:pPr>
-              <a:lnSpc>
-                <a:spcPct val="90000"/>
-              </a:lnSpc>
-            </a:pPr>
-            <a:r>
-              <a:rPr lang="en-US" sz="1600" b="1" dirty="0" smtClean="0">
-                <a:solidFill>
-                  <a:schemeClr val="tx1"/>
-                </a:solidFill>
-              </a:rPr>
-              <a:t>Partner </a:t>
-            </a:r>
-            <a:r>
-              <a:rPr lang="en-US" sz="1600" b="1" dirty="0">
-                <a:solidFill>
-                  <a:schemeClr val="tx1"/>
-                </a:solidFill>
-              </a:rPr>
-              <a:t>recommendations</a:t>
-            </a:r>
-          </a:p>
-          <a:p>
-            <a:pPr marL="60325" lvl="0" indent="-60325">
-              <a:spcBef>
-                <a:spcPts val="1000"/>
-              </a:spcBef>
-              <a:spcAft>
-                <a:spcPts val="300"/>
-              </a:spcAft>
-              <a:buClr>
-                <a:prstClr val="black"/>
-              </a:buClr>
-            </a:pPr>
-            <a:r>
-              <a:rPr lang="en-US" sz="1200" i="1" dirty="0" smtClean="0">
-                <a:solidFill>
-                  <a:prstClr val="black"/>
-                </a:solidFill>
-              </a:rPr>
-              <a:t>“xxx.”</a:t>
-            </a:r>
-            <a:endParaRPr lang="en-US" sz="1200" i="1" dirty="0">
-              <a:solidFill>
-                <a:prstClr val="black"/>
-              </a:solidFill>
-            </a:endParaRPr>
-          </a:p>
-          <a:p>
-            <a:pPr marL="274320" lvl="0" indent="-171450">
-              <a:buClr>
-                <a:prstClr val="black"/>
-              </a:buClr>
-              <a:buFont typeface="MetricHPE" panose="020B0503030202060203" pitchFamily="34" charset="0"/>
-              <a:buChar char="−"/>
-            </a:pPr>
-            <a:r>
-              <a:rPr lang="en-US" sz="1100" b="1" dirty="0" smtClean="0">
-                <a:solidFill>
-                  <a:prstClr val="black"/>
-                </a:solidFill>
-              </a:rPr>
-              <a:t>Name, Company Role</a:t>
-            </a:r>
-          </a:p>
-          <a:p>
-            <a:pPr marL="102870" lvl="0">
-              <a:buClr>
-                <a:prstClr val="black"/>
-              </a:buClr>
-            </a:pPr>
-            <a:endParaRPr lang="en-US" sz="1100" b="1" i="1" dirty="0" smtClean="0">
-              <a:solidFill>
-                <a:prstClr val="black"/>
-              </a:solidFill>
-            </a:endParaRPr>
-          </a:p>
-          <a:p>
-            <a:pPr marL="60325" lvl="0" indent="-60325">
-              <a:spcBef>
-                <a:spcPts val="1000"/>
-              </a:spcBef>
-              <a:spcAft>
-                <a:spcPts val="300"/>
-              </a:spcAft>
-              <a:buClr>
-                <a:prstClr val="black"/>
-              </a:buClr>
-            </a:pPr>
-            <a:r>
-              <a:rPr lang="en-US" sz="1200" i="1" dirty="0">
-                <a:solidFill>
-                  <a:prstClr val="black"/>
-                </a:solidFill>
-              </a:rPr>
-              <a:t>“xxx.”</a:t>
-            </a:r>
-          </a:p>
-          <a:p>
-            <a:pPr marL="274320" lvl="0" indent="-171450">
-              <a:buClr>
-                <a:prstClr val="black"/>
-              </a:buClr>
-              <a:buFont typeface="MetricHPE" panose="020B0503030202060203" pitchFamily="34" charset="0"/>
-              <a:buChar char="−"/>
-            </a:pPr>
-            <a:r>
-              <a:rPr lang="en-US" sz="1100" b="1" dirty="0">
-                <a:solidFill>
-                  <a:prstClr val="black"/>
-                </a:solidFill>
-              </a:rPr>
-              <a:t>Name, Company Role</a:t>
-            </a:r>
-            <a:endParaRPr lang="en-US" sz="1100" i="1" dirty="0">
-              <a:solidFill>
-                <a:schemeClr val="tx1"/>
-              </a:solidFill>
-            </a:endParaRPr>
-          </a:p>
-          <a:p>
-            <a:pPr marL="102870" lvl="0">
-              <a:buClr>
-                <a:prstClr val="black"/>
-              </a:buClr>
-            </a:pPr>
-            <a:endParaRPr lang="en-US" sz="1100" b="1" i="1" dirty="0" smtClean="0">
-              <a:solidFill>
-                <a:prstClr val="black"/>
-              </a:solidFill>
-            </a:endParaRPr>
-          </a:p>
-          <a:p>
-            <a:pPr marL="102870" lvl="0">
-              <a:buClr>
-                <a:prstClr val="black"/>
-              </a:buClr>
-            </a:pPr>
-            <a:endParaRPr lang="en-US" sz="1100" b="1" i="1" dirty="0">
-              <a:solidFill>
-                <a:prstClr val="black"/>
-              </a:solidFill>
-            </a:endParaRPr>
-          </a:p>
-          <a:p>
-            <a:pPr>
-              <a:buClr>
-                <a:prstClr val="black"/>
-              </a:buClr>
-            </a:pPr>
-            <a:endParaRPr lang="en-US" sz="1400" dirty="0">
-              <a:solidFill>
-                <a:schemeClr val="tx1"/>
-              </a:solidFill>
-            </a:endParaRPr>
-          </a:p>
-          <a:p>
-            <a:pPr marL="171450" indent="-171450">
-              <a:buClr>
-                <a:prstClr val="black"/>
-              </a:buClr>
-              <a:buFontTx/>
-              <a:buChar char="-"/>
-            </a:pPr>
-            <a:endParaRPr lang="en-US" sz="1600" dirty="0">
-              <a:solidFill>
-                <a:schemeClr val="tx1"/>
-              </a:solidFill>
-            </a:endParaRPr>
-          </a:p>
-          <a:p>
-            <a:pPr>
-              <a:buClr>
-                <a:prstClr val="black"/>
-              </a:buClr>
-            </a:pPr>
-            <a:endParaRPr lang="en-US" sz="1600" dirty="0">
-              <a:solidFill>
-                <a:schemeClr val="tx1"/>
-              </a:solidFill>
-            </a:endParaRPr>
-          </a:p>
-          <a:p>
-            <a:pPr>
-              <a:lnSpc>
-                <a:spcPct val="90000"/>
-              </a:lnSpc>
-            </a:pPr>
-            <a:endParaRPr lang="en-US" sz="1600" b="1" dirty="0">
-              <a:solidFill>
-                <a:schemeClr val="tx1"/>
-              </a:solidFill>
-            </a:endParaRPr>
-          </a:p>
-        </p:txBody>
-      </p:sp>
-      <p:sp>
-        <p:nvSpPr>
-          <p:cNvPr id="8" name="TextBox 7"/>
-          <p:cNvSpPr txBox="1"/>
-          <p:nvPr/>
-        </p:nvSpPr>
-        <p:spPr>
-          <a:xfrm>
-            <a:off x="4737012" y="2029930"/>
-            <a:ext cx="1197602" cy="1223844"/>
-          </a:xfrm>
-          <a:prstGeom prst="rect">
-            <a:avLst/>
-          </a:prstGeom>
-          <a:noFill/>
-          <a:ln w="19050">
-            <a:solidFill>
-              <a:schemeClr val="bg1">
-                <a:lumMod val="85000"/>
-              </a:schemeClr>
-            </a:solidFill>
-          </a:ln>
-        </p:spPr>
-        <p:txBody>
-          <a:bodyPr wrap="none" lIns="91440" tIns="91440" rIns="91440" bIns="0" rtlCol="0">
-            <a:noAutofit/>
-          </a:bodyPr>
-          <a:lstStyle/>
-          <a:p>
-            <a:pPr algn="ctr">
-              <a:lnSpc>
-                <a:spcPct val="90000"/>
-              </a:lnSpc>
-            </a:pPr>
-            <a:endParaRPr lang="en-US" sz="1200" b="1" dirty="0"/>
-          </a:p>
-        </p:txBody>
-      </p:sp>
-      <p:sp>
-        <p:nvSpPr>
-          <p:cNvPr id="10" name="TextBox 9"/>
-          <p:cNvSpPr txBox="1"/>
-          <p:nvPr/>
-        </p:nvSpPr>
-        <p:spPr>
-          <a:xfrm>
-            <a:off x="3416006" y="2029930"/>
-            <a:ext cx="1197602" cy="1223844"/>
-          </a:xfrm>
-          <a:prstGeom prst="rect">
-            <a:avLst/>
-          </a:prstGeom>
-          <a:noFill/>
-          <a:ln w="19050">
-            <a:solidFill>
-              <a:schemeClr val="bg1">
-                <a:lumMod val="85000"/>
-              </a:schemeClr>
-            </a:solidFill>
-          </a:ln>
-        </p:spPr>
-        <p:txBody>
-          <a:bodyPr wrap="none" lIns="91440" tIns="91440" rIns="91440" bIns="0" rtlCol="0">
-            <a:noAutofit/>
-          </a:bodyPr>
-          <a:lstStyle/>
-          <a:p>
-            <a:pPr algn="ctr">
-              <a:lnSpc>
-                <a:spcPct val="90000"/>
-              </a:lnSpc>
-            </a:pPr>
-            <a:endParaRPr lang="en-US" sz="1200" b="1" dirty="0"/>
-          </a:p>
-        </p:txBody>
-      </p:sp>
-      <p:sp>
-        <p:nvSpPr>
-          <p:cNvPr id="11" name="TextBox 10"/>
-          <p:cNvSpPr txBox="1"/>
-          <p:nvPr/>
-        </p:nvSpPr>
-        <p:spPr>
-          <a:xfrm>
-            <a:off x="2095000" y="2029930"/>
-            <a:ext cx="1197602" cy="1223844"/>
-          </a:xfrm>
-          <a:prstGeom prst="rect">
-            <a:avLst/>
-          </a:prstGeom>
-          <a:noFill/>
-          <a:ln w="19050">
-            <a:solidFill>
-              <a:schemeClr val="bg1">
-                <a:lumMod val="85000"/>
-              </a:schemeClr>
-            </a:solidFill>
-          </a:ln>
-        </p:spPr>
-        <p:txBody>
-          <a:bodyPr wrap="none" lIns="91440" tIns="91440" rIns="91440" bIns="0" rtlCol="0">
-            <a:noAutofit/>
-          </a:bodyPr>
-          <a:lstStyle/>
-          <a:p>
-            <a:pPr algn="ctr">
-              <a:lnSpc>
-                <a:spcPct val="90000"/>
-              </a:lnSpc>
-            </a:pPr>
-            <a:endParaRPr lang="en-US" sz="1200" b="1" dirty="0"/>
-          </a:p>
-        </p:txBody>
-      </p:sp>
-      <p:sp>
-        <p:nvSpPr>
-          <p:cNvPr id="12" name="TextBox 11"/>
-          <p:cNvSpPr txBox="1"/>
-          <p:nvPr/>
-        </p:nvSpPr>
-        <p:spPr>
-          <a:xfrm>
-            <a:off x="773994" y="2029930"/>
-            <a:ext cx="1197602" cy="1223844"/>
-          </a:xfrm>
-          <a:prstGeom prst="rect">
-            <a:avLst/>
-          </a:prstGeom>
-          <a:noFill/>
-          <a:ln w="19050">
-            <a:solidFill>
-              <a:schemeClr val="bg1">
-                <a:lumMod val="85000"/>
-              </a:schemeClr>
-            </a:solidFill>
-          </a:ln>
-        </p:spPr>
-        <p:txBody>
-          <a:bodyPr wrap="none" lIns="91440" tIns="91440" rIns="91440" bIns="0" rtlCol="0">
-            <a:noAutofit/>
-          </a:bodyPr>
-          <a:lstStyle/>
-          <a:p>
-            <a:pPr algn="ctr">
-              <a:lnSpc>
-                <a:spcPct val="90000"/>
-              </a:lnSpc>
-            </a:pPr>
-            <a:endParaRPr lang="en-US" sz="1200" b="1" dirty="0"/>
-          </a:p>
-        </p:txBody>
-      </p:sp>
-      <p:sp>
-        <p:nvSpPr>
-          <p:cNvPr id="13" name="TextBox 12"/>
-          <p:cNvSpPr txBox="1"/>
-          <p:nvPr/>
-        </p:nvSpPr>
-        <p:spPr>
-          <a:xfrm>
-            <a:off x="915595" y="2967478"/>
-            <a:ext cx="914400" cy="272032"/>
-          </a:xfrm>
-          <a:prstGeom prst="rect">
-            <a:avLst/>
-          </a:prstGeom>
-          <a:noFill/>
-        </p:spPr>
-        <p:txBody>
-          <a:bodyPr wrap="none" lIns="0" tIns="0" rIns="0" bIns="0" rtlCol="0" anchor="ctr">
-            <a:noAutofit/>
-          </a:bodyPr>
-          <a:lstStyle/>
-          <a:p>
-            <a:pPr algn="ctr">
-              <a:lnSpc>
-                <a:spcPct val="90000"/>
-              </a:lnSpc>
-            </a:pPr>
-            <a:r>
-              <a:rPr lang="en-US" dirty="0" smtClean="0"/>
-              <a:t>Score-0</a:t>
-            </a:r>
-            <a:endParaRPr lang="en-US" sz="1200" dirty="0"/>
-          </a:p>
-        </p:txBody>
-      </p:sp>
-      <p:sp>
-        <p:nvSpPr>
-          <p:cNvPr id="14" name="TextBox 13"/>
-          <p:cNvSpPr txBox="1"/>
-          <p:nvPr/>
-        </p:nvSpPr>
-        <p:spPr>
-          <a:xfrm>
-            <a:off x="2236601" y="2967478"/>
-            <a:ext cx="914400" cy="272032"/>
-          </a:xfrm>
-          <a:prstGeom prst="rect">
-            <a:avLst/>
-          </a:prstGeom>
-          <a:noFill/>
-        </p:spPr>
-        <p:txBody>
-          <a:bodyPr wrap="none" lIns="0" tIns="0" rIns="0" bIns="0" rtlCol="0" anchor="ctr">
-            <a:noAutofit/>
-          </a:bodyPr>
-          <a:lstStyle/>
-          <a:p>
-            <a:pPr algn="ctr">
-              <a:lnSpc>
-                <a:spcPct val="90000"/>
-              </a:lnSpc>
-            </a:pPr>
-            <a:r>
-              <a:rPr lang="en-US" dirty="0" smtClean="0"/>
-              <a:t>Score-1</a:t>
-            </a:r>
-            <a:endParaRPr lang="en-US" sz="1200" dirty="0"/>
-          </a:p>
-        </p:txBody>
-      </p:sp>
-      <p:sp>
-        <p:nvSpPr>
-          <p:cNvPr id="15" name="TextBox 14"/>
-          <p:cNvSpPr txBox="1"/>
-          <p:nvPr/>
-        </p:nvSpPr>
-        <p:spPr>
-          <a:xfrm>
-            <a:off x="3557607" y="2967478"/>
-            <a:ext cx="914400" cy="272032"/>
-          </a:xfrm>
-          <a:prstGeom prst="rect">
-            <a:avLst/>
-          </a:prstGeom>
-          <a:noFill/>
-        </p:spPr>
-        <p:txBody>
-          <a:bodyPr wrap="none" lIns="0" tIns="0" rIns="0" bIns="0" rtlCol="0" anchor="ctr">
-            <a:noAutofit/>
-          </a:bodyPr>
-          <a:lstStyle/>
-          <a:p>
-            <a:pPr algn="ctr">
-              <a:lnSpc>
-                <a:spcPct val="90000"/>
-              </a:lnSpc>
-            </a:pPr>
-            <a:r>
-              <a:rPr lang="en-US" dirty="0" smtClean="0"/>
-              <a:t>Score-2</a:t>
-            </a:r>
-            <a:endParaRPr lang="en-US" sz="1200" dirty="0"/>
-          </a:p>
-        </p:txBody>
-      </p:sp>
-      <p:sp>
-        <p:nvSpPr>
-          <p:cNvPr id="16" name="TextBox 15"/>
-          <p:cNvSpPr txBox="1"/>
-          <p:nvPr/>
-        </p:nvSpPr>
-        <p:spPr>
-          <a:xfrm>
-            <a:off x="4878613" y="2967478"/>
-            <a:ext cx="914400" cy="272032"/>
-          </a:xfrm>
-          <a:prstGeom prst="rect">
-            <a:avLst/>
-          </a:prstGeom>
-          <a:noFill/>
-        </p:spPr>
-        <p:txBody>
-          <a:bodyPr wrap="none" lIns="0" tIns="0" rIns="0" bIns="0" rtlCol="0" anchor="ctr">
-            <a:noAutofit/>
-          </a:bodyPr>
-          <a:lstStyle/>
-          <a:p>
-            <a:pPr algn="ctr">
-              <a:lnSpc>
-                <a:spcPct val="90000"/>
-              </a:lnSpc>
-            </a:pPr>
-            <a:r>
-              <a:rPr lang="en-US" dirty="0" smtClean="0"/>
-              <a:t>Score-3</a:t>
-            </a:r>
-            <a:endParaRPr lang="en-US" sz="1200" dirty="0"/>
-          </a:p>
-        </p:txBody>
-      </p:sp>
-      <p:sp>
-        <p:nvSpPr>
-          <p:cNvPr id="17" name="TextBox 16"/>
-          <p:cNvSpPr txBox="1"/>
-          <p:nvPr/>
-        </p:nvSpPr>
-        <p:spPr>
-          <a:xfrm>
-            <a:off x="915595" y="2060849"/>
-            <a:ext cx="914400" cy="272032"/>
-          </a:xfrm>
-          <a:prstGeom prst="rect">
-            <a:avLst/>
-          </a:prstGeom>
-          <a:noFill/>
-        </p:spPr>
-        <p:txBody>
-          <a:bodyPr wrap="none" lIns="0" tIns="0" rIns="0" bIns="0" rtlCol="0" anchor="ctr">
-            <a:noAutofit/>
-          </a:bodyPr>
-          <a:lstStyle/>
-          <a:p>
-            <a:pPr algn="ctr">
-              <a:lnSpc>
-                <a:spcPct val="90000"/>
-              </a:lnSpc>
-            </a:pPr>
-            <a:r>
-              <a:rPr lang="en-US" dirty="0" smtClean="0"/>
-              <a:t>Interest-0</a:t>
-            </a:r>
-            <a:endParaRPr lang="en-US" sz="1200" b="1" dirty="0"/>
-          </a:p>
-        </p:txBody>
-      </p:sp>
-      <p:sp>
-        <p:nvSpPr>
-          <p:cNvPr id="18" name="TextBox 17"/>
-          <p:cNvSpPr txBox="1"/>
-          <p:nvPr/>
-        </p:nvSpPr>
-        <p:spPr>
-          <a:xfrm>
-            <a:off x="2236601" y="2060849"/>
-            <a:ext cx="914400" cy="272032"/>
-          </a:xfrm>
-          <a:prstGeom prst="rect">
-            <a:avLst/>
-          </a:prstGeom>
-          <a:noFill/>
-        </p:spPr>
-        <p:txBody>
-          <a:bodyPr wrap="none" lIns="0" tIns="0" rIns="0" bIns="0" rtlCol="0" anchor="ctr">
-            <a:noAutofit/>
-          </a:bodyPr>
-          <a:lstStyle/>
-          <a:p>
-            <a:pPr algn="ctr">
-              <a:lnSpc>
-                <a:spcPct val="90000"/>
-              </a:lnSpc>
-            </a:pPr>
-            <a:r>
-              <a:rPr lang="en-US" dirty="0" smtClean="0"/>
-              <a:t>Interest-1</a:t>
-            </a:r>
-            <a:endParaRPr lang="en-US" sz="1200" b="1" dirty="0"/>
-          </a:p>
-        </p:txBody>
-      </p:sp>
-      <p:sp>
-        <p:nvSpPr>
-          <p:cNvPr id="19" name="TextBox 18"/>
-          <p:cNvSpPr txBox="1"/>
-          <p:nvPr/>
-        </p:nvSpPr>
-        <p:spPr>
-          <a:xfrm>
-            <a:off x="3557607" y="2060849"/>
-            <a:ext cx="914400" cy="272032"/>
-          </a:xfrm>
-          <a:prstGeom prst="rect">
-            <a:avLst/>
-          </a:prstGeom>
-          <a:noFill/>
-        </p:spPr>
-        <p:txBody>
-          <a:bodyPr wrap="none" lIns="0" tIns="0" rIns="0" bIns="0" rtlCol="0" anchor="ctr">
-            <a:noAutofit/>
-          </a:bodyPr>
-          <a:lstStyle/>
-          <a:p>
-            <a:pPr algn="ctr">
-              <a:lnSpc>
-                <a:spcPct val="90000"/>
-              </a:lnSpc>
-            </a:pPr>
-            <a:r>
-              <a:rPr lang="en-US" dirty="0" smtClean="0"/>
-              <a:t>Interest-2</a:t>
-            </a:r>
-            <a:endParaRPr lang="en-US" sz="1200" b="1" dirty="0"/>
-          </a:p>
-        </p:txBody>
-      </p:sp>
-      <p:sp>
-        <p:nvSpPr>
-          <p:cNvPr id="20" name="TextBox 19"/>
-          <p:cNvSpPr txBox="1"/>
-          <p:nvPr/>
-        </p:nvSpPr>
-        <p:spPr>
-          <a:xfrm>
-            <a:off x="4878613" y="2060849"/>
-            <a:ext cx="914400" cy="272032"/>
-          </a:xfrm>
-          <a:prstGeom prst="rect">
-            <a:avLst/>
-          </a:prstGeom>
-          <a:noFill/>
-        </p:spPr>
-        <p:txBody>
-          <a:bodyPr wrap="none" lIns="0" tIns="0" rIns="0" bIns="0" rtlCol="0" anchor="ctr">
-            <a:noAutofit/>
-          </a:bodyPr>
-          <a:lstStyle/>
-          <a:p>
-            <a:pPr algn="ctr">
-              <a:lnSpc>
-                <a:spcPct val="90000"/>
-              </a:lnSpc>
-            </a:pPr>
-            <a:r>
-              <a:rPr lang="en-US" dirty="0" smtClean="0"/>
-              <a:t>Interest-3</a:t>
-            </a:r>
-            <a:endParaRPr lang="en-US" sz="1200" b="1" dirty="0"/>
-          </a:p>
-        </p:txBody>
-      </p:sp>
-      <p:sp>
-        <p:nvSpPr>
-          <p:cNvPr id="21" name="Content Placeholder 1"/>
+          <p:cNvPr id="27" name="Content Placeholder 1"/>
           <p:cNvSpPr txBox="1">
             <a:spLocks/>
           </p:cNvSpPr>
@@ -14311,8 +13560,8 @@
         </p:nvSpPr>
         <p:spPr>
           <a:xfrm>
-            <a:off x="6282813" y="3991865"/>
-            <a:ext cx="5296570" cy="2056451"/>
+            <a:off x="604213" y="1737887"/>
+            <a:ext cx="4164875" cy="1631302"/>
           </a:xfrm>
           <a:prstGeom prst="rect">
             <a:avLst/>
@@ -14322,7 +13571,7 @@
           </a:solidFill>
           <a:ln w="38100">
             <a:solidFill>
-              <a:schemeClr val="accent1"/>
+              <a:schemeClr val="tx2"/>
             </a:solidFill>
           </a:ln>
         </p:spPr>
@@ -14532,28 +13781,1348 @@
               <a:buFont typeface="Arial" panose="020B0604020202020204" pitchFamily="34" charset="0"/>
               <a:buNone/>
             </a:pPr>
-            <a:r>
-              <a:rPr lang="en-US" sz="1600" b="1" dirty="0" smtClean="0"/>
-              <a:t>Partner Level </a:t>
-            </a:r>
-            <a:r>
-              <a:rPr lang="en-US" sz="1600" b="1" smtClean="0"/>
-              <a:t>of Activity</a:t>
-            </a:r>
             <a:endParaRPr lang="en-US" sz="1600" b="1" dirty="0"/>
           </a:p>
         </p:txBody>
       </p:sp>
       <p:sp>
         <p:nvSpPr>
-          <p:cNvPr id="4" name="TextBox 3"/>
+          <p:cNvPr id="29" name="TextBox 28"/>
           <p:cNvSpPr txBox="1"/>
           <p:nvPr/>
         </p:nvSpPr>
         <p:spPr>
           <a:xfrm>
-            <a:off x="1066800" y="4159624"/>
-            <a:ext cx="349624" cy="268941"/>
+            <a:off x="3410258" y="1898239"/>
+            <a:ext cx="1197602" cy="1371600"/>
+          </a:xfrm>
+          <a:prstGeom prst="rect">
+            <a:avLst/>
+          </a:prstGeom>
+          <a:noFill/>
+          <a:ln w="19050">
+            <a:solidFill>
+              <a:schemeClr val="bg1">
+                <a:lumMod val="85000"/>
+              </a:schemeClr>
+            </a:solidFill>
+          </a:ln>
+        </p:spPr>
+        <p:txBody>
+          <a:bodyPr wrap="none" lIns="91440" tIns="91440" rIns="91440" bIns="0" rtlCol="0">
+            <a:noAutofit/>
+          </a:bodyPr>
+          <a:lstStyle/>
+          <a:p>
+            <a:pPr algn="ctr">
+              <a:lnSpc>
+                <a:spcPct val="90000"/>
+              </a:lnSpc>
+            </a:pPr>
+            <a:endParaRPr lang="en-US" sz="1200" b="1" dirty="0"/>
+          </a:p>
+        </p:txBody>
+      </p:sp>
+      <p:sp>
+        <p:nvSpPr>
+          <p:cNvPr id="30" name="TextBox 29"/>
+          <p:cNvSpPr txBox="1"/>
+          <p:nvPr/>
+        </p:nvSpPr>
+        <p:spPr>
+          <a:xfrm>
+            <a:off x="2089252" y="1898239"/>
+            <a:ext cx="1197602" cy="1371600"/>
+          </a:xfrm>
+          <a:prstGeom prst="rect">
+            <a:avLst/>
+          </a:prstGeom>
+          <a:noFill/>
+          <a:ln w="19050">
+            <a:solidFill>
+              <a:schemeClr val="bg1">
+                <a:lumMod val="85000"/>
+              </a:schemeClr>
+            </a:solidFill>
+          </a:ln>
+        </p:spPr>
+        <p:txBody>
+          <a:bodyPr wrap="none" lIns="91440" tIns="91440" rIns="91440" bIns="0" rtlCol="0">
+            <a:noAutofit/>
+          </a:bodyPr>
+          <a:lstStyle/>
+          <a:p>
+            <a:pPr algn="ctr">
+              <a:lnSpc>
+                <a:spcPct val="90000"/>
+              </a:lnSpc>
+            </a:pPr>
+            <a:endParaRPr lang="en-US" sz="1200" b="1" dirty="0"/>
+          </a:p>
+        </p:txBody>
+      </p:sp>
+      <p:sp>
+        <p:nvSpPr>
+          <p:cNvPr id="32" name="TextBox 31"/>
+          <p:cNvSpPr txBox="1"/>
+          <p:nvPr/>
+        </p:nvSpPr>
+        <p:spPr>
+          <a:xfrm>
+            <a:off x="768246" y="1898239"/>
+            <a:ext cx="1197602" cy="1371600"/>
+          </a:xfrm>
+          <a:prstGeom prst="rect">
+            <a:avLst/>
+          </a:prstGeom>
+          <a:noFill/>
+          <a:ln w="19050">
+            <a:solidFill>
+              <a:schemeClr val="bg1">
+                <a:lumMod val="85000"/>
+              </a:schemeClr>
+            </a:solidFill>
+          </a:ln>
+        </p:spPr>
+        <p:txBody>
+          <a:bodyPr wrap="none" lIns="91440" tIns="91440" rIns="91440" bIns="0" rtlCol="0">
+            <a:noAutofit/>
+          </a:bodyPr>
+          <a:lstStyle/>
+          <a:p>
+            <a:pPr algn="ctr">
+              <a:lnSpc>
+                <a:spcPct val="90000"/>
+              </a:lnSpc>
+            </a:pPr>
+            <a:endParaRPr lang="en-US" sz="1200" b="1" dirty="0"/>
+          </a:p>
+        </p:txBody>
+      </p:sp>
+      <p:sp>
+        <p:nvSpPr>
+          <p:cNvPr id="33" name="TextBox 32"/>
+          <p:cNvSpPr txBox="1"/>
+          <p:nvPr/>
+        </p:nvSpPr>
+        <p:spPr>
+          <a:xfrm>
+            <a:off x="909847" y="2901103"/>
+            <a:ext cx="914400" cy="272032"/>
+          </a:xfrm>
+          <a:prstGeom prst="rect">
+            <a:avLst/>
+          </a:prstGeom>
+          <a:noFill/>
+        </p:spPr>
+        <p:txBody>
+          <a:bodyPr wrap="none" lIns="0" tIns="0" rIns="0" bIns="0" rtlCol="0" anchor="ctr">
+            <a:noAutofit/>
+          </a:bodyPr>
+          <a:lstStyle/>
+          <a:p>
+            <a:pPr algn="ctr">
+              <a:lnSpc>
+                <a:spcPct val="90000"/>
+              </a:lnSpc>
+            </a:pPr>
+            <a:r>
+              <a:rPr lang="en-US" sz="2400" dirty="0" smtClean="0"/>
+              <a:t>Score-0</a:t>
+            </a:r>
+            <a:endParaRPr lang="en-US" sz="1600" dirty="0"/>
+          </a:p>
+        </p:txBody>
+      </p:sp>
+      <p:sp>
+        <p:nvSpPr>
+          <p:cNvPr id="34" name="TextBox 33"/>
+          <p:cNvSpPr txBox="1"/>
+          <p:nvPr/>
+        </p:nvSpPr>
+        <p:spPr>
+          <a:xfrm>
+            <a:off x="2230853" y="2901103"/>
+            <a:ext cx="914400" cy="272032"/>
+          </a:xfrm>
+          <a:prstGeom prst="rect">
+            <a:avLst/>
+          </a:prstGeom>
+          <a:noFill/>
+        </p:spPr>
+        <p:txBody>
+          <a:bodyPr wrap="none" lIns="0" tIns="0" rIns="0" bIns="0" rtlCol="0" anchor="ctr">
+            <a:noAutofit/>
+          </a:bodyPr>
+          <a:lstStyle/>
+          <a:p>
+            <a:pPr algn="ctr">
+              <a:lnSpc>
+                <a:spcPct val="90000"/>
+              </a:lnSpc>
+            </a:pPr>
+            <a:r>
+              <a:rPr lang="en-US" sz="2400" dirty="0" smtClean="0"/>
+              <a:t>Score-1</a:t>
+            </a:r>
+            <a:endParaRPr lang="en-US" sz="2400" dirty="0"/>
+          </a:p>
+        </p:txBody>
+      </p:sp>
+      <p:sp>
+        <p:nvSpPr>
+          <p:cNvPr id="35" name="TextBox 34"/>
+          <p:cNvSpPr txBox="1"/>
+          <p:nvPr/>
+        </p:nvSpPr>
+        <p:spPr>
+          <a:xfrm>
+            <a:off x="3551859" y="2901103"/>
+            <a:ext cx="914400" cy="272032"/>
+          </a:xfrm>
+          <a:prstGeom prst="rect">
+            <a:avLst/>
+          </a:prstGeom>
+          <a:noFill/>
+        </p:spPr>
+        <p:txBody>
+          <a:bodyPr wrap="none" lIns="0" tIns="0" rIns="0" bIns="0" rtlCol="0" anchor="ctr">
+            <a:noAutofit/>
+          </a:bodyPr>
+          <a:lstStyle/>
+          <a:p>
+            <a:pPr algn="ctr">
+              <a:lnSpc>
+                <a:spcPct val="90000"/>
+              </a:lnSpc>
+            </a:pPr>
+            <a:r>
+              <a:rPr lang="en-US" sz="2400" dirty="0" smtClean="0"/>
+              <a:t>Score-2</a:t>
+            </a:r>
+            <a:endParaRPr lang="en-US" sz="2400" dirty="0"/>
+          </a:p>
+        </p:txBody>
+      </p:sp>
+      <p:sp>
+        <p:nvSpPr>
+          <p:cNvPr id="37" name="TextBox 36"/>
+          <p:cNvSpPr txBox="1"/>
+          <p:nvPr/>
+        </p:nvSpPr>
+        <p:spPr>
+          <a:xfrm>
+            <a:off x="909847" y="1952034"/>
+            <a:ext cx="914400" cy="272032"/>
+          </a:xfrm>
+          <a:prstGeom prst="rect">
+            <a:avLst/>
+          </a:prstGeom>
+          <a:noFill/>
+        </p:spPr>
+        <p:txBody>
+          <a:bodyPr wrap="none" lIns="0" tIns="0" rIns="0" bIns="0" rtlCol="0" anchor="ctr">
+            <a:noAutofit/>
+          </a:bodyPr>
+          <a:lstStyle/>
+          <a:p>
+            <a:pPr algn="ctr">
+              <a:lnSpc>
+                <a:spcPct val="90000"/>
+              </a:lnSpc>
+            </a:pPr>
+            <a:r>
+              <a:rPr lang="en-US" dirty="0" smtClean="0"/>
+              <a:t>Interest-0</a:t>
+            </a:r>
+            <a:endParaRPr lang="en-US" sz="1200" b="1" dirty="0"/>
+          </a:p>
+        </p:txBody>
+      </p:sp>
+      <p:sp>
+        <p:nvSpPr>
+          <p:cNvPr id="38" name="TextBox 37"/>
+          <p:cNvSpPr txBox="1"/>
+          <p:nvPr/>
+        </p:nvSpPr>
+        <p:spPr>
+          <a:xfrm>
+            <a:off x="2237039" y="1952034"/>
+            <a:ext cx="914400" cy="272032"/>
+          </a:xfrm>
+          <a:prstGeom prst="rect">
+            <a:avLst/>
+          </a:prstGeom>
+          <a:noFill/>
+        </p:spPr>
+        <p:txBody>
+          <a:bodyPr wrap="none" lIns="0" tIns="0" rIns="0" bIns="0" rtlCol="0" anchor="ctr">
+            <a:noAutofit/>
+          </a:bodyPr>
+          <a:lstStyle/>
+          <a:p>
+            <a:pPr algn="ctr">
+              <a:lnSpc>
+                <a:spcPct val="90000"/>
+              </a:lnSpc>
+            </a:pPr>
+            <a:r>
+              <a:rPr lang="en-US" dirty="0"/>
+              <a:t>Interest-1</a:t>
+            </a:r>
+            <a:endParaRPr lang="en-US" sz="1200" b="1" dirty="0"/>
+          </a:p>
+        </p:txBody>
+      </p:sp>
+      <p:sp>
+        <p:nvSpPr>
+          <p:cNvPr id="39" name="TextBox 38"/>
+          <p:cNvSpPr txBox="1"/>
+          <p:nvPr/>
+        </p:nvSpPr>
+        <p:spPr>
+          <a:xfrm>
+            <a:off x="3531355" y="1952034"/>
+            <a:ext cx="914400" cy="272032"/>
+          </a:xfrm>
+          <a:prstGeom prst="rect">
+            <a:avLst/>
+          </a:prstGeom>
+          <a:noFill/>
+        </p:spPr>
+        <p:txBody>
+          <a:bodyPr wrap="none" lIns="0" tIns="0" rIns="0" bIns="0" rtlCol="0" anchor="ctr">
+            <a:noAutofit/>
+          </a:bodyPr>
+          <a:lstStyle/>
+          <a:p>
+            <a:pPr algn="ctr">
+              <a:lnSpc>
+                <a:spcPct val="90000"/>
+              </a:lnSpc>
+            </a:pPr>
+            <a:r>
+              <a:rPr lang="en-US" dirty="0" smtClean="0"/>
+              <a:t>Interest-2</a:t>
+            </a:r>
+            <a:endParaRPr lang="en-US" sz="1200" b="1" dirty="0"/>
+          </a:p>
+        </p:txBody>
+      </p:sp>
+      <p:sp>
+        <p:nvSpPr>
+          <p:cNvPr id="54" name="Rectangle 55"/>
+          <p:cNvSpPr/>
+          <p:nvPr/>
+        </p:nvSpPr>
+        <p:spPr bwMode="ltGray">
+          <a:xfrm>
+            <a:off x="612948" y="4296811"/>
+            <a:ext cx="3520440" cy="1828800"/>
+          </a:xfrm>
+          <a:prstGeom prst="rect">
+            <a:avLst/>
+          </a:prstGeom>
+          <a:solidFill>
+            <a:schemeClr val="bg1"/>
+          </a:solidFill>
+          <a:ln w="38100">
+            <a:solidFill>
+              <a:schemeClr val="accent1"/>
+            </a:solidFill>
+          </a:ln>
+        </p:spPr>
+        <p:style>
+          <a:lnRef idx="2">
+            <a:schemeClr val="accent1">
+              <a:shade val="50000"/>
+            </a:schemeClr>
+          </a:lnRef>
+          <a:fillRef idx="1">
+            <a:schemeClr val="accent1"/>
+          </a:fillRef>
+          <a:effectRef idx="0">
+            <a:schemeClr val="accent1"/>
+          </a:effectRef>
+          <a:fontRef idx="minor">
+            <a:schemeClr val="lt1"/>
+          </a:fontRef>
+        </p:style>
+        <p:txBody>
+          <a:bodyPr lIns="182880" tIns="182880" rIns="182880" bIns="182880" rtlCol="0" anchor="t"/>
+          <a:lstStyle/>
+          <a:p>
+            <a:pPr marL="45720" indent="-60325">
+              <a:spcBef>
+                <a:spcPts val="1200"/>
+              </a:spcBef>
+              <a:buClr>
+                <a:prstClr val="black"/>
+              </a:buClr>
+            </a:pPr>
+            <a:r>
+              <a:rPr lang="en-US" sz="1100" i="1" dirty="0">
+                <a:solidFill>
+                  <a:schemeClr val="tx1"/>
+                </a:solidFill>
+              </a:rPr>
+              <a:t>“Lorem ipsum dolor sit </a:t>
+            </a:r>
+            <a:r>
+              <a:rPr lang="en-US" sz="1100" i="1" dirty="0" err="1">
+                <a:solidFill>
+                  <a:schemeClr val="tx1"/>
+                </a:solidFill>
+              </a:rPr>
+              <a:t>amet</a:t>
+            </a:r>
+            <a:r>
+              <a:rPr lang="en-US" sz="1100" i="1" dirty="0">
+                <a:solidFill>
+                  <a:schemeClr val="tx1"/>
+                </a:solidFill>
+              </a:rPr>
+              <a:t>, </a:t>
+            </a:r>
+            <a:r>
+              <a:rPr lang="en-US" sz="1100" i="1" dirty="0" err="1">
+                <a:solidFill>
+                  <a:schemeClr val="tx1"/>
+                </a:solidFill>
+              </a:rPr>
+              <a:t>consectetur</a:t>
+            </a:r>
+            <a:r>
+              <a:rPr lang="en-US" sz="1100" i="1" dirty="0">
+                <a:solidFill>
+                  <a:schemeClr val="tx1"/>
+                </a:solidFill>
+              </a:rPr>
+              <a:t> </a:t>
+            </a:r>
+            <a:r>
+              <a:rPr lang="en-US" sz="1100" i="1" dirty="0" err="1">
+                <a:solidFill>
+                  <a:schemeClr val="tx1"/>
+                </a:solidFill>
+              </a:rPr>
+              <a:t>adipiscing</a:t>
+            </a:r>
+            <a:r>
+              <a:rPr lang="en-US" sz="1100" i="1" dirty="0">
+                <a:solidFill>
+                  <a:schemeClr val="tx1"/>
+                </a:solidFill>
+              </a:rPr>
+              <a:t> </a:t>
+            </a:r>
+            <a:r>
+              <a:rPr lang="en-US" sz="1100" i="1" dirty="0" err="1">
+                <a:solidFill>
+                  <a:schemeClr val="tx1"/>
+                </a:solidFill>
+              </a:rPr>
+              <a:t>elit</a:t>
+            </a:r>
+            <a:r>
+              <a:rPr lang="en-US" sz="1100" i="1" dirty="0">
+                <a:solidFill>
+                  <a:schemeClr val="tx1"/>
+                </a:solidFill>
+              </a:rPr>
+              <a:t>, </a:t>
+            </a:r>
+            <a:r>
+              <a:rPr lang="en-US" sz="1100" i="1" dirty="0" err="1">
+                <a:solidFill>
+                  <a:schemeClr val="tx1"/>
+                </a:solidFill>
+              </a:rPr>
+              <a:t>sed</a:t>
+            </a:r>
+            <a:r>
+              <a:rPr lang="en-US" sz="1100" i="1" dirty="0">
+                <a:solidFill>
+                  <a:schemeClr val="tx1"/>
+                </a:solidFill>
+              </a:rPr>
+              <a:t> do </a:t>
+            </a:r>
+            <a:r>
+              <a:rPr lang="en-US" sz="1100" i="1" dirty="0" err="1">
+                <a:solidFill>
+                  <a:schemeClr val="tx1"/>
+                </a:solidFill>
+              </a:rPr>
+              <a:t>eiusmod</a:t>
+            </a:r>
+            <a:r>
+              <a:rPr lang="en-US" sz="1100" i="1" dirty="0">
+                <a:solidFill>
+                  <a:schemeClr val="tx1"/>
+                </a:solidFill>
+              </a:rPr>
+              <a:t> </a:t>
+            </a:r>
+            <a:r>
+              <a:rPr lang="en-US" sz="1100" i="1" dirty="0" err="1">
+                <a:solidFill>
+                  <a:schemeClr val="tx1"/>
+                </a:solidFill>
+              </a:rPr>
+              <a:t>tempor</a:t>
+            </a:r>
+            <a:r>
+              <a:rPr lang="en-US" sz="1100" i="1" dirty="0">
+                <a:solidFill>
+                  <a:schemeClr val="tx1"/>
+                </a:solidFill>
+              </a:rPr>
+              <a:t> </a:t>
+            </a:r>
+            <a:r>
+              <a:rPr lang="en-US" sz="1100" i="1" dirty="0" err="1">
+                <a:solidFill>
+                  <a:schemeClr val="tx1"/>
+                </a:solidFill>
+              </a:rPr>
+              <a:t>incididunt</a:t>
+            </a:r>
+            <a:r>
+              <a:rPr lang="en-US" sz="1100" i="1" dirty="0">
+                <a:solidFill>
+                  <a:schemeClr val="tx1"/>
+                </a:solidFill>
+              </a:rPr>
+              <a:t> </a:t>
+            </a:r>
+            <a:r>
+              <a:rPr lang="en-US" sz="1100" i="1" dirty="0" err="1">
+                <a:solidFill>
+                  <a:schemeClr val="tx1"/>
+                </a:solidFill>
+              </a:rPr>
+              <a:t>ut</a:t>
+            </a:r>
+            <a:r>
+              <a:rPr lang="en-US" sz="1100" i="1" dirty="0">
+                <a:solidFill>
+                  <a:schemeClr val="tx1"/>
+                </a:solidFill>
+              </a:rPr>
+              <a:t> </a:t>
+            </a:r>
+            <a:r>
+              <a:rPr lang="en-US" sz="1100" i="1" dirty="0" err="1">
+                <a:solidFill>
+                  <a:schemeClr val="tx1"/>
+                </a:solidFill>
+              </a:rPr>
+              <a:t>labore</a:t>
+            </a:r>
+            <a:r>
+              <a:rPr lang="en-US" sz="1100" i="1" dirty="0">
+                <a:solidFill>
+                  <a:schemeClr val="tx1"/>
+                </a:solidFill>
+              </a:rPr>
+              <a:t> et </a:t>
+            </a:r>
+            <a:r>
+              <a:rPr lang="en-US" sz="1100" i="1" dirty="0" err="1">
+                <a:solidFill>
+                  <a:schemeClr val="tx1"/>
+                </a:solidFill>
+              </a:rPr>
+              <a:t>dolore</a:t>
+            </a:r>
+            <a:r>
+              <a:rPr lang="en-US" sz="1100" i="1" dirty="0">
+                <a:solidFill>
+                  <a:schemeClr val="tx1"/>
+                </a:solidFill>
+              </a:rPr>
+              <a:t> magna </a:t>
+            </a:r>
+            <a:r>
+              <a:rPr lang="en-US" sz="1100" i="1" dirty="0" err="1">
+                <a:solidFill>
+                  <a:schemeClr val="tx1"/>
+                </a:solidFill>
+              </a:rPr>
+              <a:t>aliqua</a:t>
+            </a:r>
+            <a:r>
+              <a:rPr lang="en-US" sz="1100" i="1" dirty="0" smtClean="0">
+                <a:solidFill>
+                  <a:schemeClr val="tx1"/>
+                </a:solidFill>
+              </a:rPr>
+              <a:t>..”</a:t>
+            </a:r>
+            <a:endParaRPr lang="en-US" sz="1100" i="1" dirty="0">
+              <a:solidFill>
+                <a:schemeClr val="tx1"/>
+              </a:solidFill>
+            </a:endParaRPr>
+          </a:p>
+          <a:p>
+            <a:pPr algn="r">
+              <a:buClr>
+                <a:prstClr val="black"/>
+              </a:buClr>
+            </a:pPr>
+            <a:r>
+              <a:rPr lang="en-US" sz="1000" i="1" dirty="0">
+                <a:solidFill>
+                  <a:schemeClr val="tx1"/>
+                </a:solidFill>
+              </a:rPr>
+              <a:t>- </a:t>
+            </a:r>
+            <a:r>
+              <a:rPr lang="en-US" sz="1000" b="1" dirty="0" smtClean="0">
+                <a:solidFill>
+                  <a:schemeClr val="tx1"/>
+                </a:solidFill>
+              </a:rPr>
+              <a:t>Eternal Grumbler</a:t>
+            </a:r>
+            <a:r>
+              <a:rPr lang="en-US" sz="1000" b="1" dirty="0">
+                <a:solidFill>
+                  <a:schemeClr val="tx1"/>
+                </a:solidFill>
+              </a:rPr>
+              <a:t>,</a:t>
+            </a:r>
+          </a:p>
+          <a:p>
+            <a:pPr lvl="0" algn="r"/>
+            <a:r>
+              <a:rPr lang="en-US" sz="1000" dirty="0" err="1" smtClean="0">
+                <a:solidFill>
+                  <a:schemeClr val="tx1"/>
+                </a:solidFill>
+              </a:rPr>
+              <a:t>GrumpyPartner</a:t>
+            </a:r>
+            <a:r>
+              <a:rPr lang="en-US" sz="1000" dirty="0" smtClean="0">
+                <a:solidFill>
+                  <a:schemeClr val="tx1"/>
+                </a:solidFill>
+              </a:rPr>
+              <a:t> Co</a:t>
+            </a:r>
+            <a:endParaRPr lang="en-US" sz="1000" dirty="0">
+              <a:solidFill>
+                <a:schemeClr val="tx1"/>
+              </a:solidFill>
+            </a:endParaRPr>
+          </a:p>
+          <a:p>
+            <a:pPr marL="45720" lvl="0" indent="-60325">
+              <a:spcBef>
+                <a:spcPts val="1200"/>
+              </a:spcBef>
+              <a:buClr>
+                <a:prstClr val="black"/>
+              </a:buClr>
+            </a:pPr>
+            <a:endParaRPr lang="en-US" sz="1100" i="1" dirty="0" smtClean="0">
+              <a:solidFill>
+                <a:schemeClr val="tx1"/>
+              </a:solidFill>
+            </a:endParaRPr>
+          </a:p>
+        </p:txBody>
+      </p:sp>
+      <p:sp>
+        <p:nvSpPr>
+          <p:cNvPr id="55" name="Rectangle 55"/>
+          <p:cNvSpPr/>
+          <p:nvPr/>
+        </p:nvSpPr>
+        <p:spPr bwMode="ltGray">
+          <a:xfrm>
+            <a:off x="4342349" y="4296811"/>
+            <a:ext cx="3520440" cy="1828800"/>
+          </a:xfrm>
+          <a:prstGeom prst="rect">
+            <a:avLst/>
+          </a:prstGeom>
+          <a:solidFill>
+            <a:schemeClr val="bg1"/>
+          </a:solidFill>
+          <a:ln w="38100">
+            <a:solidFill>
+              <a:schemeClr val="accent2"/>
+            </a:solidFill>
+          </a:ln>
+        </p:spPr>
+        <p:style>
+          <a:lnRef idx="2">
+            <a:schemeClr val="accent1">
+              <a:shade val="50000"/>
+            </a:schemeClr>
+          </a:lnRef>
+          <a:fillRef idx="1">
+            <a:schemeClr val="accent1"/>
+          </a:fillRef>
+          <a:effectRef idx="0">
+            <a:schemeClr val="accent1"/>
+          </a:effectRef>
+          <a:fontRef idx="minor">
+            <a:schemeClr val="lt1"/>
+          </a:fontRef>
+        </p:style>
+        <p:txBody>
+          <a:bodyPr lIns="182880" tIns="182880" rIns="182880" bIns="182880" rtlCol="0" anchor="t"/>
+          <a:lstStyle/>
+          <a:p>
+            <a:pPr marL="45720" indent="-60325">
+              <a:spcBef>
+                <a:spcPts val="1200"/>
+              </a:spcBef>
+              <a:buClr>
+                <a:prstClr val="black"/>
+              </a:buClr>
+            </a:pPr>
+            <a:r>
+              <a:rPr lang="en-US" sz="1100" i="1" dirty="0">
+                <a:solidFill>
+                  <a:schemeClr val="tx1"/>
+                </a:solidFill>
+              </a:rPr>
+              <a:t>“</a:t>
+            </a:r>
+            <a:r>
+              <a:rPr lang="en-US" sz="1100" i="1" dirty="0" err="1">
+                <a:solidFill>
+                  <a:schemeClr val="tx1"/>
+                </a:solidFill>
+              </a:rPr>
+              <a:t>Ut</a:t>
+            </a:r>
+            <a:r>
+              <a:rPr lang="en-US" sz="1100" i="1" dirty="0">
+                <a:solidFill>
+                  <a:schemeClr val="tx1"/>
+                </a:solidFill>
+              </a:rPr>
+              <a:t> </a:t>
+            </a:r>
+            <a:r>
+              <a:rPr lang="en-US" sz="1100" i="1" dirty="0" err="1">
+                <a:solidFill>
+                  <a:schemeClr val="tx1"/>
+                </a:solidFill>
+              </a:rPr>
+              <a:t>enim</a:t>
+            </a:r>
+            <a:r>
+              <a:rPr lang="en-US" sz="1100" i="1" dirty="0">
+                <a:solidFill>
+                  <a:schemeClr val="tx1"/>
+                </a:solidFill>
+              </a:rPr>
+              <a:t> ad minim </a:t>
+            </a:r>
+            <a:r>
+              <a:rPr lang="en-US" sz="1100" i="1" dirty="0" err="1">
+                <a:solidFill>
+                  <a:schemeClr val="tx1"/>
+                </a:solidFill>
+              </a:rPr>
+              <a:t>veniam</a:t>
+            </a:r>
+            <a:r>
+              <a:rPr lang="en-US" sz="1100" i="1" dirty="0">
+                <a:solidFill>
+                  <a:schemeClr val="tx1"/>
+                </a:solidFill>
+              </a:rPr>
+              <a:t>, </a:t>
+            </a:r>
+            <a:r>
+              <a:rPr lang="en-US" sz="1100" i="1" dirty="0" err="1">
+                <a:solidFill>
+                  <a:schemeClr val="tx1"/>
+                </a:solidFill>
+              </a:rPr>
+              <a:t>quis</a:t>
+            </a:r>
+            <a:r>
+              <a:rPr lang="en-US" sz="1100" i="1" dirty="0">
+                <a:solidFill>
+                  <a:schemeClr val="tx1"/>
+                </a:solidFill>
+              </a:rPr>
+              <a:t> </a:t>
+            </a:r>
+            <a:r>
+              <a:rPr lang="en-US" sz="1100" i="1" dirty="0" err="1">
+                <a:solidFill>
+                  <a:schemeClr val="tx1"/>
+                </a:solidFill>
+              </a:rPr>
+              <a:t>nostrud</a:t>
+            </a:r>
+            <a:r>
+              <a:rPr lang="en-US" sz="1100" i="1" dirty="0">
+                <a:solidFill>
+                  <a:schemeClr val="tx1"/>
+                </a:solidFill>
+              </a:rPr>
+              <a:t> exercitation </a:t>
+            </a:r>
+            <a:r>
+              <a:rPr lang="en-US" sz="1100" i="1" dirty="0" err="1">
+                <a:solidFill>
+                  <a:schemeClr val="tx1"/>
+                </a:solidFill>
+              </a:rPr>
+              <a:t>ullamco</a:t>
+            </a:r>
+            <a:r>
+              <a:rPr lang="en-US" sz="1100" i="1" dirty="0">
+                <a:solidFill>
+                  <a:schemeClr val="tx1"/>
+                </a:solidFill>
+              </a:rPr>
+              <a:t> </a:t>
+            </a:r>
+            <a:r>
+              <a:rPr lang="en-US" sz="1100" i="1" dirty="0" err="1">
+                <a:solidFill>
+                  <a:schemeClr val="tx1"/>
+                </a:solidFill>
+              </a:rPr>
+              <a:t>laboris</a:t>
+            </a:r>
+            <a:r>
+              <a:rPr lang="en-US" sz="1100" i="1" dirty="0">
+                <a:solidFill>
+                  <a:schemeClr val="tx1"/>
+                </a:solidFill>
+              </a:rPr>
+              <a:t> nisi </a:t>
+            </a:r>
+            <a:r>
+              <a:rPr lang="en-US" sz="1100" i="1" dirty="0" err="1">
+                <a:solidFill>
+                  <a:schemeClr val="tx1"/>
+                </a:solidFill>
+              </a:rPr>
+              <a:t>ut</a:t>
+            </a:r>
+            <a:r>
+              <a:rPr lang="en-US" sz="1100" i="1" dirty="0">
+                <a:solidFill>
+                  <a:schemeClr val="tx1"/>
+                </a:solidFill>
+              </a:rPr>
+              <a:t> </a:t>
+            </a:r>
+            <a:r>
+              <a:rPr lang="en-US" sz="1100" i="1" dirty="0" err="1">
+                <a:solidFill>
+                  <a:schemeClr val="tx1"/>
+                </a:solidFill>
+              </a:rPr>
+              <a:t>aliquip</a:t>
+            </a:r>
+            <a:r>
+              <a:rPr lang="en-US" sz="1100" i="1" dirty="0">
+                <a:solidFill>
+                  <a:schemeClr val="tx1"/>
+                </a:solidFill>
+              </a:rPr>
+              <a:t> ex </a:t>
+            </a:r>
+            <a:r>
+              <a:rPr lang="en-US" sz="1100" i="1" dirty="0" err="1">
+                <a:solidFill>
+                  <a:schemeClr val="tx1"/>
+                </a:solidFill>
+              </a:rPr>
+              <a:t>ea</a:t>
+            </a:r>
+            <a:r>
+              <a:rPr lang="en-US" sz="1100" i="1" dirty="0">
+                <a:solidFill>
+                  <a:schemeClr val="tx1"/>
+                </a:solidFill>
+              </a:rPr>
+              <a:t> </a:t>
+            </a:r>
+            <a:r>
+              <a:rPr lang="en-US" sz="1100" i="1" dirty="0" err="1">
+                <a:solidFill>
+                  <a:schemeClr val="tx1"/>
+                </a:solidFill>
+              </a:rPr>
+              <a:t>commodo</a:t>
+            </a:r>
+            <a:r>
+              <a:rPr lang="en-US" sz="1100" i="1" dirty="0">
+                <a:solidFill>
+                  <a:schemeClr val="tx1"/>
+                </a:solidFill>
+              </a:rPr>
+              <a:t> </a:t>
+            </a:r>
+            <a:r>
+              <a:rPr lang="en-US" sz="1100" i="1" dirty="0" err="1">
+                <a:solidFill>
+                  <a:schemeClr val="tx1"/>
+                </a:solidFill>
+              </a:rPr>
+              <a:t>consequat</a:t>
+            </a:r>
+            <a:r>
+              <a:rPr lang="en-US" sz="1100" i="1" dirty="0">
+                <a:solidFill>
+                  <a:schemeClr val="tx1"/>
+                </a:solidFill>
+              </a:rPr>
+              <a:t>. .”</a:t>
+            </a:r>
+            <a:endParaRPr lang="en-US" sz="1100" i="1" dirty="0">
+              <a:solidFill>
+                <a:schemeClr val="tx1"/>
+              </a:solidFill>
+            </a:endParaRPr>
+          </a:p>
+          <a:p>
+            <a:pPr marL="111125" indent="-171450" algn="r">
+              <a:buClr>
+                <a:prstClr val="black"/>
+              </a:buClr>
+              <a:buFontTx/>
+              <a:buChar char="-"/>
+            </a:pPr>
+            <a:r>
+              <a:rPr lang="en-US" sz="1000" b="1" dirty="0" smtClean="0">
+                <a:solidFill>
+                  <a:schemeClr val="tx1"/>
+                </a:solidFill>
+              </a:rPr>
+              <a:t>Happy Chap, </a:t>
+            </a:r>
+            <a:endParaRPr lang="en-US" sz="1000" b="1" dirty="0">
+              <a:solidFill>
+                <a:schemeClr val="tx1"/>
+              </a:solidFill>
+            </a:endParaRPr>
+          </a:p>
+          <a:p>
+            <a:pPr algn="r">
+              <a:buClr>
+                <a:prstClr val="black"/>
+              </a:buClr>
+            </a:pPr>
+            <a:r>
+              <a:rPr lang="en-US" sz="1000" dirty="0" smtClean="0">
+                <a:solidFill>
+                  <a:schemeClr val="tx1"/>
+                </a:solidFill>
+              </a:rPr>
+              <a:t>Cheerful </a:t>
+            </a:r>
+            <a:r>
+              <a:rPr lang="en-US" sz="1000" dirty="0" err="1" smtClean="0">
+                <a:solidFill>
+                  <a:schemeClr val="tx1"/>
+                </a:solidFill>
+              </a:rPr>
+              <a:t>Inc</a:t>
+            </a:r>
+            <a:r>
+              <a:rPr lang="en-US" sz="1000" dirty="0" smtClean="0">
+                <a:solidFill>
+                  <a:schemeClr val="tx1"/>
+                </a:solidFill>
+              </a:rPr>
+              <a:t>, </a:t>
+            </a:r>
+            <a:r>
+              <a:rPr lang="en-US" sz="1000" dirty="0">
+                <a:solidFill>
+                  <a:schemeClr val="tx1"/>
+                </a:solidFill>
+              </a:rPr>
+              <a:t>Manager</a:t>
+            </a:r>
+            <a:endParaRPr lang="en-US" sz="1100" dirty="0">
+              <a:solidFill>
+                <a:schemeClr val="tx1"/>
+              </a:solidFill>
+            </a:endParaRPr>
+          </a:p>
+          <a:p>
+            <a:pPr marL="45720" lvl="0" indent="-60325">
+              <a:spcBef>
+                <a:spcPts val="1200"/>
+              </a:spcBef>
+              <a:buClr>
+                <a:prstClr val="black"/>
+              </a:buClr>
+            </a:pPr>
+            <a:endParaRPr lang="en-US" sz="1000" i="1" dirty="0">
+              <a:solidFill>
+                <a:schemeClr val="tx1"/>
+              </a:solidFill>
+            </a:endParaRPr>
+          </a:p>
+        </p:txBody>
+      </p:sp>
+      <p:sp>
+        <p:nvSpPr>
+          <p:cNvPr id="56" name="Rectangle 55"/>
+          <p:cNvSpPr/>
+          <p:nvPr/>
+        </p:nvSpPr>
+        <p:spPr bwMode="ltGray">
+          <a:xfrm>
+            <a:off x="8071751" y="4296811"/>
+            <a:ext cx="3520440" cy="1828800"/>
+          </a:xfrm>
+          <a:prstGeom prst="rect">
+            <a:avLst/>
+          </a:prstGeom>
+          <a:solidFill>
+            <a:schemeClr val="bg1"/>
+          </a:solidFill>
+          <a:ln w="38100">
+            <a:solidFill>
+              <a:schemeClr val="accent3"/>
+            </a:solidFill>
+          </a:ln>
+        </p:spPr>
+        <p:style>
+          <a:lnRef idx="2">
+            <a:schemeClr val="accent1">
+              <a:shade val="50000"/>
+            </a:schemeClr>
+          </a:lnRef>
+          <a:fillRef idx="1">
+            <a:schemeClr val="accent1"/>
+          </a:fillRef>
+          <a:effectRef idx="0">
+            <a:schemeClr val="accent1"/>
+          </a:effectRef>
+          <a:fontRef idx="minor">
+            <a:schemeClr val="lt1"/>
+          </a:fontRef>
+        </p:style>
+        <p:txBody>
+          <a:bodyPr lIns="182880" tIns="182880" rIns="182880" bIns="182880" numCol="1" rtlCol="0" anchor="t"/>
+          <a:lstStyle/>
+          <a:p>
+            <a:pPr marL="45720" indent="-60325">
+              <a:spcBef>
+                <a:spcPts val="1200"/>
+              </a:spcBef>
+              <a:buClr>
+                <a:prstClr val="black"/>
+              </a:buClr>
+            </a:pPr>
+            <a:r>
+              <a:rPr lang="en-US" sz="1100" i="1" dirty="0">
+                <a:solidFill>
+                  <a:schemeClr val="tx1"/>
+                </a:solidFill>
+              </a:rPr>
+              <a:t>“</a:t>
+            </a:r>
+            <a:r>
+              <a:rPr lang="en-US" sz="1100" i="1" dirty="0" err="1">
+                <a:solidFill>
+                  <a:schemeClr val="tx1"/>
+                </a:solidFill>
+              </a:rPr>
+              <a:t>Duis</a:t>
+            </a:r>
+            <a:r>
+              <a:rPr lang="en-US" sz="1100" i="1" dirty="0">
+                <a:solidFill>
+                  <a:schemeClr val="tx1"/>
+                </a:solidFill>
+              </a:rPr>
+              <a:t> </a:t>
+            </a:r>
+            <a:r>
+              <a:rPr lang="en-US" sz="1100" i="1" dirty="0" err="1">
+                <a:solidFill>
+                  <a:schemeClr val="tx1"/>
+                </a:solidFill>
+              </a:rPr>
+              <a:t>aute</a:t>
+            </a:r>
+            <a:r>
+              <a:rPr lang="en-US" sz="1100" i="1" dirty="0">
+                <a:solidFill>
+                  <a:schemeClr val="tx1"/>
+                </a:solidFill>
+              </a:rPr>
+              <a:t> </a:t>
+            </a:r>
+            <a:r>
+              <a:rPr lang="en-US" sz="1100" i="1" dirty="0" err="1">
+                <a:solidFill>
+                  <a:schemeClr val="tx1"/>
+                </a:solidFill>
+              </a:rPr>
+              <a:t>irure</a:t>
+            </a:r>
+            <a:r>
+              <a:rPr lang="en-US" sz="1100" i="1" dirty="0">
+                <a:solidFill>
+                  <a:schemeClr val="tx1"/>
+                </a:solidFill>
+              </a:rPr>
+              <a:t> dolor in </a:t>
+            </a:r>
+            <a:r>
+              <a:rPr lang="en-US" sz="1100" i="1" dirty="0" err="1">
+                <a:solidFill>
+                  <a:schemeClr val="tx1"/>
+                </a:solidFill>
+              </a:rPr>
+              <a:t>reprehenderit</a:t>
+            </a:r>
+            <a:r>
+              <a:rPr lang="en-US" sz="1100" i="1" dirty="0">
+                <a:solidFill>
+                  <a:schemeClr val="tx1"/>
+                </a:solidFill>
+              </a:rPr>
+              <a:t> in </a:t>
+            </a:r>
+            <a:r>
+              <a:rPr lang="en-US" sz="1100" i="1" dirty="0" err="1">
+                <a:solidFill>
+                  <a:schemeClr val="tx1"/>
+                </a:solidFill>
+              </a:rPr>
+              <a:t>voluptate</a:t>
+            </a:r>
+            <a:r>
+              <a:rPr lang="en-US" sz="1100" i="1" dirty="0">
+                <a:solidFill>
+                  <a:schemeClr val="tx1"/>
+                </a:solidFill>
+              </a:rPr>
+              <a:t> </a:t>
+            </a:r>
+            <a:r>
+              <a:rPr lang="en-US" sz="1100" i="1" dirty="0" err="1">
+                <a:solidFill>
+                  <a:schemeClr val="tx1"/>
+                </a:solidFill>
+              </a:rPr>
+              <a:t>velit</a:t>
+            </a:r>
+            <a:r>
+              <a:rPr lang="en-US" sz="1100" i="1" dirty="0">
+                <a:solidFill>
+                  <a:schemeClr val="tx1"/>
+                </a:solidFill>
+              </a:rPr>
+              <a:t> </a:t>
+            </a:r>
+            <a:r>
+              <a:rPr lang="en-US" sz="1100" i="1" dirty="0" err="1">
+                <a:solidFill>
+                  <a:schemeClr val="tx1"/>
+                </a:solidFill>
+              </a:rPr>
+              <a:t>esse</a:t>
+            </a:r>
+            <a:r>
+              <a:rPr lang="en-US" sz="1100" i="1" dirty="0">
+                <a:solidFill>
+                  <a:schemeClr val="tx1"/>
+                </a:solidFill>
+              </a:rPr>
+              <a:t> </a:t>
+            </a:r>
+            <a:r>
+              <a:rPr lang="en-US" sz="1100" i="1" dirty="0" err="1">
+                <a:solidFill>
+                  <a:schemeClr val="tx1"/>
+                </a:solidFill>
+              </a:rPr>
+              <a:t>cillum</a:t>
+            </a:r>
+            <a:r>
+              <a:rPr lang="en-US" sz="1100" i="1" dirty="0">
+                <a:solidFill>
+                  <a:schemeClr val="tx1"/>
+                </a:solidFill>
+              </a:rPr>
+              <a:t> </a:t>
+            </a:r>
+            <a:r>
+              <a:rPr lang="en-US" sz="1100" i="1" dirty="0" err="1">
+                <a:solidFill>
+                  <a:schemeClr val="tx1"/>
+                </a:solidFill>
+              </a:rPr>
+              <a:t>dolore</a:t>
+            </a:r>
+            <a:r>
+              <a:rPr lang="en-US" sz="1100" i="1" dirty="0">
+                <a:solidFill>
+                  <a:schemeClr val="tx1"/>
+                </a:solidFill>
+              </a:rPr>
+              <a:t> </a:t>
+            </a:r>
+            <a:r>
+              <a:rPr lang="en-US" sz="1100" i="1" dirty="0" err="1">
+                <a:solidFill>
+                  <a:schemeClr val="tx1"/>
+                </a:solidFill>
+              </a:rPr>
+              <a:t>eu</a:t>
+            </a:r>
+            <a:r>
+              <a:rPr lang="en-US" sz="1100" i="1" dirty="0">
+                <a:solidFill>
+                  <a:schemeClr val="tx1"/>
+                </a:solidFill>
+              </a:rPr>
+              <a:t> </a:t>
+            </a:r>
+            <a:r>
+              <a:rPr lang="en-US" sz="1100" i="1" dirty="0" err="1">
+                <a:solidFill>
+                  <a:schemeClr val="tx1"/>
+                </a:solidFill>
+              </a:rPr>
+              <a:t>fugiat</a:t>
+            </a:r>
+            <a:r>
+              <a:rPr lang="en-US" sz="1100" i="1" dirty="0">
+                <a:solidFill>
+                  <a:schemeClr val="tx1"/>
+                </a:solidFill>
+              </a:rPr>
+              <a:t> </a:t>
+            </a:r>
+            <a:r>
+              <a:rPr lang="en-US" sz="1100" i="1" dirty="0" err="1">
+                <a:solidFill>
+                  <a:schemeClr val="tx1"/>
+                </a:solidFill>
+              </a:rPr>
+              <a:t>nulla</a:t>
+            </a:r>
+            <a:r>
+              <a:rPr lang="en-US" sz="1100" i="1" dirty="0">
+                <a:solidFill>
+                  <a:schemeClr val="tx1"/>
+                </a:solidFill>
+              </a:rPr>
+              <a:t> </a:t>
+            </a:r>
+            <a:r>
+              <a:rPr lang="en-US" sz="1100" i="1" dirty="0" err="1">
+                <a:solidFill>
+                  <a:schemeClr val="tx1"/>
+                </a:solidFill>
+              </a:rPr>
+              <a:t>pariatur</a:t>
+            </a:r>
+            <a:r>
+              <a:rPr lang="en-US" sz="1100" i="1" dirty="0">
+                <a:solidFill>
+                  <a:schemeClr val="tx1"/>
+                </a:solidFill>
+              </a:rPr>
+              <a:t>. .”</a:t>
+            </a:r>
+            <a:endParaRPr lang="en-US" sz="1100" i="1" dirty="0">
+              <a:solidFill>
+                <a:schemeClr val="tx1"/>
+              </a:solidFill>
+            </a:endParaRPr>
+          </a:p>
+          <a:p>
+            <a:pPr algn="r">
+              <a:buClr>
+                <a:prstClr val="black"/>
+              </a:buClr>
+            </a:pPr>
+            <a:r>
+              <a:rPr lang="en-US" sz="1000" i="1" dirty="0">
+                <a:solidFill>
+                  <a:schemeClr val="tx1"/>
+                </a:solidFill>
+              </a:rPr>
+              <a:t>- </a:t>
+            </a:r>
+            <a:r>
+              <a:rPr lang="en-US" sz="1000" b="1" dirty="0" smtClean="0">
+                <a:solidFill>
+                  <a:schemeClr val="tx1"/>
+                </a:solidFill>
+              </a:rPr>
+              <a:t>Eric Undecided,</a:t>
+            </a:r>
+            <a:endParaRPr lang="en-US" sz="1000" b="1" dirty="0">
+              <a:solidFill>
+                <a:schemeClr val="tx1"/>
+              </a:solidFill>
+            </a:endParaRPr>
+          </a:p>
+          <a:p>
+            <a:pPr lvl="0" algn="r"/>
+            <a:r>
+              <a:rPr lang="en-US" sz="1000" dirty="0" smtClean="0">
+                <a:solidFill>
+                  <a:schemeClr val="tx1"/>
+                </a:solidFill>
+              </a:rPr>
+              <a:t>Acme Distributers</a:t>
+            </a:r>
+            <a:r>
+              <a:rPr lang="en-US" sz="1000" smtClean="0">
+                <a:solidFill>
+                  <a:schemeClr val="tx1"/>
+                </a:solidFill>
+              </a:rPr>
+              <a:t>, Project </a:t>
+            </a:r>
+            <a:r>
+              <a:rPr lang="en-US" sz="1000" dirty="0" smtClean="0">
+                <a:solidFill>
+                  <a:schemeClr val="tx1"/>
+                </a:solidFill>
+              </a:rPr>
+              <a:t>Manager</a:t>
+            </a:r>
+            <a:endParaRPr lang="en-US" sz="1000" dirty="0">
+              <a:solidFill>
+                <a:schemeClr val="tx1"/>
+              </a:solidFill>
+            </a:endParaRPr>
+          </a:p>
+        </p:txBody>
+      </p:sp>
+      <p:sp>
+        <p:nvSpPr>
+          <p:cNvPr id="7" name="TextBox 6"/>
+          <p:cNvSpPr txBox="1"/>
+          <p:nvPr/>
+        </p:nvSpPr>
+        <p:spPr>
+          <a:xfrm>
+            <a:off x="604213" y="3566815"/>
+            <a:ext cx="3014270" cy="275865"/>
           </a:xfrm>
           <a:prstGeom prst="rect">
             <a:avLst/>
@@ -14566,29 +15135,71 @@
           </a:bodyPr>
           <a:lstStyle/>
           <a:p>
-            <a:pPr algn="ctr">
+            <a:pPr>
               <a:lnSpc>
                 <a:spcPct val="90000"/>
               </a:lnSpc>
             </a:pPr>
             <a:r>
-              <a:rPr lang="en-US" dirty="0"/>
-              <a:t>H</a:t>
+              <a:rPr lang="en-US" b="1" dirty="0" smtClean="0"/>
+              <a:t>Partner Requests</a:t>
             </a:r>
-            <a:endParaRPr lang="en-GB" dirty="0"/>
+            <a:endParaRPr lang="en-GB" b="1" dirty="0"/>
           </a:p>
         </p:txBody>
       </p:sp>
       <p:sp>
         <p:nvSpPr>
-          <p:cNvPr id="22" name="TextBox 21"/>
+          <p:cNvPr id="28" name="Rectangle 27"/>
+          <p:cNvSpPr/>
+          <p:nvPr/>
+        </p:nvSpPr>
+        <p:spPr>
+          <a:xfrm>
+            <a:off x="7574930" y="3373392"/>
+            <a:ext cx="4035888" cy="216982"/>
+          </a:xfrm>
+          <a:prstGeom prst="rect">
+            <a:avLst/>
+          </a:prstGeom>
+        </p:spPr>
+        <p:txBody>
+          <a:bodyPr wrap="square">
+            <a:spAutoFit/>
+          </a:bodyPr>
+          <a:lstStyle/>
+          <a:p>
+            <a:pPr marL="52388" lvl="0" indent="-52388">
+              <a:lnSpc>
+                <a:spcPct val="90000"/>
+              </a:lnSpc>
+            </a:pPr>
+            <a:r>
+              <a:rPr lang="en-US" sz="900" i="1" dirty="0" smtClean="0">
+                <a:solidFill>
+                  <a:prstClr val="black"/>
+                </a:solidFill>
+              </a:rPr>
+              <a:t>*Number of partner engagements represented by the size of partner name.</a:t>
+            </a:r>
+            <a:endParaRPr lang="en-US" sz="900" i="1" dirty="0">
+              <a:solidFill>
+                <a:prstClr val="black"/>
+              </a:solidFill>
+            </a:endParaRPr>
+          </a:p>
+        </p:txBody>
+      </p:sp>
+      <p:sp>
+        <p:nvSpPr>
+          <p:cNvPr id="4" name="TextBox 3"/>
           <p:cNvSpPr txBox="1"/>
           <p:nvPr/>
         </p:nvSpPr>
         <p:spPr>
           <a:xfrm>
-            <a:off x="2109452" y="4159624"/>
-            <a:ext cx="349624" cy="268941"/>
+            <a:off x="604213" y="1422769"/>
+            <a:ext cx="1626640" cy="359367"/>
           </a:xfrm>
           <a:prstGeom prst="rect">
             <a:avLst/>
@@ -14596,9 +15207,102 @@
           <a:noFill/>
         </p:spPr>
         <p:txBody>
-          <a:bodyPr wrap="none" lIns="0" tIns="0" rIns="0" bIns="0" rtlCol="0">
+          <a:bodyPr wrap="square" lIns="0" tIns="0" rIns="0" bIns="0" rtlCol="0">
             <a:noAutofit/>
           </a:bodyPr>
+          <a:lstStyle/>
+          <a:p>
+            <a:pPr>
+              <a:lnSpc>
+                <a:spcPct val="90000"/>
+              </a:lnSpc>
+            </a:pPr>
+            <a:r>
+              <a:rPr lang="en-US" b="1" dirty="0" smtClean="0"/>
+              <a:t>Top Interests</a:t>
+            </a:r>
+            <a:endParaRPr lang="en-US" b="1" dirty="0"/>
+          </a:p>
+        </p:txBody>
+      </p:sp>
+      <p:sp>
+        <p:nvSpPr>
+          <p:cNvPr id="31" name="TextBox 30"/>
+          <p:cNvSpPr txBox="1"/>
+          <p:nvPr/>
+        </p:nvSpPr>
+        <p:spPr>
+          <a:xfrm>
+            <a:off x="5013589" y="1426041"/>
+            <a:ext cx="3324015" cy="359367"/>
+          </a:xfrm>
+          <a:prstGeom prst="rect">
+            <a:avLst/>
+          </a:prstGeom>
+          <a:noFill/>
+        </p:spPr>
+        <p:txBody>
+          <a:bodyPr wrap="square" lIns="0" tIns="0" rIns="0" bIns="0" rtlCol="0">
+            <a:noAutofit/>
+          </a:bodyPr>
+          <a:lstStyle/>
+          <a:p>
+            <a:pPr>
+              <a:lnSpc>
+                <a:spcPct val="90000"/>
+              </a:lnSpc>
+            </a:pPr>
+            <a:r>
+              <a:rPr lang="en-US" b="1" dirty="0" smtClean="0"/>
+              <a:t>Partner Attendees</a:t>
+            </a:r>
+            <a:r>
+              <a:rPr lang="en-US" dirty="0" smtClean="0"/>
+              <a:t>*</a:t>
+            </a:r>
+            <a:endParaRPr lang="en-US" dirty="0"/>
+          </a:p>
+        </p:txBody>
+      </p:sp>
+      <p:sp>
+        <p:nvSpPr>
+          <p:cNvPr id="6" name="Rectangle 5"/>
+          <p:cNvSpPr/>
+          <p:nvPr/>
+        </p:nvSpPr>
+        <p:spPr bwMode="ltGray">
+          <a:xfrm>
+            <a:off x="604213" y="3842680"/>
+            <a:ext cx="3520440" cy="365760"/>
+          </a:xfrm>
+          <a:prstGeom prst="rect">
+            <a:avLst/>
+          </a:prstGeom>
+          <a:noFill/>
+          <a:ln w="38100">
+            <a:solidFill>
+              <a:schemeClr val="accent1"/>
+            </a:solidFill>
+          </a:ln>
+        </p:spPr>
+        <p:style>
+          <a:lnRef idx="2">
+            <a:schemeClr val="accent1">
+              <a:shade val="50000"/>
+            </a:schemeClr>
+          </a:lnRef>
+          <a:fillRef idx="1">
+            <a:schemeClr val="accent1"/>
+          </a:fillRef>
+          <a:effectRef idx="0">
+            <a:schemeClr val="accent1"/>
+          </a:effectRef>
+          <a:fontRef idx="minor">
+            <a:schemeClr val="lt1"/>
+          </a:fontRef>
+        </p:style>
+        <p:txBody>
+          <a:bodyPr rtlCol="0" anchor="ctr"/>
           <a:lstStyle/>
           <a:p>
             <a:pPr algn="ctr">
@@ -14607,33 +15311,55 @@
               </a:lnSpc>
             </a:pPr>
             <a:r>
-              <a:rPr lang="en-US" dirty="0" smtClean="0"/>
-              <a:t>NY</a:t>
+              <a:rPr lang="en-US" sz="1600" dirty="0" smtClean="0">
+                <a:solidFill>
+                  <a:schemeClr val="tx1"/>
+                </a:solidFill>
+              </a:rPr>
+              <a:t>Theme One</a:t>
             </a:r>
-            <a:endParaRPr lang="en-GB" dirty="0"/>
           </a:p>
         </p:txBody>
       </p:sp>
       <p:sp>
         <p:nvSpPr>
-          <p:cNvPr id="23" name="TextBox 22"/>
-          <p:cNvSpPr txBox="1"/>
+          <p:cNvPr id="36" name="Rectangle 35"/>
+          <p:cNvSpPr/>
           <p:nvPr/>
         </p:nvSpPr>
-        <p:spPr>
+        <p:spPr bwMode="ltGray">
           <a:xfrm>
-            <a:off x="3152104" y="4159624"/>
-            <a:ext cx="349624" cy="268941"/>
+            <a:off x="4329099" y="3842680"/>
+            <a:ext cx="3520440" cy="365760"/>
           </a:xfrm>
           <a:prstGeom prst="rect">
             <a:avLst/>
           </a:prstGeom>
           <a:noFill/>
+          <a:ln w="38100">
+            <a:solidFill>
+              <a:schemeClr val="accent2"/>
+            </a:solidFill>
+          </a:ln>
         </p:spPr>
+        <p:style>
+          <a:lnRef idx="2">
+            <a:schemeClr val="accent1">
+              <a:shade val="50000"/>
+            </a:schemeClr>
+          </a:lnRef>
+          <a:fillRef idx="1">
+            <a:schemeClr val="accent1"/>
+          </a:fillRef>
+          <a:effectRef idx="0">
+            <a:schemeClr val="accent1"/>
+          </a:effectRef>
+          <a:fontRef idx="minor">
+            <a:schemeClr val="lt1"/>
+          </a:fontRef>
+        </p:style>
         <p:txBody>
-          <a:bodyPr wrap="none" lIns="0" tIns="0" rIns="0" bIns="0" rtlCol="0">
-            <a:noAutofit/>
-          </a:bodyPr>
+          <a:bodyPr rtlCol="0" anchor="ctr"/>
           <a:lstStyle/>
           <a:p>
             <a:pPr algn="ctr">
@@ -14642,33 +15368,55 @@
               </a:lnSpc>
             </a:pPr>
             <a:r>
-              <a:rPr lang="en-US" dirty="0" smtClean="0"/>
-              <a:t>SNG</a:t>
+              <a:rPr lang="en-US" sz="1600" dirty="0" smtClean="0">
+                <a:solidFill>
+                  <a:schemeClr val="tx1"/>
+                </a:solidFill>
+              </a:rPr>
+              <a:t>Theme Two</a:t>
             </a:r>
-            <a:endParaRPr lang="en-GB" dirty="0"/>
           </a:p>
         </p:txBody>
       </p:sp>
       <p:sp>
         <p:nvSpPr>
-          <p:cNvPr id="24" name="TextBox 23"/>
-          <p:cNvSpPr txBox="1"/>
+          <p:cNvPr id="40" name="Rectangle 39"/>
+          <p:cNvSpPr/>
           <p:nvPr/>
         </p:nvSpPr>
-        <p:spPr>
+        <p:spPr bwMode="ltGray">
           <a:xfrm>
-            <a:off x="4194756" y="4150659"/>
-            <a:ext cx="349624" cy="268941"/>
+            <a:off x="8053985" y="3842680"/>
+            <a:ext cx="3520440" cy="365760"/>
           </a:xfrm>
           <a:prstGeom prst="rect">
             <a:avLst/>
           </a:prstGeom>
           <a:noFill/>
+          <a:ln w="38100">
+            <a:solidFill>
+              <a:schemeClr val="accent3"/>
+            </a:solidFill>
+          </a:ln>
         </p:spPr>
+        <p:style>
+          <a:lnRef idx="2">
+            <a:schemeClr val="accent1">
+              <a:shade val="50000"/>
+            </a:schemeClr>
+          </a:lnRef>
+          <a:fillRef idx="1">
+            <a:schemeClr val="accent1"/>
+          </a:fillRef>
+          <a:effectRef idx="0">
+            <a:schemeClr val="accent1"/>
+          </a:effectRef>
+          <a:fontRef idx="minor">
+            <a:schemeClr val="lt1"/>
+          </a:fontRef>
+        </p:style>
         <p:txBody>
-          <a:bodyPr wrap="none" lIns="0" tIns="0" rIns="0" bIns="0" rtlCol="0">
-            <a:noAutofit/>
-          </a:bodyPr>
+          <a:bodyPr rtlCol="0" anchor="ctr"/>
           <a:lstStyle/>
           <a:p>
             <a:pPr algn="ctr">
@@ -14677,52 +15425,20 @@
               </a:lnSpc>
             </a:pPr>
             <a:r>
-              <a:rPr lang="en-US" dirty="0" smtClean="0"/>
-              <a:t>LON</a:t>
+              <a:rPr lang="en-US" sz="1600" dirty="0" smtClean="0">
+                <a:solidFill>
+                  <a:schemeClr val="tx1"/>
+                </a:solidFill>
+              </a:rPr>
+              <a:t>Theme Three</a:t>
             </a:r>
-            <a:endParaRPr lang="en-GB" dirty="0"/>
-          </a:p>
-        </p:txBody>
-      </p:sp>
-      <p:sp>
-        <p:nvSpPr>
-          <p:cNvPr id="25" name="TextBox 24"/>
-          <p:cNvSpPr txBox="1"/>
-          <p:nvPr/>
-        </p:nvSpPr>
-        <p:spPr>
-          <a:xfrm>
-            <a:off x="5237408" y="4159624"/>
-            <a:ext cx="349624" cy="268941"/>
-          </a:xfrm>
-          <a:prstGeom prst="rect">
-            <a:avLst/>
-          </a:prstGeom>
-          <a:noFill/>
-        </p:spPr>
-        <p:txBody>
-          <a:bodyPr wrap="none" lIns="0" tIns="0" rIns="0" bIns="0" rtlCol="0">
-            <a:noAutofit/>
-          </a:bodyPr>
-          <a:lstStyle/>
-          <a:p>
-            <a:pPr algn="ctr">
-              <a:lnSpc>
-                <a:spcPct val="90000"/>
-              </a:lnSpc>
-            </a:pPr>
-            <a:r>
-              <a:rPr lang="en-US" dirty="0" smtClean="0"/>
-              <a:t>PA</a:t>
-            </a:r>
-            <a:endParaRPr lang="en-GB" dirty="0"/>
           </a:p>
         </p:txBody>
       </p:sp>
     </p:spTree>
     <p:extLst>
       <p:ext uri="{BB962C8B-B14F-4D97-AF65-F5344CB8AC3E}">
-        <p14:creationId xmlns:p14="http://schemas.microsoft.com/office/powerpoint/2010/main" val="2062481091"/>
+        <p14:creationId xmlns:p14="http://schemas.microsoft.com/office/powerpoint/2010/main" val="1895732318"/>
       </p:ext>
     </p:extLst>
   </p:cSld>

--- a/GCA_Customer_Insights_Month-Year.pptx
+++ b/GCA_Customer_Insights_Month-Year.pptx
@@ -19,7 +19,7 @@
     <p:sldId id="291" r:id="rId7"/>
     <p:sldId id="292" r:id="rId8"/>
     <p:sldId id="293" r:id="rId9"/>
-    <p:sldId id="286" r:id="rId10"/>
+    <p:sldId id="298" r:id="rId10"/>
     <p:sldId id="297" r:id="rId11"/>
     <p:sldId id="288" r:id="rId12"/>
     <p:sldId id="264" r:id="rId13"/>
@@ -273,7 +273,7 @@
           <a:p>
             <a:fld id="{3CA61830-C416-483F-955E-54203C65B711}" type="datetimeFigureOut">
               <a:rPr lang="en-US"/>
-              <a:t>9/21/2018</a:t>
+              <a:t>9/24/2018</a:t>
             </a:fld>
             <a:endParaRPr dirty="0"/>
           </a:p>
@@ -1978,7 +1978,7 @@
     </p:spTree>
     <p:extLst>
       <p:ext uri="{BB962C8B-B14F-4D97-AF65-F5344CB8AC3E}">
-        <p14:creationId xmlns:p14="http://schemas.microsoft.com/office/powerpoint/2010/main" val="2474288085"/>
+        <p14:creationId xmlns:p14="http://schemas.microsoft.com/office/powerpoint/2010/main" val="2843772448"/>
       </p:ext>
     </p:extLst>
   </p:cSld>
@@ -9433,7 +9433,7 @@
           <a:p>
             <a:fld id="{C07C5E14-300D-4720-B5FE-54C7D96D4160}" type="datetime4">
               <a:rPr lang="en-US" smtClean="0"/>
-              <a:t>September 21, 2018</a:t>
+              <a:t>September 24, 2018</a:t>
             </a:fld>
             <a:endParaRPr/>
           </a:p>
@@ -9769,7 +9769,7 @@
           <a:p>
             <a:fld id="{26B45FFC-9EEF-4E69-85F5-C8F54747804D}" type="datetime4">
               <a:rPr lang="en-US" smtClean="0"/>
-              <a:t>September 21, 2018</a:t>
+              <a:t>September 24, 2018</a:t>
             </a:fld>
             <a:endParaRPr/>
           </a:p>
@@ -10003,7 +10003,7 @@
           <a:p>
             <a:fld id="{684E3265-88A3-4C30-AE11-BFDF645909E9}" type="datetime4">
               <a:rPr lang="en-US" smtClean="0"/>
-              <a:t>September 21, 2018</a:t>
+              <a:t>September 24, 2018</a:t>
             </a:fld>
             <a:endParaRPr/>
           </a:p>
@@ -10114,7 +10114,7 @@
           <a:p>
             <a:fld id="{E9F763D2-AF56-4C60-80C7-7D8FC051005C}" type="datetime4">
               <a:rPr lang="en-US" smtClean="0"/>
-              <a:t>September 21, 2018</a:t>
+              <a:t>September 24, 2018</a:t>
             </a:fld>
             <a:endParaRPr/>
           </a:p>
@@ -10392,7 +10392,7 @@
           <a:p>
             <a:fld id="{65FD8143-BFA3-46F8-9B90-B0E5CFAF7F7C}" type="datetime4">
               <a:rPr lang="en-US" smtClean="0"/>
-              <a:t>September 21, 2018</a:t>
+              <a:t>September 24, 2018</a:t>
             </a:fld>
             <a:endParaRPr/>
           </a:p>
@@ -14689,11 +14689,6 @@
               </a:rPr>
               <a:t>. .”</a:t>
             </a:r>
-            <a:endParaRPr lang="en-US" sz="1100" i="1" dirty="0">
-              <a:solidFill>
-                <a:schemeClr val="tx1"/>
-              </a:solidFill>
-            </a:endParaRPr>
           </a:p>
           <a:p>
             <a:pPr marL="111125" indent="-171450" algn="r">
@@ -15045,11 +15040,6 @@
               </a:rPr>
               <a:t>. .”</a:t>
             </a:r>
-            <a:endParaRPr lang="en-US" sz="1100" i="1" dirty="0">
-              <a:solidFill>
-                <a:schemeClr val="tx1"/>
-              </a:solidFill>
-            </a:endParaRPr>
           </a:p>
           <a:p>
             <a:pPr algn="r">
@@ -43468,22 +43458,121 @@
       </p:grpSpPr>
       <p:sp>
         <p:nvSpPr>
-          <p:cNvPr id="28" name="Rectangle 55"/>
+          <p:cNvPr id="2" name="Title 1"/>
+          <p:cNvSpPr>
+            <a:spLocks noGrp="1"/>
+          </p:cNvSpPr>
+          <p:nvPr>
+            <p:ph type="title"/>
+          </p:nvPr>
+        </p:nvSpPr>
+        <p:spPr>
+          <a:xfrm>
+            <a:off x="612456" y="510831"/>
+            <a:ext cx="10969943" cy="406820"/>
+          </a:xfrm>
+        </p:spPr>
+        <p:txBody>
+          <a:bodyPr/>
+          <a:lstStyle/>
+          <a:p>
+            <a:r>
+              <a:rPr sz="2800" dirty="0">
+                <a:latin typeface="Arial"/>
+              </a:rPr>
+              <a:t>Industry Insights </a:t>
+            </a:r>
+            <a:r>
+              <a:rPr lang="en-US" dirty="0"/>
+              <a:t>(XXX - XXX)</a:t>
+            </a:r>
+          </a:p>
+        </p:txBody>
+      </p:sp>
+      <p:sp>
+        <p:nvSpPr>
+          <p:cNvPr id="3" name="Slide Number Placeholder 2"/>
+          <p:cNvSpPr>
+            <a:spLocks noGrp="1"/>
+          </p:cNvSpPr>
+          <p:nvPr>
+            <p:ph type="sldNum" sz="quarter" idx="12"/>
+          </p:nvPr>
+        </p:nvSpPr>
+        <p:spPr>
+          <a:xfrm>
+            <a:off x="11031049" y="6506675"/>
+            <a:ext cx="533399" cy="232147"/>
+          </a:xfrm>
+        </p:spPr>
+        <p:txBody>
+          <a:bodyPr/>
+          <a:lstStyle/>
+          <a:p>
+            <a:fld id="{B016F8AB-BCEA-4347-8BA6-BE776009BC89}" type="slidenum">
+              <a:rPr lang="en-US" smtClean="0"/>
+              <a:pPr/>
+              <a:t>9</a:t>
+            </a:fld>
+            <a:endParaRPr lang="en-US"/>
+          </a:p>
+        </p:txBody>
+      </p:sp>
+      <p:sp>
+        <p:nvSpPr>
+          <p:cNvPr id="5" name="Rectangle 4"/>
+          <p:cNvSpPr/>
+          <p:nvPr/>
+        </p:nvSpPr>
+        <p:spPr>
+          <a:xfrm>
+            <a:off x="4440383" y="6636384"/>
+            <a:ext cx="7592160" cy="216982"/>
+          </a:xfrm>
+          <a:prstGeom prst="rect">
+            <a:avLst/>
+          </a:prstGeom>
+        </p:spPr>
+        <p:txBody>
+          <a:bodyPr wrap="square">
+            <a:spAutoFit/>
+          </a:bodyPr>
+          <a:lstStyle/>
+          <a:p>
+            <a:pPr marL="52388" lvl="0" indent="-52388">
+              <a:lnSpc>
+                <a:spcPct val="90000"/>
+              </a:lnSpc>
+            </a:pPr>
+            <a:r>
+              <a:rPr lang="en-US" sz="900" i="1" dirty="0">
+                <a:solidFill>
+                  <a:prstClr val="black"/>
+                </a:solidFill>
+              </a:rPr>
+              <a:t>*Briefings categorized into ’Other’ category include multi-customer engagements and accounts not aligned into a category in Salesforce.</a:t>
+            </a:r>
+          </a:p>
+        </p:txBody>
+      </p:sp>
+      <p:sp>
+        <p:nvSpPr>
+          <p:cNvPr id="179" name="Rectangle 55"/>
           <p:cNvSpPr/>
           <p:nvPr/>
         </p:nvSpPr>
         <p:spPr bwMode="ltGray">
           <a:xfrm>
-            <a:off x="5152698" y="1071736"/>
-            <a:ext cx="6159794" cy="928966"/>
+            <a:off x="9294090" y="1372585"/>
+            <a:ext cx="2286000" cy="2286000"/>
           </a:xfrm>
           <a:prstGeom prst="rect">
             <a:avLst/>
           </a:prstGeom>
           <a:noFill/>
-          <a:ln w="28575">
+          <a:ln w="38100">
             <a:solidFill>
-              <a:schemeClr val="bg2"/>
+              <a:schemeClr val="accent4"/>
             </a:solidFill>
           </a:ln>
         </p:spPr>
@@ -43504,10 +43593,33 @@
           </a:fontRef>
         </p:style>
         <p:txBody>
-          <a:bodyPr lIns="182880" tIns="182880" rIns="182880" bIns="182880" rtlCol="0" anchor="ctr"/>
+          <a:bodyPr lIns="182880" tIns="182880" rIns="182880" bIns="182880" rtlCol="0" anchor="t"/>
           <a:lstStyle/>
           <a:p>
-            <a:endParaRPr lang="en-US" sz="1200" b="1" dirty="0">
+            <a:pPr marL="45720" indent="-60325">
+              <a:spcBef>
+                <a:spcPts val="1200"/>
+              </a:spcBef>
+              <a:buClr>
+                <a:prstClr val="black"/>
+              </a:buClr>
+            </a:pPr>
+            <a:endParaRPr lang="en-US" sz="1000" dirty="0">
+              <a:solidFill>
+                <a:schemeClr val="tx1"/>
+              </a:solidFill>
+            </a:endParaRPr>
+          </a:p>
+          <a:p>
+            <a:pPr marL="45720" lvl="0" indent="-60325">
+              <a:spcBef>
+                <a:spcPts val="1200"/>
+              </a:spcBef>
+              <a:buClr>
+                <a:prstClr val="black"/>
+              </a:buClr>
+            </a:pPr>
+            <a:endParaRPr lang="en-US" sz="1100" i="1" dirty="0" smtClean="0">
               <a:solidFill>
                 <a:schemeClr val="tx1"/>
               </a:solidFill>
@@ -43517,197 +43629,44 @@
       </p:sp>
       <p:sp>
         <p:nvSpPr>
-          <p:cNvPr id="29" name="Rectangle 55"/>
+          <p:cNvPr id="182" name="Rectangle 181"/>
           <p:cNvSpPr/>
           <p:nvPr/>
         </p:nvSpPr>
-        <p:spPr bwMode="ltGray">
+        <p:spPr>
           <a:xfrm>
-            <a:off x="5152698" y="2079710"/>
-            <a:ext cx="6159794" cy="928966"/>
+            <a:off x="10573782" y="1382099"/>
+            <a:ext cx="990666" cy="210968"/>
           </a:xfrm>
           <a:prstGeom prst="rect">
             <a:avLst/>
           </a:prstGeom>
-          <a:noFill/>
-          <a:ln w="28575">
-            <a:solidFill>
-              <a:schemeClr val="bg2"/>
-            </a:solidFill>
-          </a:ln>
         </p:spPr>
-        <p:style>
-          <a:lnRef idx="2">
-            <a:schemeClr val="accent1">
-              <a:shade val="50000"/>
-            </a:schemeClr>
-          </a:lnRef>
-          <a:fillRef idx="1">
-            <a:schemeClr val="accent1"/>
-          </a:fillRef>
-          <a:effectRef idx="0">
-            <a:schemeClr val="accent1"/>
-          </a:effectRef>
-          <a:fontRef idx="minor">
-            <a:schemeClr val="lt1"/>
-          </a:fontRef>
-        </p:style>
         <p:txBody>
-          <a:bodyPr lIns="182880" tIns="182880" rIns="182880" bIns="182880" rtlCol="0" anchor="ctr"/>
+          <a:bodyPr wrap="square" numCol="1" anchor="t">
+            <a:noAutofit/>
+          </a:bodyPr>
           <a:lstStyle/>
           <a:p>
-            <a:endParaRPr lang="en-US" sz="1200" b="1" dirty="0">
-              <a:solidFill>
-                <a:schemeClr val="tx1"/>
-              </a:solidFill>
-            </a:endParaRPr>
-          </a:p>
-        </p:txBody>
-      </p:sp>
-      <p:sp>
-        <p:nvSpPr>
-          <p:cNvPr id="30" name="Rectangle 55"/>
-          <p:cNvSpPr/>
-          <p:nvPr/>
-        </p:nvSpPr>
-        <p:spPr bwMode="ltGray">
-          <a:xfrm>
-            <a:off x="5152698" y="3087683"/>
-            <a:ext cx="6159794" cy="928966"/>
-          </a:xfrm>
-          <a:prstGeom prst="rect">
-            <a:avLst/>
-          </a:prstGeom>
-          <a:noFill/>
-          <a:ln w="28575">
-            <a:solidFill>
-              <a:schemeClr val="bg2"/>
-            </a:solidFill>
-          </a:ln>
-        </p:spPr>
-        <p:style>
-          <a:lnRef idx="2">
-            <a:schemeClr val="accent1">
-              <a:shade val="50000"/>
-            </a:schemeClr>
-          </a:lnRef>
-          <a:fillRef idx="1">
-            <a:schemeClr val="accent1"/>
-          </a:fillRef>
-          <a:effectRef idx="0">
-            <a:schemeClr val="accent1"/>
-          </a:effectRef>
-          <a:fontRef idx="minor">
-            <a:schemeClr val="lt1"/>
-          </a:fontRef>
-        </p:style>
-        <p:txBody>
-          <a:bodyPr lIns="182880" tIns="182880" rIns="182880" bIns="182880" rtlCol="0" anchor="ctr"/>
-          <a:lstStyle/>
-          <a:p>
-            <a:endParaRPr lang="en-US" sz="1200" b="1" dirty="0">
-              <a:solidFill>
-                <a:schemeClr val="tx1"/>
-              </a:solidFill>
-            </a:endParaRPr>
-          </a:p>
-        </p:txBody>
-      </p:sp>
-      <p:sp>
-        <p:nvSpPr>
-          <p:cNvPr id="31" name="Rectangle 55"/>
-          <p:cNvSpPr/>
-          <p:nvPr/>
-        </p:nvSpPr>
-        <p:spPr bwMode="ltGray">
-          <a:xfrm>
-            <a:off x="5152698" y="4095657"/>
-            <a:ext cx="6159794" cy="928966"/>
-          </a:xfrm>
-          <a:prstGeom prst="rect">
-            <a:avLst/>
-          </a:prstGeom>
-          <a:noFill/>
-          <a:ln w="28575">
-            <a:solidFill>
-              <a:schemeClr val="bg2"/>
-            </a:solidFill>
-          </a:ln>
-        </p:spPr>
-        <p:style>
-          <a:lnRef idx="2">
-            <a:schemeClr val="accent1">
-              <a:shade val="50000"/>
-            </a:schemeClr>
-          </a:lnRef>
-          <a:fillRef idx="1">
-            <a:schemeClr val="accent1"/>
-          </a:fillRef>
-          <a:effectRef idx="0">
-            <a:schemeClr val="accent1"/>
-          </a:effectRef>
-          <a:fontRef idx="minor">
-            <a:schemeClr val="lt1"/>
-          </a:fontRef>
-        </p:style>
-        <p:txBody>
-          <a:bodyPr lIns="182880" tIns="182880" rIns="182880" bIns="182880" rtlCol="0" anchor="ctr"/>
-          <a:lstStyle/>
-          <a:p>
-            <a:endParaRPr lang="en-US" sz="1200" b="1" dirty="0">
-              <a:solidFill>
-                <a:schemeClr val="tx1"/>
-              </a:solidFill>
-            </a:endParaRPr>
-          </a:p>
-        </p:txBody>
-      </p:sp>
-      <p:sp>
-        <p:nvSpPr>
-          <p:cNvPr id="32" name="Rectangle 55"/>
-          <p:cNvSpPr/>
-          <p:nvPr/>
-        </p:nvSpPr>
-        <p:spPr bwMode="ltGray">
-          <a:xfrm>
-            <a:off x="5152698" y="5103632"/>
-            <a:ext cx="6159794" cy="928966"/>
-          </a:xfrm>
-          <a:prstGeom prst="rect">
-            <a:avLst/>
-          </a:prstGeom>
-          <a:noFill/>
-          <a:ln w="28575">
-            <a:solidFill>
-              <a:schemeClr val="bg2"/>
-            </a:solidFill>
-          </a:ln>
-        </p:spPr>
-        <p:style>
-          <a:lnRef idx="2">
-            <a:schemeClr val="accent1">
-              <a:shade val="50000"/>
-            </a:schemeClr>
-          </a:lnRef>
-          <a:fillRef idx="1">
-            <a:schemeClr val="accent1"/>
-          </a:fillRef>
-          <a:effectRef idx="0">
-            <a:schemeClr val="accent1"/>
-          </a:effectRef>
-          <a:fontRef idx="minor">
-            <a:schemeClr val="lt1"/>
-          </a:fontRef>
-        </p:style>
-        <p:txBody>
-          <a:bodyPr lIns="182880" tIns="182880" rIns="182880" bIns="182880" rtlCol="0" anchor="ctr"/>
-          <a:lstStyle/>
-          <a:p>
-            <a:endParaRPr lang="en-US" sz="1200" b="1" dirty="0" smtClean="0">
-              <a:solidFill>
-                <a:schemeClr val="tx1"/>
-              </a:solidFill>
-            </a:endParaRPr>
+            <a:pPr algn="ctr">
+              <a:lnSpc>
+                <a:spcPct val="90000"/>
+              </a:lnSpc>
+              <a:defRPr sz="1000" b="1">
+                <a:solidFill>
+                  <a:schemeClr val="dk1"/>
+                </a:solidFill>
+              </a:defRPr>
+            </a:pPr>
+            <a:r>
+              <a:rPr lang="en-US" sz="1100" dirty="0" smtClean="0"/>
+              <a:t>Top interests</a:t>
+            </a:r>
+            <a:r>
+              <a:rPr dirty="0" smtClean="0"/>
+              <a:t> </a:t>
+            </a:r>
+            <a:endParaRPr dirty="0"/>
           </a:p>
         </p:txBody>
       </p:sp>
@@ -43719,8 +43678,8 @@
         </p:nvSpPr>
         <p:spPr bwMode="ltGray">
           <a:xfrm>
-            <a:off x="1412081" y="1071736"/>
-            <a:ext cx="3656570" cy="4960862"/>
+            <a:off x="616823" y="1998511"/>
+            <a:ext cx="3101977" cy="3075611"/>
           </a:xfrm>
           <a:prstGeom prst="rect">
             <a:avLst/>
@@ -43765,78 +43724,96 @@
                 <a:cs typeface="+mn-cs"/>
               </a:defRPr>
             </a:pPr>
-            <a:r>
-              <a:rPr lang="en-US" sz="1600" b="1" dirty="0">
-                <a:solidFill>
-                  <a:schemeClr val="tx1"/>
-                </a:solidFill>
-              </a:rPr>
-              <a:t>Briefing volume by Industry</a:t>
-            </a:r>
+            <a:endParaRPr lang="en-US" sz="1600" b="1" dirty="0">
+              <a:solidFill>
+                <a:schemeClr val="tx1"/>
+              </a:solidFill>
+            </a:endParaRPr>
           </a:p>
         </p:txBody>
       </p:sp>
       <p:sp>
         <p:nvSpPr>
-          <p:cNvPr id="2" name="Title 1"/>
-          <p:cNvSpPr>
-            <a:spLocks noGrp="1"/>
-          </p:cNvSpPr>
-          <p:nvPr>
-            <p:ph type="title"/>
-          </p:nvPr>
+          <p:cNvPr id="60" name="Rectangle 55"/>
+          <p:cNvSpPr/>
+          <p:nvPr/>
         </p:nvSpPr>
-        <p:spPr/>
+        <p:spPr bwMode="ltGray">
+          <a:xfrm>
+            <a:off x="6891018" y="1372130"/>
+            <a:ext cx="2286000" cy="2286000"/>
+          </a:xfrm>
+          <a:prstGeom prst="rect">
+            <a:avLst/>
+          </a:prstGeom>
+          <a:noFill/>
+          <a:ln w="38100">
+            <a:solidFill>
+              <a:schemeClr val="accent4"/>
+            </a:solidFill>
+          </a:ln>
+        </p:spPr>
+        <p:style>
+          <a:lnRef idx="2">
+            <a:schemeClr val="accent1">
+              <a:shade val="50000"/>
+            </a:schemeClr>
+          </a:lnRef>
+          <a:fillRef idx="1">
+            <a:schemeClr val="accent1"/>
+          </a:fillRef>
+          <a:effectRef idx="0">
+            <a:schemeClr val="accent1"/>
+          </a:effectRef>
+          <a:fontRef idx="minor">
+            <a:schemeClr val="lt1"/>
+          </a:fontRef>
+        </p:style>
         <p:txBody>
-          <a:bodyPr/>
+          <a:bodyPr lIns="182880" tIns="182880" rIns="182880" bIns="182880" rtlCol="0" anchor="t"/>
           <a:lstStyle/>
           <a:p>
-            <a:r>
-              <a:rPr lang="en-US" dirty="0"/>
-              <a:t>Industry insights </a:t>
-            </a:r>
-            <a:r>
-              <a:rPr lang="en-US" dirty="0" smtClean="0"/>
-              <a:t>(XXX - XXX)</a:t>
-            </a:r>
-            <a:endParaRPr lang="en-US" dirty="0"/>
+            <a:pPr marL="45720" indent="-60325">
+              <a:spcBef>
+                <a:spcPts val="1200"/>
+              </a:spcBef>
+              <a:buClr>
+                <a:prstClr val="black"/>
+              </a:buClr>
+            </a:pPr>
+            <a:endParaRPr lang="en-US" sz="1000" dirty="0">
+              <a:solidFill>
+                <a:schemeClr val="tx1"/>
+              </a:solidFill>
+            </a:endParaRPr>
+          </a:p>
+          <a:p>
+            <a:pPr marL="45720" lvl="0" indent="-60325">
+              <a:spcBef>
+                <a:spcPts val="1200"/>
+              </a:spcBef>
+              <a:buClr>
+                <a:prstClr val="black"/>
+              </a:buClr>
+            </a:pPr>
+            <a:endParaRPr lang="en-US" sz="1100" i="1" dirty="0" smtClean="0">
+              <a:solidFill>
+                <a:schemeClr val="tx1"/>
+              </a:solidFill>
+            </a:endParaRPr>
           </a:p>
         </p:txBody>
       </p:sp>
       <p:sp>
         <p:nvSpPr>
-          <p:cNvPr id="3" name="Slide Number Placeholder 2"/>
-          <p:cNvSpPr>
-            <a:spLocks noGrp="1"/>
-          </p:cNvSpPr>
-          <p:nvPr>
-            <p:ph type="sldNum" sz="quarter" idx="12"/>
-          </p:nvPr>
-        </p:nvSpPr>
-        <p:spPr/>
-        <p:txBody>
-          <a:bodyPr/>
-          <a:lstStyle/>
-          <a:p>
-            <a:fld id="{B016F8AB-BCEA-4347-8BA6-BE776009BC89}" type="slidenum">
-              <a:rPr lang="en-US" smtClean="0"/>
-              <a:pPr/>
-              <a:t>9</a:t>
-            </a:fld>
-            <a:endParaRPr lang="en-US"/>
-          </a:p>
-        </p:txBody>
-      </p:sp>
-      <p:sp>
-        <p:nvSpPr>
-          <p:cNvPr id="33" name="Rectangle 32"/>
+          <p:cNvPr id="62" name="Rectangle 61"/>
           <p:cNvSpPr/>
           <p:nvPr/>
         </p:nvSpPr>
         <p:spPr>
           <a:xfrm>
-            <a:off x="9815298" y="1170459"/>
-            <a:ext cx="1459486" cy="665842"/>
+            <a:off x="8170710" y="1381644"/>
+            <a:ext cx="990666" cy="210968"/>
           </a:xfrm>
           <a:prstGeom prst="rect">
             <a:avLst/>
@@ -43848,33 +43825,120 @@
           </a:bodyPr>
           <a:lstStyle/>
           <a:p>
-            <a:pPr>
+            <a:pPr algn="ctr">
               <a:lnSpc>
                 <a:spcPct val="90000"/>
               </a:lnSpc>
+              <a:defRPr sz="1000" b="1">
+                <a:solidFill>
+                  <a:schemeClr val="dk1"/>
+                </a:solidFill>
+              </a:defRPr>
             </a:pPr>
             <a:r>
-              <a:rPr lang="en-US" sz="900" b="1" dirty="0"/>
-              <a:t>Top </a:t>
-            </a:r>
-            <a:r>
-              <a:rPr lang="en-US" sz="900" b="1" dirty="0" smtClean="0"/>
-              <a:t>interests - 0</a:t>
-            </a:r>
-            <a:endParaRPr lang="en-US" sz="900" b="1" dirty="0"/>
+              <a:rPr lang="en-US" sz="1100" dirty="0" smtClean="0"/>
+              <a:t>Top interests</a:t>
+            </a:r>
+            <a:endParaRPr lang="en-US" sz="1100" b="1" dirty="0"/>
+          </a:p>
+          <a:p>
+            <a:pPr>
+              <a:defRPr sz="800">
+                <a:solidFill>
+                  <a:schemeClr val="dk2"/>
+                </a:solidFill>
+              </a:defRPr>
+            </a:pPr>
+            <a:r>
+              <a:rPr dirty="0" smtClean="0"/>
+              <a:t> </a:t>
+            </a:r>
+            <a:endParaRPr dirty="0"/>
           </a:p>
         </p:txBody>
       </p:sp>
       <p:sp>
         <p:nvSpPr>
-          <p:cNvPr id="34" name="Rectangle 33"/>
+          <p:cNvPr id="70" name="Rectangle 55"/>
+          <p:cNvSpPr/>
+          <p:nvPr/>
+        </p:nvSpPr>
+        <p:spPr bwMode="ltGray">
+          <a:xfrm>
+            <a:off x="4488571" y="1383028"/>
+            <a:ext cx="2286000" cy="2286000"/>
+          </a:xfrm>
+          <a:prstGeom prst="rect">
+            <a:avLst/>
+          </a:prstGeom>
+          <a:noFill/>
+          <a:ln w="38100">
+            <a:solidFill>
+              <a:schemeClr val="accent4"/>
+            </a:solidFill>
+          </a:ln>
+        </p:spPr>
+        <p:style>
+          <a:lnRef idx="2">
+            <a:schemeClr val="accent1">
+              <a:shade val="50000"/>
+            </a:schemeClr>
+          </a:lnRef>
+          <a:fillRef idx="1">
+            <a:schemeClr val="accent1"/>
+          </a:fillRef>
+          <a:effectRef idx="0">
+            <a:schemeClr val="accent1"/>
+          </a:effectRef>
+          <a:fontRef idx="minor">
+            <a:schemeClr val="lt1"/>
+          </a:fontRef>
+        </p:style>
+        <p:txBody>
+          <a:bodyPr lIns="182880" tIns="182880" rIns="182880" bIns="182880" rtlCol="0" anchor="t"/>
+          <a:lstStyle/>
+          <a:p>
+            <a:pPr marL="45720" indent="-60325">
+              <a:spcBef>
+                <a:spcPts val="1200"/>
+              </a:spcBef>
+              <a:buClr>
+                <a:prstClr val="black"/>
+              </a:buClr>
+            </a:pPr>
+            <a:endParaRPr lang="en-US" sz="1000" dirty="0">
+              <a:solidFill>
+                <a:schemeClr val="tx1"/>
+              </a:solidFill>
+            </a:endParaRPr>
+          </a:p>
+          <a:p>
+            <a:pPr marL="45720" lvl="0" indent="-60325">
+              <a:spcBef>
+                <a:spcPts val="1200"/>
+              </a:spcBef>
+              <a:buClr>
+                <a:prstClr val="black"/>
+              </a:buClr>
+            </a:pPr>
+            <a:endParaRPr lang="en-US" sz="1100" i="1" dirty="0" smtClean="0">
+              <a:solidFill>
+                <a:schemeClr val="tx1"/>
+              </a:solidFill>
+            </a:endParaRPr>
+          </a:p>
+        </p:txBody>
+      </p:sp>
+      <p:sp>
+        <p:nvSpPr>
+          <p:cNvPr id="72" name="Rectangle 71"/>
           <p:cNvSpPr/>
           <p:nvPr/>
         </p:nvSpPr>
         <p:spPr>
           <a:xfrm>
-            <a:off x="9815298" y="2169006"/>
-            <a:ext cx="1459486" cy="644084"/>
+            <a:off x="5768263" y="1392541"/>
+            <a:ext cx="990666" cy="335599"/>
           </a:xfrm>
           <a:prstGeom prst="rect">
             <a:avLst/>
@@ -43886,33 +43950,224 @@
           </a:bodyPr>
           <a:lstStyle/>
           <a:p>
-            <a:pPr>
+            <a:pPr algn="ctr">
               <a:lnSpc>
                 <a:spcPct val="90000"/>
               </a:lnSpc>
+              <a:defRPr sz="1000" b="1">
+                <a:solidFill>
+                  <a:schemeClr val="dk1"/>
+                </a:solidFill>
+              </a:defRPr>
             </a:pPr>
             <a:r>
-              <a:rPr lang="en-US" sz="900" b="1" dirty="0"/>
+              <a:rPr sz="1100" dirty="0"/>
               <a:t>Top </a:t>
             </a:r>
             <a:r>
-              <a:rPr lang="en-US" sz="900" b="1" dirty="0" smtClean="0"/>
-              <a:t>interests - 1</a:t>
-            </a:r>
-            <a:endParaRPr lang="en-US" sz="900" b="1" dirty="0"/>
+              <a:rPr lang="en-US" sz="1100" dirty="0" smtClean="0"/>
+              <a:t>interests</a:t>
+            </a:r>
+            <a:endParaRPr lang="en-US" sz="1100" b="1" dirty="0"/>
+          </a:p>
+          <a:p>
+            <a:pPr>
+              <a:defRPr sz="800">
+                <a:solidFill>
+                  <a:schemeClr val="dk2"/>
+                </a:solidFill>
+              </a:defRPr>
+            </a:pPr>
+            <a:r>
+              <a:rPr dirty="0" smtClean="0"/>
+              <a:t> </a:t>
+            </a:r>
+            <a:endParaRPr dirty="0"/>
           </a:p>
         </p:txBody>
       </p:sp>
       <p:sp>
         <p:nvSpPr>
-          <p:cNvPr id="35" name="Rectangle 34"/>
+          <p:cNvPr id="75" name="Rectangle 74"/>
           <p:cNvSpPr/>
           <p:nvPr/>
         </p:nvSpPr>
         <p:spPr>
           <a:xfrm>
-            <a:off x="9815298" y="3167552"/>
-            <a:ext cx="1459486" cy="665842"/>
+            <a:off x="5768263" y="3382305"/>
+            <a:ext cx="990041" cy="220421"/>
+          </a:xfrm>
+          <a:prstGeom prst="rect">
+            <a:avLst/>
+          </a:prstGeom>
+        </p:spPr>
+        <p:txBody>
+          <a:bodyPr wrap="none" anchor="ctr" anchorCtr="0">
+            <a:normAutofit fontScale="92500" lnSpcReduction="10000"/>
+          </a:bodyPr>
+          <a:lstStyle/>
+          <a:p>
+            <a:pPr algn="ctr"/>
+            <a:r>
+              <a:rPr lang="en-US" sz="1000" dirty="0" smtClean="0"/>
+              <a:t>0-interest-2</a:t>
+            </a:r>
+            <a:endParaRPr lang="en-GB" sz="800" dirty="0"/>
+          </a:p>
+        </p:txBody>
+      </p:sp>
+      <p:sp>
+        <p:nvSpPr>
+          <p:cNvPr id="77" name="TextBox 76"/>
+          <p:cNvSpPr txBox="1"/>
+          <p:nvPr/>
+        </p:nvSpPr>
+        <p:spPr>
+          <a:xfrm>
+            <a:off x="5768263" y="2129614"/>
+            <a:ext cx="990041" cy="236514"/>
+          </a:xfrm>
+          <a:prstGeom prst="rect">
+            <a:avLst/>
+          </a:prstGeom>
+          <a:noFill/>
+        </p:spPr>
+        <p:txBody>
+          <a:bodyPr wrap="none" lIns="0" tIns="0" rIns="0" bIns="0" rtlCol="0" anchor="ctr" anchorCtr="0">
+            <a:normAutofit/>
+          </a:bodyPr>
+          <a:lstStyle/>
+          <a:p>
+            <a:pPr algn="ctr">
+              <a:lnSpc>
+                <a:spcPct val="90000"/>
+              </a:lnSpc>
+            </a:pPr>
+            <a:r>
+              <a:rPr lang="en-US" sz="1000" dirty="0" smtClean="0"/>
+              <a:t>0-interest-0</a:t>
+            </a:r>
+            <a:endParaRPr lang="en-US" sz="1000" dirty="0"/>
+          </a:p>
+        </p:txBody>
+      </p:sp>
+      <p:sp>
+        <p:nvSpPr>
+          <p:cNvPr id="78" name="TextBox 77"/>
+          <p:cNvSpPr txBox="1"/>
+          <p:nvPr/>
+        </p:nvSpPr>
+        <p:spPr>
+          <a:xfrm>
+            <a:off x="5768263" y="2766831"/>
+            <a:ext cx="990041" cy="214771"/>
+          </a:xfrm>
+          <a:prstGeom prst="rect">
+            <a:avLst/>
+          </a:prstGeom>
+          <a:noFill/>
+        </p:spPr>
+        <p:txBody>
+          <a:bodyPr wrap="none" lIns="0" tIns="0" rIns="0" bIns="0" rtlCol="0" anchor="ctr" anchorCtr="0">
+            <a:normAutofit/>
+          </a:bodyPr>
+          <a:lstStyle/>
+          <a:p>
+            <a:pPr algn="ctr">
+              <a:lnSpc>
+                <a:spcPct val="90000"/>
+              </a:lnSpc>
+            </a:pPr>
+            <a:r>
+              <a:rPr lang="en-US" sz="1000" dirty="0" smtClean="0"/>
+              <a:t>0-interest-1</a:t>
+            </a:r>
+            <a:endParaRPr lang="en-US" sz="1000" dirty="0"/>
+          </a:p>
+        </p:txBody>
+      </p:sp>
+      <p:sp>
+        <p:nvSpPr>
+          <p:cNvPr id="81" name="Rectangle 55"/>
+          <p:cNvSpPr/>
+          <p:nvPr/>
+        </p:nvSpPr>
+        <p:spPr bwMode="ltGray">
+          <a:xfrm>
+            <a:off x="9294090" y="4082556"/>
+            <a:ext cx="2286000" cy="2286000"/>
+          </a:xfrm>
+          <a:prstGeom prst="rect">
+            <a:avLst/>
+          </a:prstGeom>
+          <a:noFill/>
+          <a:ln w="38100">
+            <a:solidFill>
+              <a:schemeClr val="accent4"/>
+            </a:solidFill>
+          </a:ln>
+        </p:spPr>
+        <p:style>
+          <a:lnRef idx="2">
+            <a:schemeClr val="accent1">
+              <a:shade val="50000"/>
+            </a:schemeClr>
+          </a:lnRef>
+          <a:fillRef idx="1">
+            <a:schemeClr val="accent1"/>
+          </a:fillRef>
+          <a:effectRef idx="0">
+            <a:schemeClr val="accent1"/>
+          </a:effectRef>
+          <a:fontRef idx="minor">
+            <a:schemeClr val="lt1"/>
+          </a:fontRef>
+        </p:style>
+        <p:txBody>
+          <a:bodyPr lIns="182880" tIns="182880" rIns="182880" bIns="182880" rtlCol="0" anchor="t"/>
+          <a:lstStyle/>
+          <a:p>
+            <a:pPr marL="45720" indent="-60325">
+              <a:spcBef>
+                <a:spcPts val="1200"/>
+              </a:spcBef>
+              <a:buClr>
+                <a:prstClr val="black"/>
+              </a:buClr>
+            </a:pPr>
+            <a:endParaRPr lang="en-US" sz="1000" dirty="0">
+              <a:solidFill>
+                <a:schemeClr val="tx1"/>
+              </a:solidFill>
+            </a:endParaRPr>
+          </a:p>
+          <a:p>
+            <a:pPr marL="45720" lvl="0" indent="-60325">
+              <a:spcBef>
+                <a:spcPts val="1200"/>
+              </a:spcBef>
+              <a:buClr>
+                <a:prstClr val="black"/>
+              </a:buClr>
+            </a:pPr>
+            <a:endParaRPr lang="en-US" sz="1100" i="1" dirty="0" smtClean="0">
+              <a:solidFill>
+                <a:schemeClr val="tx1"/>
+              </a:solidFill>
+            </a:endParaRPr>
+          </a:p>
+        </p:txBody>
+      </p:sp>
+      <p:sp>
+        <p:nvSpPr>
+          <p:cNvPr id="84" name="Rectangle 83"/>
+          <p:cNvSpPr/>
+          <p:nvPr/>
+        </p:nvSpPr>
+        <p:spPr>
+          <a:xfrm>
+            <a:off x="10573782" y="4092525"/>
+            <a:ext cx="990666" cy="210968"/>
           </a:xfrm>
           <a:prstGeom prst="rect">
             <a:avLst/>
@@ -43924,33 +44179,124 @@
           </a:bodyPr>
           <a:lstStyle/>
           <a:p>
-            <a:pPr>
+            <a:pPr algn="ctr">
               <a:lnSpc>
                 <a:spcPct val="90000"/>
               </a:lnSpc>
+              <a:defRPr sz="1000" b="1">
+                <a:solidFill>
+                  <a:schemeClr val="dk1"/>
+                </a:solidFill>
+              </a:defRPr>
             </a:pPr>
             <a:r>
-              <a:rPr lang="en-US" sz="900" b="1" dirty="0"/>
+              <a:rPr sz="1100" dirty="0"/>
               <a:t>Top </a:t>
             </a:r>
             <a:r>
-              <a:rPr lang="en-US" sz="900" b="1" dirty="0" smtClean="0"/>
-              <a:t>interests - 2</a:t>
-            </a:r>
-            <a:endParaRPr lang="en-US" sz="900" b="1" dirty="0"/>
+              <a:rPr lang="en-US" sz="1100" dirty="0" smtClean="0"/>
+              <a:t>interests</a:t>
+            </a:r>
+            <a:endParaRPr lang="en-US" sz="1100" b="1" dirty="0"/>
+          </a:p>
+          <a:p>
+            <a:pPr>
+              <a:defRPr sz="800">
+                <a:solidFill>
+                  <a:schemeClr val="dk2"/>
+                </a:solidFill>
+              </a:defRPr>
+            </a:pPr>
+            <a:r>
+              <a:rPr dirty="0" smtClean="0"/>
+              <a:t> </a:t>
+            </a:r>
+            <a:endParaRPr dirty="0"/>
           </a:p>
         </p:txBody>
       </p:sp>
       <p:sp>
         <p:nvSpPr>
-          <p:cNvPr id="36" name="Rectangle 35"/>
+          <p:cNvPr id="93" name="Rectangle 55"/>
+          <p:cNvSpPr/>
+          <p:nvPr/>
+        </p:nvSpPr>
+        <p:spPr bwMode="ltGray">
+          <a:xfrm>
+            <a:off x="6891018" y="4082556"/>
+            <a:ext cx="2286000" cy="2286000"/>
+          </a:xfrm>
+          <a:prstGeom prst="rect">
+            <a:avLst/>
+          </a:prstGeom>
+          <a:noFill/>
+          <a:ln w="38100">
+            <a:solidFill>
+              <a:schemeClr val="accent4"/>
+            </a:solidFill>
+          </a:ln>
+        </p:spPr>
+        <p:style>
+          <a:lnRef idx="2">
+            <a:schemeClr val="accent1">
+              <a:shade val="50000"/>
+            </a:schemeClr>
+          </a:lnRef>
+          <a:fillRef idx="1">
+            <a:schemeClr val="accent1"/>
+          </a:fillRef>
+          <a:effectRef idx="0">
+            <a:schemeClr val="accent1"/>
+          </a:effectRef>
+          <a:fontRef idx="minor">
+            <a:schemeClr val="lt1"/>
+          </a:fontRef>
+        </p:style>
+        <p:txBody>
+          <a:bodyPr lIns="182880" tIns="182880" rIns="182880" bIns="182880" rtlCol="0" anchor="t"/>
+          <a:lstStyle/>
+          <a:p>
+            <a:pPr marL="45720" indent="-60325">
+              <a:spcBef>
+                <a:spcPts val="1200"/>
+              </a:spcBef>
+              <a:buClr>
+                <a:prstClr val="black"/>
+              </a:buClr>
+            </a:pPr>
+            <a:endParaRPr lang="en-US" sz="1000" dirty="0">
+              <a:solidFill>
+                <a:schemeClr val="tx1"/>
+              </a:solidFill>
+            </a:endParaRPr>
+          </a:p>
+          <a:p>
+            <a:pPr marL="45720" lvl="0" indent="-60325">
+              <a:spcBef>
+                <a:spcPts val="1200"/>
+              </a:spcBef>
+              <a:buClr>
+                <a:prstClr val="black"/>
+              </a:buClr>
+            </a:pPr>
+            <a:endParaRPr lang="en-US" sz="1100" i="1" dirty="0" smtClean="0">
+              <a:solidFill>
+                <a:schemeClr val="tx1"/>
+              </a:solidFill>
+            </a:endParaRPr>
+          </a:p>
+        </p:txBody>
+      </p:sp>
+      <p:sp>
+        <p:nvSpPr>
+          <p:cNvPr id="95" name="Rectangle 94"/>
           <p:cNvSpPr/>
           <p:nvPr/>
         </p:nvSpPr>
         <p:spPr>
           <a:xfrm>
-            <a:off x="9815298" y="4175526"/>
-            <a:ext cx="1459486" cy="673537"/>
+            <a:off x="8170710" y="4092070"/>
+            <a:ext cx="990666" cy="210968"/>
           </a:xfrm>
           <a:prstGeom prst="rect">
             <a:avLst/>
@@ -43962,33 +44308,124 @@
           </a:bodyPr>
           <a:lstStyle/>
           <a:p>
-            <a:pPr>
+            <a:pPr algn="ctr">
               <a:lnSpc>
                 <a:spcPct val="90000"/>
               </a:lnSpc>
+              <a:defRPr sz="1000" b="1">
+                <a:solidFill>
+                  <a:schemeClr val="dk1"/>
+                </a:solidFill>
+              </a:defRPr>
             </a:pPr>
             <a:r>
-              <a:rPr lang="en-US" sz="900" b="1" dirty="0"/>
+              <a:rPr sz="1100" dirty="0"/>
               <a:t>Top </a:t>
             </a:r>
             <a:r>
-              <a:rPr lang="en-US" sz="900" b="1" dirty="0" smtClean="0"/>
-              <a:t>interests - 3</a:t>
-            </a:r>
-            <a:endParaRPr lang="en-US" sz="900" b="1" dirty="0"/>
+              <a:rPr lang="en-US" sz="1100" dirty="0" smtClean="0"/>
+              <a:t>interests</a:t>
+            </a:r>
+            <a:endParaRPr lang="en-US" sz="1100" b="1" dirty="0"/>
+          </a:p>
+          <a:p>
+            <a:pPr>
+              <a:defRPr sz="800">
+                <a:solidFill>
+                  <a:schemeClr val="dk2"/>
+                </a:solidFill>
+              </a:defRPr>
+            </a:pPr>
+            <a:r>
+              <a:rPr dirty="0" smtClean="0"/>
+              <a:t> </a:t>
+            </a:r>
+            <a:endParaRPr dirty="0"/>
           </a:p>
         </p:txBody>
       </p:sp>
       <p:sp>
         <p:nvSpPr>
-          <p:cNvPr id="37" name="Rectangle 36"/>
+          <p:cNvPr id="103" name="Rectangle 55"/>
+          <p:cNvSpPr/>
+          <p:nvPr/>
+        </p:nvSpPr>
+        <p:spPr bwMode="ltGray">
+          <a:xfrm>
+            <a:off x="4488571" y="4093454"/>
+            <a:ext cx="2286000" cy="2286000"/>
+          </a:xfrm>
+          <a:prstGeom prst="rect">
+            <a:avLst/>
+          </a:prstGeom>
+          <a:noFill/>
+          <a:ln w="38100">
+            <a:solidFill>
+              <a:schemeClr val="accent4"/>
+            </a:solidFill>
+          </a:ln>
+        </p:spPr>
+        <p:style>
+          <a:lnRef idx="2">
+            <a:schemeClr val="accent1">
+              <a:shade val="50000"/>
+            </a:schemeClr>
+          </a:lnRef>
+          <a:fillRef idx="1">
+            <a:schemeClr val="accent1"/>
+          </a:fillRef>
+          <a:effectRef idx="0">
+            <a:schemeClr val="accent1"/>
+          </a:effectRef>
+          <a:fontRef idx="minor">
+            <a:schemeClr val="lt1"/>
+          </a:fontRef>
+        </p:style>
+        <p:txBody>
+          <a:bodyPr lIns="182880" tIns="182880" rIns="182880" bIns="182880" rtlCol="0" anchor="t"/>
+          <a:lstStyle/>
+          <a:p>
+            <a:pPr marL="45720" indent="-60325">
+              <a:spcBef>
+                <a:spcPts val="1200"/>
+              </a:spcBef>
+              <a:buClr>
+                <a:prstClr val="black"/>
+              </a:buClr>
+            </a:pPr>
+            <a:endParaRPr lang="en-US" sz="1000" dirty="0">
+              <a:solidFill>
+                <a:schemeClr val="tx1"/>
+              </a:solidFill>
+            </a:endParaRPr>
+          </a:p>
+          <a:p>
+            <a:pPr marL="45720" lvl="0" indent="-60325">
+              <a:spcBef>
+                <a:spcPts val="1200"/>
+              </a:spcBef>
+              <a:buClr>
+                <a:prstClr val="black"/>
+              </a:buClr>
+            </a:pPr>
+            <a:endParaRPr lang="en-US" sz="1100" i="1" dirty="0" smtClean="0">
+              <a:solidFill>
+                <a:schemeClr val="tx1"/>
+              </a:solidFill>
+            </a:endParaRPr>
+          </a:p>
+        </p:txBody>
+      </p:sp>
+      <p:sp>
+        <p:nvSpPr>
+          <p:cNvPr id="105" name="Rectangle 104"/>
           <p:cNvSpPr/>
           <p:nvPr/>
         </p:nvSpPr>
         <p:spPr>
           <a:xfrm>
-            <a:off x="9815298" y="5174348"/>
-            <a:ext cx="1459486" cy="674746"/>
+            <a:off x="5768263" y="4102968"/>
+            <a:ext cx="990666" cy="210968"/>
           </a:xfrm>
           <a:prstGeom prst="rect">
             <a:avLst/>
@@ -44000,538 +44437,463 @@
           </a:bodyPr>
           <a:lstStyle/>
           <a:p>
-            <a:pPr>
+            <a:pPr algn="ctr">
               <a:lnSpc>
                 <a:spcPct val="90000"/>
               </a:lnSpc>
+              <a:defRPr sz="1000" b="1">
+                <a:solidFill>
+                  <a:schemeClr val="dk1"/>
+                </a:solidFill>
+              </a:defRPr>
             </a:pPr>
             <a:r>
-              <a:rPr lang="en-US" sz="900" b="1" dirty="0"/>
-              <a:t>Top </a:t>
-            </a:r>
-            <a:r>
-              <a:rPr lang="en-US" sz="900" b="1" dirty="0" smtClean="0"/>
-              <a:t>interests - 4</a:t>
-            </a:r>
-            <a:endParaRPr lang="en-US" sz="900" b="1" dirty="0"/>
+              <a:rPr lang="en-US" sz="1100" dirty="0" smtClean="0"/>
+              <a:t>Top interests</a:t>
+            </a:r>
+            <a:endParaRPr lang="en-US" sz="1100" b="1" dirty="0"/>
+          </a:p>
+          <a:p>
+            <a:pPr>
+              <a:defRPr sz="800">
+                <a:solidFill>
+                  <a:schemeClr val="dk2"/>
+                </a:solidFill>
+              </a:defRPr>
+            </a:pPr>
+            <a:r>
+              <a:rPr dirty="0" smtClean="0"/>
+              <a:t> </a:t>
+            </a:r>
+            <a:endParaRPr dirty="0"/>
           </a:p>
         </p:txBody>
       </p:sp>
-      <p:cxnSp>
-        <p:nvCxnSpPr>
-          <p:cNvPr id="10" name="Straight Connector 9"/>
-          <p:cNvCxnSpPr/>
+      <p:sp>
+        <p:nvSpPr>
+          <p:cNvPr id="6" name="Rectangle 5"/>
+          <p:cNvSpPr/>
           <p:nvPr/>
-        </p:nvCxnSpPr>
-        <p:spPr>
+        </p:nvSpPr>
+        <p:spPr bwMode="ltGray">
           <a:xfrm>
-            <a:off x="6785566" y="1170459"/>
-            <a:ext cx="0" cy="731520"/>
+            <a:off x="6891018" y="1032802"/>
+            <a:ext cx="2270358" cy="274320"/>
           </a:xfrm>
-          <a:prstGeom prst="line">
+          <a:prstGeom prst="rect">
             <a:avLst/>
           </a:prstGeom>
-          <a:ln w="12700">
+          <a:noFill/>
+          <a:ln w="38100">
             <a:solidFill>
-              <a:schemeClr val="bg2"/>
+              <a:schemeClr val="accent5"/>
             </a:solidFill>
-            <a:prstDash val="sysDot"/>
           </a:ln>
         </p:spPr>
         <p:style>
-          <a:lnRef idx="1">
-            <a:schemeClr val="accent1"/>
+          <a:lnRef idx="2">
+            <a:schemeClr val="accent1">
+              <a:shade val="50000"/>
+            </a:schemeClr>
           </a:lnRef>
-          <a:fillRef idx="0">
+          <a:fillRef idx="1">
             <a:schemeClr val="accent1"/>
           </a:fillRef>
           <a:effectRef idx="0">
             <a:schemeClr val="accent1"/>
           </a:effectRef>
           <a:fontRef idx="minor">
-            <a:schemeClr val="tx1"/>
+            <a:schemeClr val="lt1"/>
           </a:fontRef>
         </p:style>
-      </p:cxnSp>
-      <p:cxnSp>
-        <p:nvCxnSpPr>
-          <p:cNvPr id="39" name="Straight Connector 38"/>
-          <p:cNvCxnSpPr/>
+        <p:txBody>
+          <a:bodyPr rtlCol="0" anchor="ctr"/>
+          <a:lstStyle/>
+          <a:p>
+            <a:pPr algn="ctr">
+              <a:lnSpc>
+                <a:spcPct val="90000"/>
+              </a:lnSpc>
+            </a:pPr>
+            <a:endParaRPr lang="en-US" sz="1200" b="1" dirty="0" smtClean="0">
+              <a:solidFill>
+                <a:schemeClr val="tx1"/>
+              </a:solidFill>
+            </a:endParaRPr>
+          </a:p>
+        </p:txBody>
+      </p:sp>
+      <p:sp>
+        <p:nvSpPr>
+          <p:cNvPr id="114" name="Rectangle 113"/>
+          <p:cNvSpPr/>
           <p:nvPr/>
-        </p:nvCxnSpPr>
-        <p:spPr>
+        </p:nvSpPr>
+        <p:spPr bwMode="ltGray">
           <a:xfrm>
-            <a:off x="6785566" y="2178433"/>
-            <a:ext cx="0" cy="731520"/>
+            <a:off x="9294090" y="1040238"/>
+            <a:ext cx="2270358" cy="274320"/>
           </a:xfrm>
-          <a:prstGeom prst="line">
+          <a:prstGeom prst="rect">
             <a:avLst/>
           </a:prstGeom>
-          <a:ln w="12700">
+          <a:noFill/>
+          <a:ln w="38100">
             <a:solidFill>
-              <a:schemeClr val="bg2"/>
+              <a:schemeClr val="accent5"/>
             </a:solidFill>
-            <a:prstDash val="sysDot"/>
           </a:ln>
         </p:spPr>
         <p:style>
-          <a:lnRef idx="1">
-            <a:schemeClr val="accent1"/>
+          <a:lnRef idx="2">
+            <a:schemeClr val="accent1">
+              <a:shade val="50000"/>
+            </a:schemeClr>
           </a:lnRef>
-          <a:fillRef idx="0">
+          <a:fillRef idx="1">
             <a:schemeClr val="accent1"/>
           </a:fillRef>
           <a:effectRef idx="0">
             <a:schemeClr val="accent1"/>
           </a:effectRef>
           <a:fontRef idx="minor">
-            <a:schemeClr val="tx1"/>
+            <a:schemeClr val="lt1"/>
           </a:fontRef>
         </p:style>
-      </p:cxnSp>
-      <p:cxnSp>
-        <p:nvCxnSpPr>
-          <p:cNvPr id="40" name="Straight Connector 39"/>
-          <p:cNvCxnSpPr/>
+        <p:txBody>
+          <a:bodyPr rtlCol="0" anchor="ctr"/>
+          <a:lstStyle/>
+          <a:p>
+            <a:pPr algn="ctr">
+              <a:lnSpc>
+                <a:spcPct val="90000"/>
+              </a:lnSpc>
+            </a:pPr>
+            <a:endParaRPr lang="en-US" sz="1200" b="1" dirty="0" smtClean="0">
+              <a:solidFill>
+                <a:schemeClr val="tx1"/>
+              </a:solidFill>
+            </a:endParaRPr>
+          </a:p>
+        </p:txBody>
+      </p:sp>
+      <p:sp>
+        <p:nvSpPr>
+          <p:cNvPr id="115" name="Rectangle 114"/>
+          <p:cNvSpPr/>
           <p:nvPr/>
-        </p:nvCxnSpPr>
-        <p:spPr>
+        </p:nvSpPr>
+        <p:spPr bwMode="ltGray">
           <a:xfrm>
-            <a:off x="6785566" y="3186406"/>
-            <a:ext cx="0" cy="731520"/>
+            <a:off x="4488571" y="1029395"/>
+            <a:ext cx="2270358" cy="274320"/>
           </a:xfrm>
-          <a:prstGeom prst="line">
+          <a:prstGeom prst="rect">
             <a:avLst/>
           </a:prstGeom>
-          <a:ln w="12700">
+          <a:noFill/>
+          <a:ln w="38100">
             <a:solidFill>
-              <a:schemeClr val="bg2"/>
+              <a:schemeClr val="accent5"/>
             </a:solidFill>
-            <a:prstDash val="sysDot"/>
           </a:ln>
         </p:spPr>
         <p:style>
-          <a:lnRef idx="1">
-            <a:schemeClr val="accent1"/>
+          <a:lnRef idx="2">
+            <a:schemeClr val="accent1">
+              <a:shade val="50000"/>
+            </a:schemeClr>
           </a:lnRef>
-          <a:fillRef idx="0">
+          <a:fillRef idx="1">
             <a:schemeClr val="accent1"/>
           </a:fillRef>
           <a:effectRef idx="0">
             <a:schemeClr val="accent1"/>
           </a:effectRef>
           <a:fontRef idx="minor">
-            <a:schemeClr val="tx1"/>
+            <a:schemeClr val="lt1"/>
           </a:fontRef>
         </p:style>
-      </p:cxnSp>
-      <p:cxnSp>
-        <p:nvCxnSpPr>
-          <p:cNvPr id="41" name="Straight Connector 40"/>
-          <p:cNvCxnSpPr/>
+        <p:txBody>
+          <a:bodyPr rtlCol="0" anchor="ctr"/>
+          <a:lstStyle/>
+          <a:p>
+            <a:pPr algn="ctr">
+              <a:lnSpc>
+                <a:spcPct val="90000"/>
+              </a:lnSpc>
+            </a:pPr>
+            <a:endParaRPr lang="en-US" sz="1200" b="1" dirty="0" smtClean="0">
+              <a:solidFill>
+                <a:schemeClr val="tx1"/>
+              </a:solidFill>
+            </a:endParaRPr>
+          </a:p>
+        </p:txBody>
+      </p:sp>
+      <p:sp>
+        <p:nvSpPr>
+          <p:cNvPr id="116" name="Rectangle 115"/>
+          <p:cNvSpPr/>
           <p:nvPr/>
-        </p:nvCxnSpPr>
-        <p:spPr>
+        </p:nvSpPr>
+        <p:spPr bwMode="ltGray">
           <a:xfrm>
-            <a:off x="6785566" y="4194380"/>
-            <a:ext cx="0" cy="731520"/>
+            <a:off x="6891018" y="3742071"/>
+            <a:ext cx="2270358" cy="274320"/>
           </a:xfrm>
-          <a:prstGeom prst="line">
+          <a:prstGeom prst="rect">
             <a:avLst/>
           </a:prstGeom>
-          <a:ln w="12700">
+          <a:noFill/>
+          <a:ln w="38100">
             <a:solidFill>
-              <a:schemeClr val="bg2"/>
+              <a:schemeClr val="accent5"/>
             </a:solidFill>
-            <a:prstDash val="sysDot"/>
           </a:ln>
         </p:spPr>
         <p:style>
-          <a:lnRef idx="1">
-            <a:schemeClr val="accent1"/>
+          <a:lnRef idx="2">
+            <a:schemeClr val="accent1">
+              <a:shade val="50000"/>
+            </a:schemeClr>
           </a:lnRef>
-          <a:fillRef idx="0">
+          <a:fillRef idx="1">
             <a:schemeClr val="accent1"/>
           </a:fillRef>
           <a:effectRef idx="0">
             <a:schemeClr val="accent1"/>
           </a:effectRef>
           <a:fontRef idx="minor">
-            <a:schemeClr val="tx1"/>
+            <a:schemeClr val="lt1"/>
           </a:fontRef>
         </p:style>
-      </p:cxnSp>
-      <p:cxnSp>
-        <p:nvCxnSpPr>
-          <p:cNvPr id="42" name="Straight Connector 41"/>
-          <p:cNvCxnSpPr/>
+        <p:txBody>
+          <a:bodyPr rtlCol="0" anchor="ctr"/>
+          <a:lstStyle/>
+          <a:p>
+            <a:pPr algn="ctr">
+              <a:lnSpc>
+                <a:spcPct val="90000"/>
+              </a:lnSpc>
+            </a:pPr>
+            <a:endParaRPr lang="en-US" sz="1200" b="1" dirty="0" smtClean="0">
+              <a:solidFill>
+                <a:schemeClr val="tx1"/>
+              </a:solidFill>
+            </a:endParaRPr>
+          </a:p>
+        </p:txBody>
+      </p:sp>
+      <p:sp>
+        <p:nvSpPr>
+          <p:cNvPr id="117" name="Rectangle 116"/>
+          <p:cNvSpPr/>
           <p:nvPr/>
-        </p:nvCxnSpPr>
-        <p:spPr>
+        </p:nvSpPr>
+        <p:spPr bwMode="ltGray">
           <a:xfrm>
-            <a:off x="6785566" y="5202355"/>
-            <a:ext cx="0" cy="731520"/>
+            <a:off x="9309732" y="3750059"/>
+            <a:ext cx="2270358" cy="274320"/>
           </a:xfrm>
-          <a:prstGeom prst="line">
+          <a:prstGeom prst="rect">
             <a:avLst/>
           </a:prstGeom>
-          <a:ln w="12700">
+          <a:noFill/>
+          <a:ln w="38100">
             <a:solidFill>
-              <a:schemeClr val="bg2"/>
+              <a:schemeClr val="accent5"/>
             </a:solidFill>
-            <a:prstDash val="sysDot"/>
           </a:ln>
         </p:spPr>
         <p:style>
-          <a:lnRef idx="1">
-            <a:schemeClr val="accent1"/>
+          <a:lnRef idx="2">
+            <a:schemeClr val="accent1">
+              <a:shade val="50000"/>
+            </a:schemeClr>
           </a:lnRef>
-          <a:fillRef idx="0">
+          <a:fillRef idx="1">
             <a:schemeClr val="accent1"/>
           </a:fillRef>
           <a:effectRef idx="0">
             <a:schemeClr val="accent1"/>
           </a:effectRef>
           <a:fontRef idx="minor">
-            <a:schemeClr val="tx1"/>
+            <a:schemeClr val="lt1"/>
           </a:fontRef>
         </p:style>
-      </p:cxnSp>
+        <p:txBody>
+          <a:bodyPr rtlCol="0" anchor="ctr"/>
+          <a:lstStyle/>
+          <a:p>
+            <a:pPr algn="ctr">
+              <a:lnSpc>
+                <a:spcPct val="90000"/>
+              </a:lnSpc>
+            </a:pPr>
+            <a:endParaRPr lang="en-US" sz="1200" b="1" dirty="0" smtClean="0">
+              <a:solidFill>
+                <a:schemeClr val="tx1"/>
+              </a:solidFill>
+            </a:endParaRPr>
+          </a:p>
+        </p:txBody>
+      </p:sp>
       <p:sp>
         <p:nvSpPr>
-          <p:cNvPr id="43" name="Rectangle 42"/>
+          <p:cNvPr id="118" name="Rectangle 117"/>
+          <p:cNvSpPr/>
+          <p:nvPr/>
+        </p:nvSpPr>
+        <p:spPr bwMode="ltGray">
+          <a:xfrm>
+            <a:off x="4488571" y="3738664"/>
+            <a:ext cx="2270358" cy="274320"/>
+          </a:xfrm>
+          <a:prstGeom prst="rect">
+            <a:avLst/>
+          </a:prstGeom>
+          <a:noFill/>
+          <a:ln w="38100">
+            <a:solidFill>
+              <a:schemeClr val="accent5"/>
+            </a:solidFill>
+          </a:ln>
+        </p:spPr>
+        <p:style>
+          <a:lnRef idx="2">
+            <a:schemeClr val="accent1">
+              <a:shade val="50000"/>
+            </a:schemeClr>
+          </a:lnRef>
+          <a:fillRef idx="1">
+            <a:schemeClr val="accent1"/>
+          </a:fillRef>
+          <a:effectRef idx="0">
+            <a:schemeClr val="accent1"/>
+          </a:effectRef>
+          <a:fontRef idx="minor">
+            <a:schemeClr val="lt1"/>
+          </a:fontRef>
+        </p:style>
+        <p:txBody>
+          <a:bodyPr rtlCol="0" anchor="ctr"/>
+          <a:lstStyle/>
+          <a:p>
+            <a:pPr algn="ctr">
+              <a:lnSpc>
+                <a:spcPct val="90000"/>
+              </a:lnSpc>
+            </a:pPr>
+            <a:endParaRPr lang="en-US" sz="1200" b="1" dirty="0" smtClean="0">
+              <a:solidFill>
+                <a:schemeClr val="tx1"/>
+              </a:solidFill>
+            </a:endParaRPr>
+          </a:p>
+        </p:txBody>
+      </p:sp>
+      <p:sp>
+        <p:nvSpPr>
+          <p:cNvPr id="119" name="Rectangle 118"/>
+          <p:cNvSpPr/>
+          <p:nvPr/>
+        </p:nvSpPr>
+        <p:spPr bwMode="ltGray">
+          <a:xfrm>
+            <a:off x="612456" y="1381644"/>
+            <a:ext cx="3108960" cy="457200"/>
+          </a:xfrm>
+          <a:prstGeom prst="rect">
+            <a:avLst/>
+          </a:prstGeom>
+          <a:noFill/>
+          <a:ln w="38100">
+            <a:solidFill>
+              <a:schemeClr val="accent1"/>
+            </a:solidFill>
+          </a:ln>
+        </p:spPr>
+        <p:style>
+          <a:lnRef idx="2">
+            <a:schemeClr val="accent1">
+              <a:shade val="50000"/>
+            </a:schemeClr>
+          </a:lnRef>
+          <a:fillRef idx="1">
+            <a:schemeClr val="accent1"/>
+          </a:fillRef>
+          <a:effectRef idx="0">
+            <a:schemeClr val="accent1"/>
+          </a:effectRef>
+          <a:fontRef idx="minor">
+            <a:schemeClr val="lt1"/>
+          </a:fontRef>
+        </p:style>
+        <p:txBody>
+          <a:bodyPr rtlCol="0" anchor="ctr"/>
+          <a:lstStyle/>
+          <a:p>
+            <a:pPr algn="ctr">
+              <a:lnSpc>
+                <a:spcPct val="90000"/>
+              </a:lnSpc>
+            </a:pPr>
+            <a:r>
+              <a:rPr lang="en-US" sz="1600" b="1" dirty="0" smtClean="0">
+                <a:solidFill>
+                  <a:schemeClr val="tx1"/>
+                </a:solidFill>
+              </a:rPr>
+              <a:t>Briefing Volume by Industry</a:t>
+            </a:r>
+          </a:p>
+        </p:txBody>
+      </p:sp>
+      <p:sp>
+        <p:nvSpPr>
+          <p:cNvPr id="69" name="Rectangle 68"/>
           <p:cNvSpPr/>
           <p:nvPr/>
         </p:nvSpPr>
         <p:spPr>
           <a:xfrm>
-            <a:off x="6813271" y="1130156"/>
-            <a:ext cx="759054" cy="322262"/>
+            <a:off x="8149628" y="3373355"/>
+            <a:ext cx="990042" cy="229371"/>
           </a:xfrm>
           <a:prstGeom prst="rect">
             <a:avLst/>
           </a:prstGeom>
         </p:spPr>
         <p:txBody>
-          <a:bodyPr wrap="square" numCol="1" anchor="ctr">
-            <a:noAutofit/>
+          <a:bodyPr wrap="none" anchor="ctr" anchorCtr="0">
+            <a:normAutofit lnSpcReduction="10000"/>
           </a:bodyPr>
           <a:lstStyle/>
           <a:p>
-            <a:r>
-              <a:rPr lang="en-US" sz="900" dirty="0"/>
-              <a:t>Briefings by center</a:t>
-            </a:r>
-            <a:endParaRPr lang="en-US" sz="800" dirty="0"/>
+            <a:pPr algn="ctr"/>
+            <a:r>
+              <a:rPr lang="en-US" sz="1000" dirty="0"/>
+              <a:t>1</a:t>
+            </a:r>
+            <a:r>
+              <a:rPr lang="en-US" sz="1000" dirty="0" smtClean="0"/>
+              <a:t>-interest-2</a:t>
+            </a:r>
+            <a:endParaRPr lang="en-GB" sz="800" dirty="0"/>
           </a:p>
         </p:txBody>
       </p:sp>
       <p:sp>
         <p:nvSpPr>
-          <p:cNvPr id="44" name="Rectangle 43"/>
-          <p:cNvSpPr/>
-          <p:nvPr/>
-        </p:nvSpPr>
-        <p:spPr>
-          <a:xfrm>
-            <a:off x="6813271" y="2147775"/>
-            <a:ext cx="759054" cy="322262"/>
-          </a:xfrm>
-          <a:prstGeom prst="rect">
-            <a:avLst/>
-          </a:prstGeom>
-        </p:spPr>
-        <p:txBody>
-          <a:bodyPr wrap="square" numCol="1" anchor="ctr">
-            <a:noAutofit/>
-          </a:bodyPr>
-          <a:lstStyle/>
-          <a:p>
-            <a:r>
-              <a:rPr lang="en-US" sz="900" dirty="0"/>
-              <a:t>Briefings by center</a:t>
-            </a:r>
-            <a:endParaRPr lang="en-US" sz="800" dirty="0"/>
-          </a:p>
-        </p:txBody>
-      </p:sp>
-      <p:sp>
-        <p:nvSpPr>
-          <p:cNvPr id="45" name="Rectangle 44"/>
-          <p:cNvSpPr/>
-          <p:nvPr/>
-        </p:nvSpPr>
-        <p:spPr>
-          <a:xfrm>
-            <a:off x="6813271" y="3168888"/>
-            <a:ext cx="759054" cy="322262"/>
-          </a:xfrm>
-          <a:prstGeom prst="rect">
-            <a:avLst/>
-          </a:prstGeom>
-        </p:spPr>
-        <p:txBody>
-          <a:bodyPr wrap="square" numCol="1" anchor="ctr">
-            <a:noAutofit/>
-          </a:bodyPr>
-          <a:lstStyle/>
-          <a:p>
-            <a:r>
-              <a:rPr lang="en-US" sz="900" dirty="0"/>
-              <a:t>Briefings by center</a:t>
-            </a:r>
-            <a:endParaRPr lang="en-US" sz="800" dirty="0"/>
-          </a:p>
-        </p:txBody>
-      </p:sp>
-      <p:sp>
-        <p:nvSpPr>
-          <p:cNvPr id="46" name="Rectangle 45"/>
-          <p:cNvSpPr/>
-          <p:nvPr/>
-        </p:nvSpPr>
-        <p:spPr>
-          <a:xfrm>
-            <a:off x="6813271" y="4186507"/>
-            <a:ext cx="759054" cy="322262"/>
-          </a:xfrm>
-          <a:prstGeom prst="rect">
-            <a:avLst/>
-          </a:prstGeom>
-        </p:spPr>
-        <p:txBody>
-          <a:bodyPr wrap="square" numCol="1" anchor="ctr">
-            <a:noAutofit/>
-          </a:bodyPr>
-          <a:lstStyle/>
-          <a:p>
-            <a:r>
-              <a:rPr lang="en-US" sz="900" dirty="0"/>
-              <a:t>Briefings by center</a:t>
-            </a:r>
-            <a:endParaRPr lang="en-US" sz="800" dirty="0"/>
-          </a:p>
-        </p:txBody>
-      </p:sp>
-      <p:sp>
-        <p:nvSpPr>
-          <p:cNvPr id="47" name="Rectangle 46"/>
-          <p:cNvSpPr/>
-          <p:nvPr/>
-        </p:nvSpPr>
-        <p:spPr>
-          <a:xfrm>
-            <a:off x="6813271" y="5193202"/>
-            <a:ext cx="759054" cy="322262"/>
-          </a:xfrm>
-          <a:prstGeom prst="rect">
-            <a:avLst/>
-          </a:prstGeom>
-        </p:spPr>
-        <p:txBody>
-          <a:bodyPr wrap="square" numCol="1" anchor="ctr">
-            <a:noAutofit/>
-          </a:bodyPr>
-          <a:lstStyle/>
-          <a:p>
-            <a:r>
-              <a:rPr lang="en-US" sz="900" dirty="0"/>
-              <a:t>Briefings by center</a:t>
-            </a:r>
-            <a:endParaRPr lang="en-US" sz="800" dirty="0"/>
-          </a:p>
-        </p:txBody>
-      </p:sp>
-      <p:cxnSp>
-        <p:nvCxnSpPr>
-          <p:cNvPr id="48" name="Straight Connector 47"/>
-          <p:cNvCxnSpPr/>
-          <p:nvPr/>
-        </p:nvCxnSpPr>
-        <p:spPr>
-          <a:xfrm>
-            <a:off x="9769312" y="1170459"/>
-            <a:ext cx="0" cy="731520"/>
-          </a:xfrm>
-          <a:prstGeom prst="line">
-            <a:avLst/>
-          </a:prstGeom>
-          <a:ln w="12700">
-            <a:solidFill>
-              <a:schemeClr val="bg2"/>
-            </a:solidFill>
-            <a:prstDash val="sysDot"/>
-          </a:ln>
-        </p:spPr>
-        <p:style>
-          <a:lnRef idx="1">
-            <a:schemeClr val="accent1"/>
-          </a:lnRef>
-          <a:fillRef idx="0">
-            <a:schemeClr val="accent1"/>
-          </a:fillRef>
-          <a:effectRef idx="0">
-            <a:schemeClr val="accent1"/>
-          </a:effectRef>
-          <a:fontRef idx="minor">
-            <a:schemeClr val="tx1"/>
-          </a:fontRef>
-        </p:style>
-      </p:cxnSp>
-      <p:cxnSp>
-        <p:nvCxnSpPr>
-          <p:cNvPr id="49" name="Straight Connector 48"/>
-          <p:cNvCxnSpPr/>
-          <p:nvPr/>
-        </p:nvCxnSpPr>
-        <p:spPr>
-          <a:xfrm>
-            <a:off x="9769312" y="2178433"/>
-            <a:ext cx="0" cy="731520"/>
-          </a:xfrm>
-          <a:prstGeom prst="line">
-            <a:avLst/>
-          </a:prstGeom>
-          <a:ln w="12700">
-            <a:solidFill>
-              <a:schemeClr val="bg2"/>
-            </a:solidFill>
-            <a:prstDash val="sysDot"/>
-          </a:ln>
-        </p:spPr>
-        <p:style>
-          <a:lnRef idx="1">
-            <a:schemeClr val="accent1"/>
-          </a:lnRef>
-          <a:fillRef idx="0">
-            <a:schemeClr val="accent1"/>
-          </a:fillRef>
-          <a:effectRef idx="0">
-            <a:schemeClr val="accent1"/>
-          </a:effectRef>
-          <a:fontRef idx="minor">
-            <a:schemeClr val="tx1"/>
-          </a:fontRef>
-        </p:style>
-      </p:cxnSp>
-      <p:cxnSp>
-        <p:nvCxnSpPr>
-          <p:cNvPr id="50" name="Straight Connector 49"/>
-          <p:cNvCxnSpPr/>
-          <p:nvPr/>
-        </p:nvCxnSpPr>
-        <p:spPr>
-          <a:xfrm>
-            <a:off x="9769312" y="3186406"/>
-            <a:ext cx="0" cy="731520"/>
-          </a:xfrm>
-          <a:prstGeom prst="line">
-            <a:avLst/>
-          </a:prstGeom>
-          <a:ln w="12700">
-            <a:solidFill>
-              <a:schemeClr val="bg2"/>
-            </a:solidFill>
-            <a:prstDash val="sysDot"/>
-          </a:ln>
-        </p:spPr>
-        <p:style>
-          <a:lnRef idx="1">
-            <a:schemeClr val="accent1"/>
-          </a:lnRef>
-          <a:fillRef idx="0">
-            <a:schemeClr val="accent1"/>
-          </a:fillRef>
-          <a:effectRef idx="0">
-            <a:schemeClr val="accent1"/>
-          </a:effectRef>
-          <a:fontRef idx="minor">
-            <a:schemeClr val="tx1"/>
-          </a:fontRef>
-        </p:style>
-      </p:cxnSp>
-      <p:cxnSp>
-        <p:nvCxnSpPr>
-          <p:cNvPr id="51" name="Straight Connector 50"/>
-          <p:cNvCxnSpPr/>
-          <p:nvPr/>
-        </p:nvCxnSpPr>
-        <p:spPr>
-          <a:xfrm>
-            <a:off x="9769312" y="4194380"/>
-            <a:ext cx="0" cy="731520"/>
-          </a:xfrm>
-          <a:prstGeom prst="line">
-            <a:avLst/>
-          </a:prstGeom>
-          <a:ln w="12700">
-            <a:solidFill>
-              <a:schemeClr val="bg2"/>
-            </a:solidFill>
-            <a:prstDash val="sysDot"/>
-          </a:ln>
-        </p:spPr>
-        <p:style>
-          <a:lnRef idx="1">
-            <a:schemeClr val="accent1"/>
-          </a:lnRef>
-          <a:fillRef idx="0">
-            <a:schemeClr val="accent1"/>
-          </a:fillRef>
-          <a:effectRef idx="0">
-            <a:schemeClr val="accent1"/>
-          </a:effectRef>
-          <a:fontRef idx="minor">
-            <a:schemeClr val="tx1"/>
-          </a:fontRef>
-        </p:style>
-      </p:cxnSp>
-      <p:cxnSp>
-        <p:nvCxnSpPr>
-          <p:cNvPr id="52" name="Straight Connector 51"/>
-          <p:cNvCxnSpPr/>
-          <p:nvPr/>
-        </p:nvCxnSpPr>
-        <p:spPr>
-          <a:xfrm>
-            <a:off x="9769312" y="5202355"/>
-            <a:ext cx="0" cy="731520"/>
-          </a:xfrm>
-          <a:prstGeom prst="line">
-            <a:avLst/>
-          </a:prstGeom>
-          <a:ln w="12700">
-            <a:solidFill>
-              <a:schemeClr val="bg2"/>
-            </a:solidFill>
-            <a:prstDash val="sysDot"/>
-          </a:ln>
-        </p:spPr>
-        <p:style>
-          <a:lnRef idx="1">
-            <a:schemeClr val="accent1"/>
-          </a:lnRef>
-          <a:fillRef idx="0">
-            <a:schemeClr val="accent1"/>
-          </a:fillRef>
-          <a:effectRef idx="0">
-            <a:schemeClr val="accent1"/>
-          </a:effectRef>
-          <a:fontRef idx="minor">
-            <a:schemeClr val="tx1"/>
-          </a:fontRef>
-        </p:style>
-      </p:cxnSp>
-      <p:sp>
-        <p:nvSpPr>
-          <p:cNvPr id="4" name="TextBox 3"/>
+          <p:cNvPr id="71" name="TextBox 70"/>
           <p:cNvSpPr txBox="1"/>
           <p:nvPr/>
         </p:nvSpPr>
         <p:spPr>
           <a:xfrm>
-            <a:off x="5242387" y="1277687"/>
-            <a:ext cx="1459132" cy="558614"/>
+            <a:off x="8149628" y="2129614"/>
+            <a:ext cx="990041" cy="236514"/>
           </a:xfrm>
           <a:prstGeom prst="rect">
             <a:avLst/>
@@ -44539,7 +44901,501 @@
           <a:noFill/>
         </p:spPr>
         <p:txBody>
-          <a:bodyPr wrap="square" lIns="0" tIns="0" rIns="0" bIns="0" rtlCol="0">
+          <a:bodyPr wrap="none" lIns="0" tIns="0" rIns="0" bIns="0" rtlCol="0" anchor="ctr" anchorCtr="0">
+            <a:normAutofit/>
+          </a:bodyPr>
+          <a:lstStyle/>
+          <a:p>
+            <a:pPr algn="ctr">
+              <a:lnSpc>
+                <a:spcPct val="90000"/>
+              </a:lnSpc>
+            </a:pPr>
+            <a:r>
+              <a:rPr lang="en-US" sz="1000" dirty="0" smtClean="0"/>
+              <a:t>1-interest-0</a:t>
+            </a:r>
+            <a:endParaRPr lang="en-US" sz="1000" dirty="0"/>
+          </a:p>
+        </p:txBody>
+      </p:sp>
+      <p:sp>
+        <p:nvSpPr>
+          <p:cNvPr id="79" name="TextBox 78"/>
+          <p:cNvSpPr txBox="1"/>
+          <p:nvPr/>
+        </p:nvSpPr>
+        <p:spPr>
+          <a:xfrm>
+            <a:off x="8149628" y="2766831"/>
+            <a:ext cx="990041" cy="214771"/>
+          </a:xfrm>
+          <a:prstGeom prst="rect">
+            <a:avLst/>
+          </a:prstGeom>
+          <a:noFill/>
+        </p:spPr>
+        <p:txBody>
+          <a:bodyPr wrap="none" lIns="0" tIns="0" rIns="0" bIns="0" rtlCol="0" anchor="ctr" anchorCtr="0">
+            <a:normAutofit/>
+          </a:bodyPr>
+          <a:lstStyle/>
+          <a:p>
+            <a:pPr algn="ctr">
+              <a:lnSpc>
+                <a:spcPct val="90000"/>
+              </a:lnSpc>
+            </a:pPr>
+            <a:r>
+              <a:rPr lang="en-US" sz="1000" dirty="0" smtClean="0"/>
+              <a:t>1-interest-1</a:t>
+            </a:r>
+            <a:endParaRPr lang="en-US" sz="1000" dirty="0"/>
+          </a:p>
+        </p:txBody>
+      </p:sp>
+      <p:sp>
+        <p:nvSpPr>
+          <p:cNvPr id="80" name="Rectangle 79"/>
+          <p:cNvSpPr/>
+          <p:nvPr/>
+        </p:nvSpPr>
+        <p:spPr>
+          <a:xfrm>
+            <a:off x="10573782" y="3382305"/>
+            <a:ext cx="976802" cy="220421"/>
+          </a:xfrm>
+          <a:prstGeom prst="rect">
+            <a:avLst/>
+          </a:prstGeom>
+        </p:spPr>
+        <p:txBody>
+          <a:bodyPr wrap="none" anchor="ctr" anchorCtr="0">
+            <a:normAutofit fontScale="92500" lnSpcReduction="10000"/>
+          </a:bodyPr>
+          <a:lstStyle/>
+          <a:p>
+            <a:pPr algn="ctr"/>
+            <a:r>
+              <a:rPr lang="en-US" sz="1000" dirty="0" smtClean="0"/>
+              <a:t>2-interest-2</a:t>
+            </a:r>
+            <a:endParaRPr lang="en-GB" sz="800" dirty="0"/>
+          </a:p>
+        </p:txBody>
+      </p:sp>
+      <p:sp>
+        <p:nvSpPr>
+          <p:cNvPr id="82" name="TextBox 81"/>
+          <p:cNvSpPr txBox="1"/>
+          <p:nvPr/>
+        </p:nvSpPr>
+        <p:spPr>
+          <a:xfrm>
+            <a:off x="10560543" y="2129614"/>
+            <a:ext cx="990041" cy="236514"/>
+          </a:xfrm>
+          <a:prstGeom prst="rect">
+            <a:avLst/>
+          </a:prstGeom>
+          <a:noFill/>
+        </p:spPr>
+        <p:txBody>
+          <a:bodyPr wrap="none" lIns="0" tIns="0" rIns="0" bIns="0" rtlCol="0" anchor="ctr" anchorCtr="0">
+            <a:normAutofit/>
+          </a:bodyPr>
+          <a:lstStyle/>
+          <a:p>
+            <a:pPr algn="ctr">
+              <a:lnSpc>
+                <a:spcPct val="90000"/>
+              </a:lnSpc>
+            </a:pPr>
+            <a:r>
+              <a:rPr lang="en-US" sz="1000" dirty="0"/>
+              <a:t>2</a:t>
+            </a:r>
+            <a:r>
+              <a:rPr lang="en-US" sz="1000" dirty="0" smtClean="0"/>
+              <a:t>-interest-0</a:t>
+            </a:r>
+            <a:endParaRPr lang="en-US" sz="1000" dirty="0"/>
+          </a:p>
+        </p:txBody>
+      </p:sp>
+      <p:sp>
+        <p:nvSpPr>
+          <p:cNvPr id="83" name="TextBox 82"/>
+          <p:cNvSpPr txBox="1"/>
+          <p:nvPr/>
+        </p:nvSpPr>
+        <p:spPr>
+          <a:xfrm>
+            <a:off x="10560543" y="2766831"/>
+            <a:ext cx="990041" cy="214771"/>
+          </a:xfrm>
+          <a:prstGeom prst="rect">
+            <a:avLst/>
+          </a:prstGeom>
+          <a:noFill/>
+        </p:spPr>
+        <p:txBody>
+          <a:bodyPr wrap="none" lIns="0" tIns="0" rIns="0" bIns="0" rtlCol="0" anchor="ctr" anchorCtr="0">
+            <a:normAutofit/>
+          </a:bodyPr>
+          <a:lstStyle/>
+          <a:p>
+            <a:pPr algn="ctr">
+              <a:lnSpc>
+                <a:spcPct val="90000"/>
+              </a:lnSpc>
+            </a:pPr>
+            <a:r>
+              <a:rPr lang="en-US" sz="1000" dirty="0"/>
+              <a:t>2</a:t>
+            </a:r>
+            <a:r>
+              <a:rPr lang="en-US" sz="1000" dirty="0" smtClean="0"/>
+              <a:t>-interest-1</a:t>
+            </a:r>
+            <a:endParaRPr lang="en-US" sz="1000" dirty="0"/>
+          </a:p>
+        </p:txBody>
+      </p:sp>
+      <p:sp>
+        <p:nvSpPr>
+          <p:cNvPr id="89" name="Rectangle 88"/>
+          <p:cNvSpPr/>
+          <p:nvPr/>
+        </p:nvSpPr>
+        <p:spPr>
+          <a:xfrm>
+            <a:off x="5768263" y="6070237"/>
+            <a:ext cx="990041" cy="217151"/>
+          </a:xfrm>
+          <a:prstGeom prst="rect">
+            <a:avLst/>
+          </a:prstGeom>
+        </p:spPr>
+        <p:txBody>
+          <a:bodyPr wrap="none" anchor="ctr" anchorCtr="0">
+            <a:normAutofit fontScale="92500" lnSpcReduction="10000"/>
+          </a:bodyPr>
+          <a:lstStyle/>
+          <a:p>
+            <a:pPr algn="ctr"/>
+            <a:r>
+              <a:rPr lang="en-US" sz="1000" dirty="0"/>
+              <a:t>3</a:t>
+            </a:r>
+            <a:r>
+              <a:rPr lang="en-US" sz="1000" dirty="0" smtClean="0"/>
+              <a:t>-interest-2</a:t>
+            </a:r>
+            <a:endParaRPr lang="en-GB" sz="800" dirty="0"/>
+          </a:p>
+        </p:txBody>
+      </p:sp>
+      <p:sp>
+        <p:nvSpPr>
+          <p:cNvPr id="92" name="TextBox 91"/>
+          <p:cNvSpPr txBox="1"/>
+          <p:nvPr/>
+        </p:nvSpPr>
+        <p:spPr>
+          <a:xfrm>
+            <a:off x="5768263" y="4814178"/>
+            <a:ext cx="990041" cy="236514"/>
+          </a:xfrm>
+          <a:prstGeom prst="rect">
+            <a:avLst/>
+          </a:prstGeom>
+          <a:noFill/>
+        </p:spPr>
+        <p:txBody>
+          <a:bodyPr wrap="none" lIns="0" tIns="0" rIns="0" bIns="0" rtlCol="0" anchor="ctr" anchorCtr="0">
+            <a:normAutofit/>
+          </a:bodyPr>
+          <a:lstStyle/>
+          <a:p>
+            <a:pPr algn="ctr">
+              <a:lnSpc>
+                <a:spcPct val="90000"/>
+              </a:lnSpc>
+            </a:pPr>
+            <a:r>
+              <a:rPr lang="en-US" sz="1000" dirty="0"/>
+              <a:t>3</a:t>
+            </a:r>
+            <a:r>
+              <a:rPr lang="en-US" sz="1000" dirty="0" smtClean="0"/>
+              <a:t>-interest-0</a:t>
+            </a:r>
+            <a:endParaRPr lang="en-US" sz="1000" dirty="0"/>
+          </a:p>
+        </p:txBody>
+      </p:sp>
+      <p:sp>
+        <p:nvSpPr>
+          <p:cNvPr id="94" name="TextBox 93"/>
+          <p:cNvSpPr txBox="1"/>
+          <p:nvPr/>
+        </p:nvSpPr>
+        <p:spPr>
+          <a:xfrm>
+            <a:off x="5768263" y="5451395"/>
+            <a:ext cx="990041" cy="214771"/>
+          </a:xfrm>
+          <a:prstGeom prst="rect">
+            <a:avLst/>
+          </a:prstGeom>
+          <a:noFill/>
+        </p:spPr>
+        <p:txBody>
+          <a:bodyPr wrap="none" lIns="0" tIns="0" rIns="0" bIns="0" rtlCol="0" anchor="ctr" anchorCtr="0">
+            <a:normAutofit/>
+          </a:bodyPr>
+          <a:lstStyle/>
+          <a:p>
+            <a:pPr algn="ctr">
+              <a:lnSpc>
+                <a:spcPct val="90000"/>
+              </a:lnSpc>
+            </a:pPr>
+            <a:r>
+              <a:rPr lang="en-US" sz="1000" dirty="0"/>
+              <a:t>3</a:t>
+            </a:r>
+            <a:r>
+              <a:rPr lang="en-US" sz="1000" dirty="0" smtClean="0"/>
+              <a:t>-interest-1</a:t>
+            </a:r>
+            <a:endParaRPr lang="en-US" sz="1000" dirty="0"/>
+          </a:p>
+        </p:txBody>
+      </p:sp>
+      <p:sp>
+        <p:nvSpPr>
+          <p:cNvPr id="102" name="Rectangle 101"/>
+          <p:cNvSpPr/>
+          <p:nvPr/>
+        </p:nvSpPr>
+        <p:spPr>
+          <a:xfrm>
+            <a:off x="8170710" y="6070237"/>
+            <a:ext cx="968959" cy="222583"/>
+          </a:xfrm>
+          <a:prstGeom prst="rect">
+            <a:avLst/>
+          </a:prstGeom>
+        </p:spPr>
+        <p:txBody>
+          <a:bodyPr wrap="none" anchor="ctr" anchorCtr="0">
+            <a:normAutofit fontScale="92500" lnSpcReduction="10000"/>
+          </a:bodyPr>
+          <a:lstStyle/>
+          <a:p>
+            <a:pPr algn="ctr"/>
+            <a:r>
+              <a:rPr lang="en-US" sz="1000" dirty="0" smtClean="0"/>
+              <a:t>4-interest-2</a:t>
+            </a:r>
+            <a:endParaRPr lang="en-GB" sz="800" dirty="0"/>
+          </a:p>
+        </p:txBody>
+      </p:sp>
+      <p:sp>
+        <p:nvSpPr>
+          <p:cNvPr id="104" name="TextBox 103"/>
+          <p:cNvSpPr txBox="1"/>
+          <p:nvPr/>
+        </p:nvSpPr>
+        <p:spPr>
+          <a:xfrm>
+            <a:off x="8149628" y="4814178"/>
+            <a:ext cx="990041" cy="236514"/>
+          </a:xfrm>
+          <a:prstGeom prst="rect">
+            <a:avLst/>
+          </a:prstGeom>
+          <a:noFill/>
+        </p:spPr>
+        <p:txBody>
+          <a:bodyPr wrap="none" lIns="0" tIns="0" rIns="0" bIns="0" rtlCol="0" anchor="ctr" anchorCtr="0">
+            <a:normAutofit/>
+          </a:bodyPr>
+          <a:lstStyle/>
+          <a:p>
+            <a:pPr algn="ctr">
+              <a:lnSpc>
+                <a:spcPct val="90000"/>
+              </a:lnSpc>
+            </a:pPr>
+            <a:r>
+              <a:rPr lang="en-US" sz="1000" dirty="0" smtClean="0"/>
+              <a:t>4-interest-0</a:t>
+            </a:r>
+            <a:endParaRPr lang="en-US" sz="1000" dirty="0"/>
+          </a:p>
+        </p:txBody>
+      </p:sp>
+      <p:sp>
+        <p:nvSpPr>
+          <p:cNvPr id="112" name="TextBox 111"/>
+          <p:cNvSpPr txBox="1"/>
+          <p:nvPr/>
+        </p:nvSpPr>
+        <p:spPr>
+          <a:xfrm>
+            <a:off x="8149628" y="5451395"/>
+            <a:ext cx="990041" cy="214771"/>
+          </a:xfrm>
+          <a:prstGeom prst="rect">
+            <a:avLst/>
+          </a:prstGeom>
+          <a:noFill/>
+        </p:spPr>
+        <p:txBody>
+          <a:bodyPr wrap="none" lIns="0" tIns="0" rIns="0" bIns="0" rtlCol="0" anchor="ctr" anchorCtr="0">
+            <a:normAutofit/>
+          </a:bodyPr>
+          <a:lstStyle/>
+          <a:p>
+            <a:pPr algn="ctr">
+              <a:lnSpc>
+                <a:spcPct val="90000"/>
+              </a:lnSpc>
+            </a:pPr>
+            <a:r>
+              <a:rPr lang="en-US" sz="1000" dirty="0" smtClean="0"/>
+              <a:t>4-interest-1</a:t>
+            </a:r>
+            <a:endParaRPr lang="en-US" sz="1000" dirty="0"/>
+          </a:p>
+        </p:txBody>
+      </p:sp>
+      <p:sp>
+        <p:nvSpPr>
+          <p:cNvPr id="113" name="Rectangle 112"/>
+          <p:cNvSpPr/>
+          <p:nvPr/>
+        </p:nvSpPr>
+        <p:spPr>
+          <a:xfrm>
+            <a:off x="10560543" y="6066869"/>
+            <a:ext cx="976802" cy="225951"/>
+          </a:xfrm>
+          <a:prstGeom prst="rect">
+            <a:avLst/>
+          </a:prstGeom>
+        </p:spPr>
+        <p:txBody>
+          <a:bodyPr wrap="none" anchor="ctr" anchorCtr="0">
+            <a:normAutofit fontScale="92500" lnSpcReduction="10000"/>
+          </a:bodyPr>
+          <a:lstStyle/>
+          <a:p>
+            <a:pPr algn="ctr"/>
+            <a:r>
+              <a:rPr lang="en-US" sz="1000" dirty="0"/>
+              <a:t>5</a:t>
+            </a:r>
+            <a:r>
+              <a:rPr lang="en-US" sz="1000" dirty="0" smtClean="0"/>
+              <a:t>-interest-2</a:t>
+            </a:r>
+            <a:endParaRPr lang="en-GB" sz="800" dirty="0"/>
+          </a:p>
+        </p:txBody>
+      </p:sp>
+      <p:sp>
+        <p:nvSpPr>
+          <p:cNvPr id="120" name="TextBox 119"/>
+          <p:cNvSpPr txBox="1"/>
+          <p:nvPr/>
+        </p:nvSpPr>
+        <p:spPr>
+          <a:xfrm>
+            <a:off x="10560543" y="4814178"/>
+            <a:ext cx="990041" cy="236514"/>
+          </a:xfrm>
+          <a:prstGeom prst="rect">
+            <a:avLst/>
+          </a:prstGeom>
+          <a:noFill/>
+        </p:spPr>
+        <p:txBody>
+          <a:bodyPr wrap="none" lIns="0" tIns="0" rIns="0" bIns="0" rtlCol="0" anchor="ctr" anchorCtr="0">
+            <a:normAutofit/>
+          </a:bodyPr>
+          <a:lstStyle/>
+          <a:p>
+            <a:pPr algn="ctr">
+              <a:lnSpc>
+                <a:spcPct val="90000"/>
+              </a:lnSpc>
+            </a:pPr>
+            <a:r>
+              <a:rPr lang="en-US" sz="1000" dirty="0" smtClean="0"/>
+              <a:t>5-interest-0</a:t>
+            </a:r>
+            <a:endParaRPr lang="en-US" sz="1000" dirty="0"/>
+          </a:p>
+        </p:txBody>
+      </p:sp>
+      <p:sp>
+        <p:nvSpPr>
+          <p:cNvPr id="121" name="TextBox 120"/>
+          <p:cNvSpPr txBox="1"/>
+          <p:nvPr/>
+        </p:nvSpPr>
+        <p:spPr>
+          <a:xfrm>
+            <a:off x="10560543" y="5451395"/>
+            <a:ext cx="990041" cy="214771"/>
+          </a:xfrm>
+          <a:prstGeom prst="rect">
+            <a:avLst/>
+          </a:prstGeom>
+          <a:noFill/>
+        </p:spPr>
+        <p:txBody>
+          <a:bodyPr wrap="none" lIns="0" tIns="0" rIns="0" bIns="0" rtlCol="0" anchor="ctr" anchorCtr="0">
+            <a:normAutofit/>
+          </a:bodyPr>
+          <a:lstStyle/>
+          <a:p>
+            <a:pPr algn="ctr">
+              <a:lnSpc>
+                <a:spcPct val="90000"/>
+              </a:lnSpc>
+            </a:pPr>
+            <a:r>
+              <a:rPr lang="en-US" sz="1000" dirty="0" smtClean="0"/>
+              <a:t>5-interest-1</a:t>
+            </a:r>
+            <a:endParaRPr lang="en-US" sz="1000" dirty="0"/>
+          </a:p>
+        </p:txBody>
+      </p:sp>
+      <p:sp>
+        <p:nvSpPr>
+          <p:cNvPr id="7" name="TextBox 6"/>
+          <p:cNvSpPr txBox="1"/>
+          <p:nvPr/>
+        </p:nvSpPr>
+        <p:spPr>
+          <a:xfrm>
+            <a:off x="4488571" y="1047360"/>
+            <a:ext cx="2269733" cy="255198"/>
+          </a:xfrm>
+          <a:prstGeom prst="rect">
+            <a:avLst/>
+          </a:prstGeom>
+          <a:noFill/>
+        </p:spPr>
+        <p:txBody>
+          <a:bodyPr wrap="none" lIns="0" tIns="0" rIns="0" bIns="0" rtlCol="0" anchor="ctr">
             <a:noAutofit/>
           </a:bodyPr>
           <a:lstStyle/>
@@ -44559,14 +45415,14 @@
       </p:sp>
       <p:sp>
         <p:nvSpPr>
-          <p:cNvPr id="38" name="TextBox 37"/>
+          <p:cNvPr id="122" name="TextBox 121"/>
           <p:cNvSpPr txBox="1"/>
           <p:nvPr/>
         </p:nvSpPr>
         <p:spPr>
           <a:xfrm>
-            <a:off x="5253419" y="2301720"/>
-            <a:ext cx="1459131" cy="530696"/>
+            <a:off x="6890393" y="1047360"/>
+            <a:ext cx="2269733" cy="255198"/>
           </a:xfrm>
           <a:prstGeom prst="rect">
             <a:avLst/>
@@ -44574,7 +45430,7 @@
           <a:noFill/>
         </p:spPr>
         <p:txBody>
-          <a:bodyPr wrap="square" lIns="0" tIns="0" rIns="0" bIns="0" rtlCol="0">
+          <a:bodyPr wrap="none" lIns="0" tIns="0" rIns="0" bIns="0" rtlCol="0" anchor="ctr">
             <a:noAutofit/>
           </a:bodyPr>
           <a:lstStyle/>
@@ -44594,14 +45450,14 @@
       </p:sp>
       <p:sp>
         <p:nvSpPr>
-          <p:cNvPr id="53" name="TextBox 52"/>
+          <p:cNvPr id="123" name="TextBox 122"/>
           <p:cNvSpPr txBox="1"/>
           <p:nvPr/>
         </p:nvSpPr>
         <p:spPr>
           <a:xfrm>
-            <a:off x="5242387" y="3230686"/>
-            <a:ext cx="1459132" cy="592234"/>
+            <a:off x="9303740" y="1047360"/>
+            <a:ext cx="2269733" cy="255198"/>
           </a:xfrm>
           <a:prstGeom prst="rect">
             <a:avLst/>
@@ -44609,7 +45465,7 @@
           <a:noFill/>
         </p:spPr>
         <p:txBody>
-          <a:bodyPr wrap="square" lIns="0" tIns="0" rIns="0" bIns="0" rtlCol="0">
+          <a:bodyPr wrap="none" lIns="0" tIns="0" rIns="0" bIns="0" rtlCol="0" anchor="ctr">
             <a:noAutofit/>
           </a:bodyPr>
           <a:lstStyle/>
@@ -44629,14 +45485,14 @@
       </p:sp>
       <p:sp>
         <p:nvSpPr>
-          <p:cNvPr id="54" name="TextBox 53"/>
+          <p:cNvPr id="124" name="TextBox 123"/>
           <p:cNvSpPr txBox="1"/>
           <p:nvPr/>
         </p:nvSpPr>
         <p:spPr>
           <a:xfrm>
-            <a:off x="5242387" y="4289387"/>
-            <a:ext cx="1459132" cy="559675"/>
+            <a:off x="4488571" y="3762826"/>
+            <a:ext cx="2269733" cy="255198"/>
           </a:xfrm>
           <a:prstGeom prst="rect">
             <a:avLst/>
@@ -44644,7 +45500,7 @@
           <a:noFill/>
         </p:spPr>
         <p:txBody>
-          <a:bodyPr wrap="square" lIns="0" tIns="0" rIns="0" bIns="0" rtlCol="0">
+          <a:bodyPr wrap="none" lIns="0" tIns="0" rIns="0" bIns="0" rtlCol="0" anchor="ctr">
             <a:noAutofit/>
           </a:bodyPr>
           <a:lstStyle/>
@@ -44664,14 +45520,14 @@
       </p:sp>
       <p:sp>
         <p:nvSpPr>
-          <p:cNvPr id="55" name="TextBox 54"/>
+          <p:cNvPr id="125" name="TextBox 124"/>
           <p:cNvSpPr txBox="1"/>
           <p:nvPr/>
         </p:nvSpPr>
         <p:spPr>
           <a:xfrm>
-            <a:off x="5242387" y="5317466"/>
-            <a:ext cx="1459132" cy="554080"/>
+            <a:off x="6890392" y="3762826"/>
+            <a:ext cx="2269733" cy="255198"/>
           </a:xfrm>
           <a:prstGeom prst="rect">
             <a:avLst/>
@@ -44679,7 +45535,7 @@
           <a:noFill/>
         </p:spPr>
         <p:txBody>
-          <a:bodyPr wrap="square" lIns="0" tIns="0" rIns="0" bIns="0" rtlCol="0">
+          <a:bodyPr wrap="none" lIns="0" tIns="0" rIns="0" bIns="0" rtlCol="0" anchor="ctr">
             <a:noAutofit/>
           </a:bodyPr>
           <a:lstStyle/>
@@ -44697,10 +45553,45 @@
           </a:p>
         </p:txBody>
       </p:sp>
+      <p:sp>
+        <p:nvSpPr>
+          <p:cNvPr id="126" name="TextBox 125"/>
+          <p:cNvSpPr txBox="1"/>
+          <p:nvPr/>
+        </p:nvSpPr>
+        <p:spPr>
+          <a:xfrm>
+            <a:off x="9291588" y="3762826"/>
+            <a:ext cx="2269733" cy="255198"/>
+          </a:xfrm>
+          <a:prstGeom prst="rect">
+            <a:avLst/>
+          </a:prstGeom>
+          <a:noFill/>
+        </p:spPr>
+        <p:txBody>
+          <a:bodyPr wrap="none" lIns="0" tIns="0" rIns="0" bIns="0" rtlCol="0" anchor="ctr">
+            <a:noAutofit/>
+          </a:bodyPr>
+          <a:lstStyle/>
+          <a:p>
+            <a:pPr algn="ctr">
+              <a:lnSpc>
+                <a:spcPct val="90000"/>
+              </a:lnSpc>
+            </a:pPr>
+            <a:r>
+              <a:rPr lang="en-US" sz="1600" dirty="0" smtClean="0"/>
+              <a:t>Industry-5</a:t>
+            </a:r>
+            <a:endParaRPr lang="en-GB" sz="1600" dirty="0"/>
+          </a:p>
+        </p:txBody>
+      </p:sp>
     </p:spTree>
     <p:extLst>
       <p:ext uri="{BB962C8B-B14F-4D97-AF65-F5344CB8AC3E}">
-        <p14:creationId xmlns:p14="http://schemas.microsoft.com/office/powerpoint/2010/main" val="1123383672"/>
+        <p14:creationId xmlns:p14="http://schemas.microsoft.com/office/powerpoint/2010/main" val="4209728806"/>
       </p:ext>
     </p:extLst>
   </p:cSld>

--- a/GCA_Customer_Insights_Month-Year.pptx
+++ b/GCA_Customer_Insights_Month-Year.pptx
@@ -19,7 +19,7 @@
     <p:sldId id="291" r:id="rId7"/>
     <p:sldId id="292" r:id="rId8"/>
     <p:sldId id="293" r:id="rId9"/>
-    <p:sldId id="298" r:id="rId10"/>
+    <p:sldId id="299" r:id="rId10"/>
     <p:sldId id="297" r:id="rId11"/>
     <p:sldId id="288" r:id="rId12"/>
     <p:sldId id="264" r:id="rId13"/>
@@ -273,7 +273,7 @@
           <a:p>
             <a:fld id="{3CA61830-C416-483F-955E-54203C65B711}" type="datetimeFigureOut">
               <a:rPr lang="en-US"/>
-              <a:t>9/24/2018</a:t>
+              <a:t>9/26/2018</a:t>
             </a:fld>
             <a:endParaRPr dirty="0"/>
           </a:p>
@@ -1947,6 +1947,10 @@
           <a:bodyPr/>
           <a:lstStyle/>
           <a:p>
+            <a:r>
+              <a:rPr lang="en-US" dirty="0" smtClean="0"/>
+              <a:t>Energy and Travel &amp; Trans – add extra boxes?</a:t>
+            </a:r>
             <a:endParaRPr lang="en-US" dirty="0"/>
           </a:p>
         </p:txBody>
@@ -1978,7 +1982,7 @@
     </p:spTree>
     <p:extLst>
       <p:ext uri="{BB962C8B-B14F-4D97-AF65-F5344CB8AC3E}">
-        <p14:creationId xmlns:p14="http://schemas.microsoft.com/office/powerpoint/2010/main" val="2843772448"/>
+        <p14:creationId xmlns:p14="http://schemas.microsoft.com/office/powerpoint/2010/main" val="2016633492"/>
       </p:ext>
     </p:extLst>
   </p:cSld>
@@ -9433,7 +9437,7 @@
           <a:p>
             <a:fld id="{C07C5E14-300D-4720-B5FE-54C7D96D4160}" type="datetime4">
               <a:rPr lang="en-US" smtClean="0"/>
-              <a:t>September 24, 2018</a:t>
+              <a:t>September 26, 2018</a:t>
             </a:fld>
             <a:endParaRPr/>
           </a:p>
@@ -9769,7 +9773,7 @@
           <a:p>
             <a:fld id="{26B45FFC-9EEF-4E69-85F5-C8F54747804D}" type="datetime4">
               <a:rPr lang="en-US" smtClean="0"/>
-              <a:t>September 24, 2018</a:t>
+              <a:t>September 26, 2018</a:t>
             </a:fld>
             <a:endParaRPr/>
           </a:p>
@@ -10003,7 +10007,7 @@
           <a:p>
             <a:fld id="{684E3265-88A3-4C30-AE11-BFDF645909E9}" type="datetime4">
               <a:rPr lang="en-US" smtClean="0"/>
-              <a:t>September 24, 2018</a:t>
+              <a:t>September 26, 2018</a:t>
             </a:fld>
             <a:endParaRPr/>
           </a:p>
@@ -10114,7 +10118,7 @@
           <a:p>
             <a:fld id="{E9F763D2-AF56-4C60-80C7-7D8FC051005C}" type="datetime4">
               <a:rPr lang="en-US" smtClean="0"/>
-              <a:t>September 24, 2018</a:t>
+              <a:t>September 26, 2018</a:t>
             </a:fld>
             <a:endParaRPr/>
           </a:p>
@@ -10392,7 +10396,7 @@
           <a:p>
             <a:fld id="{65FD8143-BFA3-46F8-9B90-B0E5CFAF7F7C}" type="datetime4">
               <a:rPr lang="en-US" smtClean="0"/>
-              <a:t>September 24, 2018</a:t>
+              <a:t>September 26, 2018</a:t>
             </a:fld>
             <a:endParaRPr/>
           </a:p>
@@ -15502,63 +15506,63 @@
                 <a:gridCol w="255798">
                   <a:extLst>
                     <a:ext uri="{9D8B030D-6E8A-4147-A177-3AD203B41FA5}">
-                      <a16:colId xmlns:a16="http://schemas.microsoft.com/office/drawing/2014/main" xmlns="" val="20000"/>
+                      <a16:colId xmlns="" xmlns:a16="http://schemas.microsoft.com/office/drawing/2014/main" val="20000"/>
                     </a:ext>
                   </a:extLst>
                 </a:gridCol>
                 <a:gridCol w="1137177">
                   <a:extLst>
                     <a:ext uri="{9D8B030D-6E8A-4147-A177-3AD203B41FA5}">
-                      <a16:colId xmlns:a16="http://schemas.microsoft.com/office/drawing/2014/main" xmlns="" val="20001"/>
+                      <a16:colId xmlns="" xmlns:a16="http://schemas.microsoft.com/office/drawing/2014/main" val="20001"/>
                     </a:ext>
                   </a:extLst>
                 </a:gridCol>
                 <a:gridCol w="1072557">
                   <a:extLst>
                     <a:ext uri="{9D8B030D-6E8A-4147-A177-3AD203B41FA5}">
-                      <a16:colId xmlns:a16="http://schemas.microsoft.com/office/drawing/2014/main" xmlns="" val="20002"/>
+                      <a16:colId xmlns="" xmlns:a16="http://schemas.microsoft.com/office/drawing/2014/main" val="20002"/>
                     </a:ext>
                   </a:extLst>
                 </a:gridCol>
                 <a:gridCol w="1072557">
                   <a:extLst>
                     <a:ext uri="{9D8B030D-6E8A-4147-A177-3AD203B41FA5}">
-                      <a16:colId xmlns:a16="http://schemas.microsoft.com/office/drawing/2014/main" xmlns="" val="20003"/>
+                      <a16:colId xmlns="" xmlns:a16="http://schemas.microsoft.com/office/drawing/2014/main" val="20003"/>
                     </a:ext>
                   </a:extLst>
                 </a:gridCol>
                 <a:gridCol w="1072557">
                   <a:extLst>
                     <a:ext uri="{9D8B030D-6E8A-4147-A177-3AD203B41FA5}">
-                      <a16:colId xmlns:a16="http://schemas.microsoft.com/office/drawing/2014/main" xmlns="" val="20004"/>
+                      <a16:colId xmlns="" xmlns:a16="http://schemas.microsoft.com/office/drawing/2014/main" val="20004"/>
                     </a:ext>
                   </a:extLst>
                 </a:gridCol>
                 <a:gridCol w="1072557">
                   <a:extLst>
                     <a:ext uri="{9D8B030D-6E8A-4147-A177-3AD203B41FA5}">
-                      <a16:colId xmlns:a16="http://schemas.microsoft.com/office/drawing/2014/main" xmlns="" val="20005"/>
+                      <a16:colId xmlns="" xmlns:a16="http://schemas.microsoft.com/office/drawing/2014/main" val="20005"/>
                     </a:ext>
                   </a:extLst>
                 </a:gridCol>
                 <a:gridCol w="1762247">
                   <a:extLst>
                     <a:ext uri="{9D8B030D-6E8A-4147-A177-3AD203B41FA5}">
-                      <a16:colId xmlns:a16="http://schemas.microsoft.com/office/drawing/2014/main" xmlns="" val="20006"/>
+                      <a16:colId xmlns="" xmlns:a16="http://schemas.microsoft.com/office/drawing/2014/main" val="20006"/>
                     </a:ext>
                   </a:extLst>
                 </a:gridCol>
                 <a:gridCol w="1762247">
                   <a:extLst>
                     <a:ext uri="{9D8B030D-6E8A-4147-A177-3AD203B41FA5}">
-                      <a16:colId xmlns:a16="http://schemas.microsoft.com/office/drawing/2014/main" xmlns="" val="20007"/>
+                      <a16:colId xmlns="" xmlns:a16="http://schemas.microsoft.com/office/drawing/2014/main" val="20007"/>
                     </a:ext>
                   </a:extLst>
                 </a:gridCol>
                 <a:gridCol w="1762247">
                   <a:extLst>
                     <a:ext uri="{9D8B030D-6E8A-4147-A177-3AD203B41FA5}">
-                      <a16:colId xmlns:a16="http://schemas.microsoft.com/office/drawing/2014/main" xmlns="" val="20008"/>
+                      <a16:colId xmlns="" xmlns:a16="http://schemas.microsoft.com/office/drawing/2014/main" val="20008"/>
                     </a:ext>
                   </a:extLst>
                 </a:gridCol>
@@ -16114,7 +16118,7 @@
                 </a:tc>
                 <a:extLst>
                   <a:ext uri="{0D108BD9-81ED-4DB2-BD59-A6C34878D82A}">
-                    <a16:rowId xmlns:a16="http://schemas.microsoft.com/office/drawing/2014/main" xmlns="" val="10000"/>
+                    <a16:rowId xmlns="" xmlns:a16="http://schemas.microsoft.com/office/drawing/2014/main" val="10000"/>
                   </a:ext>
                 </a:extLst>
               </a:tr>
@@ -16817,7 +16821,7 @@
                 </a:tc>
                 <a:extLst>
                   <a:ext uri="{0D108BD9-81ED-4DB2-BD59-A6C34878D82A}">
-                    <a16:rowId xmlns:a16="http://schemas.microsoft.com/office/drawing/2014/main" xmlns="" val="10001"/>
+                    <a16:rowId xmlns="" xmlns:a16="http://schemas.microsoft.com/office/drawing/2014/main" val="10001"/>
                   </a:ext>
                 </a:extLst>
               </a:tr>
@@ -17531,7 +17535,7 @@
                 </a:tc>
                 <a:extLst>
                   <a:ext uri="{0D108BD9-81ED-4DB2-BD59-A6C34878D82A}">
-                    <a16:rowId xmlns:a16="http://schemas.microsoft.com/office/drawing/2014/main" xmlns="" val="10002"/>
+                    <a16:rowId xmlns="" xmlns:a16="http://schemas.microsoft.com/office/drawing/2014/main" val="10002"/>
                   </a:ext>
                 </a:extLst>
               </a:tr>
@@ -18177,7 +18181,7 @@
                 </a:tc>
                 <a:extLst>
                   <a:ext uri="{0D108BD9-81ED-4DB2-BD59-A6C34878D82A}">
-                    <a16:rowId xmlns:a16="http://schemas.microsoft.com/office/drawing/2014/main" xmlns="" val="10003"/>
+                    <a16:rowId xmlns="" xmlns:a16="http://schemas.microsoft.com/office/drawing/2014/main" val="10003"/>
                   </a:ext>
                 </a:extLst>
               </a:tr>
@@ -18824,7 +18828,7 @@
                 </a:tc>
                 <a:extLst>
                   <a:ext uri="{0D108BD9-81ED-4DB2-BD59-A6C34878D82A}">
-                    <a16:rowId xmlns:a16="http://schemas.microsoft.com/office/drawing/2014/main" xmlns="" val="10004"/>
+                    <a16:rowId xmlns="" xmlns:a16="http://schemas.microsoft.com/office/drawing/2014/main" val="10004"/>
                   </a:ext>
                 </a:extLst>
               </a:tr>
@@ -19445,7 +19449,7 @@
                 </a:tc>
                 <a:extLst>
                   <a:ext uri="{0D108BD9-81ED-4DB2-BD59-A6C34878D82A}">
-                    <a16:rowId xmlns:a16="http://schemas.microsoft.com/office/drawing/2014/main" xmlns="" val="10005"/>
+                    <a16:rowId xmlns="" xmlns:a16="http://schemas.microsoft.com/office/drawing/2014/main" val="10005"/>
                   </a:ext>
                 </a:extLst>
               </a:tr>
@@ -21357,42 +21361,42 @@
                 <a:gridCol w="255798">
                   <a:extLst>
                     <a:ext uri="{9D8B030D-6E8A-4147-A177-3AD203B41FA5}">
-                      <a16:colId xmlns:a16="http://schemas.microsoft.com/office/drawing/2014/main" xmlns="" val="20000"/>
+                      <a16:colId xmlns="" xmlns:a16="http://schemas.microsoft.com/office/drawing/2014/main" val="20000"/>
                     </a:ext>
                   </a:extLst>
                 </a:gridCol>
                 <a:gridCol w="1137177">
                   <a:extLst>
                     <a:ext uri="{9D8B030D-6E8A-4147-A177-3AD203B41FA5}">
-                      <a16:colId xmlns:a16="http://schemas.microsoft.com/office/drawing/2014/main" xmlns="" val="20001"/>
+                      <a16:colId xmlns="" xmlns:a16="http://schemas.microsoft.com/office/drawing/2014/main" val="20001"/>
                     </a:ext>
                   </a:extLst>
                 </a:gridCol>
                 <a:gridCol w="1072557">
                   <a:extLst>
                     <a:ext uri="{9D8B030D-6E8A-4147-A177-3AD203B41FA5}">
-                      <a16:colId xmlns:a16="http://schemas.microsoft.com/office/drawing/2014/main" xmlns="" val="20002"/>
+                      <a16:colId xmlns="" xmlns:a16="http://schemas.microsoft.com/office/drawing/2014/main" val="20002"/>
                     </a:ext>
                   </a:extLst>
                 </a:gridCol>
                 <a:gridCol w="1072557">
                   <a:extLst>
                     <a:ext uri="{9D8B030D-6E8A-4147-A177-3AD203B41FA5}">
-                      <a16:colId xmlns:a16="http://schemas.microsoft.com/office/drawing/2014/main" xmlns="" val="20003"/>
+                      <a16:colId xmlns="" xmlns:a16="http://schemas.microsoft.com/office/drawing/2014/main" val="20003"/>
                     </a:ext>
                   </a:extLst>
                 </a:gridCol>
                 <a:gridCol w="1072557">
                   <a:extLst>
                     <a:ext uri="{9D8B030D-6E8A-4147-A177-3AD203B41FA5}">
-                      <a16:colId xmlns:a16="http://schemas.microsoft.com/office/drawing/2014/main" xmlns="" val="20004"/>
+                      <a16:colId xmlns="" xmlns:a16="http://schemas.microsoft.com/office/drawing/2014/main" val="20004"/>
                     </a:ext>
                   </a:extLst>
                 </a:gridCol>
                 <a:gridCol w="1072557">
                   <a:extLst>
                     <a:ext uri="{9D8B030D-6E8A-4147-A177-3AD203B41FA5}">
-                      <a16:colId xmlns:a16="http://schemas.microsoft.com/office/drawing/2014/main" xmlns="" val="20005"/>
+                      <a16:colId xmlns="" xmlns:a16="http://schemas.microsoft.com/office/drawing/2014/main" val="20005"/>
                     </a:ext>
                   </a:extLst>
                 </a:gridCol>
@@ -21707,7 +21711,7 @@
                 </a:tc>
                 <a:extLst>
                   <a:ext uri="{0D108BD9-81ED-4DB2-BD59-A6C34878D82A}">
-                    <a16:rowId xmlns:a16="http://schemas.microsoft.com/office/drawing/2014/main" xmlns="" val="10000"/>
+                    <a16:rowId xmlns="" xmlns:a16="http://schemas.microsoft.com/office/drawing/2014/main" val="10000"/>
                   </a:ext>
                 </a:extLst>
               </a:tr>
@@ -22174,7 +22178,7 @@
                 </a:tc>
                 <a:extLst>
                   <a:ext uri="{0D108BD9-81ED-4DB2-BD59-A6C34878D82A}">
-                    <a16:rowId xmlns:a16="http://schemas.microsoft.com/office/drawing/2014/main" xmlns="" val="10001"/>
+                    <a16:rowId xmlns="" xmlns:a16="http://schemas.microsoft.com/office/drawing/2014/main" val="10001"/>
                   </a:ext>
                 </a:extLst>
               </a:tr>
@@ -22412,28 +22416,28 @@
                 <a:gridCol w="260733">
                   <a:extLst>
                     <a:ext uri="{9D8B030D-6E8A-4147-A177-3AD203B41FA5}">
-                      <a16:colId xmlns:a16="http://schemas.microsoft.com/office/drawing/2014/main" xmlns="" val="20000"/>
+                      <a16:colId xmlns="" xmlns:a16="http://schemas.microsoft.com/office/drawing/2014/main" val="20000"/>
                     </a:ext>
                   </a:extLst>
                 </a:gridCol>
                 <a:gridCol w="1796244">
                   <a:extLst>
                     <a:ext uri="{9D8B030D-6E8A-4147-A177-3AD203B41FA5}">
-                      <a16:colId xmlns:a16="http://schemas.microsoft.com/office/drawing/2014/main" xmlns="" val="20006"/>
+                      <a16:colId xmlns="" xmlns:a16="http://schemas.microsoft.com/office/drawing/2014/main" val="20006"/>
                     </a:ext>
                   </a:extLst>
                 </a:gridCol>
                 <a:gridCol w="1796244">
                   <a:extLst>
                     <a:ext uri="{9D8B030D-6E8A-4147-A177-3AD203B41FA5}">
-                      <a16:colId xmlns:a16="http://schemas.microsoft.com/office/drawing/2014/main" xmlns="" val="20007"/>
+                      <a16:colId xmlns="" xmlns:a16="http://schemas.microsoft.com/office/drawing/2014/main" val="20007"/>
                     </a:ext>
                   </a:extLst>
                 </a:gridCol>
                 <a:gridCol w="1796244">
                   <a:extLst>
                     <a:ext uri="{9D8B030D-6E8A-4147-A177-3AD203B41FA5}">
-                      <a16:colId xmlns:a16="http://schemas.microsoft.com/office/drawing/2014/main" xmlns="" val="20008"/>
+                      <a16:colId xmlns="" xmlns:a16="http://schemas.microsoft.com/office/drawing/2014/main" val="20008"/>
                     </a:ext>
                   </a:extLst>
                 </a:gridCol>
@@ -22729,7 +22733,7 @@
                 </a:tc>
                 <a:extLst>
                   <a:ext uri="{0D108BD9-81ED-4DB2-BD59-A6C34878D82A}">
-                    <a16:rowId xmlns:a16="http://schemas.microsoft.com/office/drawing/2014/main" xmlns="" val="10000"/>
+                    <a16:rowId xmlns="" xmlns:a16="http://schemas.microsoft.com/office/drawing/2014/main" val="10000"/>
                   </a:ext>
                 </a:extLst>
               </a:tr>
@@ -23077,7 +23081,7 @@
                 </a:tc>
                 <a:extLst>
                   <a:ext uri="{0D108BD9-81ED-4DB2-BD59-A6C34878D82A}">
-                    <a16:rowId xmlns:a16="http://schemas.microsoft.com/office/drawing/2014/main" xmlns="" val="10001"/>
+                    <a16:rowId xmlns="" xmlns:a16="http://schemas.microsoft.com/office/drawing/2014/main" val="10001"/>
                   </a:ext>
                 </a:extLst>
               </a:tr>
@@ -43468,8 +43472,8 @@
         </p:nvSpPr>
         <p:spPr>
           <a:xfrm>
-            <a:off x="612456" y="510831"/>
-            <a:ext cx="10969943" cy="406820"/>
+            <a:off x="652955" y="503383"/>
+            <a:ext cx="7184006" cy="406820"/>
           </a:xfrm>
         </p:spPr>
         <p:txBody>
@@ -43483,38 +43487,14 @@
               <a:t>Industry Insights </a:t>
             </a:r>
             <a:r>
-              <a:rPr lang="en-US" dirty="0"/>
-              <a:t>(XXX - XXX)</a:t>
-            </a:r>
-          </a:p>
-        </p:txBody>
-      </p:sp>
-      <p:sp>
-        <p:nvSpPr>
-          <p:cNvPr id="3" name="Slide Number Placeholder 2"/>
-          <p:cNvSpPr>
-            <a:spLocks noGrp="1"/>
-          </p:cNvSpPr>
-          <p:nvPr>
-            <p:ph type="sldNum" sz="quarter" idx="12"/>
-          </p:nvPr>
-        </p:nvSpPr>
-        <p:spPr>
-          <a:xfrm>
-            <a:off x="11031049" y="6506675"/>
-            <a:ext cx="533399" cy="232147"/>
-          </a:xfrm>
-        </p:spPr>
-        <p:txBody>
-          <a:bodyPr/>
-          <a:lstStyle/>
-          <a:p>
-            <a:fld id="{B016F8AB-BCEA-4347-8BA6-BE776009BC89}" type="slidenum">
-              <a:rPr lang="en-US" smtClean="0"/>
-              <a:pPr/>
-              <a:t>9</a:t>
-            </a:fld>
-            <a:endParaRPr lang="en-US"/>
+              <a:rPr lang="en-US" sz="2800" dirty="0" smtClean="0">
+                <a:latin typeface="Arial"/>
+              </a:rPr>
+              <a:t>(XXX-XXX)</a:t>
+            </a:r>
+            <a:endParaRPr sz="2800" dirty="0">
+              <a:latin typeface="Arial"/>
+            </a:endParaRPr>
           </a:p>
         </p:txBody>
       </p:sp>
@@ -43526,7 +43506,7 @@
         </p:nvSpPr>
         <p:spPr>
           <a:xfrm>
-            <a:off x="4440383" y="6636384"/>
+            <a:off x="1846707" y="6409013"/>
             <a:ext cx="7592160" cy="216982"/>
           </a:xfrm>
           <a:prstGeom prst="rect">
@@ -43563,8 +43543,8 @@
         </p:nvSpPr>
         <p:spPr bwMode="ltGray">
           <a:xfrm>
-            <a:off x="9294090" y="1372585"/>
-            <a:ext cx="2286000" cy="2286000"/>
+            <a:off x="6074155" y="4083601"/>
+            <a:ext cx="1838626" cy="2209491"/>
           </a:xfrm>
           <a:prstGeom prst="rect">
             <a:avLst/>
@@ -43572,7 +43552,7 @@
           <a:noFill/>
           <a:ln w="38100">
             <a:solidFill>
-              <a:schemeClr val="accent4"/>
+              <a:schemeClr val="bg2"/>
             </a:solidFill>
           </a:ln>
         </p:spPr>
@@ -43635,8 +43615,8 @@
         </p:nvSpPr>
         <p:spPr>
           <a:xfrm>
-            <a:off x="10573782" y="1382099"/>
-            <a:ext cx="990666" cy="210968"/>
+            <a:off x="6824385" y="4111136"/>
+            <a:ext cx="1080557" cy="228737"/>
           </a:xfrm>
           <a:prstGeom prst="rect">
             <a:avLst/>
@@ -43678,8 +43658,8 @@
         </p:nvSpPr>
         <p:spPr bwMode="ltGray">
           <a:xfrm>
-            <a:off x="616823" y="1998511"/>
-            <a:ext cx="3101977" cy="3075611"/>
+            <a:off x="711992" y="1958547"/>
+            <a:ext cx="2963400" cy="2674535"/>
           </a:xfrm>
           <a:prstGeom prst="rect">
             <a:avLst/>
@@ -43740,8 +43720,8 @@
         </p:nvSpPr>
         <p:spPr bwMode="ltGray">
           <a:xfrm>
-            <a:off x="6891018" y="1372130"/>
-            <a:ext cx="2286000" cy="2286000"/>
+            <a:off x="6051786" y="1464086"/>
+            <a:ext cx="1856046" cy="2209491"/>
           </a:xfrm>
           <a:prstGeom prst="rect">
             <a:avLst/>
@@ -43749,7 +43729,7 @@
           <a:noFill/>
           <a:ln w="38100">
             <a:solidFill>
-              <a:schemeClr val="accent4"/>
+              <a:schemeClr val="bg2"/>
             </a:solidFill>
           </a:ln>
         </p:spPr>
@@ -43812,8 +43792,8 @@
         </p:nvSpPr>
         <p:spPr>
           <a:xfrm>
-            <a:off x="8170710" y="1381644"/>
-            <a:ext cx="990666" cy="210968"/>
+            <a:off x="6813447" y="1484644"/>
+            <a:ext cx="1080557" cy="228737"/>
           </a:xfrm>
           <a:prstGeom prst="rect">
             <a:avLst/>
@@ -43865,8 +43845,8 @@
         </p:nvSpPr>
         <p:spPr bwMode="ltGray">
           <a:xfrm>
-            <a:off x="4488571" y="1383028"/>
-            <a:ext cx="2286000" cy="2286000"/>
+            <a:off x="4117781" y="1463239"/>
+            <a:ext cx="1830127" cy="2209491"/>
           </a:xfrm>
           <a:prstGeom prst="rect">
             <a:avLst/>
@@ -43874,7 +43854,7 @@
           <a:noFill/>
           <a:ln w="38100">
             <a:solidFill>
-              <a:schemeClr val="accent4"/>
+              <a:schemeClr val="bg2"/>
             </a:solidFill>
           </a:ln>
         </p:spPr>
@@ -43931,878 +43911,14 @@
       </p:sp>
       <p:sp>
         <p:nvSpPr>
-          <p:cNvPr id="72" name="Rectangle 71"/>
-          <p:cNvSpPr/>
-          <p:nvPr/>
-        </p:nvSpPr>
-        <p:spPr>
-          <a:xfrm>
-            <a:off x="5768263" y="1392541"/>
-            <a:ext cx="990666" cy="335599"/>
-          </a:xfrm>
-          <a:prstGeom prst="rect">
-            <a:avLst/>
-          </a:prstGeom>
-        </p:spPr>
-        <p:txBody>
-          <a:bodyPr wrap="square" numCol="1" anchor="t">
-            <a:noAutofit/>
-          </a:bodyPr>
-          <a:lstStyle/>
-          <a:p>
-            <a:pPr algn="ctr">
-              <a:lnSpc>
-                <a:spcPct val="90000"/>
-              </a:lnSpc>
-              <a:defRPr sz="1000" b="1">
-                <a:solidFill>
-                  <a:schemeClr val="dk1"/>
-                </a:solidFill>
-              </a:defRPr>
-            </a:pPr>
-            <a:r>
-              <a:rPr sz="1100" dirty="0"/>
-              <a:t>Top </a:t>
-            </a:r>
-            <a:r>
-              <a:rPr lang="en-US" sz="1100" dirty="0" smtClean="0"/>
-              <a:t>interests</a:t>
-            </a:r>
-            <a:endParaRPr lang="en-US" sz="1100" b="1" dirty="0"/>
-          </a:p>
-          <a:p>
-            <a:pPr>
-              <a:defRPr sz="800">
-                <a:solidFill>
-                  <a:schemeClr val="dk2"/>
-                </a:solidFill>
-              </a:defRPr>
-            </a:pPr>
-            <a:r>
-              <a:rPr dirty="0" smtClean="0"/>
-              <a:t> </a:t>
-            </a:r>
-            <a:endParaRPr dirty="0"/>
-          </a:p>
-        </p:txBody>
-      </p:sp>
-      <p:sp>
-        <p:nvSpPr>
-          <p:cNvPr id="75" name="Rectangle 74"/>
-          <p:cNvSpPr/>
-          <p:nvPr/>
-        </p:nvSpPr>
-        <p:spPr>
-          <a:xfrm>
-            <a:off x="5768263" y="3382305"/>
-            <a:ext cx="990041" cy="220421"/>
-          </a:xfrm>
-          <a:prstGeom prst="rect">
-            <a:avLst/>
-          </a:prstGeom>
-        </p:spPr>
-        <p:txBody>
-          <a:bodyPr wrap="none" anchor="ctr" anchorCtr="0">
-            <a:normAutofit fontScale="92500" lnSpcReduction="10000"/>
-          </a:bodyPr>
-          <a:lstStyle/>
-          <a:p>
-            <a:pPr algn="ctr"/>
-            <a:r>
-              <a:rPr lang="en-US" sz="1000" dirty="0" smtClean="0"/>
-              <a:t>0-interest-2</a:t>
-            </a:r>
-            <a:endParaRPr lang="en-GB" sz="800" dirty="0"/>
-          </a:p>
-        </p:txBody>
-      </p:sp>
-      <p:sp>
-        <p:nvSpPr>
-          <p:cNvPr id="77" name="TextBox 76"/>
-          <p:cNvSpPr txBox="1"/>
-          <p:nvPr/>
-        </p:nvSpPr>
-        <p:spPr>
-          <a:xfrm>
-            <a:off x="5768263" y="2129614"/>
-            <a:ext cx="990041" cy="236514"/>
-          </a:xfrm>
-          <a:prstGeom prst="rect">
-            <a:avLst/>
-          </a:prstGeom>
-          <a:noFill/>
-        </p:spPr>
-        <p:txBody>
-          <a:bodyPr wrap="none" lIns="0" tIns="0" rIns="0" bIns="0" rtlCol="0" anchor="ctr" anchorCtr="0">
-            <a:normAutofit/>
-          </a:bodyPr>
-          <a:lstStyle/>
-          <a:p>
-            <a:pPr algn="ctr">
-              <a:lnSpc>
-                <a:spcPct val="90000"/>
-              </a:lnSpc>
-            </a:pPr>
-            <a:r>
-              <a:rPr lang="en-US" sz="1000" dirty="0" smtClean="0"/>
-              <a:t>0-interest-0</a:t>
-            </a:r>
-            <a:endParaRPr lang="en-US" sz="1000" dirty="0"/>
-          </a:p>
-        </p:txBody>
-      </p:sp>
-      <p:sp>
-        <p:nvSpPr>
-          <p:cNvPr id="78" name="TextBox 77"/>
-          <p:cNvSpPr txBox="1"/>
-          <p:nvPr/>
-        </p:nvSpPr>
-        <p:spPr>
-          <a:xfrm>
-            <a:off x="5768263" y="2766831"/>
-            <a:ext cx="990041" cy="214771"/>
-          </a:xfrm>
-          <a:prstGeom prst="rect">
-            <a:avLst/>
-          </a:prstGeom>
-          <a:noFill/>
-        </p:spPr>
-        <p:txBody>
-          <a:bodyPr wrap="none" lIns="0" tIns="0" rIns="0" bIns="0" rtlCol="0" anchor="ctr" anchorCtr="0">
-            <a:normAutofit/>
-          </a:bodyPr>
-          <a:lstStyle/>
-          <a:p>
-            <a:pPr algn="ctr">
-              <a:lnSpc>
-                <a:spcPct val="90000"/>
-              </a:lnSpc>
-            </a:pPr>
-            <a:r>
-              <a:rPr lang="en-US" sz="1000" dirty="0" smtClean="0"/>
-              <a:t>0-interest-1</a:t>
-            </a:r>
-            <a:endParaRPr lang="en-US" sz="1000" dirty="0"/>
-          </a:p>
-        </p:txBody>
-      </p:sp>
-      <p:sp>
-        <p:nvSpPr>
-          <p:cNvPr id="81" name="Rectangle 55"/>
-          <p:cNvSpPr/>
-          <p:nvPr/>
-        </p:nvSpPr>
-        <p:spPr bwMode="ltGray">
-          <a:xfrm>
-            <a:off x="9294090" y="4082556"/>
-            <a:ext cx="2286000" cy="2286000"/>
-          </a:xfrm>
-          <a:prstGeom prst="rect">
-            <a:avLst/>
-          </a:prstGeom>
-          <a:noFill/>
-          <a:ln w="38100">
-            <a:solidFill>
-              <a:schemeClr val="accent4"/>
-            </a:solidFill>
-          </a:ln>
-        </p:spPr>
-        <p:style>
-          <a:lnRef idx="2">
-            <a:schemeClr val="accent1">
-              <a:shade val="50000"/>
-            </a:schemeClr>
-          </a:lnRef>
-          <a:fillRef idx="1">
-            <a:schemeClr val="accent1"/>
-          </a:fillRef>
-          <a:effectRef idx="0">
-            <a:schemeClr val="accent1"/>
-          </a:effectRef>
-          <a:fontRef idx="minor">
-            <a:schemeClr val="lt1"/>
-          </a:fontRef>
-        </p:style>
-        <p:txBody>
-          <a:bodyPr lIns="182880" tIns="182880" rIns="182880" bIns="182880" rtlCol="0" anchor="t"/>
-          <a:lstStyle/>
-          <a:p>
-            <a:pPr marL="45720" indent="-60325">
-              <a:spcBef>
-                <a:spcPts val="1200"/>
-              </a:spcBef>
-              <a:buClr>
-                <a:prstClr val="black"/>
-              </a:buClr>
-            </a:pPr>
-            <a:endParaRPr lang="en-US" sz="1000" dirty="0">
-              <a:solidFill>
-                <a:schemeClr val="tx1"/>
-              </a:solidFill>
-            </a:endParaRPr>
-          </a:p>
-          <a:p>
-            <a:pPr marL="45720" lvl="0" indent="-60325">
-              <a:spcBef>
-                <a:spcPts val="1200"/>
-              </a:spcBef>
-              <a:buClr>
-                <a:prstClr val="black"/>
-              </a:buClr>
-            </a:pPr>
-            <a:endParaRPr lang="en-US" sz="1100" i="1" dirty="0" smtClean="0">
-              <a:solidFill>
-                <a:schemeClr val="tx1"/>
-              </a:solidFill>
-            </a:endParaRPr>
-          </a:p>
-        </p:txBody>
-      </p:sp>
-      <p:sp>
-        <p:nvSpPr>
-          <p:cNvPr id="84" name="Rectangle 83"/>
-          <p:cNvSpPr/>
-          <p:nvPr/>
-        </p:nvSpPr>
-        <p:spPr>
-          <a:xfrm>
-            <a:off x="10573782" y="4092525"/>
-            <a:ext cx="990666" cy="210968"/>
-          </a:xfrm>
-          <a:prstGeom prst="rect">
-            <a:avLst/>
-          </a:prstGeom>
-        </p:spPr>
-        <p:txBody>
-          <a:bodyPr wrap="square" numCol="1" anchor="t">
-            <a:noAutofit/>
-          </a:bodyPr>
-          <a:lstStyle/>
-          <a:p>
-            <a:pPr algn="ctr">
-              <a:lnSpc>
-                <a:spcPct val="90000"/>
-              </a:lnSpc>
-              <a:defRPr sz="1000" b="1">
-                <a:solidFill>
-                  <a:schemeClr val="dk1"/>
-                </a:solidFill>
-              </a:defRPr>
-            </a:pPr>
-            <a:r>
-              <a:rPr sz="1100" dirty="0"/>
-              <a:t>Top </a:t>
-            </a:r>
-            <a:r>
-              <a:rPr lang="en-US" sz="1100" dirty="0" smtClean="0"/>
-              <a:t>interests</a:t>
-            </a:r>
-            <a:endParaRPr lang="en-US" sz="1100" b="1" dirty="0"/>
-          </a:p>
-          <a:p>
-            <a:pPr>
-              <a:defRPr sz="800">
-                <a:solidFill>
-                  <a:schemeClr val="dk2"/>
-                </a:solidFill>
-              </a:defRPr>
-            </a:pPr>
-            <a:r>
-              <a:rPr dirty="0" smtClean="0"/>
-              <a:t> </a:t>
-            </a:r>
-            <a:endParaRPr dirty="0"/>
-          </a:p>
-        </p:txBody>
-      </p:sp>
-      <p:sp>
-        <p:nvSpPr>
-          <p:cNvPr id="93" name="Rectangle 55"/>
-          <p:cNvSpPr/>
-          <p:nvPr/>
-        </p:nvSpPr>
-        <p:spPr bwMode="ltGray">
-          <a:xfrm>
-            <a:off x="6891018" y="4082556"/>
-            <a:ext cx="2286000" cy="2286000"/>
-          </a:xfrm>
-          <a:prstGeom prst="rect">
-            <a:avLst/>
-          </a:prstGeom>
-          <a:noFill/>
-          <a:ln w="38100">
-            <a:solidFill>
-              <a:schemeClr val="accent4"/>
-            </a:solidFill>
-          </a:ln>
-        </p:spPr>
-        <p:style>
-          <a:lnRef idx="2">
-            <a:schemeClr val="accent1">
-              <a:shade val="50000"/>
-            </a:schemeClr>
-          </a:lnRef>
-          <a:fillRef idx="1">
-            <a:schemeClr val="accent1"/>
-          </a:fillRef>
-          <a:effectRef idx="0">
-            <a:schemeClr val="accent1"/>
-          </a:effectRef>
-          <a:fontRef idx="minor">
-            <a:schemeClr val="lt1"/>
-          </a:fontRef>
-        </p:style>
-        <p:txBody>
-          <a:bodyPr lIns="182880" tIns="182880" rIns="182880" bIns="182880" rtlCol="0" anchor="t"/>
-          <a:lstStyle/>
-          <a:p>
-            <a:pPr marL="45720" indent="-60325">
-              <a:spcBef>
-                <a:spcPts val="1200"/>
-              </a:spcBef>
-              <a:buClr>
-                <a:prstClr val="black"/>
-              </a:buClr>
-            </a:pPr>
-            <a:endParaRPr lang="en-US" sz="1000" dirty="0">
-              <a:solidFill>
-                <a:schemeClr val="tx1"/>
-              </a:solidFill>
-            </a:endParaRPr>
-          </a:p>
-          <a:p>
-            <a:pPr marL="45720" lvl="0" indent="-60325">
-              <a:spcBef>
-                <a:spcPts val="1200"/>
-              </a:spcBef>
-              <a:buClr>
-                <a:prstClr val="black"/>
-              </a:buClr>
-            </a:pPr>
-            <a:endParaRPr lang="en-US" sz="1100" i="1" dirty="0" smtClean="0">
-              <a:solidFill>
-                <a:schemeClr val="tx1"/>
-              </a:solidFill>
-            </a:endParaRPr>
-          </a:p>
-        </p:txBody>
-      </p:sp>
-      <p:sp>
-        <p:nvSpPr>
-          <p:cNvPr id="95" name="Rectangle 94"/>
-          <p:cNvSpPr/>
-          <p:nvPr/>
-        </p:nvSpPr>
-        <p:spPr>
-          <a:xfrm>
-            <a:off x="8170710" y="4092070"/>
-            <a:ext cx="990666" cy="210968"/>
-          </a:xfrm>
-          <a:prstGeom prst="rect">
-            <a:avLst/>
-          </a:prstGeom>
-        </p:spPr>
-        <p:txBody>
-          <a:bodyPr wrap="square" numCol="1" anchor="t">
-            <a:noAutofit/>
-          </a:bodyPr>
-          <a:lstStyle/>
-          <a:p>
-            <a:pPr algn="ctr">
-              <a:lnSpc>
-                <a:spcPct val="90000"/>
-              </a:lnSpc>
-              <a:defRPr sz="1000" b="1">
-                <a:solidFill>
-                  <a:schemeClr val="dk1"/>
-                </a:solidFill>
-              </a:defRPr>
-            </a:pPr>
-            <a:r>
-              <a:rPr sz="1100" dirty="0"/>
-              <a:t>Top </a:t>
-            </a:r>
-            <a:r>
-              <a:rPr lang="en-US" sz="1100" dirty="0" smtClean="0"/>
-              <a:t>interests</a:t>
-            </a:r>
-            <a:endParaRPr lang="en-US" sz="1100" b="1" dirty="0"/>
-          </a:p>
-          <a:p>
-            <a:pPr>
-              <a:defRPr sz="800">
-                <a:solidFill>
-                  <a:schemeClr val="dk2"/>
-                </a:solidFill>
-              </a:defRPr>
-            </a:pPr>
-            <a:r>
-              <a:rPr dirty="0" smtClean="0"/>
-              <a:t> </a:t>
-            </a:r>
-            <a:endParaRPr dirty="0"/>
-          </a:p>
-        </p:txBody>
-      </p:sp>
-      <p:sp>
-        <p:nvSpPr>
-          <p:cNvPr id="103" name="Rectangle 55"/>
-          <p:cNvSpPr/>
-          <p:nvPr/>
-        </p:nvSpPr>
-        <p:spPr bwMode="ltGray">
-          <a:xfrm>
-            <a:off x="4488571" y="4093454"/>
-            <a:ext cx="2286000" cy="2286000"/>
-          </a:xfrm>
-          <a:prstGeom prst="rect">
-            <a:avLst/>
-          </a:prstGeom>
-          <a:noFill/>
-          <a:ln w="38100">
-            <a:solidFill>
-              <a:schemeClr val="accent4"/>
-            </a:solidFill>
-          </a:ln>
-        </p:spPr>
-        <p:style>
-          <a:lnRef idx="2">
-            <a:schemeClr val="accent1">
-              <a:shade val="50000"/>
-            </a:schemeClr>
-          </a:lnRef>
-          <a:fillRef idx="1">
-            <a:schemeClr val="accent1"/>
-          </a:fillRef>
-          <a:effectRef idx="0">
-            <a:schemeClr val="accent1"/>
-          </a:effectRef>
-          <a:fontRef idx="minor">
-            <a:schemeClr val="lt1"/>
-          </a:fontRef>
-        </p:style>
-        <p:txBody>
-          <a:bodyPr lIns="182880" tIns="182880" rIns="182880" bIns="182880" rtlCol="0" anchor="t"/>
-          <a:lstStyle/>
-          <a:p>
-            <a:pPr marL="45720" indent="-60325">
-              <a:spcBef>
-                <a:spcPts val="1200"/>
-              </a:spcBef>
-              <a:buClr>
-                <a:prstClr val="black"/>
-              </a:buClr>
-            </a:pPr>
-            <a:endParaRPr lang="en-US" sz="1000" dirty="0">
-              <a:solidFill>
-                <a:schemeClr val="tx1"/>
-              </a:solidFill>
-            </a:endParaRPr>
-          </a:p>
-          <a:p>
-            <a:pPr marL="45720" lvl="0" indent="-60325">
-              <a:spcBef>
-                <a:spcPts val="1200"/>
-              </a:spcBef>
-              <a:buClr>
-                <a:prstClr val="black"/>
-              </a:buClr>
-            </a:pPr>
-            <a:endParaRPr lang="en-US" sz="1100" i="1" dirty="0" smtClean="0">
-              <a:solidFill>
-                <a:schemeClr val="tx1"/>
-              </a:solidFill>
-            </a:endParaRPr>
-          </a:p>
-        </p:txBody>
-      </p:sp>
-      <p:sp>
-        <p:nvSpPr>
-          <p:cNvPr id="105" name="Rectangle 104"/>
-          <p:cNvSpPr/>
-          <p:nvPr/>
-        </p:nvSpPr>
-        <p:spPr>
-          <a:xfrm>
-            <a:off x="5768263" y="4102968"/>
-            <a:ext cx="990666" cy="210968"/>
-          </a:xfrm>
-          <a:prstGeom prst="rect">
-            <a:avLst/>
-          </a:prstGeom>
-        </p:spPr>
-        <p:txBody>
-          <a:bodyPr wrap="square" numCol="1" anchor="t">
-            <a:noAutofit/>
-          </a:bodyPr>
-          <a:lstStyle/>
-          <a:p>
-            <a:pPr algn="ctr">
-              <a:lnSpc>
-                <a:spcPct val="90000"/>
-              </a:lnSpc>
-              <a:defRPr sz="1000" b="1">
-                <a:solidFill>
-                  <a:schemeClr val="dk1"/>
-                </a:solidFill>
-              </a:defRPr>
-            </a:pPr>
-            <a:r>
-              <a:rPr lang="en-US" sz="1100" dirty="0" smtClean="0"/>
-              <a:t>Top interests</a:t>
-            </a:r>
-            <a:endParaRPr lang="en-US" sz="1100" b="1" dirty="0"/>
-          </a:p>
-          <a:p>
-            <a:pPr>
-              <a:defRPr sz="800">
-                <a:solidFill>
-                  <a:schemeClr val="dk2"/>
-                </a:solidFill>
-              </a:defRPr>
-            </a:pPr>
-            <a:r>
-              <a:rPr dirty="0" smtClean="0"/>
-              <a:t> </a:t>
-            </a:r>
-            <a:endParaRPr dirty="0"/>
-          </a:p>
-        </p:txBody>
-      </p:sp>
-      <p:sp>
-        <p:nvSpPr>
-          <p:cNvPr id="6" name="Rectangle 5"/>
-          <p:cNvSpPr/>
-          <p:nvPr/>
-        </p:nvSpPr>
-        <p:spPr bwMode="ltGray">
-          <a:xfrm>
-            <a:off x="6891018" y="1032802"/>
-            <a:ext cx="2270358" cy="274320"/>
-          </a:xfrm>
-          <a:prstGeom prst="rect">
-            <a:avLst/>
-          </a:prstGeom>
-          <a:noFill/>
-          <a:ln w="38100">
-            <a:solidFill>
-              <a:schemeClr val="accent5"/>
-            </a:solidFill>
-          </a:ln>
-        </p:spPr>
-        <p:style>
-          <a:lnRef idx="2">
-            <a:schemeClr val="accent1">
-              <a:shade val="50000"/>
-            </a:schemeClr>
-          </a:lnRef>
-          <a:fillRef idx="1">
-            <a:schemeClr val="accent1"/>
-          </a:fillRef>
-          <a:effectRef idx="0">
-            <a:schemeClr val="accent1"/>
-          </a:effectRef>
-          <a:fontRef idx="minor">
-            <a:schemeClr val="lt1"/>
-          </a:fontRef>
-        </p:style>
-        <p:txBody>
-          <a:bodyPr rtlCol="0" anchor="ctr"/>
-          <a:lstStyle/>
-          <a:p>
-            <a:pPr algn="ctr">
-              <a:lnSpc>
-                <a:spcPct val="90000"/>
-              </a:lnSpc>
-            </a:pPr>
-            <a:endParaRPr lang="en-US" sz="1200" b="1" dirty="0" smtClean="0">
-              <a:solidFill>
-                <a:schemeClr val="tx1"/>
-              </a:solidFill>
-            </a:endParaRPr>
-          </a:p>
-        </p:txBody>
-      </p:sp>
-      <p:sp>
-        <p:nvSpPr>
           <p:cNvPr id="114" name="Rectangle 113"/>
           <p:cNvSpPr/>
           <p:nvPr/>
         </p:nvSpPr>
         <p:spPr bwMode="ltGray">
           <a:xfrm>
-            <a:off x="9294090" y="1040238"/>
-            <a:ext cx="2270358" cy="274320"/>
-          </a:xfrm>
-          <a:prstGeom prst="rect">
-            <a:avLst/>
-          </a:prstGeom>
-          <a:noFill/>
-          <a:ln w="38100">
-            <a:solidFill>
-              <a:schemeClr val="accent5"/>
-            </a:solidFill>
-          </a:ln>
-        </p:spPr>
-        <p:style>
-          <a:lnRef idx="2">
-            <a:schemeClr val="accent1">
-              <a:shade val="50000"/>
-            </a:schemeClr>
-          </a:lnRef>
-          <a:fillRef idx="1">
-            <a:schemeClr val="accent1"/>
-          </a:fillRef>
-          <a:effectRef idx="0">
-            <a:schemeClr val="accent1"/>
-          </a:effectRef>
-          <a:fontRef idx="minor">
-            <a:schemeClr val="lt1"/>
-          </a:fontRef>
-        </p:style>
-        <p:txBody>
-          <a:bodyPr rtlCol="0" anchor="ctr"/>
-          <a:lstStyle/>
-          <a:p>
-            <a:pPr algn="ctr">
-              <a:lnSpc>
-                <a:spcPct val="90000"/>
-              </a:lnSpc>
-            </a:pPr>
-            <a:endParaRPr lang="en-US" sz="1200" b="1" dirty="0" smtClean="0">
-              <a:solidFill>
-                <a:schemeClr val="tx1"/>
-              </a:solidFill>
-            </a:endParaRPr>
-          </a:p>
-        </p:txBody>
-      </p:sp>
-      <p:sp>
-        <p:nvSpPr>
-          <p:cNvPr id="115" name="Rectangle 114"/>
-          <p:cNvSpPr/>
-          <p:nvPr/>
-        </p:nvSpPr>
-        <p:spPr bwMode="ltGray">
-          <a:xfrm>
-            <a:off x="4488571" y="1029395"/>
-            <a:ext cx="2270358" cy="274320"/>
-          </a:xfrm>
-          <a:prstGeom prst="rect">
-            <a:avLst/>
-          </a:prstGeom>
-          <a:noFill/>
-          <a:ln w="38100">
-            <a:solidFill>
-              <a:schemeClr val="accent5"/>
-            </a:solidFill>
-          </a:ln>
-        </p:spPr>
-        <p:style>
-          <a:lnRef idx="2">
-            <a:schemeClr val="accent1">
-              <a:shade val="50000"/>
-            </a:schemeClr>
-          </a:lnRef>
-          <a:fillRef idx="1">
-            <a:schemeClr val="accent1"/>
-          </a:fillRef>
-          <a:effectRef idx="0">
-            <a:schemeClr val="accent1"/>
-          </a:effectRef>
-          <a:fontRef idx="minor">
-            <a:schemeClr val="lt1"/>
-          </a:fontRef>
-        </p:style>
-        <p:txBody>
-          <a:bodyPr rtlCol="0" anchor="ctr"/>
-          <a:lstStyle/>
-          <a:p>
-            <a:pPr algn="ctr">
-              <a:lnSpc>
-                <a:spcPct val="90000"/>
-              </a:lnSpc>
-            </a:pPr>
-            <a:endParaRPr lang="en-US" sz="1200" b="1" dirty="0" smtClean="0">
-              <a:solidFill>
-                <a:schemeClr val="tx1"/>
-              </a:solidFill>
-            </a:endParaRPr>
-          </a:p>
-        </p:txBody>
-      </p:sp>
-      <p:sp>
-        <p:nvSpPr>
-          <p:cNvPr id="116" name="Rectangle 115"/>
-          <p:cNvSpPr/>
-          <p:nvPr/>
-        </p:nvSpPr>
-        <p:spPr bwMode="ltGray">
-          <a:xfrm>
-            <a:off x="6891018" y="3742071"/>
-            <a:ext cx="2270358" cy="274320"/>
-          </a:xfrm>
-          <a:prstGeom prst="rect">
-            <a:avLst/>
-          </a:prstGeom>
-          <a:noFill/>
-          <a:ln w="38100">
-            <a:solidFill>
-              <a:schemeClr val="accent5"/>
-            </a:solidFill>
-          </a:ln>
-        </p:spPr>
-        <p:style>
-          <a:lnRef idx="2">
-            <a:schemeClr val="accent1">
-              <a:shade val="50000"/>
-            </a:schemeClr>
-          </a:lnRef>
-          <a:fillRef idx="1">
-            <a:schemeClr val="accent1"/>
-          </a:fillRef>
-          <a:effectRef idx="0">
-            <a:schemeClr val="accent1"/>
-          </a:effectRef>
-          <a:fontRef idx="minor">
-            <a:schemeClr val="lt1"/>
-          </a:fontRef>
-        </p:style>
-        <p:txBody>
-          <a:bodyPr rtlCol="0" anchor="ctr"/>
-          <a:lstStyle/>
-          <a:p>
-            <a:pPr algn="ctr">
-              <a:lnSpc>
-                <a:spcPct val="90000"/>
-              </a:lnSpc>
-            </a:pPr>
-            <a:endParaRPr lang="en-US" sz="1200" b="1" dirty="0" smtClean="0">
-              <a:solidFill>
-                <a:schemeClr val="tx1"/>
-              </a:solidFill>
-            </a:endParaRPr>
-          </a:p>
-        </p:txBody>
-      </p:sp>
-      <p:sp>
-        <p:nvSpPr>
-          <p:cNvPr id="117" name="Rectangle 116"/>
-          <p:cNvSpPr/>
-          <p:nvPr/>
-        </p:nvSpPr>
-        <p:spPr bwMode="ltGray">
-          <a:xfrm>
-            <a:off x="9309732" y="3750059"/>
-            <a:ext cx="2270358" cy="274320"/>
-          </a:xfrm>
-          <a:prstGeom prst="rect">
-            <a:avLst/>
-          </a:prstGeom>
-          <a:noFill/>
-          <a:ln w="38100">
-            <a:solidFill>
-              <a:schemeClr val="accent5"/>
-            </a:solidFill>
-          </a:ln>
-        </p:spPr>
-        <p:style>
-          <a:lnRef idx="2">
-            <a:schemeClr val="accent1">
-              <a:shade val="50000"/>
-            </a:schemeClr>
-          </a:lnRef>
-          <a:fillRef idx="1">
-            <a:schemeClr val="accent1"/>
-          </a:fillRef>
-          <a:effectRef idx="0">
-            <a:schemeClr val="accent1"/>
-          </a:effectRef>
-          <a:fontRef idx="minor">
-            <a:schemeClr val="lt1"/>
-          </a:fontRef>
-        </p:style>
-        <p:txBody>
-          <a:bodyPr rtlCol="0" anchor="ctr"/>
-          <a:lstStyle/>
-          <a:p>
-            <a:pPr algn="ctr">
-              <a:lnSpc>
-                <a:spcPct val="90000"/>
-              </a:lnSpc>
-            </a:pPr>
-            <a:endParaRPr lang="en-US" sz="1200" b="1" dirty="0" smtClean="0">
-              <a:solidFill>
-                <a:schemeClr val="tx1"/>
-              </a:solidFill>
-            </a:endParaRPr>
-          </a:p>
-        </p:txBody>
-      </p:sp>
-      <p:sp>
-        <p:nvSpPr>
-          <p:cNvPr id="118" name="Rectangle 117"/>
-          <p:cNvSpPr/>
-          <p:nvPr/>
-        </p:nvSpPr>
-        <p:spPr bwMode="ltGray">
-          <a:xfrm>
-            <a:off x="4488571" y="3738664"/>
-            <a:ext cx="2270358" cy="274320"/>
-          </a:xfrm>
-          <a:prstGeom prst="rect">
-            <a:avLst/>
-          </a:prstGeom>
-          <a:noFill/>
-          <a:ln w="38100">
-            <a:solidFill>
-              <a:schemeClr val="accent5"/>
-            </a:solidFill>
-          </a:ln>
-        </p:spPr>
-        <p:style>
-          <a:lnRef idx="2">
-            <a:schemeClr val="accent1">
-              <a:shade val="50000"/>
-            </a:schemeClr>
-          </a:lnRef>
-          <a:fillRef idx="1">
-            <a:schemeClr val="accent1"/>
-          </a:fillRef>
-          <a:effectRef idx="0">
-            <a:schemeClr val="accent1"/>
-          </a:effectRef>
-          <a:fontRef idx="minor">
-            <a:schemeClr val="lt1"/>
-          </a:fontRef>
-        </p:style>
-        <p:txBody>
-          <a:bodyPr rtlCol="0" anchor="ctr"/>
-          <a:lstStyle/>
-          <a:p>
-            <a:pPr algn="ctr">
-              <a:lnSpc>
-                <a:spcPct val="90000"/>
-              </a:lnSpc>
-            </a:pPr>
-            <a:endParaRPr lang="en-US" sz="1200" b="1" dirty="0" smtClean="0">
-              <a:solidFill>
-                <a:schemeClr val="tx1"/>
-              </a:solidFill>
-            </a:endParaRPr>
-          </a:p>
-        </p:txBody>
-      </p:sp>
-      <p:sp>
-        <p:nvSpPr>
-          <p:cNvPr id="119" name="Rectangle 118"/>
-          <p:cNvSpPr/>
-          <p:nvPr/>
-        </p:nvSpPr>
-        <p:spPr bwMode="ltGray">
-          <a:xfrm>
-            <a:off x="612456" y="1381644"/>
-            <a:ext cx="3108960" cy="457200"/>
+            <a:off x="6068704" y="3761572"/>
+            <a:ext cx="1843494" cy="317576"/>
           </a:xfrm>
           <a:prstGeom prst="rect">
             <a:avLst/>
@@ -44839,6 +43955,60 @@
                 <a:spcPct val="90000"/>
               </a:lnSpc>
             </a:pPr>
+            <a:endParaRPr lang="en-US" sz="1200" b="1" dirty="0" smtClean="0">
+              <a:solidFill>
+                <a:schemeClr val="tx1"/>
+              </a:solidFill>
+            </a:endParaRPr>
+          </a:p>
+        </p:txBody>
+      </p:sp>
+      <p:sp>
+        <p:nvSpPr>
+          <p:cNvPr id="119" name="Rectangle 118"/>
+          <p:cNvSpPr/>
+          <p:nvPr/>
+        </p:nvSpPr>
+        <p:spPr bwMode="ltGray">
+          <a:xfrm>
+            <a:off x="706656" y="1569926"/>
+            <a:ext cx="2968736" cy="397579"/>
+          </a:xfrm>
+          <a:prstGeom prst="rect">
+            <a:avLst/>
+          </a:prstGeom>
+          <a:noFill/>
+          <a:ln w="38100">
+            <a:solidFill>
+              <a:schemeClr val="accent1"/>
+            </a:solidFill>
+          </a:ln>
+        </p:spPr>
+        <p:style>
+          <a:lnRef idx="2">
+            <a:schemeClr val="accent1">
+              <a:shade val="50000"/>
+            </a:schemeClr>
+          </a:lnRef>
+          <a:fillRef idx="1">
+            <a:schemeClr val="accent1"/>
+          </a:fillRef>
+          <a:effectRef idx="0">
+            <a:schemeClr val="accent1"/>
+          </a:effectRef>
+          <a:fontRef idx="minor">
+            <a:schemeClr val="lt1"/>
+          </a:fontRef>
+        </p:style>
+        <p:txBody>
+          <a:bodyPr rtlCol="0" anchor="ctr"/>
+          <a:lstStyle/>
+          <a:p>
+            <a:pPr algn="ctr">
+              <a:lnSpc>
+                <a:spcPct val="90000"/>
+              </a:lnSpc>
+            </a:pPr>
             <a:r>
               <a:rPr lang="en-US" sz="1600" b="1" dirty="0" smtClean="0">
                 <a:solidFill>
@@ -44852,14 +44022,1303 @@
       </p:sp>
       <p:sp>
         <p:nvSpPr>
-          <p:cNvPr id="69" name="Rectangle 68"/>
+          <p:cNvPr id="122" name="TextBox 121"/>
+          <p:cNvSpPr txBox="1"/>
+          <p:nvPr/>
+        </p:nvSpPr>
+        <p:spPr>
+          <a:xfrm>
+            <a:off x="6126150" y="1186200"/>
+            <a:ext cx="1676484" cy="307558"/>
+          </a:xfrm>
+          <a:prstGeom prst="rect">
+            <a:avLst/>
+          </a:prstGeom>
+          <a:noFill/>
+        </p:spPr>
+        <p:txBody>
+          <a:bodyPr wrap="none" lIns="0" tIns="0" rIns="0" bIns="0" rtlCol="0" anchor="ctr">
+            <a:noAutofit/>
+          </a:bodyPr>
+          <a:lstStyle/>
+          <a:p>
+            <a:pPr algn="ctr">
+              <a:lnSpc>
+                <a:spcPct val="90000"/>
+              </a:lnSpc>
+            </a:pPr>
+            <a:r>
+              <a:rPr lang="en-GB" dirty="0" smtClean="0"/>
+              <a:t>Industry-1</a:t>
+            </a:r>
+            <a:endParaRPr lang="en-GB" sz="1600" dirty="0"/>
+          </a:p>
+        </p:txBody>
+      </p:sp>
+      <p:sp>
+        <p:nvSpPr>
+          <p:cNvPr id="123" name="TextBox 122"/>
+          <p:cNvSpPr txBox="1"/>
+          <p:nvPr/>
+        </p:nvSpPr>
+        <p:spPr>
+          <a:xfrm>
+            <a:off x="6077361" y="3802053"/>
+            <a:ext cx="1802117" cy="290238"/>
+          </a:xfrm>
+          <a:prstGeom prst="rect">
+            <a:avLst/>
+          </a:prstGeom>
+          <a:noFill/>
+          <a:ln>
+            <a:noFill/>
+          </a:ln>
+        </p:spPr>
+        <p:txBody>
+          <a:bodyPr wrap="none" lIns="0" tIns="0" rIns="0" bIns="0" rtlCol="0" anchor="ctr">
+            <a:noAutofit/>
+          </a:bodyPr>
+          <a:lstStyle/>
+          <a:p>
+            <a:pPr algn="ctr">
+              <a:lnSpc>
+                <a:spcPct val="90000"/>
+              </a:lnSpc>
+            </a:pPr>
+            <a:r>
+              <a:rPr lang="en-US" dirty="0" smtClean="0"/>
+              <a:t>Industry-5</a:t>
+            </a:r>
+            <a:endParaRPr lang="en-GB" sz="1600" dirty="0"/>
+          </a:p>
+        </p:txBody>
+      </p:sp>
+      <p:sp>
+        <p:nvSpPr>
+          <p:cNvPr id="115" name="Rectangle 114"/>
+          <p:cNvSpPr/>
+          <p:nvPr/>
+        </p:nvSpPr>
+        <p:spPr bwMode="ltGray">
+          <a:xfrm>
+            <a:off x="6049306" y="1158997"/>
+            <a:ext cx="1858526" cy="319148"/>
+          </a:xfrm>
+          <a:prstGeom prst="rect">
+            <a:avLst/>
+          </a:prstGeom>
+          <a:noFill/>
+          <a:ln w="38100">
+            <a:solidFill>
+              <a:schemeClr val="accent1"/>
+            </a:solidFill>
+          </a:ln>
+        </p:spPr>
+        <p:style>
+          <a:lnRef idx="2">
+            <a:schemeClr val="accent1">
+              <a:shade val="50000"/>
+            </a:schemeClr>
+          </a:lnRef>
+          <a:fillRef idx="1">
+            <a:schemeClr val="accent1"/>
+          </a:fillRef>
+          <a:effectRef idx="0">
+            <a:schemeClr val="accent1"/>
+          </a:effectRef>
+          <a:fontRef idx="minor">
+            <a:schemeClr val="lt1"/>
+          </a:fontRef>
+        </p:style>
+        <p:txBody>
+          <a:bodyPr rtlCol="0" anchor="ctr"/>
+          <a:lstStyle/>
+          <a:p>
+            <a:pPr algn="ctr">
+              <a:lnSpc>
+                <a:spcPct val="90000"/>
+              </a:lnSpc>
+            </a:pPr>
+            <a:endParaRPr lang="en-US" sz="1200" b="1" dirty="0" smtClean="0">
+              <a:solidFill>
+                <a:schemeClr val="tx1"/>
+              </a:solidFill>
+            </a:endParaRPr>
+          </a:p>
+        </p:txBody>
+      </p:sp>
+      <p:sp>
+        <p:nvSpPr>
+          <p:cNvPr id="7" name="TextBox 6"/>
+          <p:cNvSpPr txBox="1"/>
+          <p:nvPr/>
+        </p:nvSpPr>
+        <p:spPr>
+          <a:xfrm>
+            <a:off x="4244958" y="1190904"/>
+            <a:ext cx="1669969" cy="278719"/>
+          </a:xfrm>
+          <a:prstGeom prst="rect">
+            <a:avLst/>
+          </a:prstGeom>
+          <a:noFill/>
+        </p:spPr>
+        <p:txBody>
+          <a:bodyPr wrap="none" lIns="0" tIns="0" rIns="0" bIns="0" rtlCol="0" anchor="ctr">
+            <a:noAutofit/>
+          </a:bodyPr>
+          <a:lstStyle/>
+          <a:p>
+            <a:pPr algn="ctr">
+              <a:lnSpc>
+                <a:spcPct val="90000"/>
+              </a:lnSpc>
+            </a:pPr>
+            <a:r>
+              <a:rPr lang="en-US" dirty="0" smtClean="0"/>
+              <a:t>Industry-0</a:t>
+            </a:r>
+            <a:endParaRPr lang="en-GB" sz="1600" dirty="0"/>
+          </a:p>
+        </p:txBody>
+      </p:sp>
+      <p:sp>
+        <p:nvSpPr>
+          <p:cNvPr id="6" name="Rectangle 5"/>
+          <p:cNvSpPr/>
+          <p:nvPr/>
+        </p:nvSpPr>
+        <p:spPr bwMode="ltGray">
+          <a:xfrm>
+            <a:off x="4117781" y="1159284"/>
+            <a:ext cx="1838353" cy="305388"/>
+          </a:xfrm>
+          <a:prstGeom prst="rect">
+            <a:avLst/>
+          </a:prstGeom>
+          <a:noFill/>
+          <a:ln w="38100">
+            <a:solidFill>
+              <a:schemeClr val="accent1"/>
+            </a:solidFill>
+          </a:ln>
+        </p:spPr>
+        <p:style>
+          <a:lnRef idx="2">
+            <a:schemeClr val="accent1">
+              <a:shade val="50000"/>
+            </a:schemeClr>
+          </a:lnRef>
+          <a:fillRef idx="1">
+            <a:schemeClr val="accent1"/>
+          </a:fillRef>
+          <a:effectRef idx="0">
+            <a:schemeClr val="accent1"/>
+          </a:effectRef>
+          <a:fontRef idx="minor">
+            <a:schemeClr val="lt1"/>
+          </a:fontRef>
+        </p:style>
+        <p:txBody>
+          <a:bodyPr rtlCol="0" anchor="ctr"/>
+          <a:lstStyle/>
+          <a:p>
+            <a:pPr algn="ctr">
+              <a:lnSpc>
+                <a:spcPct val="90000"/>
+              </a:lnSpc>
+            </a:pPr>
+            <a:endParaRPr lang="en-US" sz="1200" b="1" dirty="0" smtClean="0">
+              <a:solidFill>
+                <a:schemeClr val="tx1"/>
+              </a:solidFill>
+            </a:endParaRPr>
+          </a:p>
+        </p:txBody>
+      </p:sp>
+      <p:sp>
+        <p:nvSpPr>
+          <p:cNvPr id="87" name="Rectangle 55"/>
+          <p:cNvSpPr/>
+          <p:nvPr/>
+        </p:nvSpPr>
+        <p:spPr bwMode="ltGray">
+          <a:xfrm>
+            <a:off x="4111109" y="4083312"/>
+            <a:ext cx="1838626" cy="2209491"/>
+          </a:xfrm>
+          <a:prstGeom prst="rect">
+            <a:avLst/>
+          </a:prstGeom>
+          <a:noFill/>
+          <a:ln w="38100">
+            <a:solidFill>
+              <a:schemeClr val="bg2"/>
+            </a:solidFill>
+          </a:ln>
+        </p:spPr>
+        <p:style>
+          <a:lnRef idx="2">
+            <a:schemeClr val="accent1">
+              <a:shade val="50000"/>
+            </a:schemeClr>
+          </a:lnRef>
+          <a:fillRef idx="1">
+            <a:schemeClr val="accent1"/>
+          </a:fillRef>
+          <a:effectRef idx="0">
+            <a:schemeClr val="accent1"/>
+          </a:effectRef>
+          <a:fontRef idx="minor">
+            <a:schemeClr val="lt1"/>
+          </a:fontRef>
+        </p:style>
+        <p:txBody>
+          <a:bodyPr lIns="182880" tIns="182880" rIns="182880" bIns="182880" rtlCol="0" anchor="t"/>
+          <a:lstStyle/>
+          <a:p>
+            <a:pPr marL="45720" indent="-60325">
+              <a:spcBef>
+                <a:spcPts val="1200"/>
+              </a:spcBef>
+              <a:buClr>
+                <a:prstClr val="black"/>
+              </a:buClr>
+            </a:pPr>
+            <a:endParaRPr lang="en-US" sz="1000" dirty="0">
+              <a:solidFill>
+                <a:schemeClr val="tx1"/>
+              </a:solidFill>
+            </a:endParaRPr>
+          </a:p>
+          <a:p>
+            <a:pPr marL="45720" lvl="0" indent="-60325">
+              <a:spcBef>
+                <a:spcPts val="1200"/>
+              </a:spcBef>
+              <a:buClr>
+                <a:prstClr val="black"/>
+              </a:buClr>
+            </a:pPr>
+            <a:endParaRPr lang="en-US" sz="1100" i="1" dirty="0" smtClean="0">
+              <a:solidFill>
+                <a:schemeClr val="tx1"/>
+              </a:solidFill>
+            </a:endParaRPr>
+          </a:p>
+        </p:txBody>
+      </p:sp>
+      <p:sp>
+        <p:nvSpPr>
+          <p:cNvPr id="88" name="Rectangle 87"/>
           <p:cNvSpPr/>
           <p:nvPr/>
         </p:nvSpPr>
         <p:spPr>
           <a:xfrm>
-            <a:off x="8149628" y="3373355"/>
-            <a:ext cx="990042" cy="229371"/>
+            <a:off x="4883402" y="4143892"/>
+            <a:ext cx="1080557" cy="228737"/>
+          </a:xfrm>
+          <a:prstGeom prst="rect">
+            <a:avLst/>
+          </a:prstGeom>
+        </p:spPr>
+        <p:txBody>
+          <a:bodyPr wrap="square" numCol="1" anchor="t">
+            <a:noAutofit/>
+          </a:bodyPr>
+          <a:lstStyle/>
+          <a:p>
+            <a:pPr algn="ctr">
+              <a:lnSpc>
+                <a:spcPct val="90000"/>
+              </a:lnSpc>
+              <a:defRPr sz="1000" b="1">
+                <a:solidFill>
+                  <a:schemeClr val="dk1"/>
+                </a:solidFill>
+              </a:defRPr>
+            </a:pPr>
+            <a:r>
+              <a:rPr sz="1100" dirty="0"/>
+              <a:t>Top </a:t>
+            </a:r>
+            <a:r>
+              <a:rPr lang="en-US" sz="1100" dirty="0" smtClean="0"/>
+              <a:t>interests</a:t>
+            </a:r>
+            <a:endParaRPr lang="en-US" sz="1100" b="1" dirty="0"/>
+          </a:p>
+          <a:p>
+            <a:pPr>
+              <a:defRPr sz="800">
+                <a:solidFill>
+                  <a:schemeClr val="dk2"/>
+                </a:solidFill>
+              </a:defRPr>
+            </a:pPr>
+            <a:r>
+              <a:rPr dirty="0" smtClean="0"/>
+              <a:t> </a:t>
+            </a:r>
+            <a:endParaRPr dirty="0"/>
+          </a:p>
+        </p:txBody>
+      </p:sp>
+      <p:sp>
+        <p:nvSpPr>
+          <p:cNvPr id="97" name="Rectangle 96"/>
+          <p:cNvSpPr/>
+          <p:nvPr/>
+        </p:nvSpPr>
+        <p:spPr bwMode="ltGray">
+          <a:xfrm>
+            <a:off x="4119731" y="3761283"/>
+            <a:ext cx="1841367" cy="316097"/>
+          </a:xfrm>
+          <a:prstGeom prst="rect">
+            <a:avLst/>
+          </a:prstGeom>
+          <a:noFill/>
+          <a:ln w="38100">
+            <a:solidFill>
+              <a:schemeClr val="accent1"/>
+            </a:solidFill>
+          </a:ln>
+        </p:spPr>
+        <p:style>
+          <a:lnRef idx="2">
+            <a:schemeClr val="accent1">
+              <a:shade val="50000"/>
+            </a:schemeClr>
+          </a:lnRef>
+          <a:fillRef idx="1">
+            <a:schemeClr val="accent1"/>
+          </a:fillRef>
+          <a:effectRef idx="0">
+            <a:schemeClr val="accent1"/>
+          </a:effectRef>
+          <a:fontRef idx="minor">
+            <a:schemeClr val="lt1"/>
+          </a:fontRef>
+        </p:style>
+        <p:txBody>
+          <a:bodyPr rtlCol="0" anchor="ctr"/>
+          <a:lstStyle/>
+          <a:p>
+            <a:pPr algn="ctr">
+              <a:lnSpc>
+                <a:spcPct val="90000"/>
+              </a:lnSpc>
+            </a:pPr>
+            <a:endParaRPr lang="en-US" sz="1200" b="1" dirty="0" smtClean="0">
+              <a:solidFill>
+                <a:schemeClr val="tx1"/>
+              </a:solidFill>
+            </a:endParaRPr>
+          </a:p>
+        </p:txBody>
+      </p:sp>
+      <p:sp>
+        <p:nvSpPr>
+          <p:cNvPr id="98" name="TextBox 97"/>
+          <p:cNvSpPr txBox="1"/>
+          <p:nvPr/>
+        </p:nvSpPr>
+        <p:spPr>
+          <a:xfrm>
+            <a:off x="4199700" y="3828031"/>
+            <a:ext cx="1657364" cy="264260"/>
+          </a:xfrm>
+          <a:prstGeom prst="rect">
+            <a:avLst/>
+          </a:prstGeom>
+          <a:noFill/>
+          <a:ln>
+            <a:noFill/>
+          </a:ln>
+        </p:spPr>
+        <p:txBody>
+          <a:bodyPr wrap="none" lIns="0" tIns="0" rIns="0" bIns="0" rtlCol="0" anchor="ctr">
+            <a:noAutofit/>
+          </a:bodyPr>
+          <a:lstStyle/>
+          <a:p>
+            <a:pPr algn="ctr">
+              <a:lnSpc>
+                <a:spcPct val="90000"/>
+              </a:lnSpc>
+            </a:pPr>
+            <a:r>
+              <a:rPr lang="en-US" dirty="0" smtClean="0"/>
+              <a:t>Industry-4</a:t>
+            </a:r>
+            <a:endParaRPr lang="en-GB" sz="1600" dirty="0"/>
+          </a:p>
+        </p:txBody>
+      </p:sp>
+      <p:sp>
+        <p:nvSpPr>
+          <p:cNvPr id="107" name="Rectangle 55"/>
+          <p:cNvSpPr/>
+          <p:nvPr/>
+        </p:nvSpPr>
+        <p:spPr bwMode="ltGray">
+          <a:xfrm>
+            <a:off x="8006193" y="1463359"/>
+            <a:ext cx="1830127" cy="2209491"/>
+          </a:xfrm>
+          <a:prstGeom prst="rect">
+            <a:avLst/>
+          </a:prstGeom>
+          <a:noFill/>
+          <a:ln w="38100">
+            <a:solidFill>
+              <a:schemeClr val="bg2"/>
+            </a:solidFill>
+          </a:ln>
+        </p:spPr>
+        <p:style>
+          <a:lnRef idx="2">
+            <a:schemeClr val="accent1">
+              <a:shade val="50000"/>
+            </a:schemeClr>
+          </a:lnRef>
+          <a:fillRef idx="1">
+            <a:schemeClr val="accent1"/>
+          </a:fillRef>
+          <a:effectRef idx="0">
+            <a:schemeClr val="accent1"/>
+          </a:effectRef>
+          <a:fontRef idx="minor">
+            <a:schemeClr val="lt1"/>
+          </a:fontRef>
+        </p:style>
+        <p:txBody>
+          <a:bodyPr lIns="182880" tIns="182880" rIns="182880" bIns="182880" rtlCol="0" anchor="t"/>
+          <a:lstStyle/>
+          <a:p>
+            <a:pPr marL="45720" indent="-60325">
+              <a:spcBef>
+                <a:spcPts val="1200"/>
+              </a:spcBef>
+              <a:buClr>
+                <a:prstClr val="black"/>
+              </a:buClr>
+            </a:pPr>
+            <a:endParaRPr lang="en-US" sz="1000" dirty="0">
+              <a:solidFill>
+                <a:schemeClr val="tx1"/>
+              </a:solidFill>
+            </a:endParaRPr>
+          </a:p>
+          <a:p>
+            <a:pPr marL="45720" lvl="0" indent="-60325">
+              <a:spcBef>
+                <a:spcPts val="1200"/>
+              </a:spcBef>
+              <a:buClr>
+                <a:prstClr val="black"/>
+              </a:buClr>
+            </a:pPr>
+            <a:endParaRPr lang="en-US" sz="1100" i="1" dirty="0" smtClean="0">
+              <a:solidFill>
+                <a:schemeClr val="tx1"/>
+              </a:solidFill>
+            </a:endParaRPr>
+          </a:p>
+        </p:txBody>
+      </p:sp>
+      <p:sp>
+        <p:nvSpPr>
+          <p:cNvPr id="108" name="Rectangle 107"/>
+          <p:cNvSpPr/>
+          <p:nvPr/>
+        </p:nvSpPr>
+        <p:spPr>
+          <a:xfrm>
+            <a:off x="8802551" y="1483917"/>
+            <a:ext cx="1080557" cy="228737"/>
+          </a:xfrm>
+          <a:prstGeom prst="rect">
+            <a:avLst/>
+          </a:prstGeom>
+        </p:spPr>
+        <p:txBody>
+          <a:bodyPr wrap="square" numCol="1" anchor="t">
+            <a:noAutofit/>
+          </a:bodyPr>
+          <a:lstStyle/>
+          <a:p>
+            <a:pPr algn="ctr">
+              <a:lnSpc>
+                <a:spcPct val="90000"/>
+              </a:lnSpc>
+              <a:defRPr sz="1000" b="1">
+                <a:solidFill>
+                  <a:schemeClr val="dk1"/>
+                </a:solidFill>
+              </a:defRPr>
+            </a:pPr>
+            <a:r>
+              <a:rPr sz="1100" dirty="0"/>
+              <a:t>Top </a:t>
+            </a:r>
+            <a:r>
+              <a:rPr lang="en-US" sz="1100" dirty="0" smtClean="0"/>
+              <a:t>interests</a:t>
+            </a:r>
+            <a:endParaRPr lang="en-US" sz="1100" b="1" dirty="0"/>
+          </a:p>
+          <a:p>
+            <a:pPr>
+              <a:defRPr sz="800">
+                <a:solidFill>
+                  <a:schemeClr val="dk2"/>
+                </a:solidFill>
+              </a:defRPr>
+            </a:pPr>
+            <a:r>
+              <a:rPr dirty="0" smtClean="0"/>
+              <a:t> </a:t>
+            </a:r>
+            <a:endParaRPr dirty="0"/>
+          </a:p>
+        </p:txBody>
+      </p:sp>
+      <p:sp>
+        <p:nvSpPr>
+          <p:cNvPr id="127" name="Rectangle 126"/>
+          <p:cNvSpPr/>
+          <p:nvPr/>
+        </p:nvSpPr>
+        <p:spPr bwMode="ltGray">
+          <a:xfrm>
+            <a:off x="8006192" y="1167303"/>
+            <a:ext cx="1830129" cy="298403"/>
+          </a:xfrm>
+          <a:prstGeom prst="rect">
+            <a:avLst/>
+          </a:prstGeom>
+          <a:noFill/>
+          <a:ln w="38100">
+            <a:solidFill>
+              <a:schemeClr val="accent1"/>
+            </a:solidFill>
+          </a:ln>
+        </p:spPr>
+        <p:style>
+          <a:lnRef idx="2">
+            <a:schemeClr val="accent1">
+              <a:shade val="50000"/>
+            </a:schemeClr>
+          </a:lnRef>
+          <a:fillRef idx="1">
+            <a:schemeClr val="accent1"/>
+          </a:fillRef>
+          <a:effectRef idx="0">
+            <a:schemeClr val="accent1"/>
+          </a:effectRef>
+          <a:fontRef idx="minor">
+            <a:schemeClr val="lt1"/>
+          </a:fontRef>
+        </p:style>
+        <p:txBody>
+          <a:bodyPr rtlCol="0" anchor="ctr"/>
+          <a:lstStyle/>
+          <a:p>
+            <a:pPr algn="ctr">
+              <a:lnSpc>
+                <a:spcPct val="90000"/>
+              </a:lnSpc>
+            </a:pPr>
+            <a:endParaRPr lang="en-US" sz="1200" b="1" dirty="0" smtClean="0">
+              <a:solidFill>
+                <a:schemeClr val="tx1"/>
+              </a:solidFill>
+            </a:endParaRPr>
+          </a:p>
+        </p:txBody>
+      </p:sp>
+      <p:sp>
+        <p:nvSpPr>
+          <p:cNvPr id="128" name="TextBox 127"/>
+          <p:cNvSpPr txBox="1"/>
+          <p:nvPr/>
+        </p:nvSpPr>
+        <p:spPr>
+          <a:xfrm>
+            <a:off x="8116442" y="1197498"/>
+            <a:ext cx="1591944" cy="272125"/>
+          </a:xfrm>
+          <a:prstGeom prst="rect">
+            <a:avLst/>
+          </a:prstGeom>
+          <a:noFill/>
+        </p:spPr>
+        <p:txBody>
+          <a:bodyPr wrap="none" lIns="0" tIns="0" rIns="0" bIns="0" rtlCol="0" anchor="ctr">
+            <a:noAutofit/>
+          </a:bodyPr>
+          <a:lstStyle/>
+          <a:p>
+            <a:pPr algn="ctr">
+              <a:lnSpc>
+                <a:spcPct val="90000"/>
+              </a:lnSpc>
+            </a:pPr>
+            <a:r>
+              <a:rPr lang="en-US" dirty="0" smtClean="0"/>
+              <a:t>Industry-2</a:t>
+            </a:r>
+            <a:endParaRPr lang="en-GB" sz="1600" dirty="0"/>
+          </a:p>
+        </p:txBody>
+      </p:sp>
+      <p:sp>
+        <p:nvSpPr>
+          <p:cNvPr id="134" name="Rectangle 55"/>
+          <p:cNvSpPr/>
+          <p:nvPr/>
+        </p:nvSpPr>
+        <p:spPr bwMode="ltGray">
+          <a:xfrm>
+            <a:off x="8012265" y="4074107"/>
+            <a:ext cx="1838626" cy="2209491"/>
+          </a:xfrm>
+          <a:prstGeom prst="rect">
+            <a:avLst/>
+          </a:prstGeom>
+          <a:noFill/>
+          <a:ln w="38100">
+            <a:solidFill>
+              <a:schemeClr val="bg2"/>
+            </a:solidFill>
+          </a:ln>
+        </p:spPr>
+        <p:style>
+          <a:lnRef idx="2">
+            <a:schemeClr val="accent1">
+              <a:shade val="50000"/>
+            </a:schemeClr>
+          </a:lnRef>
+          <a:fillRef idx="1">
+            <a:schemeClr val="accent1"/>
+          </a:fillRef>
+          <a:effectRef idx="0">
+            <a:schemeClr val="accent1"/>
+          </a:effectRef>
+          <a:fontRef idx="minor">
+            <a:schemeClr val="lt1"/>
+          </a:fontRef>
+        </p:style>
+        <p:txBody>
+          <a:bodyPr lIns="182880" tIns="182880" rIns="182880" bIns="182880" rtlCol="0" anchor="t"/>
+          <a:lstStyle/>
+          <a:p>
+            <a:pPr marL="45720" indent="-60325">
+              <a:spcBef>
+                <a:spcPts val="1200"/>
+              </a:spcBef>
+              <a:buClr>
+                <a:prstClr val="black"/>
+              </a:buClr>
+            </a:pPr>
+            <a:endParaRPr lang="en-US" sz="1000" dirty="0">
+              <a:solidFill>
+                <a:schemeClr val="tx1"/>
+              </a:solidFill>
+            </a:endParaRPr>
+          </a:p>
+          <a:p>
+            <a:pPr marL="45720" lvl="0" indent="-60325">
+              <a:spcBef>
+                <a:spcPts val="1200"/>
+              </a:spcBef>
+              <a:buClr>
+                <a:prstClr val="black"/>
+              </a:buClr>
+            </a:pPr>
+            <a:endParaRPr lang="en-US" sz="1100" i="1" dirty="0" smtClean="0">
+              <a:solidFill>
+                <a:schemeClr val="tx1"/>
+              </a:solidFill>
+            </a:endParaRPr>
+          </a:p>
+        </p:txBody>
+      </p:sp>
+      <p:sp>
+        <p:nvSpPr>
+          <p:cNvPr id="135" name="Rectangle 134"/>
+          <p:cNvSpPr/>
+          <p:nvPr/>
+        </p:nvSpPr>
+        <p:spPr>
+          <a:xfrm>
+            <a:off x="8808622" y="4115088"/>
+            <a:ext cx="1080557" cy="228737"/>
+          </a:xfrm>
+          <a:prstGeom prst="rect">
+            <a:avLst/>
+          </a:prstGeom>
+        </p:spPr>
+        <p:txBody>
+          <a:bodyPr wrap="square" numCol="1" anchor="t">
+            <a:noAutofit/>
+          </a:bodyPr>
+          <a:lstStyle/>
+          <a:p>
+            <a:pPr algn="ctr">
+              <a:lnSpc>
+                <a:spcPct val="90000"/>
+              </a:lnSpc>
+              <a:defRPr sz="1000" b="1">
+                <a:solidFill>
+                  <a:schemeClr val="dk1"/>
+                </a:solidFill>
+              </a:defRPr>
+            </a:pPr>
+            <a:r>
+              <a:rPr lang="en-US" sz="1100" dirty="0" smtClean="0"/>
+              <a:t>Top interests</a:t>
+            </a:r>
+            <a:endParaRPr lang="en-US" sz="1100" b="1" dirty="0"/>
+          </a:p>
+          <a:p>
+            <a:pPr>
+              <a:defRPr sz="800">
+                <a:solidFill>
+                  <a:schemeClr val="dk2"/>
+                </a:solidFill>
+              </a:defRPr>
+            </a:pPr>
+            <a:r>
+              <a:rPr dirty="0" smtClean="0"/>
+              <a:t> </a:t>
+            </a:r>
+            <a:endParaRPr dirty="0"/>
+          </a:p>
+        </p:txBody>
+      </p:sp>
+      <p:sp>
+        <p:nvSpPr>
+          <p:cNvPr id="136" name="Rectangle 135"/>
+          <p:cNvSpPr/>
+          <p:nvPr/>
+        </p:nvSpPr>
+        <p:spPr bwMode="ltGray">
+          <a:xfrm>
+            <a:off x="8024298" y="3763508"/>
+            <a:ext cx="1826594" cy="310045"/>
+          </a:xfrm>
+          <a:prstGeom prst="rect">
+            <a:avLst/>
+          </a:prstGeom>
+          <a:noFill/>
+          <a:ln w="38100">
+            <a:solidFill>
+              <a:schemeClr val="accent1"/>
+            </a:solidFill>
+          </a:ln>
+        </p:spPr>
+        <p:style>
+          <a:lnRef idx="2">
+            <a:schemeClr val="accent1">
+              <a:shade val="50000"/>
+            </a:schemeClr>
+          </a:lnRef>
+          <a:fillRef idx="1">
+            <a:schemeClr val="accent1"/>
+          </a:fillRef>
+          <a:effectRef idx="0">
+            <a:schemeClr val="accent1"/>
+          </a:effectRef>
+          <a:fontRef idx="minor">
+            <a:schemeClr val="lt1"/>
+          </a:fontRef>
+        </p:style>
+        <p:txBody>
+          <a:bodyPr rtlCol="0" anchor="ctr"/>
+          <a:lstStyle/>
+          <a:p>
+            <a:pPr algn="ctr">
+              <a:lnSpc>
+                <a:spcPct val="90000"/>
+              </a:lnSpc>
+            </a:pPr>
+            <a:endParaRPr lang="en-US" sz="1200" b="1" dirty="0" smtClean="0">
+              <a:solidFill>
+                <a:schemeClr val="tx1"/>
+              </a:solidFill>
+            </a:endParaRPr>
+          </a:p>
+        </p:txBody>
+      </p:sp>
+      <p:sp>
+        <p:nvSpPr>
+          <p:cNvPr id="140" name="TextBox 139"/>
+          <p:cNvSpPr txBox="1"/>
+          <p:nvPr/>
+        </p:nvSpPr>
+        <p:spPr>
+          <a:xfrm>
+            <a:off x="8217280" y="3814354"/>
+            <a:ext cx="1424547" cy="277937"/>
+          </a:xfrm>
+          <a:prstGeom prst="rect">
+            <a:avLst/>
+          </a:prstGeom>
+          <a:noFill/>
+          <a:ln>
+            <a:noFill/>
+          </a:ln>
+        </p:spPr>
+        <p:txBody>
+          <a:bodyPr wrap="none" lIns="0" tIns="0" rIns="0" bIns="0" rtlCol="0" anchor="ctr">
+            <a:noAutofit/>
+          </a:bodyPr>
+          <a:lstStyle/>
+          <a:p>
+            <a:pPr algn="ctr">
+              <a:lnSpc>
+                <a:spcPct val="90000"/>
+              </a:lnSpc>
+            </a:pPr>
+            <a:r>
+              <a:rPr lang="en-US" dirty="0" smtClean="0"/>
+              <a:t>Industry-6</a:t>
+            </a:r>
+            <a:endParaRPr lang="en-GB" sz="1600" dirty="0"/>
+          </a:p>
+        </p:txBody>
+      </p:sp>
+      <p:sp>
+        <p:nvSpPr>
+          <p:cNvPr id="72" name="Rectangle 71"/>
+          <p:cNvSpPr/>
+          <p:nvPr/>
+        </p:nvSpPr>
+        <p:spPr>
+          <a:xfrm>
+            <a:off x="4890075" y="1483798"/>
+            <a:ext cx="1080557" cy="252316"/>
+          </a:xfrm>
+          <a:prstGeom prst="rect">
+            <a:avLst/>
+          </a:prstGeom>
+        </p:spPr>
+        <p:txBody>
+          <a:bodyPr wrap="square" numCol="1" anchor="t">
+            <a:noAutofit/>
+          </a:bodyPr>
+          <a:lstStyle/>
+          <a:p>
+            <a:pPr algn="ctr">
+              <a:lnSpc>
+                <a:spcPct val="90000"/>
+              </a:lnSpc>
+              <a:defRPr sz="1000" b="1">
+                <a:solidFill>
+                  <a:schemeClr val="dk1"/>
+                </a:solidFill>
+              </a:defRPr>
+            </a:pPr>
+            <a:r>
+              <a:rPr sz="1100" dirty="0" smtClean="0"/>
+              <a:t>Top</a:t>
+            </a:r>
+            <a:r>
+              <a:rPr lang="en-US" sz="1100" dirty="0" smtClean="0"/>
+              <a:t> interests</a:t>
+            </a:r>
+            <a:endParaRPr lang="en-US" sz="1100" b="1" dirty="0"/>
+          </a:p>
+        </p:txBody>
+      </p:sp>
+      <p:sp>
+        <p:nvSpPr>
+          <p:cNvPr id="74" name="Rectangle 55"/>
+          <p:cNvSpPr/>
+          <p:nvPr/>
+        </p:nvSpPr>
+        <p:spPr bwMode="ltGray">
+          <a:xfrm>
+            <a:off x="9937763" y="1463239"/>
+            <a:ext cx="1826608" cy="2189155"/>
+          </a:xfrm>
+          <a:prstGeom prst="rect">
+            <a:avLst/>
+          </a:prstGeom>
+          <a:noFill/>
+          <a:ln w="38100">
+            <a:solidFill>
+              <a:schemeClr val="bg2"/>
+            </a:solidFill>
+          </a:ln>
+        </p:spPr>
+        <p:style>
+          <a:lnRef idx="2">
+            <a:schemeClr val="accent1">
+              <a:shade val="50000"/>
+            </a:schemeClr>
+          </a:lnRef>
+          <a:fillRef idx="1">
+            <a:schemeClr val="accent1"/>
+          </a:fillRef>
+          <a:effectRef idx="0">
+            <a:schemeClr val="accent1"/>
+          </a:effectRef>
+          <a:fontRef idx="minor">
+            <a:schemeClr val="lt1"/>
+          </a:fontRef>
+        </p:style>
+        <p:txBody>
+          <a:bodyPr lIns="182880" tIns="182880" rIns="182880" bIns="182880" rtlCol="0" anchor="t"/>
+          <a:lstStyle/>
+          <a:p>
+            <a:pPr marL="45720" indent="-60325">
+              <a:spcBef>
+                <a:spcPts val="1200"/>
+              </a:spcBef>
+              <a:buClr>
+                <a:prstClr val="black"/>
+              </a:buClr>
+            </a:pPr>
+            <a:endParaRPr lang="en-US" sz="1000" dirty="0">
+              <a:solidFill>
+                <a:schemeClr val="tx1"/>
+              </a:solidFill>
+            </a:endParaRPr>
+          </a:p>
+          <a:p>
+            <a:pPr marL="45720" lvl="0" indent="-60325">
+              <a:spcBef>
+                <a:spcPts val="1200"/>
+              </a:spcBef>
+              <a:buClr>
+                <a:prstClr val="black"/>
+              </a:buClr>
+            </a:pPr>
+            <a:endParaRPr lang="en-US" sz="1100" i="1" dirty="0" smtClean="0">
+              <a:solidFill>
+                <a:schemeClr val="tx1"/>
+              </a:solidFill>
+            </a:endParaRPr>
+          </a:p>
+        </p:txBody>
+      </p:sp>
+      <p:sp>
+        <p:nvSpPr>
+          <p:cNvPr id="76" name="Rectangle 75"/>
+          <p:cNvSpPr/>
+          <p:nvPr/>
+        </p:nvSpPr>
+        <p:spPr>
+          <a:xfrm>
+            <a:off x="10708851" y="1472681"/>
+            <a:ext cx="1080557" cy="228737"/>
+          </a:xfrm>
+          <a:prstGeom prst="rect">
+            <a:avLst/>
+          </a:prstGeom>
+        </p:spPr>
+        <p:txBody>
+          <a:bodyPr wrap="square" numCol="1" anchor="t">
+            <a:noAutofit/>
+          </a:bodyPr>
+          <a:lstStyle/>
+          <a:p>
+            <a:pPr algn="ctr">
+              <a:lnSpc>
+                <a:spcPct val="90000"/>
+              </a:lnSpc>
+              <a:defRPr sz="1000" b="1">
+                <a:solidFill>
+                  <a:schemeClr val="dk1"/>
+                </a:solidFill>
+              </a:defRPr>
+            </a:pPr>
+            <a:r>
+              <a:rPr lang="en-US" sz="1100" dirty="0" smtClean="0"/>
+              <a:t>Top interests</a:t>
+            </a:r>
+            <a:endParaRPr lang="en-US" sz="1100" b="1" dirty="0"/>
+          </a:p>
+          <a:p>
+            <a:pPr>
+              <a:defRPr sz="800">
+                <a:solidFill>
+                  <a:schemeClr val="dk2"/>
+                </a:solidFill>
+              </a:defRPr>
+            </a:pPr>
+            <a:r>
+              <a:rPr dirty="0" smtClean="0"/>
+              <a:t> </a:t>
+            </a:r>
+            <a:endParaRPr dirty="0"/>
+          </a:p>
+        </p:txBody>
+      </p:sp>
+      <p:sp>
+        <p:nvSpPr>
+          <p:cNvPr id="86" name="TextBox 85"/>
+          <p:cNvSpPr txBox="1"/>
+          <p:nvPr/>
+        </p:nvSpPr>
+        <p:spPr>
+          <a:xfrm>
+            <a:off x="10081092" y="1162065"/>
+            <a:ext cx="1537351" cy="307558"/>
+          </a:xfrm>
+          <a:prstGeom prst="rect">
+            <a:avLst/>
+          </a:prstGeom>
+          <a:noFill/>
+        </p:spPr>
+        <p:txBody>
+          <a:bodyPr wrap="none" lIns="0" tIns="0" rIns="0" bIns="0" rtlCol="0" anchor="ctr">
+            <a:noAutofit/>
+          </a:bodyPr>
+          <a:lstStyle/>
+          <a:p>
+            <a:pPr algn="ctr">
+              <a:lnSpc>
+                <a:spcPct val="90000"/>
+              </a:lnSpc>
+            </a:pPr>
+            <a:r>
+              <a:rPr lang="en-GB" dirty="0" smtClean="0"/>
+              <a:t>Industry-3</a:t>
+            </a:r>
+            <a:endParaRPr lang="en-GB" sz="1600" dirty="0"/>
+          </a:p>
+        </p:txBody>
+      </p:sp>
+      <p:sp>
+        <p:nvSpPr>
+          <p:cNvPr id="95" name="Rectangle 94"/>
+          <p:cNvSpPr/>
+          <p:nvPr/>
+        </p:nvSpPr>
+        <p:spPr bwMode="ltGray">
+          <a:xfrm>
+            <a:off x="9934681" y="1168300"/>
+            <a:ext cx="1830172" cy="295525"/>
+          </a:xfrm>
+          <a:prstGeom prst="rect">
+            <a:avLst/>
+          </a:prstGeom>
+          <a:noFill/>
+          <a:ln w="38100">
+            <a:solidFill>
+              <a:schemeClr val="accent1"/>
+            </a:solidFill>
+          </a:ln>
+        </p:spPr>
+        <p:style>
+          <a:lnRef idx="2">
+            <a:schemeClr val="accent1">
+              <a:shade val="50000"/>
+            </a:schemeClr>
+          </a:lnRef>
+          <a:fillRef idx="1">
+            <a:schemeClr val="accent1"/>
+          </a:fillRef>
+          <a:effectRef idx="0">
+            <a:schemeClr val="accent1"/>
+          </a:effectRef>
+          <a:fontRef idx="minor">
+            <a:schemeClr val="lt1"/>
+          </a:fontRef>
+        </p:style>
+        <p:txBody>
+          <a:bodyPr rtlCol="0" anchor="ctr"/>
+          <a:lstStyle/>
+          <a:p>
+            <a:pPr algn="ctr">
+              <a:lnSpc>
+                <a:spcPct val="90000"/>
+              </a:lnSpc>
+            </a:pPr>
+            <a:endParaRPr lang="en-US" sz="1200" b="1" dirty="0" smtClean="0">
+              <a:solidFill>
+                <a:schemeClr val="tx1"/>
+              </a:solidFill>
+            </a:endParaRPr>
+          </a:p>
+        </p:txBody>
+      </p:sp>
+      <p:sp>
+        <p:nvSpPr>
+          <p:cNvPr id="102" name="Rectangle 55"/>
+          <p:cNvSpPr/>
+          <p:nvPr/>
+        </p:nvSpPr>
+        <p:spPr bwMode="ltGray">
+          <a:xfrm>
+            <a:off x="9931363" y="4080589"/>
+            <a:ext cx="1833008" cy="2209491"/>
+          </a:xfrm>
+          <a:prstGeom prst="rect">
+            <a:avLst/>
+          </a:prstGeom>
+          <a:noFill/>
+          <a:ln w="38100">
+            <a:solidFill>
+              <a:schemeClr val="bg2"/>
+            </a:solidFill>
+          </a:ln>
+        </p:spPr>
+        <p:style>
+          <a:lnRef idx="2">
+            <a:schemeClr val="accent1">
+              <a:shade val="50000"/>
+            </a:schemeClr>
+          </a:lnRef>
+          <a:fillRef idx="1">
+            <a:schemeClr val="accent1"/>
+          </a:fillRef>
+          <a:effectRef idx="0">
+            <a:schemeClr val="accent1"/>
+          </a:effectRef>
+          <a:fontRef idx="minor">
+            <a:schemeClr val="lt1"/>
+          </a:fontRef>
+        </p:style>
+        <p:txBody>
+          <a:bodyPr lIns="182880" tIns="182880" rIns="182880" bIns="182880" rtlCol="0" anchor="t"/>
+          <a:lstStyle/>
+          <a:p>
+            <a:pPr marL="45720" indent="-60325">
+              <a:spcBef>
+                <a:spcPts val="1200"/>
+              </a:spcBef>
+              <a:buClr>
+                <a:prstClr val="black"/>
+              </a:buClr>
+            </a:pPr>
+            <a:endParaRPr lang="en-US" sz="1000" dirty="0">
+              <a:solidFill>
+                <a:schemeClr val="tx1"/>
+              </a:solidFill>
+            </a:endParaRPr>
+          </a:p>
+          <a:p>
+            <a:pPr marL="45720" lvl="0" indent="-60325">
+              <a:spcBef>
+                <a:spcPts val="1200"/>
+              </a:spcBef>
+              <a:buClr>
+                <a:prstClr val="black"/>
+              </a:buClr>
+            </a:pPr>
+            <a:endParaRPr lang="en-US" sz="1100" i="1" dirty="0" smtClean="0">
+              <a:solidFill>
+                <a:schemeClr val="tx1"/>
+              </a:solidFill>
+            </a:endParaRPr>
+          </a:p>
+        </p:txBody>
+      </p:sp>
+      <p:sp>
+        <p:nvSpPr>
+          <p:cNvPr id="103" name="Rectangle 102"/>
+          <p:cNvSpPr/>
+          <p:nvPr/>
+        </p:nvSpPr>
+        <p:spPr>
+          <a:xfrm>
+            <a:off x="10693024" y="4110574"/>
+            <a:ext cx="1080557" cy="228737"/>
+          </a:xfrm>
+          <a:prstGeom prst="rect">
+            <a:avLst/>
+          </a:prstGeom>
+        </p:spPr>
+        <p:txBody>
+          <a:bodyPr wrap="square" numCol="1" anchor="t">
+            <a:noAutofit/>
+          </a:bodyPr>
+          <a:lstStyle/>
+          <a:p>
+            <a:pPr algn="ctr">
+              <a:lnSpc>
+                <a:spcPct val="90000"/>
+              </a:lnSpc>
+              <a:defRPr sz="1000" b="1">
+                <a:solidFill>
+                  <a:schemeClr val="dk1"/>
+                </a:solidFill>
+              </a:defRPr>
+            </a:pPr>
+            <a:r>
+              <a:rPr lang="en-US" sz="1100" dirty="0" smtClean="0"/>
+              <a:t>Top interests</a:t>
+            </a:r>
+            <a:endParaRPr lang="en-US" sz="1100" b="1" dirty="0"/>
+          </a:p>
+          <a:p>
+            <a:pPr>
+              <a:defRPr sz="800">
+                <a:solidFill>
+                  <a:schemeClr val="dk2"/>
+                </a:solidFill>
+              </a:defRPr>
+            </a:pPr>
+            <a:r>
+              <a:rPr dirty="0" smtClean="0"/>
+              <a:t> </a:t>
+            </a:r>
+            <a:endParaRPr dirty="0"/>
+          </a:p>
+        </p:txBody>
+      </p:sp>
+      <p:sp>
+        <p:nvSpPr>
+          <p:cNvPr id="113" name="TextBox 112"/>
+          <p:cNvSpPr txBox="1"/>
+          <p:nvPr/>
+        </p:nvSpPr>
+        <p:spPr>
+          <a:xfrm>
+            <a:off x="10029508" y="3784733"/>
+            <a:ext cx="1633636" cy="307558"/>
+          </a:xfrm>
+          <a:prstGeom prst="rect">
+            <a:avLst/>
+          </a:prstGeom>
+          <a:noFill/>
+        </p:spPr>
+        <p:txBody>
+          <a:bodyPr wrap="none" lIns="0" tIns="0" rIns="0" bIns="0" rtlCol="0" anchor="ctr">
+            <a:noAutofit/>
+          </a:bodyPr>
+          <a:lstStyle/>
+          <a:p>
+            <a:pPr algn="ctr">
+              <a:lnSpc>
+                <a:spcPct val="90000"/>
+              </a:lnSpc>
+            </a:pPr>
+            <a:r>
+              <a:rPr lang="en-GB" dirty="0" smtClean="0"/>
+              <a:t>Industry-7</a:t>
+            </a:r>
+            <a:endParaRPr lang="en-GB" sz="1600" dirty="0"/>
+          </a:p>
+        </p:txBody>
+      </p:sp>
+      <p:sp>
+        <p:nvSpPr>
+          <p:cNvPr id="124" name="Rectangle 123"/>
+          <p:cNvSpPr/>
+          <p:nvPr/>
+        </p:nvSpPr>
+        <p:spPr>
+          <a:xfrm>
+            <a:off x="4915367" y="3367900"/>
+            <a:ext cx="990041" cy="220421"/>
           </a:xfrm>
           <a:prstGeom prst="rect">
             <a:avLst/>
@@ -44867,18 +45326,14 @@
         </p:spPr>
         <p:txBody>
           <a:bodyPr wrap="none" anchor="ctr" anchorCtr="0">
-            <a:normAutofit lnSpcReduction="10000"/>
+            <a:noAutofit/>
           </a:bodyPr>
           <a:lstStyle/>
           <a:p>
             <a:pPr algn="ctr"/>
             <a:r>
-              <a:rPr lang="en-US" sz="1000" dirty="0"/>
-              <a:t>1</a:t>
-            </a:r>
-            <a:r>
               <a:rPr lang="en-US" sz="1000" dirty="0" smtClean="0"/>
-              <a:t>-interest-2</a:t>
+              <a:t>0-interest-2</a:t>
             </a:r>
             <a:endParaRPr lang="en-GB" sz="800" dirty="0"/>
           </a:p>
@@ -44886,13 +45341,13 @@
       </p:sp>
       <p:sp>
         <p:nvSpPr>
-          <p:cNvPr id="71" name="TextBox 70"/>
+          <p:cNvPr id="125" name="TextBox 124"/>
           <p:cNvSpPr txBox="1"/>
           <p:nvPr/>
         </p:nvSpPr>
         <p:spPr>
           <a:xfrm>
-            <a:off x="8149628" y="2129614"/>
+            <a:off x="4915367" y="2129614"/>
             <a:ext cx="990041" cy="236514"/>
           </a:xfrm>
           <a:prstGeom prst="rect">
@@ -44913,7 +45368,7 @@
             </a:pPr>
             <a:r>
               <a:rPr lang="en-US" sz="1000" dirty="0" smtClean="0"/>
-              <a:t>1-interest-0</a:t>
+              <a:t>0-interest-0</a:t>
             </a:r>
             <a:endParaRPr lang="en-US" sz="1000" dirty="0"/>
           </a:p>
@@ -44921,13 +45376,13 @@
       </p:sp>
       <p:sp>
         <p:nvSpPr>
-          <p:cNvPr id="79" name="TextBox 78"/>
+          <p:cNvPr id="126" name="TextBox 125"/>
           <p:cNvSpPr txBox="1"/>
           <p:nvPr/>
         </p:nvSpPr>
         <p:spPr>
           <a:xfrm>
-            <a:off x="8149628" y="2766831"/>
+            <a:off x="4915367" y="2759628"/>
             <a:ext cx="990041" cy="214771"/>
           </a:xfrm>
           <a:prstGeom prst="rect">
@@ -44948,7 +45403,7 @@
             </a:pPr>
             <a:r>
               <a:rPr lang="en-US" sz="1000" dirty="0" smtClean="0"/>
-              <a:t>1-interest-1</a:t>
+              <a:t>0-interest-1</a:t>
             </a:r>
             <a:endParaRPr lang="en-US" sz="1000" dirty="0"/>
           </a:p>
@@ -44956,14 +45411,14 @@
       </p:sp>
       <p:sp>
         <p:nvSpPr>
-          <p:cNvPr id="80" name="Rectangle 79"/>
+          <p:cNvPr id="144" name="Rectangle 143"/>
           <p:cNvSpPr/>
           <p:nvPr/>
         </p:nvSpPr>
         <p:spPr>
           <a:xfrm>
-            <a:off x="10573782" y="3382305"/>
-            <a:ext cx="976802" cy="220421"/>
+            <a:off x="6866644" y="3373355"/>
+            <a:ext cx="990042" cy="229371"/>
           </a:xfrm>
           <a:prstGeom prst="rect">
             <a:avLst/>
@@ -44971,14 +45426,18 @@
         </p:spPr>
         <p:txBody>
           <a:bodyPr wrap="none" anchor="ctr" anchorCtr="0">
-            <a:normAutofit fontScale="92500" lnSpcReduction="10000"/>
+            <a:normAutofit lnSpcReduction="10000"/>
           </a:bodyPr>
           <a:lstStyle/>
           <a:p>
             <a:pPr algn="ctr"/>
             <a:r>
+              <a:rPr lang="en-US" sz="1000" dirty="0"/>
+              <a:t>1</a:t>
+            </a:r>
+            <a:r>
               <a:rPr lang="en-US" sz="1000" dirty="0" smtClean="0"/>
-              <a:t>2-interest-2</a:t>
+              <a:t>-interest-2</a:t>
             </a:r>
             <a:endParaRPr lang="en-GB" sz="800" dirty="0"/>
           </a:p>
@@ -44986,13 +45445,13 @@
       </p:sp>
       <p:sp>
         <p:nvSpPr>
-          <p:cNvPr id="82" name="TextBox 81"/>
+          <p:cNvPr id="145" name="TextBox 144"/>
           <p:cNvSpPr txBox="1"/>
           <p:nvPr/>
         </p:nvSpPr>
         <p:spPr>
           <a:xfrm>
-            <a:off x="10560543" y="2129614"/>
+            <a:off x="6866644" y="2129614"/>
             <a:ext cx="990041" cy="236514"/>
           </a:xfrm>
           <a:prstGeom prst="rect">
@@ -45012,12 +45471,8 @@
               </a:lnSpc>
             </a:pPr>
             <a:r>
-              <a:rPr lang="en-US" sz="1000" dirty="0"/>
-              <a:t>2</a:t>
-            </a:r>
-            <a:r>
               <a:rPr lang="en-US" sz="1000" dirty="0" smtClean="0"/>
-              <a:t>-interest-0</a:t>
+              <a:t>1-interest-0</a:t>
             </a:r>
             <a:endParaRPr lang="en-US" sz="1000" dirty="0"/>
           </a:p>
@@ -45025,13 +45480,13 @@
       </p:sp>
       <p:sp>
         <p:nvSpPr>
-          <p:cNvPr id="83" name="TextBox 82"/>
+          <p:cNvPr id="146" name="TextBox 145"/>
           <p:cNvSpPr txBox="1"/>
           <p:nvPr/>
         </p:nvSpPr>
         <p:spPr>
           <a:xfrm>
-            <a:off x="10560543" y="2766831"/>
+            <a:off x="6866644" y="2766831"/>
             <a:ext cx="990041" cy="214771"/>
           </a:xfrm>
           <a:prstGeom prst="rect">
@@ -45051,12 +45506,8 @@
               </a:lnSpc>
             </a:pPr>
             <a:r>
-              <a:rPr lang="en-US" sz="1000" dirty="0"/>
-              <a:t>2</a:t>
-            </a:r>
-            <a:r>
               <a:rPr lang="en-US" sz="1000" dirty="0" smtClean="0"/>
-              <a:t>-interest-1</a:t>
+              <a:t>1-interest-1</a:t>
             </a:r>
             <a:endParaRPr lang="en-US" sz="1000" dirty="0"/>
           </a:p>
@@ -45064,14 +45515,14 @@
       </p:sp>
       <p:sp>
         <p:nvSpPr>
-          <p:cNvPr id="89" name="Rectangle 88"/>
+          <p:cNvPr id="147" name="Rectangle 146"/>
           <p:cNvSpPr/>
           <p:nvPr/>
         </p:nvSpPr>
         <p:spPr>
           <a:xfrm>
-            <a:off x="5768263" y="6070237"/>
-            <a:ext cx="990041" cy="217151"/>
+            <a:off x="8803551" y="3373355"/>
+            <a:ext cx="990042" cy="229371"/>
           </a:xfrm>
           <a:prstGeom prst="rect">
             <a:avLst/>
@@ -45079,14 +45530,14 @@
         </p:spPr>
         <p:txBody>
           <a:bodyPr wrap="none" anchor="ctr" anchorCtr="0">
-            <a:normAutofit fontScale="92500" lnSpcReduction="10000"/>
+            <a:normAutofit lnSpcReduction="10000"/>
           </a:bodyPr>
           <a:lstStyle/>
           <a:p>
             <a:pPr algn="ctr"/>
             <a:r>
               <a:rPr lang="en-US" sz="1000" dirty="0"/>
-              <a:t>3</a:t>
+              <a:t>2</a:t>
             </a:r>
             <a:r>
               <a:rPr lang="en-US" sz="1000" dirty="0" smtClean="0"/>
@@ -45098,13 +45549,13 @@
       </p:sp>
       <p:sp>
         <p:nvSpPr>
-          <p:cNvPr id="92" name="TextBox 91"/>
+          <p:cNvPr id="148" name="TextBox 147"/>
           <p:cNvSpPr txBox="1"/>
           <p:nvPr/>
         </p:nvSpPr>
         <p:spPr>
           <a:xfrm>
-            <a:off x="5768263" y="4814178"/>
+            <a:off x="8803551" y="2129614"/>
             <a:ext cx="990041" cy="236514"/>
           </a:xfrm>
           <a:prstGeom prst="rect">
@@ -45124,12 +45575,8 @@
               </a:lnSpc>
             </a:pPr>
             <a:r>
-              <a:rPr lang="en-US" sz="1000" dirty="0"/>
-              <a:t>3</a:t>
-            </a:r>
-            <a:r>
               <a:rPr lang="en-US" sz="1000" dirty="0" smtClean="0"/>
-              <a:t>-interest-0</a:t>
+              <a:t>2-interest-0</a:t>
             </a:r>
             <a:endParaRPr lang="en-US" sz="1000" dirty="0"/>
           </a:p>
@@ -45137,13 +45584,13 @@
       </p:sp>
       <p:sp>
         <p:nvSpPr>
-          <p:cNvPr id="94" name="TextBox 93"/>
+          <p:cNvPr id="149" name="TextBox 148"/>
           <p:cNvSpPr txBox="1"/>
           <p:nvPr/>
         </p:nvSpPr>
         <p:spPr>
           <a:xfrm>
-            <a:off x="5768263" y="5451395"/>
+            <a:off x="8803551" y="2766831"/>
             <a:ext cx="990041" cy="214771"/>
           </a:xfrm>
           <a:prstGeom prst="rect">
@@ -45164,7 +45611,7 @@
             </a:pPr>
             <a:r>
               <a:rPr lang="en-US" sz="1000" dirty="0"/>
-              <a:t>3</a:t>
+              <a:t>2</a:t>
             </a:r>
             <a:r>
               <a:rPr lang="en-US" sz="1000" dirty="0" smtClean="0"/>
@@ -45176,14 +45623,14 @@
       </p:sp>
       <p:sp>
         <p:nvSpPr>
-          <p:cNvPr id="102" name="Rectangle 101"/>
+          <p:cNvPr id="150" name="Rectangle 149"/>
           <p:cNvSpPr/>
           <p:nvPr/>
         </p:nvSpPr>
         <p:spPr>
           <a:xfrm>
-            <a:off x="8170710" y="6070237"/>
-            <a:ext cx="968959" cy="222583"/>
+            <a:off x="10721405" y="3373355"/>
+            <a:ext cx="990042" cy="229371"/>
           </a:xfrm>
           <a:prstGeom prst="rect">
             <a:avLst/>
@@ -45191,14 +45638,14 @@
         </p:spPr>
         <p:txBody>
           <a:bodyPr wrap="none" anchor="ctr" anchorCtr="0">
-            <a:normAutofit fontScale="92500" lnSpcReduction="10000"/>
+            <a:normAutofit lnSpcReduction="10000"/>
           </a:bodyPr>
           <a:lstStyle/>
           <a:p>
             <a:pPr algn="ctr"/>
             <a:r>
               <a:rPr lang="en-US" sz="1000" dirty="0" smtClean="0"/>
-              <a:t>4-interest-2</a:t>
+              <a:t>3-interest-2</a:t>
             </a:r>
             <a:endParaRPr lang="en-GB" sz="800" dirty="0"/>
           </a:p>
@@ -45206,13 +45653,13 @@
       </p:sp>
       <p:sp>
         <p:nvSpPr>
-          <p:cNvPr id="104" name="TextBox 103"/>
+          <p:cNvPr id="151" name="TextBox 150"/>
           <p:cNvSpPr txBox="1"/>
           <p:nvPr/>
         </p:nvSpPr>
         <p:spPr>
           <a:xfrm>
-            <a:off x="8149628" y="4814178"/>
+            <a:off x="10721405" y="2129614"/>
             <a:ext cx="990041" cy="236514"/>
           </a:xfrm>
           <a:prstGeom prst="rect">
@@ -45233,7 +45680,7 @@
             </a:pPr>
             <a:r>
               <a:rPr lang="en-US" sz="1000" dirty="0" smtClean="0"/>
-              <a:t>4-interest-0</a:t>
+              <a:t>3-interest-0</a:t>
             </a:r>
             <a:endParaRPr lang="en-US" sz="1000" dirty="0"/>
           </a:p>
@@ -45241,13 +45688,13 @@
       </p:sp>
       <p:sp>
         <p:nvSpPr>
-          <p:cNvPr id="112" name="TextBox 111"/>
+          <p:cNvPr id="152" name="TextBox 151"/>
           <p:cNvSpPr txBox="1"/>
           <p:nvPr/>
         </p:nvSpPr>
         <p:spPr>
           <a:xfrm>
-            <a:off x="8149628" y="5451395"/>
+            <a:off x="10721405" y="2766831"/>
             <a:ext cx="990041" cy="214771"/>
           </a:xfrm>
           <a:prstGeom prst="rect">
@@ -45268,7 +45715,7 @@
             </a:pPr>
             <a:r>
               <a:rPr lang="en-US" sz="1000" dirty="0" smtClean="0"/>
-              <a:t>4-interest-1</a:t>
+              <a:t>3-interest-1</a:t>
             </a:r>
             <a:endParaRPr lang="en-US" sz="1000" dirty="0"/>
           </a:p>
@@ -45276,14 +45723,14 @@
       </p:sp>
       <p:sp>
         <p:nvSpPr>
-          <p:cNvPr id="113" name="Rectangle 112"/>
+          <p:cNvPr id="153" name="Rectangle 152"/>
           <p:cNvSpPr/>
           <p:nvPr/>
         </p:nvSpPr>
         <p:spPr>
           <a:xfrm>
-            <a:off x="10560543" y="6066869"/>
-            <a:ext cx="976802" cy="225951"/>
+            <a:off x="4915367" y="6003171"/>
+            <a:ext cx="990041" cy="220421"/>
           </a:xfrm>
           <a:prstGeom prst="rect">
             <a:avLst/>
@@ -45297,12 +45744,8 @@
           <a:p>
             <a:pPr algn="ctr"/>
             <a:r>
-              <a:rPr lang="en-US" sz="1000" dirty="0"/>
-              <a:t>5</a:t>
-            </a:r>
-            <a:r>
               <a:rPr lang="en-US" sz="1000" dirty="0" smtClean="0"/>
-              <a:t>-interest-2</a:t>
+              <a:t>4-interest-2</a:t>
             </a:r>
             <a:endParaRPr lang="en-GB" sz="800" dirty="0"/>
           </a:p>
@@ -45310,13 +45753,13 @@
       </p:sp>
       <p:sp>
         <p:nvSpPr>
-          <p:cNvPr id="120" name="TextBox 119"/>
+          <p:cNvPr id="154" name="TextBox 153"/>
           <p:cNvSpPr txBox="1"/>
           <p:nvPr/>
         </p:nvSpPr>
         <p:spPr>
           <a:xfrm>
-            <a:off x="10560543" y="4814178"/>
+            <a:off x="4915367" y="4764885"/>
             <a:ext cx="990041" cy="236514"/>
           </a:xfrm>
           <a:prstGeom prst="rect">
@@ -45337,7 +45780,7 @@
             </a:pPr>
             <a:r>
               <a:rPr lang="en-US" sz="1000" dirty="0" smtClean="0"/>
-              <a:t>5-interest-0</a:t>
+              <a:t>4-interest-0</a:t>
             </a:r>
             <a:endParaRPr lang="en-US" sz="1000" dirty="0"/>
           </a:p>
@@ -45345,13 +45788,13 @@
       </p:sp>
       <p:sp>
         <p:nvSpPr>
-          <p:cNvPr id="121" name="TextBox 120"/>
+          <p:cNvPr id="155" name="TextBox 154"/>
           <p:cNvSpPr txBox="1"/>
           <p:nvPr/>
         </p:nvSpPr>
         <p:spPr>
           <a:xfrm>
-            <a:off x="10560543" y="5451395"/>
+            <a:off x="4915367" y="5394899"/>
             <a:ext cx="990041" cy="214771"/>
           </a:xfrm>
           <a:prstGeom prst="rect">
@@ -45372,7 +45815,7 @@
             </a:pPr>
             <a:r>
               <a:rPr lang="en-US" sz="1000" dirty="0" smtClean="0"/>
-              <a:t>5-interest-1</a:t>
+              <a:t>4-interest-1</a:t>
             </a:r>
             <a:endParaRPr lang="en-US" sz="1000" dirty="0"/>
           </a:p>
@@ -45380,14 +45823,44 @@
       </p:sp>
       <p:sp>
         <p:nvSpPr>
-          <p:cNvPr id="7" name="TextBox 6"/>
+          <p:cNvPr id="156" name="Rectangle 155"/>
+          <p:cNvSpPr/>
+          <p:nvPr/>
+        </p:nvSpPr>
+        <p:spPr>
+          <a:xfrm>
+            <a:off x="6866644" y="6008626"/>
+            <a:ext cx="990042" cy="229371"/>
+          </a:xfrm>
+          <a:prstGeom prst="rect">
+            <a:avLst/>
+          </a:prstGeom>
+        </p:spPr>
+        <p:txBody>
+          <a:bodyPr wrap="none" anchor="ctr" anchorCtr="0">
+            <a:normAutofit lnSpcReduction="10000"/>
+          </a:bodyPr>
+          <a:lstStyle/>
+          <a:p>
+            <a:pPr algn="ctr"/>
+            <a:r>
+              <a:rPr lang="en-US" sz="1000" dirty="0" smtClean="0"/>
+              <a:t>5-interest-2</a:t>
+            </a:r>
+            <a:endParaRPr lang="en-GB" sz="800" dirty="0"/>
+          </a:p>
+        </p:txBody>
+      </p:sp>
+      <p:sp>
+        <p:nvSpPr>
+          <p:cNvPr id="157" name="TextBox 156"/>
           <p:cNvSpPr txBox="1"/>
           <p:nvPr/>
         </p:nvSpPr>
         <p:spPr>
           <a:xfrm>
-            <a:off x="4488571" y="1047360"/>
-            <a:ext cx="2269733" cy="255198"/>
+            <a:off x="6866644" y="4764885"/>
+            <a:ext cx="990041" cy="236514"/>
           </a:xfrm>
           <a:prstGeom prst="rect">
             <a:avLst/>
@@ -45395,8 +45868,8 @@
           <a:noFill/>
         </p:spPr>
         <p:txBody>
-          <a:bodyPr wrap="none" lIns="0" tIns="0" rIns="0" bIns="0" rtlCol="0" anchor="ctr">
-            <a:noAutofit/>
+          <a:bodyPr wrap="none" lIns="0" tIns="0" rIns="0" bIns="0" rtlCol="0" anchor="ctr" anchorCtr="0">
+            <a:normAutofit/>
           </a:bodyPr>
           <a:lstStyle/>
           <a:p>
@@ -45406,23 +45879,23 @@
               </a:lnSpc>
             </a:pPr>
             <a:r>
-              <a:rPr lang="en-US" sz="1600" dirty="0" smtClean="0"/>
-              <a:t>Industry-0</a:t>
-            </a:r>
-            <a:endParaRPr lang="en-GB" sz="1600" dirty="0"/>
+              <a:rPr lang="en-US" sz="1000" dirty="0" smtClean="0"/>
+              <a:t>5-interest-0</a:t>
+            </a:r>
+            <a:endParaRPr lang="en-US" sz="1000" dirty="0"/>
           </a:p>
         </p:txBody>
       </p:sp>
       <p:sp>
         <p:nvSpPr>
-          <p:cNvPr id="122" name="TextBox 121"/>
+          <p:cNvPr id="158" name="TextBox 157"/>
           <p:cNvSpPr txBox="1"/>
           <p:nvPr/>
         </p:nvSpPr>
         <p:spPr>
           <a:xfrm>
-            <a:off x="6890393" y="1047360"/>
-            <a:ext cx="2269733" cy="255198"/>
+            <a:off x="6866644" y="5402102"/>
+            <a:ext cx="990041" cy="214771"/>
           </a:xfrm>
           <a:prstGeom prst="rect">
             <a:avLst/>
@@ -45430,8 +45903,8 @@
           <a:noFill/>
         </p:spPr>
         <p:txBody>
-          <a:bodyPr wrap="none" lIns="0" tIns="0" rIns="0" bIns="0" rtlCol="0" anchor="ctr">
-            <a:noAutofit/>
+          <a:bodyPr wrap="none" lIns="0" tIns="0" rIns="0" bIns="0" rtlCol="0" anchor="ctr" anchorCtr="0">
+            <a:normAutofit/>
           </a:bodyPr>
           <a:lstStyle/>
           <a:p>
@@ -45441,23 +45914,53 @@
               </a:lnSpc>
             </a:pPr>
             <a:r>
-              <a:rPr lang="en-US" sz="1600" dirty="0" smtClean="0"/>
-              <a:t>Industry-1</a:t>
-            </a:r>
-            <a:endParaRPr lang="en-GB" sz="1600" dirty="0"/>
+              <a:rPr lang="en-US" sz="1000" dirty="0" smtClean="0"/>
+              <a:t>5-interest-1</a:t>
+            </a:r>
+            <a:endParaRPr lang="en-US" sz="1000" dirty="0"/>
           </a:p>
         </p:txBody>
       </p:sp>
       <p:sp>
         <p:nvSpPr>
-          <p:cNvPr id="123" name="TextBox 122"/>
+          <p:cNvPr id="159" name="Rectangle 158"/>
+          <p:cNvSpPr/>
+          <p:nvPr/>
+        </p:nvSpPr>
+        <p:spPr>
+          <a:xfrm>
+            <a:off x="8803551" y="6008626"/>
+            <a:ext cx="990042" cy="229371"/>
+          </a:xfrm>
+          <a:prstGeom prst="rect">
+            <a:avLst/>
+          </a:prstGeom>
+        </p:spPr>
+        <p:txBody>
+          <a:bodyPr wrap="none" anchor="ctr" anchorCtr="0">
+            <a:normAutofit lnSpcReduction="10000"/>
+          </a:bodyPr>
+          <a:lstStyle/>
+          <a:p>
+            <a:pPr algn="ctr"/>
+            <a:r>
+              <a:rPr lang="en-US" sz="1000" dirty="0" smtClean="0"/>
+              <a:t>6-interest-2</a:t>
+            </a:r>
+            <a:endParaRPr lang="en-GB" sz="800" dirty="0"/>
+          </a:p>
+        </p:txBody>
+      </p:sp>
+      <p:sp>
+        <p:nvSpPr>
+          <p:cNvPr id="160" name="TextBox 159"/>
           <p:cNvSpPr txBox="1"/>
           <p:nvPr/>
         </p:nvSpPr>
         <p:spPr>
           <a:xfrm>
-            <a:off x="9303740" y="1047360"/>
-            <a:ext cx="2269733" cy="255198"/>
+            <a:off x="8803551" y="4764885"/>
+            <a:ext cx="990041" cy="236514"/>
           </a:xfrm>
           <a:prstGeom prst="rect">
             <a:avLst/>
@@ -45465,8 +45968,8 @@
           <a:noFill/>
         </p:spPr>
         <p:txBody>
-          <a:bodyPr wrap="none" lIns="0" tIns="0" rIns="0" bIns="0" rtlCol="0" anchor="ctr">
-            <a:noAutofit/>
+          <a:bodyPr wrap="none" lIns="0" tIns="0" rIns="0" bIns="0" rtlCol="0" anchor="ctr" anchorCtr="0">
+            <a:normAutofit/>
           </a:bodyPr>
           <a:lstStyle/>
           <a:p>
@@ -45476,23 +45979,23 @@
               </a:lnSpc>
             </a:pPr>
             <a:r>
-              <a:rPr lang="en-US" sz="1600" dirty="0" smtClean="0"/>
-              <a:t>Industry-2</a:t>
-            </a:r>
-            <a:endParaRPr lang="en-GB" sz="1600" dirty="0"/>
+              <a:rPr lang="en-US" sz="1000" dirty="0" smtClean="0"/>
+              <a:t>6-interest-0</a:t>
+            </a:r>
+            <a:endParaRPr lang="en-US" sz="1000" dirty="0"/>
           </a:p>
         </p:txBody>
       </p:sp>
       <p:sp>
         <p:nvSpPr>
-          <p:cNvPr id="124" name="TextBox 123"/>
+          <p:cNvPr id="161" name="TextBox 160"/>
           <p:cNvSpPr txBox="1"/>
           <p:nvPr/>
         </p:nvSpPr>
         <p:spPr>
           <a:xfrm>
-            <a:off x="4488571" y="3762826"/>
-            <a:ext cx="2269733" cy="255198"/>
+            <a:off x="8803551" y="5402102"/>
+            <a:ext cx="990041" cy="214771"/>
           </a:xfrm>
           <a:prstGeom prst="rect">
             <a:avLst/>
@@ -45500,8 +46003,8 @@
           <a:noFill/>
         </p:spPr>
         <p:txBody>
-          <a:bodyPr wrap="none" lIns="0" tIns="0" rIns="0" bIns="0" rtlCol="0" anchor="ctr">
-            <a:noAutofit/>
+          <a:bodyPr wrap="none" lIns="0" tIns="0" rIns="0" bIns="0" rtlCol="0" anchor="ctr" anchorCtr="0">
+            <a:normAutofit/>
           </a:bodyPr>
           <a:lstStyle/>
           <a:p>
@@ -45511,23 +46014,53 @@
               </a:lnSpc>
             </a:pPr>
             <a:r>
-              <a:rPr lang="en-US" sz="1600" dirty="0" smtClean="0"/>
-              <a:t>Industry-3</a:t>
-            </a:r>
-            <a:endParaRPr lang="en-GB" sz="1600" dirty="0"/>
+              <a:rPr lang="en-US" sz="1000" dirty="0" smtClean="0"/>
+              <a:t>6-interest-1</a:t>
+            </a:r>
+            <a:endParaRPr lang="en-US" sz="1000" dirty="0"/>
           </a:p>
         </p:txBody>
       </p:sp>
       <p:sp>
         <p:nvSpPr>
-          <p:cNvPr id="125" name="TextBox 124"/>
+          <p:cNvPr id="162" name="Rectangle 161"/>
+          <p:cNvSpPr/>
+          <p:nvPr/>
+        </p:nvSpPr>
+        <p:spPr>
+          <a:xfrm>
+            <a:off x="10721405" y="6008626"/>
+            <a:ext cx="990042" cy="229371"/>
+          </a:xfrm>
+          <a:prstGeom prst="rect">
+            <a:avLst/>
+          </a:prstGeom>
+        </p:spPr>
+        <p:txBody>
+          <a:bodyPr wrap="none" anchor="ctr" anchorCtr="0">
+            <a:normAutofit lnSpcReduction="10000"/>
+          </a:bodyPr>
+          <a:lstStyle/>
+          <a:p>
+            <a:pPr algn="ctr"/>
+            <a:r>
+              <a:rPr lang="en-US" sz="1000" dirty="0" smtClean="0"/>
+              <a:t>7-interest-2</a:t>
+            </a:r>
+            <a:endParaRPr lang="en-GB" sz="800" dirty="0"/>
+          </a:p>
+        </p:txBody>
+      </p:sp>
+      <p:sp>
+        <p:nvSpPr>
+          <p:cNvPr id="163" name="TextBox 162"/>
           <p:cNvSpPr txBox="1"/>
           <p:nvPr/>
         </p:nvSpPr>
         <p:spPr>
           <a:xfrm>
-            <a:off x="6890392" y="3762826"/>
-            <a:ext cx="2269733" cy="255198"/>
+            <a:off x="10721405" y="4764885"/>
+            <a:ext cx="990041" cy="236514"/>
           </a:xfrm>
           <a:prstGeom prst="rect">
             <a:avLst/>
@@ -45535,8 +46068,8 @@
           <a:noFill/>
         </p:spPr>
         <p:txBody>
-          <a:bodyPr wrap="none" lIns="0" tIns="0" rIns="0" bIns="0" rtlCol="0" anchor="ctr">
-            <a:noAutofit/>
+          <a:bodyPr wrap="none" lIns="0" tIns="0" rIns="0" bIns="0" rtlCol="0" anchor="ctr" anchorCtr="0">
+            <a:normAutofit/>
           </a:bodyPr>
           <a:lstStyle/>
           <a:p>
@@ -45546,23 +46079,23 @@
               </a:lnSpc>
             </a:pPr>
             <a:r>
-              <a:rPr lang="en-US" sz="1600" dirty="0" smtClean="0"/>
-              <a:t>Industry-4</a:t>
-            </a:r>
-            <a:endParaRPr lang="en-GB" sz="1600" dirty="0"/>
+              <a:rPr lang="en-US" sz="1000" dirty="0" smtClean="0"/>
+              <a:t>7-interest-0</a:t>
+            </a:r>
+            <a:endParaRPr lang="en-US" sz="1000" dirty="0"/>
           </a:p>
         </p:txBody>
       </p:sp>
       <p:sp>
         <p:nvSpPr>
-          <p:cNvPr id="126" name="TextBox 125"/>
+          <p:cNvPr id="164" name="TextBox 163"/>
           <p:cNvSpPr txBox="1"/>
           <p:nvPr/>
         </p:nvSpPr>
         <p:spPr>
           <a:xfrm>
-            <a:off x="9291588" y="3762826"/>
-            <a:ext cx="2269733" cy="255198"/>
+            <a:off x="10721405" y="5402102"/>
+            <a:ext cx="990041" cy="214771"/>
           </a:xfrm>
           <a:prstGeom prst="rect">
             <a:avLst/>
@@ -45570,8 +46103,8 @@
           <a:noFill/>
         </p:spPr>
         <p:txBody>
-          <a:bodyPr wrap="none" lIns="0" tIns="0" rIns="0" bIns="0" rtlCol="0" anchor="ctr">
-            <a:noAutofit/>
+          <a:bodyPr wrap="none" lIns="0" tIns="0" rIns="0" bIns="0" rtlCol="0" anchor="ctr" anchorCtr="0">
+            <a:normAutofit/>
           </a:bodyPr>
           <a:lstStyle/>
           <a:p>
@@ -45581,17 +46114,71 @@
               </a:lnSpc>
             </a:pPr>
             <a:r>
-              <a:rPr lang="en-US" sz="1600" dirty="0" smtClean="0"/>
-              <a:t>Industry-5</a:t>
-            </a:r>
-            <a:endParaRPr lang="en-GB" sz="1600" dirty="0"/>
+              <a:rPr lang="en-US" sz="1000" dirty="0" smtClean="0"/>
+              <a:t>7-interest-1</a:t>
+            </a:r>
+            <a:endParaRPr lang="en-US" sz="1000" dirty="0"/>
+          </a:p>
+        </p:txBody>
+      </p:sp>
+      <p:sp>
+        <p:nvSpPr>
+          <p:cNvPr id="165" name="Rectangle 164"/>
+          <p:cNvSpPr/>
+          <p:nvPr/>
+        </p:nvSpPr>
+        <p:spPr bwMode="ltGray">
+          <a:xfrm>
+            <a:off x="9930780" y="3763508"/>
+            <a:ext cx="1826594" cy="310045"/>
+          </a:xfrm>
+          <a:prstGeom prst="rect">
+            <a:avLst/>
+          </a:prstGeom>
+          <a:noFill/>
+          <a:ln w="38100">
+            <a:solidFill>
+              <a:schemeClr val="accent1"/>
+            </a:solidFill>
+          </a:ln>
+        </p:spPr>
+        <p:style>
+          <a:lnRef idx="2">
+            <a:schemeClr val="accent1">
+              <a:shade val="50000"/>
+            </a:schemeClr>
+          </a:lnRef>
+          <a:fillRef idx="1">
+            <a:schemeClr val="accent1"/>
+          </a:fillRef>
+          <a:effectRef idx="0">
+            <a:schemeClr val="accent1"/>
+          </a:effectRef>
+          <a:fontRef idx="minor">
+            <a:schemeClr val="lt1"/>
+          </a:fontRef>
+        </p:style>
+        <p:txBody>
+          <a:bodyPr rtlCol="0" anchor="ctr"/>
+          <a:lstStyle/>
+          <a:p>
+            <a:pPr algn="ctr">
+              <a:lnSpc>
+                <a:spcPct val="90000"/>
+              </a:lnSpc>
+            </a:pPr>
+            <a:endParaRPr lang="en-US" sz="1200" b="1" dirty="0" smtClean="0">
+              <a:solidFill>
+                <a:schemeClr val="tx1"/>
+              </a:solidFill>
+            </a:endParaRPr>
           </a:p>
         </p:txBody>
       </p:sp>
     </p:spTree>
     <p:extLst>
       <p:ext uri="{BB962C8B-B14F-4D97-AF65-F5344CB8AC3E}">
-        <p14:creationId xmlns:p14="http://schemas.microsoft.com/office/powerpoint/2010/main" val="4209728806"/>
+        <p14:creationId xmlns:p14="http://schemas.microsoft.com/office/powerpoint/2010/main" val="1075763391"/>
       </p:ext>
     </p:extLst>
   </p:cSld>
